--- a/자료구조 알고리즘 복습용.pptx
+++ b/자료구조 알고리즘 복습용.pptx
@@ -6,6 +6,7 @@
   </p:sldMasterIdLst>
   <p:sldIdLst>
     <p:sldId id="256" r:id="rId2"/>
+    <p:sldId id="257" r:id="rId3"/>
   </p:sldIdLst>
   <p:sldSz cx="12192000" cy="6858000"/>
   <p:notesSz cx="6858000" cy="9144000"/>
@@ -104,6 +105,11 @@
       </a:defRPr>
     </a:lvl9pPr>
   </p:defaultTextStyle>
+  <p:extLst>
+    <p:ext uri="{EFAFB233-063F-42B5-8137-9DF3F51BA10A}">
+      <p15:sldGuideLst xmlns:p15="http://schemas.microsoft.com/office/powerpoint/2012/main"/>
+    </p:ext>
+  </p:extLst>
 </p:presentation>
 </file>
 
@@ -238,7 +244,7 @@
           <a:p>
             <a:fld id="{155859AF-D2E8-431F-B81F-360B43E3F9C2}" type="datetimeFigureOut">
               <a:rPr lang="ko-KR" altLang="en-US" smtClean="0"/>
-              <a:t>2022-10-31</a:t>
+              <a:t>2022-11-01</a:t>
             </a:fld>
             <a:endParaRPr lang="ko-KR" altLang="en-US"/>
           </a:p>
@@ -408,7 +414,7 @@
           <a:p>
             <a:fld id="{155859AF-D2E8-431F-B81F-360B43E3F9C2}" type="datetimeFigureOut">
               <a:rPr lang="ko-KR" altLang="en-US" smtClean="0"/>
-              <a:t>2022-10-31</a:t>
+              <a:t>2022-11-01</a:t>
             </a:fld>
             <a:endParaRPr lang="ko-KR" altLang="en-US"/>
           </a:p>
@@ -588,7 +594,7 @@
           <a:p>
             <a:fld id="{155859AF-D2E8-431F-B81F-360B43E3F9C2}" type="datetimeFigureOut">
               <a:rPr lang="ko-KR" altLang="en-US" smtClean="0"/>
-              <a:t>2022-10-31</a:t>
+              <a:t>2022-11-01</a:t>
             </a:fld>
             <a:endParaRPr lang="ko-KR" altLang="en-US"/>
           </a:p>
@@ -758,7 +764,7 @@
           <a:p>
             <a:fld id="{155859AF-D2E8-431F-B81F-360B43E3F9C2}" type="datetimeFigureOut">
               <a:rPr lang="ko-KR" altLang="en-US" smtClean="0"/>
-              <a:t>2022-10-31</a:t>
+              <a:t>2022-11-01</a:t>
             </a:fld>
             <a:endParaRPr lang="ko-KR" altLang="en-US"/>
           </a:p>
@@ -1004,7 +1010,7 @@
           <a:p>
             <a:fld id="{155859AF-D2E8-431F-B81F-360B43E3F9C2}" type="datetimeFigureOut">
               <a:rPr lang="ko-KR" altLang="en-US" smtClean="0"/>
-              <a:t>2022-10-31</a:t>
+              <a:t>2022-11-01</a:t>
             </a:fld>
             <a:endParaRPr lang="ko-KR" altLang="en-US"/>
           </a:p>
@@ -1236,7 +1242,7 @@
           <a:p>
             <a:fld id="{155859AF-D2E8-431F-B81F-360B43E3F9C2}" type="datetimeFigureOut">
               <a:rPr lang="ko-KR" altLang="en-US" smtClean="0"/>
-              <a:t>2022-10-31</a:t>
+              <a:t>2022-11-01</a:t>
             </a:fld>
             <a:endParaRPr lang="ko-KR" altLang="en-US"/>
           </a:p>
@@ -1603,7 +1609,7 @@
           <a:p>
             <a:fld id="{155859AF-D2E8-431F-B81F-360B43E3F9C2}" type="datetimeFigureOut">
               <a:rPr lang="ko-KR" altLang="en-US" smtClean="0"/>
-              <a:t>2022-10-31</a:t>
+              <a:t>2022-11-01</a:t>
             </a:fld>
             <a:endParaRPr lang="ko-KR" altLang="en-US"/>
           </a:p>
@@ -1721,7 +1727,7 @@
           <a:p>
             <a:fld id="{155859AF-D2E8-431F-B81F-360B43E3F9C2}" type="datetimeFigureOut">
               <a:rPr lang="ko-KR" altLang="en-US" smtClean="0"/>
-              <a:t>2022-10-31</a:t>
+              <a:t>2022-11-01</a:t>
             </a:fld>
             <a:endParaRPr lang="ko-KR" altLang="en-US"/>
           </a:p>
@@ -1816,7 +1822,7 @@
           <a:p>
             <a:fld id="{155859AF-D2E8-431F-B81F-360B43E3F9C2}" type="datetimeFigureOut">
               <a:rPr lang="ko-KR" altLang="en-US" smtClean="0"/>
-              <a:t>2022-10-31</a:t>
+              <a:t>2022-11-01</a:t>
             </a:fld>
             <a:endParaRPr lang="ko-KR" altLang="en-US"/>
           </a:p>
@@ -2093,7 +2099,7 @@
           <a:p>
             <a:fld id="{155859AF-D2E8-431F-B81F-360B43E3F9C2}" type="datetimeFigureOut">
               <a:rPr lang="ko-KR" altLang="en-US" smtClean="0"/>
-              <a:t>2022-10-31</a:t>
+              <a:t>2022-11-01</a:t>
             </a:fld>
             <a:endParaRPr lang="ko-KR" altLang="en-US"/>
           </a:p>
@@ -2346,7 +2352,7 @@
           <a:p>
             <a:fld id="{155859AF-D2E8-431F-B81F-360B43E3F9C2}" type="datetimeFigureOut">
               <a:rPr lang="ko-KR" altLang="en-US" smtClean="0"/>
-              <a:t>2022-10-31</a:t>
+              <a:t>2022-11-01</a:t>
             </a:fld>
             <a:endParaRPr lang="ko-KR" altLang="en-US"/>
           </a:p>
@@ -2559,7 +2565,7 @@
           <a:p>
             <a:fld id="{155859AF-D2E8-431F-B81F-360B43E3F9C2}" type="datetimeFigureOut">
               <a:rPr lang="ko-KR" altLang="en-US" smtClean="0"/>
-              <a:t>2022-10-31</a:t>
+              <a:t>2022-11-01</a:t>
             </a:fld>
             <a:endParaRPr lang="ko-KR" altLang="en-US"/>
           </a:p>
@@ -5999,6 +6005,5691 @@
 </p:sld>
 </file>
 
+<file path=ppt/slides/slide2.xml><?xml version="1.0" encoding="utf-8"?>
+<p:sld xmlns:a="http://schemas.openxmlformats.org/drawingml/2006/main" xmlns:r="http://schemas.openxmlformats.org/officeDocument/2006/relationships" xmlns:p="http://schemas.openxmlformats.org/presentationml/2006/main">
+  <p:cSld>
+    <p:spTree>
+      <p:nvGrpSpPr>
+        <p:cNvPr id="1" name=""/>
+        <p:cNvGrpSpPr/>
+        <p:nvPr/>
+      </p:nvGrpSpPr>
+      <p:grpSpPr>
+        <a:xfrm>
+          <a:off x="0" y="0"/>
+          <a:ext cx="0" cy="0"/>
+          <a:chOff x="0" y="0"/>
+          <a:chExt cx="0" cy="0"/>
+        </a:xfrm>
+      </p:grpSpPr>
+      <p:cxnSp>
+        <p:nvCxnSpPr>
+          <p:cNvPr id="119" name="직선 연결선 118"/>
+          <p:cNvCxnSpPr/>
+          <p:nvPr/>
+        </p:nvCxnSpPr>
+        <p:spPr>
+          <a:xfrm>
+            <a:off x="8216329" y="3396239"/>
+            <a:ext cx="0" cy="1019331"/>
+          </a:xfrm>
+          <a:prstGeom prst="line">
+            <a:avLst/>
+          </a:prstGeom>
+          <a:ln>
+            <a:solidFill>
+              <a:schemeClr val="accent6"/>
+            </a:solidFill>
+          </a:ln>
+        </p:spPr>
+        <p:style>
+          <a:lnRef idx="1">
+            <a:schemeClr val="accent1"/>
+          </a:lnRef>
+          <a:fillRef idx="0">
+            <a:schemeClr val="accent1"/>
+          </a:fillRef>
+          <a:effectRef idx="0">
+            <a:schemeClr val="accent1"/>
+          </a:effectRef>
+          <a:fontRef idx="minor">
+            <a:schemeClr val="tx1"/>
+          </a:fontRef>
+        </p:style>
+      </p:cxnSp>
+      <p:cxnSp>
+        <p:nvCxnSpPr>
+          <p:cNvPr id="120" name="직선 연결선 119"/>
+          <p:cNvCxnSpPr/>
+          <p:nvPr/>
+        </p:nvCxnSpPr>
+        <p:spPr>
+          <a:xfrm>
+            <a:off x="5850603" y="403999"/>
+            <a:ext cx="0" cy="1019331"/>
+          </a:xfrm>
+          <a:prstGeom prst="line">
+            <a:avLst/>
+          </a:prstGeom>
+          <a:ln>
+            <a:solidFill>
+              <a:schemeClr val="accent6"/>
+            </a:solidFill>
+          </a:ln>
+        </p:spPr>
+        <p:style>
+          <a:lnRef idx="1">
+            <a:schemeClr val="accent1"/>
+          </a:lnRef>
+          <a:fillRef idx="0">
+            <a:schemeClr val="accent1"/>
+          </a:fillRef>
+          <a:effectRef idx="0">
+            <a:schemeClr val="accent1"/>
+          </a:effectRef>
+          <a:fontRef idx="minor">
+            <a:schemeClr val="tx1"/>
+          </a:fontRef>
+        </p:style>
+      </p:cxnSp>
+      <p:sp>
+        <p:nvSpPr>
+          <p:cNvPr id="80" name="직사각형 79"/>
+          <p:cNvSpPr/>
+          <p:nvPr/>
+        </p:nvSpPr>
+        <p:spPr>
+          <a:xfrm>
+            <a:off x="3774863" y="382324"/>
+            <a:ext cx="4188036" cy="994008"/>
+          </a:xfrm>
+          <a:prstGeom prst="rect">
+            <a:avLst/>
+          </a:prstGeom>
+          <a:noFill/>
+          <a:ln>
+            <a:solidFill>
+              <a:srgbClr val="92D050"/>
+            </a:solidFill>
+          </a:ln>
+        </p:spPr>
+        <p:style>
+          <a:lnRef idx="2">
+            <a:schemeClr val="accent1">
+              <a:shade val="50000"/>
+            </a:schemeClr>
+          </a:lnRef>
+          <a:fillRef idx="1">
+            <a:schemeClr val="accent1"/>
+          </a:fillRef>
+          <a:effectRef idx="0">
+            <a:schemeClr val="accent1"/>
+          </a:effectRef>
+          <a:fontRef idx="minor">
+            <a:schemeClr val="lt1"/>
+          </a:fontRef>
+        </p:style>
+        <p:txBody>
+          <a:bodyPr rtlCol="0" anchor="ctr"/>
+          <a:lstStyle/>
+          <a:p>
+            <a:pPr algn="ctr"/>
+            <a:endParaRPr lang="ko-KR" altLang="en-US"/>
+          </a:p>
+        </p:txBody>
+      </p:sp>
+      <p:sp>
+        <p:nvSpPr>
+          <p:cNvPr id="81" name="직사각형 80"/>
+          <p:cNvSpPr/>
+          <p:nvPr/>
+        </p:nvSpPr>
+        <p:spPr>
+          <a:xfrm>
+            <a:off x="6109315" y="3396239"/>
+            <a:ext cx="4585191" cy="1019331"/>
+          </a:xfrm>
+          <a:prstGeom prst="rect">
+            <a:avLst/>
+          </a:prstGeom>
+          <a:noFill/>
+          <a:ln>
+            <a:solidFill>
+              <a:srgbClr val="92D050"/>
+            </a:solidFill>
+          </a:ln>
+        </p:spPr>
+        <p:style>
+          <a:lnRef idx="2">
+            <a:schemeClr val="accent1">
+              <a:shade val="50000"/>
+            </a:schemeClr>
+          </a:lnRef>
+          <a:fillRef idx="1">
+            <a:schemeClr val="accent1"/>
+          </a:fillRef>
+          <a:effectRef idx="0">
+            <a:schemeClr val="accent1"/>
+          </a:effectRef>
+          <a:fontRef idx="minor">
+            <a:schemeClr val="lt1"/>
+          </a:fontRef>
+        </p:style>
+        <p:txBody>
+          <a:bodyPr rtlCol="0" anchor="ctr"/>
+          <a:lstStyle/>
+          <a:p>
+            <a:pPr algn="ctr"/>
+            <a:endParaRPr lang="ko-KR" altLang="en-US"/>
+          </a:p>
+        </p:txBody>
+      </p:sp>
+      <p:sp>
+        <p:nvSpPr>
+          <p:cNvPr id="4" name="TextBox 3"/>
+          <p:cNvSpPr txBox="1"/>
+          <p:nvPr/>
+        </p:nvSpPr>
+        <p:spPr>
+          <a:xfrm>
+            <a:off x="246845" y="30355"/>
+            <a:ext cx="2760499" cy="461665"/>
+          </a:xfrm>
+          <a:prstGeom prst="rect">
+            <a:avLst/>
+          </a:prstGeom>
+          <a:noFill/>
+        </p:spPr>
+        <p:txBody>
+          <a:bodyPr wrap="none" rtlCol="0">
+            <a:spAutoFit/>
+          </a:bodyPr>
+          <a:lstStyle/>
+          <a:p>
+            <a:r>
+              <a:rPr lang="en-US" altLang="ko-KR" sz="2400" dirty="0" smtClean="0"/>
+              <a:t>Doubly Linked List</a:t>
+            </a:r>
+            <a:endParaRPr lang="ko-KR" altLang="en-US" sz="2400" dirty="0"/>
+          </a:p>
+        </p:txBody>
+      </p:sp>
+      <p:sp>
+        <p:nvSpPr>
+          <p:cNvPr id="8" name="TextBox 7"/>
+          <p:cNvSpPr txBox="1"/>
+          <p:nvPr/>
+        </p:nvSpPr>
+        <p:spPr>
+          <a:xfrm>
+            <a:off x="2998477" y="440545"/>
+            <a:ext cx="681597" cy="369332"/>
+          </a:xfrm>
+          <a:prstGeom prst="rect">
+            <a:avLst/>
+          </a:prstGeom>
+          <a:noFill/>
+        </p:spPr>
+        <p:txBody>
+          <a:bodyPr wrap="none" rtlCol="0">
+            <a:spAutoFit/>
+          </a:bodyPr>
+          <a:lstStyle/>
+          <a:p>
+            <a:r>
+              <a:rPr lang="en-US" altLang="ko-KR" dirty="0" smtClean="0"/>
+              <a:t>Push</a:t>
+            </a:r>
+            <a:endParaRPr lang="ko-KR" altLang="en-US" dirty="0"/>
+          </a:p>
+        </p:txBody>
+      </p:sp>
+      <p:sp>
+        <p:nvSpPr>
+          <p:cNvPr id="18" name="TextBox 17"/>
+          <p:cNvSpPr txBox="1"/>
+          <p:nvPr/>
+        </p:nvSpPr>
+        <p:spPr>
+          <a:xfrm>
+            <a:off x="4502622" y="1382329"/>
+            <a:ext cx="734496" cy="369332"/>
+          </a:xfrm>
+          <a:prstGeom prst="rect">
+            <a:avLst/>
+          </a:prstGeom>
+          <a:noFill/>
+        </p:spPr>
+        <p:txBody>
+          <a:bodyPr wrap="none" rtlCol="0">
+            <a:spAutoFit/>
+          </a:bodyPr>
+          <a:lstStyle/>
+          <a:p>
+            <a:pPr algn="ctr"/>
+            <a:r>
+              <a:rPr lang="en-US" altLang="ko-KR" dirty="0" smtClean="0"/>
+              <a:t>Head</a:t>
+            </a:r>
+            <a:endParaRPr lang="ko-KR" altLang="en-US" dirty="0"/>
+          </a:p>
+        </p:txBody>
+      </p:sp>
+      <p:sp>
+        <p:nvSpPr>
+          <p:cNvPr id="19" name="TextBox 18"/>
+          <p:cNvSpPr txBox="1"/>
+          <p:nvPr/>
+        </p:nvSpPr>
+        <p:spPr>
+          <a:xfrm>
+            <a:off x="6647476" y="1382329"/>
+            <a:ext cx="893461" cy="369332"/>
+          </a:xfrm>
+          <a:prstGeom prst="rect">
+            <a:avLst/>
+          </a:prstGeom>
+          <a:noFill/>
+        </p:spPr>
+        <p:txBody>
+          <a:bodyPr wrap="square" rtlCol="0">
+            <a:spAutoFit/>
+          </a:bodyPr>
+          <a:lstStyle/>
+          <a:p>
+            <a:pPr algn="ctr"/>
+            <a:r>
+              <a:rPr lang="en-US" altLang="ko-KR" dirty="0" smtClean="0"/>
+              <a:t>Tail</a:t>
+            </a:r>
+            <a:endParaRPr lang="ko-KR" altLang="en-US" dirty="0"/>
+          </a:p>
+        </p:txBody>
+      </p:sp>
+      <p:sp>
+        <p:nvSpPr>
+          <p:cNvPr id="36" name="TextBox 35"/>
+          <p:cNvSpPr txBox="1"/>
+          <p:nvPr/>
+        </p:nvSpPr>
+        <p:spPr>
+          <a:xfrm>
+            <a:off x="8360484" y="1383228"/>
+            <a:ext cx="1791985" cy="369332"/>
+          </a:xfrm>
+          <a:prstGeom prst="rect">
+            <a:avLst/>
+          </a:prstGeom>
+          <a:noFill/>
+        </p:spPr>
+        <p:txBody>
+          <a:bodyPr wrap="square" rtlCol="0">
+            <a:spAutoFit/>
+          </a:bodyPr>
+          <a:lstStyle/>
+          <a:p>
+            <a:pPr algn="ctr"/>
+            <a:r>
+              <a:rPr lang="en-US" altLang="ko-KR" dirty="0" smtClean="0"/>
+              <a:t>New Node</a:t>
+            </a:r>
+            <a:endParaRPr lang="ko-KR" altLang="en-US" dirty="0"/>
+          </a:p>
+        </p:txBody>
+      </p:sp>
+      <p:cxnSp>
+        <p:nvCxnSpPr>
+          <p:cNvPr id="38" name="직선 화살표 연결선 37"/>
+          <p:cNvCxnSpPr>
+            <a:stCxn id="111" idx="3"/>
+            <a:endCxn id="127" idx="1"/>
+          </p:cNvCxnSpPr>
+          <p:nvPr/>
+        </p:nvCxnSpPr>
+        <p:spPr>
+          <a:xfrm flipV="1">
+            <a:off x="7858908" y="181039"/>
+            <a:ext cx="501576" cy="912627"/>
+          </a:xfrm>
+          <a:prstGeom prst="straightConnector1">
+            <a:avLst/>
+          </a:prstGeom>
+          <a:ln>
+            <a:tailEnd type="triangle"/>
+          </a:ln>
+        </p:spPr>
+        <p:style>
+          <a:lnRef idx="1">
+            <a:schemeClr val="accent1"/>
+          </a:lnRef>
+          <a:fillRef idx="0">
+            <a:schemeClr val="accent1"/>
+          </a:fillRef>
+          <a:effectRef idx="0">
+            <a:schemeClr val="accent1"/>
+          </a:effectRef>
+          <a:fontRef idx="minor">
+            <a:schemeClr val="tx1"/>
+          </a:fontRef>
+        </p:style>
+      </p:cxnSp>
+      <p:sp>
+        <p:nvSpPr>
+          <p:cNvPr id="42" name="TextBox 41"/>
+          <p:cNvSpPr txBox="1"/>
+          <p:nvPr/>
+        </p:nvSpPr>
+        <p:spPr>
+          <a:xfrm>
+            <a:off x="9880992" y="1336063"/>
+            <a:ext cx="2390359" cy="523220"/>
+          </a:xfrm>
+          <a:prstGeom prst="rect">
+            <a:avLst/>
+          </a:prstGeom>
+          <a:noFill/>
+        </p:spPr>
+        <p:txBody>
+          <a:bodyPr wrap="square" rtlCol="0">
+            <a:spAutoFit/>
+          </a:bodyPr>
+          <a:lstStyle/>
+          <a:p>
+            <a:r>
+              <a:rPr lang="en-US" altLang="ko-KR" sz="1400" dirty="0" smtClean="0"/>
+              <a:t>Null</a:t>
+            </a:r>
+            <a:r>
+              <a:rPr lang="ko-KR" altLang="en-US" sz="1400" dirty="0" smtClean="0"/>
+              <a:t>이 감지될 경우 새로운 노드의 포인터를 넣어준다</a:t>
+            </a:r>
+            <a:endParaRPr lang="ko-KR" altLang="en-US" sz="1400" dirty="0"/>
+          </a:p>
+        </p:txBody>
+      </p:sp>
+      <p:cxnSp>
+        <p:nvCxnSpPr>
+          <p:cNvPr id="43" name="직선 화살표 연결선 42"/>
+          <p:cNvCxnSpPr>
+            <a:stCxn id="111" idx="3"/>
+            <a:endCxn id="131" idx="1"/>
+          </p:cNvCxnSpPr>
+          <p:nvPr/>
+        </p:nvCxnSpPr>
+        <p:spPr>
+          <a:xfrm flipV="1">
+            <a:off x="7858908" y="646434"/>
+            <a:ext cx="626119" cy="447232"/>
+          </a:xfrm>
+          <a:prstGeom prst="straightConnector1">
+            <a:avLst/>
+          </a:prstGeom>
+          <a:ln>
+            <a:solidFill>
+              <a:srgbClr val="FF0000"/>
+            </a:solidFill>
+            <a:tailEnd type="triangle"/>
+          </a:ln>
+        </p:spPr>
+        <p:style>
+          <a:lnRef idx="1">
+            <a:schemeClr val="accent1"/>
+          </a:lnRef>
+          <a:fillRef idx="0">
+            <a:schemeClr val="accent1"/>
+          </a:fillRef>
+          <a:effectRef idx="0">
+            <a:schemeClr val="accent1"/>
+          </a:effectRef>
+          <a:fontRef idx="minor">
+            <a:schemeClr val="tx1"/>
+          </a:fontRef>
+        </p:style>
+      </p:cxnSp>
+      <p:sp>
+        <p:nvSpPr>
+          <p:cNvPr id="46" name="TextBox 45"/>
+          <p:cNvSpPr txBox="1"/>
+          <p:nvPr/>
+        </p:nvSpPr>
+        <p:spPr>
+          <a:xfrm>
+            <a:off x="1563378" y="3499354"/>
+            <a:ext cx="1403782" cy="369332"/>
+          </a:xfrm>
+          <a:prstGeom prst="rect">
+            <a:avLst/>
+          </a:prstGeom>
+          <a:noFill/>
+        </p:spPr>
+        <p:txBody>
+          <a:bodyPr wrap="none" rtlCol="0">
+            <a:spAutoFit/>
+          </a:bodyPr>
+          <a:lstStyle/>
+          <a:p>
+            <a:r>
+              <a:rPr lang="en-US" altLang="ko-KR" dirty="0" smtClean="0"/>
+              <a:t>Insert Head</a:t>
+            </a:r>
+            <a:endParaRPr lang="ko-KR" altLang="en-US" dirty="0"/>
+          </a:p>
+        </p:txBody>
+      </p:sp>
+      <p:sp>
+        <p:nvSpPr>
+          <p:cNvPr id="51" name="TextBox 50"/>
+          <p:cNvSpPr txBox="1"/>
+          <p:nvPr/>
+        </p:nvSpPr>
+        <p:spPr>
+          <a:xfrm>
+            <a:off x="6627901" y="4732706"/>
+            <a:ext cx="734496" cy="369332"/>
+          </a:xfrm>
+          <a:prstGeom prst="rect">
+            <a:avLst/>
+          </a:prstGeom>
+          <a:noFill/>
+          <a:ln>
+            <a:solidFill>
+              <a:srgbClr val="FF0000"/>
+            </a:solidFill>
+          </a:ln>
+        </p:spPr>
+        <p:txBody>
+          <a:bodyPr wrap="none" rtlCol="0">
+            <a:spAutoFit/>
+          </a:bodyPr>
+          <a:lstStyle/>
+          <a:p>
+            <a:pPr algn="ctr"/>
+            <a:r>
+              <a:rPr lang="en-US" altLang="ko-KR" dirty="0" smtClean="0"/>
+              <a:t>Head</a:t>
+            </a:r>
+            <a:endParaRPr lang="ko-KR" altLang="en-US" dirty="0"/>
+          </a:p>
+        </p:txBody>
+      </p:sp>
+      <p:cxnSp>
+        <p:nvCxnSpPr>
+          <p:cNvPr id="69" name="직선 화살표 연결선 68"/>
+          <p:cNvCxnSpPr>
+            <a:stCxn id="51" idx="0"/>
+          </p:cNvCxnSpPr>
+          <p:nvPr/>
+        </p:nvCxnSpPr>
+        <p:spPr>
+          <a:xfrm flipV="1">
+            <a:off x="6995149" y="4363695"/>
+            <a:ext cx="6299" cy="369011"/>
+          </a:xfrm>
+          <a:prstGeom prst="straightConnector1">
+            <a:avLst/>
+          </a:prstGeom>
+          <a:ln>
+            <a:tailEnd type="triangle"/>
+          </a:ln>
+        </p:spPr>
+        <p:style>
+          <a:lnRef idx="1">
+            <a:schemeClr val="accent1"/>
+          </a:lnRef>
+          <a:fillRef idx="0">
+            <a:schemeClr val="accent1"/>
+          </a:fillRef>
+          <a:effectRef idx="0">
+            <a:schemeClr val="accent1"/>
+          </a:effectRef>
+          <a:fontRef idx="minor">
+            <a:schemeClr val="tx1"/>
+          </a:fontRef>
+        </p:style>
+      </p:cxnSp>
+      <p:cxnSp>
+        <p:nvCxnSpPr>
+          <p:cNvPr id="75" name="직선 연결선 74"/>
+          <p:cNvCxnSpPr/>
+          <p:nvPr/>
+        </p:nvCxnSpPr>
+        <p:spPr>
+          <a:xfrm flipV="1">
+            <a:off x="6889750" y="4463838"/>
+            <a:ext cx="228600" cy="139700"/>
+          </a:xfrm>
+          <a:prstGeom prst="line">
+            <a:avLst/>
+          </a:prstGeom>
+          <a:ln>
+            <a:solidFill>
+              <a:srgbClr val="FF0000"/>
+            </a:solidFill>
+          </a:ln>
+        </p:spPr>
+        <p:style>
+          <a:lnRef idx="1">
+            <a:schemeClr val="accent1"/>
+          </a:lnRef>
+          <a:fillRef idx="0">
+            <a:schemeClr val="accent1"/>
+          </a:fillRef>
+          <a:effectRef idx="0">
+            <a:schemeClr val="accent1"/>
+          </a:effectRef>
+          <a:fontRef idx="minor">
+            <a:schemeClr val="tx1"/>
+          </a:fontRef>
+        </p:style>
+      </p:cxnSp>
+      <p:sp>
+        <p:nvSpPr>
+          <p:cNvPr id="82" name="TextBox 81"/>
+          <p:cNvSpPr txBox="1"/>
+          <p:nvPr/>
+        </p:nvSpPr>
+        <p:spPr>
+          <a:xfrm>
+            <a:off x="3313478" y="4454948"/>
+            <a:ext cx="1791985" cy="369332"/>
+          </a:xfrm>
+          <a:prstGeom prst="rect">
+            <a:avLst/>
+          </a:prstGeom>
+          <a:noFill/>
+        </p:spPr>
+        <p:txBody>
+          <a:bodyPr wrap="square" rtlCol="0">
+            <a:spAutoFit/>
+          </a:bodyPr>
+          <a:lstStyle/>
+          <a:p>
+            <a:pPr algn="ctr"/>
+            <a:r>
+              <a:rPr lang="en-US" altLang="ko-KR" dirty="0" smtClean="0"/>
+              <a:t>New Node</a:t>
+            </a:r>
+            <a:endParaRPr lang="ko-KR" altLang="en-US" dirty="0"/>
+          </a:p>
+        </p:txBody>
+      </p:sp>
+      <p:sp>
+        <p:nvSpPr>
+          <p:cNvPr id="84" name="TextBox 83"/>
+          <p:cNvSpPr txBox="1"/>
+          <p:nvPr/>
+        </p:nvSpPr>
+        <p:spPr>
+          <a:xfrm>
+            <a:off x="7579611" y="4510671"/>
+            <a:ext cx="4040113" cy="738664"/>
+          </a:xfrm>
+          <a:prstGeom prst="rect">
+            <a:avLst/>
+          </a:prstGeom>
+          <a:noFill/>
+        </p:spPr>
+        <p:txBody>
+          <a:bodyPr wrap="square" rtlCol="0">
+            <a:spAutoFit/>
+          </a:bodyPr>
+          <a:lstStyle/>
+          <a:p>
+            <a:r>
+              <a:rPr lang="ko-KR" altLang="en-US" sz="1400" dirty="0" smtClean="0"/>
+              <a:t>신규</a:t>
+            </a:r>
+            <a:r>
+              <a:rPr lang="en-US" altLang="ko-KR" sz="1400" dirty="0" smtClean="0"/>
+              <a:t>Node</a:t>
+            </a:r>
+            <a:r>
+              <a:rPr lang="ko-KR" altLang="en-US" sz="1400" dirty="0" smtClean="0"/>
+              <a:t>의 </a:t>
+            </a:r>
+            <a:r>
+              <a:rPr lang="en-US" altLang="ko-KR" sz="1400" dirty="0" smtClean="0"/>
+              <a:t>Next</a:t>
+            </a:r>
+            <a:r>
+              <a:rPr lang="ko-KR" altLang="en-US" sz="1400" dirty="0" smtClean="0"/>
+              <a:t>에 기존 </a:t>
+            </a:r>
+            <a:r>
+              <a:rPr lang="ko-KR" altLang="en-US" sz="1400" dirty="0" smtClean="0"/>
+              <a:t>노드에 </a:t>
+            </a:r>
+            <a:r>
+              <a:rPr lang="en-US" altLang="ko-KR" sz="1400" dirty="0" smtClean="0"/>
+              <a:t>head</a:t>
+            </a:r>
+            <a:r>
+              <a:rPr lang="ko-KR" altLang="en-US" sz="1400" dirty="0" smtClean="0"/>
+              <a:t>를 추가</a:t>
+            </a:r>
+            <a:r>
+              <a:rPr lang="en-US" altLang="ko-KR" sz="1400" dirty="0" smtClean="0"/>
+              <a:t>, </a:t>
+            </a:r>
+            <a:r>
+              <a:rPr lang="ko-KR" altLang="en-US" sz="1400" dirty="0" smtClean="0"/>
+              <a:t>기존 </a:t>
+            </a:r>
+            <a:r>
+              <a:rPr lang="en-US" altLang="ko-KR" sz="1400" dirty="0" smtClean="0"/>
+              <a:t>head</a:t>
+            </a:r>
+            <a:r>
+              <a:rPr lang="ko-KR" altLang="en-US" sz="1400" dirty="0" smtClean="0"/>
+              <a:t>의 </a:t>
+            </a:r>
+            <a:r>
+              <a:rPr lang="en-US" altLang="ko-KR" sz="1400" dirty="0" err="1" smtClean="0"/>
+              <a:t>Prev</a:t>
+            </a:r>
+            <a:r>
+              <a:rPr lang="ko-KR" altLang="en-US" sz="1400" dirty="0" smtClean="0"/>
+              <a:t>에 신규 </a:t>
+            </a:r>
+            <a:r>
+              <a:rPr lang="en-US" altLang="ko-KR" sz="1400" dirty="0" smtClean="0"/>
+              <a:t>Node</a:t>
+            </a:r>
+            <a:r>
+              <a:rPr lang="ko-KR" altLang="en-US" sz="1400" dirty="0" smtClean="0"/>
+              <a:t>를 추가해 준다</a:t>
+            </a:r>
+            <a:r>
+              <a:rPr lang="en-US" altLang="ko-KR" sz="1400" dirty="0" smtClean="0"/>
+              <a:t>.</a:t>
+            </a:r>
+            <a:r>
+              <a:rPr lang="en-US" altLang="ko-KR" sz="1400" dirty="0" smtClean="0"/>
+              <a:t/>
+            </a:r>
+            <a:br>
+              <a:rPr lang="en-US" altLang="ko-KR" sz="1400" dirty="0" smtClean="0"/>
+            </a:br>
+            <a:r>
+              <a:rPr lang="ko-KR" altLang="en-US" sz="1400" dirty="0" smtClean="0"/>
+              <a:t>기존 </a:t>
+            </a:r>
+            <a:r>
+              <a:rPr lang="en-US" altLang="ko-KR" sz="1400" dirty="0" smtClean="0"/>
+              <a:t>list</a:t>
+            </a:r>
+            <a:r>
+              <a:rPr lang="ko-KR" altLang="en-US" sz="1400" dirty="0" smtClean="0"/>
+              <a:t>의 포인터를 신규</a:t>
+            </a:r>
+            <a:r>
+              <a:rPr lang="en-US" altLang="ko-KR" sz="1400" dirty="0" smtClean="0"/>
+              <a:t>Node</a:t>
+            </a:r>
+            <a:r>
+              <a:rPr lang="ko-KR" altLang="en-US" sz="1400" dirty="0" smtClean="0"/>
+              <a:t>로 </a:t>
+            </a:r>
+            <a:r>
+              <a:rPr lang="ko-KR" altLang="en-US" sz="1400" dirty="0" smtClean="0"/>
+              <a:t>해준다</a:t>
+            </a:r>
+            <a:endParaRPr lang="ko-KR" altLang="en-US" sz="1400" dirty="0"/>
+          </a:p>
+        </p:txBody>
+      </p:sp>
+      <p:sp>
+        <p:nvSpPr>
+          <p:cNvPr id="85" name="TextBox 84"/>
+          <p:cNvSpPr txBox="1"/>
+          <p:nvPr/>
+        </p:nvSpPr>
+        <p:spPr>
+          <a:xfrm>
+            <a:off x="687639" y="5102038"/>
+            <a:ext cx="1017779" cy="369332"/>
+          </a:xfrm>
+          <a:prstGeom prst="rect">
+            <a:avLst/>
+          </a:prstGeom>
+          <a:noFill/>
+        </p:spPr>
+        <p:txBody>
+          <a:bodyPr wrap="none" rtlCol="0">
+            <a:spAutoFit/>
+          </a:bodyPr>
+          <a:lstStyle/>
+          <a:p>
+            <a:r>
+              <a:rPr lang="en-US" altLang="ko-KR" dirty="0" smtClean="0"/>
+              <a:t>Remove</a:t>
+            </a:r>
+            <a:endParaRPr lang="ko-KR" altLang="en-US" dirty="0"/>
+          </a:p>
+        </p:txBody>
+      </p:sp>
+      <p:sp>
+        <p:nvSpPr>
+          <p:cNvPr id="117" name="TextBox 116"/>
+          <p:cNvSpPr txBox="1"/>
+          <p:nvPr/>
+        </p:nvSpPr>
+        <p:spPr>
+          <a:xfrm>
+            <a:off x="9842538" y="5331194"/>
+            <a:ext cx="2404644" cy="1384995"/>
+          </a:xfrm>
+          <a:prstGeom prst="rect">
+            <a:avLst/>
+          </a:prstGeom>
+          <a:noFill/>
+        </p:spPr>
+        <p:txBody>
+          <a:bodyPr wrap="square" rtlCol="0">
+            <a:spAutoFit/>
+          </a:bodyPr>
+          <a:lstStyle/>
+          <a:p>
+            <a:r>
+              <a:rPr lang="ko-KR" altLang="en-US" sz="1400" dirty="0" smtClean="0"/>
+              <a:t>기존 </a:t>
+            </a:r>
+            <a:r>
+              <a:rPr lang="en-US" altLang="ko-KR" sz="1400" dirty="0" smtClean="0"/>
+              <a:t>Remove Node</a:t>
+            </a:r>
+            <a:r>
+              <a:rPr lang="ko-KR" altLang="en-US" sz="1400" dirty="0" smtClean="0"/>
+              <a:t>에 연결된 모든 포인터를 </a:t>
+            </a:r>
+            <a:r>
+              <a:rPr lang="en-US" altLang="ko-KR" sz="1400" dirty="0" err="1" smtClean="0"/>
+              <a:t>Prev</a:t>
+            </a:r>
+            <a:r>
+              <a:rPr lang="en-US" altLang="ko-KR" sz="1400" dirty="0" smtClean="0"/>
+              <a:t> Node-&gt;Next Node</a:t>
+            </a:r>
+            <a:r>
+              <a:rPr lang="ko-KR" altLang="en-US" sz="1400" dirty="0" smtClean="0"/>
+              <a:t>와 </a:t>
+            </a:r>
+            <a:r>
+              <a:rPr lang="en-US" altLang="ko-KR" sz="1400" dirty="0" smtClean="0"/>
+              <a:t>Next Node-&gt;</a:t>
+            </a:r>
+            <a:r>
+              <a:rPr lang="en-US" altLang="ko-KR" sz="1400" dirty="0" err="1" smtClean="0"/>
+              <a:t>Prev</a:t>
+            </a:r>
+            <a:r>
+              <a:rPr lang="ko-KR" altLang="en-US" sz="1400" dirty="0" smtClean="0"/>
+              <a:t>를 서로 가리키게 만들고 </a:t>
+            </a:r>
+            <a:r>
+              <a:rPr lang="en-US" altLang="ko-KR" sz="1400" dirty="0" smtClean="0"/>
+              <a:t>Remove Node</a:t>
+            </a:r>
+            <a:r>
+              <a:rPr lang="ko-KR" altLang="en-US" sz="1400" dirty="0" smtClean="0"/>
+              <a:t>의 연결을 할당 해제 시켜준다</a:t>
+            </a:r>
+            <a:r>
+              <a:rPr lang="en-US" altLang="ko-KR" sz="1400" dirty="0" smtClean="0"/>
+              <a:t>.</a:t>
+            </a:r>
+            <a:endParaRPr lang="ko-KR" altLang="en-US" sz="1400" dirty="0"/>
+          </a:p>
+        </p:txBody>
+      </p:sp>
+      <p:sp>
+        <p:nvSpPr>
+          <p:cNvPr id="123" name="TextBox 122"/>
+          <p:cNvSpPr txBox="1"/>
+          <p:nvPr/>
+        </p:nvSpPr>
+        <p:spPr>
+          <a:xfrm>
+            <a:off x="5366100" y="1344464"/>
+            <a:ext cx="1590500" cy="215444"/>
+          </a:xfrm>
+          <a:prstGeom prst="rect">
+            <a:avLst/>
+          </a:prstGeom>
+          <a:noFill/>
+        </p:spPr>
+        <p:txBody>
+          <a:bodyPr wrap="none" rtlCol="0">
+            <a:spAutoFit/>
+          </a:bodyPr>
+          <a:lstStyle/>
+          <a:p>
+            <a:r>
+              <a:rPr lang="en-US" altLang="ko-KR" sz="800" dirty="0" smtClean="0"/>
+              <a:t>(</a:t>
+            </a:r>
+            <a:r>
+              <a:rPr lang="ko-KR" altLang="en-US" sz="800" dirty="0" smtClean="0"/>
+              <a:t>연속적이지 않은 메모리 주소</a:t>
+            </a:r>
+            <a:r>
+              <a:rPr lang="en-US" altLang="ko-KR" sz="800" dirty="0" smtClean="0"/>
+              <a:t>)</a:t>
+            </a:r>
+            <a:endParaRPr lang="ko-KR" altLang="en-US" sz="800" dirty="0"/>
+          </a:p>
+        </p:txBody>
+      </p:sp>
+      <p:sp>
+        <p:nvSpPr>
+          <p:cNvPr id="125" name="TextBox 124"/>
+          <p:cNvSpPr txBox="1"/>
+          <p:nvPr/>
+        </p:nvSpPr>
+        <p:spPr>
+          <a:xfrm>
+            <a:off x="7212363" y="4373181"/>
+            <a:ext cx="1590500" cy="215444"/>
+          </a:xfrm>
+          <a:prstGeom prst="rect">
+            <a:avLst/>
+          </a:prstGeom>
+          <a:noFill/>
+        </p:spPr>
+        <p:txBody>
+          <a:bodyPr wrap="none" rtlCol="0">
+            <a:spAutoFit/>
+          </a:bodyPr>
+          <a:lstStyle/>
+          <a:p>
+            <a:r>
+              <a:rPr lang="en-US" altLang="ko-KR" sz="800" dirty="0" smtClean="0"/>
+              <a:t>(</a:t>
+            </a:r>
+            <a:r>
+              <a:rPr lang="ko-KR" altLang="en-US" sz="800" dirty="0" smtClean="0"/>
+              <a:t>연속적이지 않은 메모리 주소</a:t>
+            </a:r>
+            <a:r>
+              <a:rPr lang="en-US" altLang="ko-KR" sz="800" dirty="0" smtClean="0"/>
+              <a:t>)</a:t>
+            </a:r>
+            <a:endParaRPr lang="ko-KR" altLang="en-US" sz="800" dirty="0"/>
+          </a:p>
+        </p:txBody>
+      </p:sp>
+      <p:grpSp>
+        <p:nvGrpSpPr>
+          <p:cNvPr id="3" name="그룹 2"/>
+          <p:cNvGrpSpPr/>
+          <p:nvPr/>
+        </p:nvGrpSpPr>
+        <p:grpSpPr>
+          <a:xfrm>
+            <a:off x="443874" y="585096"/>
+            <a:ext cx="2443398" cy="1424066"/>
+            <a:chOff x="443874" y="585096"/>
+            <a:chExt cx="2443398" cy="1424066"/>
+          </a:xfrm>
+        </p:grpSpPr>
+        <p:sp>
+          <p:nvSpPr>
+            <p:cNvPr id="5" name="직사각형 4"/>
+            <p:cNvSpPr/>
+            <p:nvPr/>
+          </p:nvSpPr>
+          <p:spPr>
+            <a:xfrm>
+              <a:off x="1250927" y="1274644"/>
+              <a:ext cx="822135" cy="734518"/>
+            </a:xfrm>
+            <a:prstGeom prst="rect">
+              <a:avLst/>
+            </a:prstGeom>
+          </p:spPr>
+          <p:style>
+            <a:lnRef idx="2">
+              <a:schemeClr val="accent1">
+                <a:shade val="50000"/>
+              </a:schemeClr>
+            </a:lnRef>
+            <a:fillRef idx="1">
+              <a:schemeClr val="accent1"/>
+            </a:fillRef>
+            <a:effectRef idx="0">
+              <a:schemeClr val="accent1"/>
+            </a:effectRef>
+            <a:fontRef idx="minor">
+              <a:schemeClr val="lt1"/>
+            </a:fontRef>
+          </p:style>
+          <p:txBody>
+            <a:bodyPr rtlCol="0" anchor="ctr"/>
+            <a:lstStyle/>
+            <a:p>
+              <a:pPr algn="ctr"/>
+              <a:r>
+                <a:rPr lang="en-US" altLang="ko-KR" sz="1400" dirty="0" smtClean="0"/>
+                <a:t>(data)</a:t>
+              </a:r>
+              <a:endParaRPr lang="ko-KR" altLang="en-US" sz="1400" dirty="0"/>
+            </a:p>
+          </p:txBody>
+        </p:sp>
+        <p:sp>
+          <p:nvSpPr>
+            <p:cNvPr id="6" name="직사각형 5"/>
+            <p:cNvSpPr/>
+            <p:nvPr/>
+          </p:nvSpPr>
+          <p:spPr>
+            <a:xfrm>
+              <a:off x="2080218" y="1274644"/>
+              <a:ext cx="807054" cy="734518"/>
+            </a:xfrm>
+            <a:prstGeom prst="rect">
+              <a:avLst/>
+            </a:prstGeom>
+            <a:solidFill>
+              <a:srgbClr val="FF0000"/>
+            </a:solidFill>
+          </p:spPr>
+          <p:style>
+            <a:lnRef idx="2">
+              <a:schemeClr val="accent1">
+                <a:shade val="50000"/>
+              </a:schemeClr>
+            </a:lnRef>
+            <a:fillRef idx="1">
+              <a:schemeClr val="accent1"/>
+            </a:fillRef>
+            <a:effectRef idx="0">
+              <a:schemeClr val="accent1"/>
+            </a:effectRef>
+            <a:fontRef idx="minor">
+              <a:schemeClr val="lt1"/>
+            </a:fontRef>
+          </p:style>
+          <p:txBody>
+            <a:bodyPr rtlCol="0" anchor="ctr"/>
+            <a:lstStyle/>
+            <a:p>
+              <a:pPr algn="ctr"/>
+              <a:r>
+                <a:rPr lang="en-US" altLang="ko-KR" sz="1400" dirty="0" smtClean="0"/>
+                <a:t>Next</a:t>
+              </a:r>
+              <a:br>
+                <a:rPr lang="en-US" altLang="ko-KR" sz="1400" dirty="0" smtClean="0"/>
+              </a:br>
+              <a:r>
+                <a:rPr lang="en-US" altLang="ko-KR" sz="1400" dirty="0" smtClean="0"/>
+                <a:t>(Pointer)</a:t>
+              </a:r>
+              <a:endParaRPr lang="ko-KR" altLang="en-US" sz="1400" dirty="0"/>
+            </a:p>
+          </p:txBody>
+        </p:sp>
+        <p:sp>
+          <p:nvSpPr>
+            <p:cNvPr id="7" name="직사각형 6"/>
+            <p:cNvSpPr/>
+            <p:nvPr/>
+          </p:nvSpPr>
+          <p:spPr>
+            <a:xfrm>
+              <a:off x="443875" y="585096"/>
+              <a:ext cx="2443397" cy="689548"/>
+            </a:xfrm>
+            <a:prstGeom prst="rect">
+              <a:avLst/>
+            </a:prstGeom>
+          </p:spPr>
+          <p:style>
+            <a:lnRef idx="2">
+              <a:schemeClr val="accent1">
+                <a:shade val="50000"/>
+              </a:schemeClr>
+            </a:lnRef>
+            <a:fillRef idx="1">
+              <a:schemeClr val="accent1"/>
+            </a:fillRef>
+            <a:effectRef idx="0">
+              <a:schemeClr val="accent1"/>
+            </a:effectRef>
+            <a:fontRef idx="minor">
+              <a:schemeClr val="lt1"/>
+            </a:fontRef>
+          </p:style>
+          <p:txBody>
+            <a:bodyPr rtlCol="0" anchor="ctr"/>
+            <a:lstStyle/>
+            <a:p>
+              <a:pPr algn="ctr"/>
+              <a:r>
+                <a:rPr lang="en-US" altLang="ko-KR" smtClean="0"/>
+                <a:t>Node</a:t>
+              </a:r>
+              <a:endParaRPr lang="ko-KR" altLang="en-US"/>
+            </a:p>
+          </p:txBody>
+        </p:sp>
+        <p:sp>
+          <p:nvSpPr>
+            <p:cNvPr id="83" name="직사각형 82"/>
+            <p:cNvSpPr/>
+            <p:nvPr/>
+          </p:nvSpPr>
+          <p:spPr>
+            <a:xfrm>
+              <a:off x="443874" y="1274644"/>
+              <a:ext cx="807054" cy="734518"/>
+            </a:xfrm>
+            <a:prstGeom prst="rect">
+              <a:avLst/>
+            </a:prstGeom>
+            <a:solidFill>
+              <a:schemeClr val="accent6"/>
+            </a:solidFill>
+          </p:spPr>
+          <p:style>
+            <a:lnRef idx="2">
+              <a:schemeClr val="accent1">
+                <a:shade val="50000"/>
+              </a:schemeClr>
+            </a:lnRef>
+            <a:fillRef idx="1">
+              <a:schemeClr val="accent1"/>
+            </a:fillRef>
+            <a:effectRef idx="0">
+              <a:schemeClr val="accent1"/>
+            </a:effectRef>
+            <a:fontRef idx="minor">
+              <a:schemeClr val="lt1"/>
+            </a:fontRef>
+          </p:style>
+          <p:txBody>
+            <a:bodyPr rtlCol="0" anchor="ctr"/>
+            <a:lstStyle/>
+            <a:p>
+              <a:pPr algn="ctr"/>
+              <a:r>
+                <a:rPr lang="en-US" altLang="ko-KR" sz="1400" dirty="0" err="1" smtClean="0"/>
+                <a:t>Prev</a:t>
+              </a:r>
+              <a:r>
+                <a:rPr lang="en-US" altLang="ko-KR" sz="1400" dirty="0" smtClean="0"/>
+                <a:t/>
+              </a:r>
+              <a:br>
+                <a:rPr lang="en-US" altLang="ko-KR" sz="1400" dirty="0" smtClean="0"/>
+              </a:br>
+              <a:r>
+                <a:rPr lang="en-US" altLang="ko-KR" sz="1400" dirty="0" smtClean="0"/>
+                <a:t>(Pointer)</a:t>
+              </a:r>
+              <a:endParaRPr lang="ko-KR" altLang="en-US" sz="1400" dirty="0"/>
+            </a:p>
+          </p:txBody>
+        </p:sp>
+      </p:grpSp>
+      <p:grpSp>
+        <p:nvGrpSpPr>
+          <p:cNvPr id="99" name="그룹 98"/>
+          <p:cNvGrpSpPr/>
+          <p:nvPr/>
+        </p:nvGrpSpPr>
+        <p:grpSpPr>
+          <a:xfrm>
+            <a:off x="3894935" y="444002"/>
+            <a:ext cx="1868232" cy="894464"/>
+            <a:chOff x="443874" y="585096"/>
+            <a:chExt cx="2443398" cy="1424066"/>
+          </a:xfrm>
+        </p:grpSpPr>
+        <p:sp>
+          <p:nvSpPr>
+            <p:cNvPr id="101" name="직사각형 100"/>
+            <p:cNvSpPr/>
+            <p:nvPr/>
+          </p:nvSpPr>
+          <p:spPr>
+            <a:xfrm>
+              <a:off x="1358479" y="1274644"/>
+              <a:ext cx="631174" cy="734518"/>
+            </a:xfrm>
+            <a:prstGeom prst="rect">
+              <a:avLst/>
+            </a:prstGeom>
+          </p:spPr>
+          <p:style>
+            <a:lnRef idx="2">
+              <a:schemeClr val="accent1">
+                <a:shade val="50000"/>
+              </a:schemeClr>
+            </a:lnRef>
+            <a:fillRef idx="1">
+              <a:schemeClr val="accent1"/>
+            </a:fillRef>
+            <a:effectRef idx="0">
+              <a:schemeClr val="accent1"/>
+            </a:effectRef>
+            <a:fontRef idx="minor">
+              <a:schemeClr val="lt1"/>
+            </a:fontRef>
+          </p:style>
+          <p:txBody>
+            <a:bodyPr rtlCol="0" anchor="ctr"/>
+            <a:lstStyle/>
+            <a:p>
+              <a:pPr algn="ctr"/>
+              <a:r>
+                <a:rPr lang="en-US" altLang="ko-KR" sz="1000" dirty="0" smtClean="0"/>
+                <a:t>(data)</a:t>
+              </a:r>
+              <a:endParaRPr lang="ko-KR" altLang="en-US" sz="1000" dirty="0"/>
+            </a:p>
+          </p:txBody>
+        </p:sp>
+        <p:sp>
+          <p:nvSpPr>
+            <p:cNvPr id="102" name="직사각형 101"/>
+            <p:cNvSpPr/>
+            <p:nvPr/>
+          </p:nvSpPr>
+          <p:spPr>
+            <a:xfrm>
+              <a:off x="1989653" y="1274644"/>
+              <a:ext cx="897619" cy="734518"/>
+            </a:xfrm>
+            <a:prstGeom prst="rect">
+              <a:avLst/>
+            </a:prstGeom>
+            <a:solidFill>
+              <a:srgbClr val="FF0000"/>
+            </a:solidFill>
+          </p:spPr>
+          <p:style>
+            <a:lnRef idx="2">
+              <a:schemeClr val="accent1">
+                <a:shade val="50000"/>
+              </a:schemeClr>
+            </a:lnRef>
+            <a:fillRef idx="1">
+              <a:schemeClr val="accent1"/>
+            </a:fillRef>
+            <a:effectRef idx="0">
+              <a:schemeClr val="accent1"/>
+            </a:effectRef>
+            <a:fontRef idx="minor">
+              <a:schemeClr val="lt1"/>
+            </a:fontRef>
+          </p:style>
+          <p:txBody>
+            <a:bodyPr rtlCol="0" anchor="ctr"/>
+            <a:lstStyle/>
+            <a:p>
+              <a:pPr algn="ctr"/>
+              <a:r>
+                <a:rPr lang="en-US" altLang="ko-KR" sz="1000" dirty="0" smtClean="0"/>
+                <a:t>Next</a:t>
+              </a:r>
+              <a:br>
+                <a:rPr lang="en-US" altLang="ko-KR" sz="1000" dirty="0" smtClean="0"/>
+              </a:br>
+              <a:r>
+                <a:rPr lang="en-US" altLang="ko-KR" sz="1000" dirty="0" smtClean="0"/>
+                <a:t>(Pointer)</a:t>
+              </a:r>
+              <a:endParaRPr lang="ko-KR" altLang="en-US" sz="1000" dirty="0"/>
+            </a:p>
+          </p:txBody>
+        </p:sp>
+        <p:sp>
+          <p:nvSpPr>
+            <p:cNvPr id="104" name="직사각형 103"/>
+            <p:cNvSpPr/>
+            <p:nvPr/>
+          </p:nvSpPr>
+          <p:spPr>
+            <a:xfrm>
+              <a:off x="443875" y="585096"/>
+              <a:ext cx="2443397" cy="689548"/>
+            </a:xfrm>
+            <a:prstGeom prst="rect">
+              <a:avLst/>
+            </a:prstGeom>
+          </p:spPr>
+          <p:style>
+            <a:lnRef idx="2">
+              <a:schemeClr val="accent1">
+                <a:shade val="50000"/>
+              </a:schemeClr>
+            </a:lnRef>
+            <a:fillRef idx="1">
+              <a:schemeClr val="accent1"/>
+            </a:fillRef>
+            <a:effectRef idx="0">
+              <a:schemeClr val="accent1"/>
+            </a:effectRef>
+            <a:fontRef idx="minor">
+              <a:schemeClr val="lt1"/>
+            </a:fontRef>
+          </p:style>
+          <p:txBody>
+            <a:bodyPr rtlCol="0" anchor="ctr"/>
+            <a:lstStyle/>
+            <a:p>
+              <a:pPr algn="ctr"/>
+              <a:r>
+                <a:rPr lang="en-US" altLang="ko-KR" sz="1400" dirty="0" smtClean="0"/>
+                <a:t>Node</a:t>
+              </a:r>
+              <a:endParaRPr lang="ko-KR" altLang="en-US" sz="1400" dirty="0"/>
+            </a:p>
+          </p:txBody>
+        </p:sp>
+        <p:sp>
+          <p:nvSpPr>
+            <p:cNvPr id="105" name="직사각형 104"/>
+            <p:cNvSpPr/>
+            <p:nvPr/>
+          </p:nvSpPr>
+          <p:spPr>
+            <a:xfrm>
+              <a:off x="443874" y="1274644"/>
+              <a:ext cx="897619" cy="734518"/>
+            </a:xfrm>
+            <a:prstGeom prst="rect">
+              <a:avLst/>
+            </a:prstGeom>
+            <a:solidFill>
+              <a:schemeClr val="accent6"/>
+            </a:solidFill>
+          </p:spPr>
+          <p:style>
+            <a:lnRef idx="2">
+              <a:schemeClr val="accent1">
+                <a:shade val="50000"/>
+              </a:schemeClr>
+            </a:lnRef>
+            <a:fillRef idx="1">
+              <a:schemeClr val="accent1"/>
+            </a:fillRef>
+            <a:effectRef idx="0">
+              <a:schemeClr val="accent1"/>
+            </a:effectRef>
+            <a:fontRef idx="minor">
+              <a:schemeClr val="lt1"/>
+            </a:fontRef>
+          </p:style>
+          <p:txBody>
+            <a:bodyPr rtlCol="0" anchor="ctr"/>
+            <a:lstStyle/>
+            <a:p>
+              <a:pPr algn="ctr"/>
+              <a:r>
+                <a:rPr lang="en-US" altLang="ko-KR" sz="1000" dirty="0" err="1" smtClean="0"/>
+                <a:t>Prev</a:t>
+              </a:r>
+              <a:r>
+                <a:rPr lang="en-US" altLang="ko-KR" sz="1000" dirty="0" smtClean="0"/>
+                <a:t/>
+              </a:r>
+              <a:br>
+                <a:rPr lang="en-US" altLang="ko-KR" sz="1000" dirty="0" smtClean="0"/>
+              </a:br>
+              <a:r>
+                <a:rPr lang="en-US" altLang="ko-KR" sz="1000" dirty="0" smtClean="0"/>
+                <a:t>(Pointer)</a:t>
+              </a:r>
+              <a:endParaRPr lang="ko-KR" altLang="en-US" sz="1000" dirty="0"/>
+            </a:p>
+          </p:txBody>
+        </p:sp>
+      </p:grpSp>
+      <p:grpSp>
+        <p:nvGrpSpPr>
+          <p:cNvPr id="108" name="그룹 107"/>
+          <p:cNvGrpSpPr/>
+          <p:nvPr/>
+        </p:nvGrpSpPr>
+        <p:grpSpPr>
+          <a:xfrm>
+            <a:off x="5990676" y="429879"/>
+            <a:ext cx="1868232" cy="894464"/>
+            <a:chOff x="443874" y="585096"/>
+            <a:chExt cx="2443398" cy="1424066"/>
+          </a:xfrm>
+        </p:grpSpPr>
+        <p:sp>
+          <p:nvSpPr>
+            <p:cNvPr id="109" name="직사각형 108"/>
+            <p:cNvSpPr/>
+            <p:nvPr/>
+          </p:nvSpPr>
+          <p:spPr>
+            <a:xfrm>
+              <a:off x="1358479" y="1274644"/>
+              <a:ext cx="631174" cy="734518"/>
+            </a:xfrm>
+            <a:prstGeom prst="rect">
+              <a:avLst/>
+            </a:prstGeom>
+          </p:spPr>
+          <p:style>
+            <a:lnRef idx="2">
+              <a:schemeClr val="accent1">
+                <a:shade val="50000"/>
+              </a:schemeClr>
+            </a:lnRef>
+            <a:fillRef idx="1">
+              <a:schemeClr val="accent1"/>
+            </a:fillRef>
+            <a:effectRef idx="0">
+              <a:schemeClr val="accent1"/>
+            </a:effectRef>
+            <a:fontRef idx="minor">
+              <a:schemeClr val="lt1"/>
+            </a:fontRef>
+          </p:style>
+          <p:txBody>
+            <a:bodyPr rtlCol="0" anchor="ctr"/>
+            <a:lstStyle/>
+            <a:p>
+              <a:pPr algn="ctr"/>
+              <a:r>
+                <a:rPr lang="en-US" altLang="ko-KR" sz="1000" dirty="0" smtClean="0"/>
+                <a:t>(data)</a:t>
+              </a:r>
+              <a:endParaRPr lang="ko-KR" altLang="en-US" sz="1000" dirty="0"/>
+            </a:p>
+          </p:txBody>
+        </p:sp>
+        <p:sp>
+          <p:nvSpPr>
+            <p:cNvPr id="111" name="직사각형 110"/>
+            <p:cNvSpPr/>
+            <p:nvPr/>
+          </p:nvSpPr>
+          <p:spPr>
+            <a:xfrm>
+              <a:off x="1989653" y="1274644"/>
+              <a:ext cx="897619" cy="734518"/>
+            </a:xfrm>
+            <a:prstGeom prst="rect">
+              <a:avLst/>
+            </a:prstGeom>
+            <a:solidFill>
+              <a:srgbClr val="FF0000"/>
+            </a:solidFill>
+          </p:spPr>
+          <p:style>
+            <a:lnRef idx="2">
+              <a:schemeClr val="accent1">
+                <a:shade val="50000"/>
+              </a:schemeClr>
+            </a:lnRef>
+            <a:fillRef idx="1">
+              <a:schemeClr val="accent1"/>
+            </a:fillRef>
+            <a:effectRef idx="0">
+              <a:schemeClr val="accent1"/>
+            </a:effectRef>
+            <a:fontRef idx="minor">
+              <a:schemeClr val="lt1"/>
+            </a:fontRef>
+          </p:style>
+          <p:txBody>
+            <a:bodyPr rtlCol="0" anchor="ctr"/>
+            <a:lstStyle/>
+            <a:p>
+              <a:pPr algn="ctr"/>
+              <a:r>
+                <a:rPr lang="en-US" altLang="ko-KR" sz="1000" dirty="0" smtClean="0"/>
+                <a:t>Next</a:t>
+              </a:r>
+              <a:br>
+                <a:rPr lang="en-US" altLang="ko-KR" sz="1000" dirty="0" smtClean="0"/>
+              </a:br>
+              <a:r>
+                <a:rPr lang="en-US" altLang="ko-KR" sz="1000" dirty="0" smtClean="0"/>
+                <a:t>(Pointer)</a:t>
+              </a:r>
+              <a:endParaRPr lang="ko-KR" altLang="en-US" sz="1000" dirty="0"/>
+            </a:p>
+          </p:txBody>
+        </p:sp>
+        <p:sp>
+          <p:nvSpPr>
+            <p:cNvPr id="113" name="직사각형 112"/>
+            <p:cNvSpPr/>
+            <p:nvPr/>
+          </p:nvSpPr>
+          <p:spPr>
+            <a:xfrm>
+              <a:off x="443875" y="585096"/>
+              <a:ext cx="2443397" cy="689548"/>
+            </a:xfrm>
+            <a:prstGeom prst="rect">
+              <a:avLst/>
+            </a:prstGeom>
+          </p:spPr>
+          <p:style>
+            <a:lnRef idx="2">
+              <a:schemeClr val="accent1">
+                <a:shade val="50000"/>
+              </a:schemeClr>
+            </a:lnRef>
+            <a:fillRef idx="1">
+              <a:schemeClr val="accent1"/>
+            </a:fillRef>
+            <a:effectRef idx="0">
+              <a:schemeClr val="accent1"/>
+            </a:effectRef>
+            <a:fontRef idx="minor">
+              <a:schemeClr val="lt1"/>
+            </a:fontRef>
+          </p:style>
+          <p:txBody>
+            <a:bodyPr rtlCol="0" anchor="ctr"/>
+            <a:lstStyle/>
+            <a:p>
+              <a:pPr algn="ctr"/>
+              <a:r>
+                <a:rPr lang="en-US" altLang="ko-KR" sz="1400" dirty="0" smtClean="0"/>
+                <a:t>Node</a:t>
+              </a:r>
+              <a:endParaRPr lang="ko-KR" altLang="en-US" sz="1400" dirty="0"/>
+            </a:p>
+          </p:txBody>
+        </p:sp>
+        <p:sp>
+          <p:nvSpPr>
+            <p:cNvPr id="115" name="직사각형 114"/>
+            <p:cNvSpPr/>
+            <p:nvPr/>
+          </p:nvSpPr>
+          <p:spPr>
+            <a:xfrm>
+              <a:off x="443874" y="1274644"/>
+              <a:ext cx="897619" cy="734518"/>
+            </a:xfrm>
+            <a:prstGeom prst="rect">
+              <a:avLst/>
+            </a:prstGeom>
+            <a:solidFill>
+              <a:schemeClr val="accent6"/>
+            </a:solidFill>
+          </p:spPr>
+          <p:style>
+            <a:lnRef idx="2">
+              <a:schemeClr val="accent1">
+                <a:shade val="50000"/>
+              </a:schemeClr>
+            </a:lnRef>
+            <a:fillRef idx="1">
+              <a:schemeClr val="accent1"/>
+            </a:fillRef>
+            <a:effectRef idx="0">
+              <a:schemeClr val="accent1"/>
+            </a:effectRef>
+            <a:fontRef idx="minor">
+              <a:schemeClr val="lt1"/>
+            </a:fontRef>
+          </p:style>
+          <p:txBody>
+            <a:bodyPr rtlCol="0" anchor="ctr"/>
+            <a:lstStyle/>
+            <a:p>
+              <a:pPr algn="ctr"/>
+              <a:r>
+                <a:rPr lang="en-US" altLang="ko-KR" sz="1000" dirty="0" err="1" smtClean="0"/>
+                <a:t>Prev</a:t>
+              </a:r>
+              <a:r>
+                <a:rPr lang="en-US" altLang="ko-KR" sz="1000" dirty="0" smtClean="0"/>
+                <a:t/>
+              </a:r>
+              <a:br>
+                <a:rPr lang="en-US" altLang="ko-KR" sz="1000" dirty="0" smtClean="0"/>
+              </a:br>
+              <a:r>
+                <a:rPr lang="en-US" altLang="ko-KR" sz="1000" dirty="0" smtClean="0"/>
+                <a:t>(Pointer)</a:t>
+              </a:r>
+              <a:endParaRPr lang="ko-KR" altLang="en-US" sz="1000" dirty="0"/>
+            </a:p>
+          </p:txBody>
+        </p:sp>
+      </p:grpSp>
+      <p:cxnSp>
+        <p:nvCxnSpPr>
+          <p:cNvPr id="16" name="직선 화살표 연결선 15"/>
+          <p:cNvCxnSpPr>
+            <a:stCxn id="102" idx="3"/>
+            <a:endCxn id="113" idx="1"/>
+          </p:cNvCxnSpPr>
+          <p:nvPr/>
+        </p:nvCxnSpPr>
+        <p:spPr>
+          <a:xfrm flipV="1">
+            <a:off x="5763167" y="646434"/>
+            <a:ext cx="227510" cy="461355"/>
+          </a:xfrm>
+          <a:prstGeom prst="straightConnector1">
+            <a:avLst/>
+          </a:prstGeom>
+          <a:ln>
+            <a:solidFill>
+              <a:srgbClr val="FF0000"/>
+            </a:solidFill>
+            <a:tailEnd type="triangle"/>
+          </a:ln>
+        </p:spPr>
+        <p:style>
+          <a:lnRef idx="1">
+            <a:schemeClr val="accent1"/>
+          </a:lnRef>
+          <a:fillRef idx="0">
+            <a:schemeClr val="accent1"/>
+          </a:fillRef>
+          <a:effectRef idx="0">
+            <a:schemeClr val="accent1"/>
+          </a:effectRef>
+          <a:fontRef idx="minor">
+            <a:schemeClr val="tx1"/>
+          </a:fontRef>
+        </p:style>
+      </p:cxnSp>
+      <p:cxnSp>
+        <p:nvCxnSpPr>
+          <p:cNvPr id="118" name="직선 화살표 연결선 117"/>
+          <p:cNvCxnSpPr>
+            <a:stCxn id="115" idx="1"/>
+            <a:endCxn id="104" idx="3"/>
+          </p:cNvCxnSpPr>
+          <p:nvPr/>
+        </p:nvCxnSpPr>
+        <p:spPr>
+          <a:xfrm flipH="1" flipV="1">
+            <a:off x="5763167" y="660557"/>
+            <a:ext cx="227509" cy="433109"/>
+          </a:xfrm>
+          <a:prstGeom prst="straightConnector1">
+            <a:avLst/>
+          </a:prstGeom>
+          <a:ln>
+            <a:solidFill>
+              <a:schemeClr val="accent6"/>
+            </a:solidFill>
+            <a:tailEnd type="triangle"/>
+          </a:ln>
+        </p:spPr>
+        <p:style>
+          <a:lnRef idx="1">
+            <a:schemeClr val="accent1"/>
+          </a:lnRef>
+          <a:fillRef idx="0">
+            <a:schemeClr val="accent1"/>
+          </a:fillRef>
+          <a:effectRef idx="0">
+            <a:schemeClr val="accent1"/>
+          </a:effectRef>
+          <a:fontRef idx="minor">
+            <a:schemeClr val="tx1"/>
+          </a:fontRef>
+        </p:style>
+      </p:cxnSp>
+      <p:cxnSp>
+        <p:nvCxnSpPr>
+          <p:cNvPr id="20" name="직선 화살표 연결선 19"/>
+          <p:cNvCxnSpPr>
+            <a:stCxn id="105" idx="1"/>
+            <a:endCxn id="124" idx="3"/>
+          </p:cNvCxnSpPr>
+          <p:nvPr/>
+        </p:nvCxnSpPr>
+        <p:spPr>
+          <a:xfrm flipH="1" flipV="1">
+            <a:off x="3662685" y="1105912"/>
+            <a:ext cx="232250" cy="1877"/>
+          </a:xfrm>
+          <a:prstGeom prst="straightConnector1">
+            <a:avLst/>
+          </a:prstGeom>
+          <a:ln>
+            <a:tailEnd type="triangle"/>
+          </a:ln>
+        </p:spPr>
+        <p:style>
+          <a:lnRef idx="1">
+            <a:schemeClr val="accent1"/>
+          </a:lnRef>
+          <a:fillRef idx="0">
+            <a:schemeClr val="accent1"/>
+          </a:fillRef>
+          <a:effectRef idx="0">
+            <a:schemeClr val="accent1"/>
+          </a:effectRef>
+          <a:fontRef idx="minor">
+            <a:schemeClr val="tx1"/>
+          </a:fontRef>
+        </p:style>
+      </p:cxnSp>
+      <p:sp>
+        <p:nvSpPr>
+          <p:cNvPr id="124" name="TextBox 123"/>
+          <p:cNvSpPr txBox="1"/>
+          <p:nvPr/>
+        </p:nvSpPr>
+        <p:spPr>
+          <a:xfrm>
+            <a:off x="3021434" y="921246"/>
+            <a:ext cx="641251" cy="369332"/>
+          </a:xfrm>
+          <a:prstGeom prst="rect">
+            <a:avLst/>
+          </a:prstGeom>
+          <a:noFill/>
+          <a:ln>
+            <a:solidFill>
+              <a:srgbClr val="FF0000"/>
+            </a:solidFill>
+          </a:ln>
+        </p:spPr>
+        <p:txBody>
+          <a:bodyPr wrap="square" rtlCol="0">
+            <a:spAutoFit/>
+          </a:bodyPr>
+          <a:lstStyle/>
+          <a:p>
+            <a:pPr algn="ctr"/>
+            <a:r>
+              <a:rPr lang="en-US" altLang="ko-KR" dirty="0" smtClean="0"/>
+              <a:t>Null</a:t>
+            </a:r>
+            <a:endParaRPr lang="ko-KR" altLang="en-US" dirty="0"/>
+          </a:p>
+        </p:txBody>
+      </p:sp>
+      <p:sp>
+        <p:nvSpPr>
+          <p:cNvPr id="127" name="TextBox 126"/>
+          <p:cNvSpPr txBox="1"/>
+          <p:nvPr/>
+        </p:nvSpPr>
+        <p:spPr>
+          <a:xfrm>
+            <a:off x="8360484" y="-3627"/>
+            <a:ext cx="641251" cy="369332"/>
+          </a:xfrm>
+          <a:prstGeom prst="rect">
+            <a:avLst/>
+          </a:prstGeom>
+          <a:noFill/>
+          <a:ln>
+            <a:solidFill>
+              <a:srgbClr val="FF0000"/>
+            </a:solidFill>
+          </a:ln>
+        </p:spPr>
+        <p:txBody>
+          <a:bodyPr wrap="square" rtlCol="0">
+            <a:spAutoFit/>
+          </a:bodyPr>
+          <a:lstStyle/>
+          <a:p>
+            <a:pPr algn="ctr"/>
+            <a:r>
+              <a:rPr lang="en-US" altLang="ko-KR" dirty="0" smtClean="0"/>
+              <a:t>Null</a:t>
+            </a:r>
+            <a:endParaRPr lang="ko-KR" altLang="en-US" dirty="0"/>
+          </a:p>
+        </p:txBody>
+      </p:sp>
+      <p:grpSp>
+        <p:nvGrpSpPr>
+          <p:cNvPr id="128" name="그룹 127"/>
+          <p:cNvGrpSpPr/>
+          <p:nvPr/>
+        </p:nvGrpSpPr>
+        <p:grpSpPr>
+          <a:xfrm>
+            <a:off x="8485026" y="429879"/>
+            <a:ext cx="1868232" cy="894464"/>
+            <a:chOff x="443874" y="585096"/>
+            <a:chExt cx="2443398" cy="1424066"/>
+          </a:xfrm>
+        </p:grpSpPr>
+        <p:sp>
+          <p:nvSpPr>
+            <p:cNvPr id="129" name="직사각형 128"/>
+            <p:cNvSpPr/>
+            <p:nvPr/>
+          </p:nvSpPr>
+          <p:spPr>
+            <a:xfrm>
+              <a:off x="1358479" y="1274644"/>
+              <a:ext cx="631174" cy="734518"/>
+            </a:xfrm>
+            <a:prstGeom prst="rect">
+              <a:avLst/>
+            </a:prstGeom>
+          </p:spPr>
+          <p:style>
+            <a:lnRef idx="2">
+              <a:schemeClr val="accent1">
+                <a:shade val="50000"/>
+              </a:schemeClr>
+            </a:lnRef>
+            <a:fillRef idx="1">
+              <a:schemeClr val="accent1"/>
+            </a:fillRef>
+            <a:effectRef idx="0">
+              <a:schemeClr val="accent1"/>
+            </a:effectRef>
+            <a:fontRef idx="minor">
+              <a:schemeClr val="lt1"/>
+            </a:fontRef>
+          </p:style>
+          <p:txBody>
+            <a:bodyPr rtlCol="0" anchor="ctr"/>
+            <a:lstStyle/>
+            <a:p>
+              <a:pPr algn="ctr"/>
+              <a:r>
+                <a:rPr lang="en-US" altLang="ko-KR" sz="1000" dirty="0" smtClean="0"/>
+                <a:t>(data)</a:t>
+              </a:r>
+              <a:endParaRPr lang="ko-KR" altLang="en-US" sz="1000" dirty="0"/>
+            </a:p>
+          </p:txBody>
+        </p:sp>
+        <p:sp>
+          <p:nvSpPr>
+            <p:cNvPr id="130" name="직사각형 129"/>
+            <p:cNvSpPr/>
+            <p:nvPr/>
+          </p:nvSpPr>
+          <p:spPr>
+            <a:xfrm>
+              <a:off x="1989653" y="1274644"/>
+              <a:ext cx="897619" cy="734518"/>
+            </a:xfrm>
+            <a:prstGeom prst="rect">
+              <a:avLst/>
+            </a:prstGeom>
+            <a:solidFill>
+              <a:srgbClr val="FF0000"/>
+            </a:solidFill>
+          </p:spPr>
+          <p:style>
+            <a:lnRef idx="2">
+              <a:schemeClr val="accent1">
+                <a:shade val="50000"/>
+              </a:schemeClr>
+            </a:lnRef>
+            <a:fillRef idx="1">
+              <a:schemeClr val="accent1"/>
+            </a:fillRef>
+            <a:effectRef idx="0">
+              <a:schemeClr val="accent1"/>
+            </a:effectRef>
+            <a:fontRef idx="minor">
+              <a:schemeClr val="lt1"/>
+            </a:fontRef>
+          </p:style>
+          <p:txBody>
+            <a:bodyPr rtlCol="0" anchor="ctr"/>
+            <a:lstStyle/>
+            <a:p>
+              <a:pPr algn="ctr"/>
+              <a:r>
+                <a:rPr lang="en-US" altLang="ko-KR" sz="1000" dirty="0" smtClean="0"/>
+                <a:t>Next</a:t>
+              </a:r>
+              <a:br>
+                <a:rPr lang="en-US" altLang="ko-KR" sz="1000" dirty="0" smtClean="0"/>
+              </a:br>
+              <a:r>
+                <a:rPr lang="en-US" altLang="ko-KR" sz="1000" dirty="0" smtClean="0"/>
+                <a:t>(Pointer)</a:t>
+              </a:r>
+              <a:endParaRPr lang="ko-KR" altLang="en-US" sz="1000" dirty="0"/>
+            </a:p>
+          </p:txBody>
+        </p:sp>
+        <p:sp>
+          <p:nvSpPr>
+            <p:cNvPr id="131" name="직사각형 130"/>
+            <p:cNvSpPr/>
+            <p:nvPr/>
+          </p:nvSpPr>
+          <p:spPr>
+            <a:xfrm>
+              <a:off x="443875" y="585096"/>
+              <a:ext cx="2443397" cy="689548"/>
+            </a:xfrm>
+            <a:prstGeom prst="rect">
+              <a:avLst/>
+            </a:prstGeom>
+          </p:spPr>
+          <p:style>
+            <a:lnRef idx="2">
+              <a:schemeClr val="accent1">
+                <a:shade val="50000"/>
+              </a:schemeClr>
+            </a:lnRef>
+            <a:fillRef idx="1">
+              <a:schemeClr val="accent1"/>
+            </a:fillRef>
+            <a:effectRef idx="0">
+              <a:schemeClr val="accent1"/>
+            </a:effectRef>
+            <a:fontRef idx="minor">
+              <a:schemeClr val="lt1"/>
+            </a:fontRef>
+          </p:style>
+          <p:txBody>
+            <a:bodyPr rtlCol="0" anchor="ctr"/>
+            <a:lstStyle/>
+            <a:p>
+              <a:pPr algn="ctr"/>
+              <a:r>
+                <a:rPr lang="en-US" altLang="ko-KR" sz="1400" dirty="0" smtClean="0"/>
+                <a:t>Node</a:t>
+              </a:r>
+              <a:endParaRPr lang="ko-KR" altLang="en-US" sz="1400" dirty="0"/>
+            </a:p>
+          </p:txBody>
+        </p:sp>
+        <p:sp>
+          <p:nvSpPr>
+            <p:cNvPr id="132" name="직사각형 131"/>
+            <p:cNvSpPr/>
+            <p:nvPr/>
+          </p:nvSpPr>
+          <p:spPr>
+            <a:xfrm>
+              <a:off x="443874" y="1274644"/>
+              <a:ext cx="897619" cy="734518"/>
+            </a:xfrm>
+            <a:prstGeom prst="rect">
+              <a:avLst/>
+            </a:prstGeom>
+            <a:solidFill>
+              <a:schemeClr val="accent6"/>
+            </a:solidFill>
+          </p:spPr>
+          <p:style>
+            <a:lnRef idx="2">
+              <a:schemeClr val="accent1">
+                <a:shade val="50000"/>
+              </a:schemeClr>
+            </a:lnRef>
+            <a:fillRef idx="1">
+              <a:schemeClr val="accent1"/>
+            </a:fillRef>
+            <a:effectRef idx="0">
+              <a:schemeClr val="accent1"/>
+            </a:effectRef>
+            <a:fontRef idx="minor">
+              <a:schemeClr val="lt1"/>
+            </a:fontRef>
+          </p:style>
+          <p:txBody>
+            <a:bodyPr rtlCol="0" anchor="ctr"/>
+            <a:lstStyle/>
+            <a:p>
+              <a:pPr algn="ctr"/>
+              <a:r>
+                <a:rPr lang="en-US" altLang="ko-KR" sz="1000" dirty="0" err="1" smtClean="0"/>
+                <a:t>Prev</a:t>
+              </a:r>
+              <a:r>
+                <a:rPr lang="en-US" altLang="ko-KR" sz="1000" dirty="0" smtClean="0"/>
+                <a:t/>
+              </a:r>
+              <a:br>
+                <a:rPr lang="en-US" altLang="ko-KR" sz="1000" dirty="0" smtClean="0"/>
+              </a:br>
+              <a:r>
+                <a:rPr lang="en-US" altLang="ko-KR" sz="1000" dirty="0" smtClean="0"/>
+                <a:t>(Pointer)</a:t>
+              </a:r>
+              <a:endParaRPr lang="ko-KR" altLang="en-US" sz="1000" dirty="0"/>
+            </a:p>
+          </p:txBody>
+        </p:sp>
+      </p:grpSp>
+      <p:cxnSp>
+        <p:nvCxnSpPr>
+          <p:cNvPr id="133" name="직선 연결선 132"/>
+          <p:cNvCxnSpPr/>
+          <p:nvPr/>
+        </p:nvCxnSpPr>
+        <p:spPr>
+          <a:xfrm flipH="1" flipV="1">
+            <a:off x="8111599" y="420378"/>
+            <a:ext cx="161128" cy="164231"/>
+          </a:xfrm>
+          <a:prstGeom prst="line">
+            <a:avLst/>
+          </a:prstGeom>
+          <a:ln>
+            <a:solidFill>
+              <a:srgbClr val="FF0000"/>
+            </a:solidFill>
+          </a:ln>
+        </p:spPr>
+        <p:style>
+          <a:lnRef idx="1">
+            <a:schemeClr val="accent1"/>
+          </a:lnRef>
+          <a:fillRef idx="0">
+            <a:schemeClr val="accent1"/>
+          </a:fillRef>
+          <a:effectRef idx="0">
+            <a:schemeClr val="accent1"/>
+          </a:effectRef>
+          <a:fontRef idx="minor">
+            <a:schemeClr val="tx1"/>
+          </a:fontRef>
+        </p:style>
+      </p:cxnSp>
+      <p:cxnSp>
+        <p:nvCxnSpPr>
+          <p:cNvPr id="134" name="직선 화살표 연결선 133"/>
+          <p:cNvCxnSpPr>
+            <a:stCxn id="132" idx="1"/>
+            <a:endCxn id="113" idx="3"/>
+          </p:cNvCxnSpPr>
+          <p:nvPr/>
+        </p:nvCxnSpPr>
+        <p:spPr>
+          <a:xfrm flipH="1" flipV="1">
+            <a:off x="7858908" y="646434"/>
+            <a:ext cx="626118" cy="447232"/>
+          </a:xfrm>
+          <a:prstGeom prst="straightConnector1">
+            <a:avLst/>
+          </a:prstGeom>
+          <a:ln>
+            <a:solidFill>
+              <a:schemeClr val="accent6"/>
+            </a:solidFill>
+            <a:tailEnd type="triangle"/>
+          </a:ln>
+        </p:spPr>
+        <p:style>
+          <a:lnRef idx="1">
+            <a:schemeClr val="accent1"/>
+          </a:lnRef>
+          <a:fillRef idx="0">
+            <a:schemeClr val="accent1"/>
+          </a:fillRef>
+          <a:effectRef idx="0">
+            <a:schemeClr val="accent1"/>
+          </a:effectRef>
+          <a:fontRef idx="minor">
+            <a:schemeClr val="tx1"/>
+          </a:fontRef>
+        </p:style>
+      </p:cxnSp>
+      <p:grpSp>
+        <p:nvGrpSpPr>
+          <p:cNvPr id="135" name="그룹 134"/>
+          <p:cNvGrpSpPr/>
+          <p:nvPr/>
+        </p:nvGrpSpPr>
+        <p:grpSpPr>
+          <a:xfrm>
+            <a:off x="6181000" y="3467869"/>
+            <a:ext cx="1868232" cy="894464"/>
+            <a:chOff x="443874" y="585096"/>
+            <a:chExt cx="2443398" cy="1424066"/>
+          </a:xfrm>
+        </p:grpSpPr>
+        <p:sp>
+          <p:nvSpPr>
+            <p:cNvPr id="136" name="직사각형 135"/>
+            <p:cNvSpPr/>
+            <p:nvPr/>
+          </p:nvSpPr>
+          <p:spPr>
+            <a:xfrm>
+              <a:off x="1358479" y="1274644"/>
+              <a:ext cx="631174" cy="734518"/>
+            </a:xfrm>
+            <a:prstGeom prst="rect">
+              <a:avLst/>
+            </a:prstGeom>
+          </p:spPr>
+          <p:style>
+            <a:lnRef idx="2">
+              <a:schemeClr val="accent1">
+                <a:shade val="50000"/>
+              </a:schemeClr>
+            </a:lnRef>
+            <a:fillRef idx="1">
+              <a:schemeClr val="accent1"/>
+            </a:fillRef>
+            <a:effectRef idx="0">
+              <a:schemeClr val="accent1"/>
+            </a:effectRef>
+            <a:fontRef idx="minor">
+              <a:schemeClr val="lt1"/>
+            </a:fontRef>
+          </p:style>
+          <p:txBody>
+            <a:bodyPr rtlCol="0" anchor="ctr"/>
+            <a:lstStyle/>
+            <a:p>
+              <a:pPr algn="ctr"/>
+              <a:r>
+                <a:rPr lang="en-US" altLang="ko-KR" sz="1000" dirty="0" smtClean="0"/>
+                <a:t>(data)</a:t>
+              </a:r>
+              <a:endParaRPr lang="ko-KR" altLang="en-US" sz="1000" dirty="0"/>
+            </a:p>
+          </p:txBody>
+        </p:sp>
+        <p:sp>
+          <p:nvSpPr>
+            <p:cNvPr id="137" name="직사각형 136"/>
+            <p:cNvSpPr/>
+            <p:nvPr/>
+          </p:nvSpPr>
+          <p:spPr>
+            <a:xfrm>
+              <a:off x="1989653" y="1274644"/>
+              <a:ext cx="897619" cy="734518"/>
+            </a:xfrm>
+            <a:prstGeom prst="rect">
+              <a:avLst/>
+            </a:prstGeom>
+            <a:solidFill>
+              <a:srgbClr val="FF0000"/>
+            </a:solidFill>
+          </p:spPr>
+          <p:style>
+            <a:lnRef idx="2">
+              <a:schemeClr val="accent1">
+                <a:shade val="50000"/>
+              </a:schemeClr>
+            </a:lnRef>
+            <a:fillRef idx="1">
+              <a:schemeClr val="accent1"/>
+            </a:fillRef>
+            <a:effectRef idx="0">
+              <a:schemeClr val="accent1"/>
+            </a:effectRef>
+            <a:fontRef idx="minor">
+              <a:schemeClr val="lt1"/>
+            </a:fontRef>
+          </p:style>
+          <p:txBody>
+            <a:bodyPr rtlCol="0" anchor="ctr"/>
+            <a:lstStyle/>
+            <a:p>
+              <a:pPr algn="ctr"/>
+              <a:r>
+                <a:rPr lang="en-US" altLang="ko-KR" sz="1000" dirty="0" smtClean="0"/>
+                <a:t>Next</a:t>
+              </a:r>
+              <a:br>
+                <a:rPr lang="en-US" altLang="ko-KR" sz="1000" dirty="0" smtClean="0"/>
+              </a:br>
+              <a:r>
+                <a:rPr lang="en-US" altLang="ko-KR" sz="1000" dirty="0" smtClean="0"/>
+                <a:t>(Pointer)</a:t>
+              </a:r>
+              <a:endParaRPr lang="ko-KR" altLang="en-US" sz="1000" dirty="0"/>
+            </a:p>
+          </p:txBody>
+        </p:sp>
+        <p:sp>
+          <p:nvSpPr>
+            <p:cNvPr id="138" name="직사각형 137"/>
+            <p:cNvSpPr/>
+            <p:nvPr/>
+          </p:nvSpPr>
+          <p:spPr>
+            <a:xfrm>
+              <a:off x="443875" y="585096"/>
+              <a:ext cx="2443397" cy="689548"/>
+            </a:xfrm>
+            <a:prstGeom prst="rect">
+              <a:avLst/>
+            </a:prstGeom>
+          </p:spPr>
+          <p:style>
+            <a:lnRef idx="2">
+              <a:schemeClr val="accent1">
+                <a:shade val="50000"/>
+              </a:schemeClr>
+            </a:lnRef>
+            <a:fillRef idx="1">
+              <a:schemeClr val="accent1"/>
+            </a:fillRef>
+            <a:effectRef idx="0">
+              <a:schemeClr val="accent1"/>
+            </a:effectRef>
+            <a:fontRef idx="minor">
+              <a:schemeClr val="lt1"/>
+            </a:fontRef>
+          </p:style>
+          <p:txBody>
+            <a:bodyPr rtlCol="0" anchor="ctr"/>
+            <a:lstStyle/>
+            <a:p>
+              <a:pPr algn="ctr"/>
+              <a:r>
+                <a:rPr lang="en-US" altLang="ko-KR" sz="1400" dirty="0" smtClean="0"/>
+                <a:t>Node</a:t>
+              </a:r>
+              <a:endParaRPr lang="ko-KR" altLang="en-US" sz="1400" dirty="0"/>
+            </a:p>
+          </p:txBody>
+        </p:sp>
+        <p:sp>
+          <p:nvSpPr>
+            <p:cNvPr id="139" name="직사각형 138"/>
+            <p:cNvSpPr/>
+            <p:nvPr/>
+          </p:nvSpPr>
+          <p:spPr>
+            <a:xfrm>
+              <a:off x="443874" y="1274644"/>
+              <a:ext cx="897619" cy="734518"/>
+            </a:xfrm>
+            <a:prstGeom prst="rect">
+              <a:avLst/>
+            </a:prstGeom>
+            <a:solidFill>
+              <a:schemeClr val="accent6"/>
+            </a:solidFill>
+          </p:spPr>
+          <p:style>
+            <a:lnRef idx="2">
+              <a:schemeClr val="accent1">
+                <a:shade val="50000"/>
+              </a:schemeClr>
+            </a:lnRef>
+            <a:fillRef idx="1">
+              <a:schemeClr val="accent1"/>
+            </a:fillRef>
+            <a:effectRef idx="0">
+              <a:schemeClr val="accent1"/>
+            </a:effectRef>
+            <a:fontRef idx="minor">
+              <a:schemeClr val="lt1"/>
+            </a:fontRef>
+          </p:style>
+          <p:txBody>
+            <a:bodyPr rtlCol="0" anchor="ctr"/>
+            <a:lstStyle/>
+            <a:p>
+              <a:pPr algn="ctr"/>
+              <a:r>
+                <a:rPr lang="en-US" altLang="ko-KR" sz="1000" dirty="0" err="1" smtClean="0"/>
+                <a:t>Prev</a:t>
+              </a:r>
+              <a:r>
+                <a:rPr lang="en-US" altLang="ko-KR" sz="1000" dirty="0" smtClean="0"/>
+                <a:t/>
+              </a:r>
+              <a:br>
+                <a:rPr lang="en-US" altLang="ko-KR" sz="1000" dirty="0" smtClean="0"/>
+              </a:br>
+              <a:r>
+                <a:rPr lang="en-US" altLang="ko-KR" sz="1000" dirty="0" smtClean="0"/>
+                <a:t>(Pointer)</a:t>
+              </a:r>
+              <a:endParaRPr lang="ko-KR" altLang="en-US" sz="1000" dirty="0"/>
+            </a:p>
+          </p:txBody>
+        </p:sp>
+      </p:grpSp>
+      <p:grpSp>
+        <p:nvGrpSpPr>
+          <p:cNvPr id="140" name="그룹 139"/>
+          <p:cNvGrpSpPr/>
+          <p:nvPr/>
+        </p:nvGrpSpPr>
+        <p:grpSpPr>
+          <a:xfrm>
+            <a:off x="8288014" y="3467869"/>
+            <a:ext cx="1868232" cy="894464"/>
+            <a:chOff x="443874" y="585096"/>
+            <a:chExt cx="2443398" cy="1424066"/>
+          </a:xfrm>
+        </p:grpSpPr>
+        <p:sp>
+          <p:nvSpPr>
+            <p:cNvPr id="141" name="직사각형 140"/>
+            <p:cNvSpPr/>
+            <p:nvPr/>
+          </p:nvSpPr>
+          <p:spPr>
+            <a:xfrm>
+              <a:off x="1358479" y="1274644"/>
+              <a:ext cx="631174" cy="734518"/>
+            </a:xfrm>
+            <a:prstGeom prst="rect">
+              <a:avLst/>
+            </a:prstGeom>
+          </p:spPr>
+          <p:style>
+            <a:lnRef idx="2">
+              <a:schemeClr val="accent1">
+                <a:shade val="50000"/>
+              </a:schemeClr>
+            </a:lnRef>
+            <a:fillRef idx="1">
+              <a:schemeClr val="accent1"/>
+            </a:fillRef>
+            <a:effectRef idx="0">
+              <a:schemeClr val="accent1"/>
+            </a:effectRef>
+            <a:fontRef idx="minor">
+              <a:schemeClr val="lt1"/>
+            </a:fontRef>
+          </p:style>
+          <p:txBody>
+            <a:bodyPr rtlCol="0" anchor="ctr"/>
+            <a:lstStyle/>
+            <a:p>
+              <a:pPr algn="ctr"/>
+              <a:r>
+                <a:rPr lang="en-US" altLang="ko-KR" sz="1000" dirty="0" smtClean="0"/>
+                <a:t>(data)</a:t>
+              </a:r>
+              <a:endParaRPr lang="ko-KR" altLang="en-US" sz="1000" dirty="0"/>
+            </a:p>
+          </p:txBody>
+        </p:sp>
+        <p:sp>
+          <p:nvSpPr>
+            <p:cNvPr id="142" name="직사각형 141"/>
+            <p:cNvSpPr/>
+            <p:nvPr/>
+          </p:nvSpPr>
+          <p:spPr>
+            <a:xfrm>
+              <a:off x="1989653" y="1274644"/>
+              <a:ext cx="897619" cy="734518"/>
+            </a:xfrm>
+            <a:prstGeom prst="rect">
+              <a:avLst/>
+            </a:prstGeom>
+            <a:solidFill>
+              <a:srgbClr val="FF0000"/>
+            </a:solidFill>
+          </p:spPr>
+          <p:style>
+            <a:lnRef idx="2">
+              <a:schemeClr val="accent1">
+                <a:shade val="50000"/>
+              </a:schemeClr>
+            </a:lnRef>
+            <a:fillRef idx="1">
+              <a:schemeClr val="accent1"/>
+            </a:fillRef>
+            <a:effectRef idx="0">
+              <a:schemeClr val="accent1"/>
+            </a:effectRef>
+            <a:fontRef idx="minor">
+              <a:schemeClr val="lt1"/>
+            </a:fontRef>
+          </p:style>
+          <p:txBody>
+            <a:bodyPr rtlCol="0" anchor="ctr"/>
+            <a:lstStyle/>
+            <a:p>
+              <a:pPr algn="ctr"/>
+              <a:r>
+                <a:rPr lang="en-US" altLang="ko-KR" sz="1000" dirty="0" smtClean="0"/>
+                <a:t>Next</a:t>
+              </a:r>
+              <a:br>
+                <a:rPr lang="en-US" altLang="ko-KR" sz="1000" dirty="0" smtClean="0"/>
+              </a:br>
+              <a:r>
+                <a:rPr lang="en-US" altLang="ko-KR" sz="1000" dirty="0" smtClean="0"/>
+                <a:t>(Pointer)</a:t>
+              </a:r>
+              <a:endParaRPr lang="ko-KR" altLang="en-US" sz="1000" dirty="0"/>
+            </a:p>
+          </p:txBody>
+        </p:sp>
+        <p:sp>
+          <p:nvSpPr>
+            <p:cNvPr id="143" name="직사각형 142"/>
+            <p:cNvSpPr/>
+            <p:nvPr/>
+          </p:nvSpPr>
+          <p:spPr>
+            <a:xfrm>
+              <a:off x="443875" y="585096"/>
+              <a:ext cx="2443397" cy="689548"/>
+            </a:xfrm>
+            <a:prstGeom prst="rect">
+              <a:avLst/>
+            </a:prstGeom>
+          </p:spPr>
+          <p:style>
+            <a:lnRef idx="2">
+              <a:schemeClr val="accent1">
+                <a:shade val="50000"/>
+              </a:schemeClr>
+            </a:lnRef>
+            <a:fillRef idx="1">
+              <a:schemeClr val="accent1"/>
+            </a:fillRef>
+            <a:effectRef idx="0">
+              <a:schemeClr val="accent1"/>
+            </a:effectRef>
+            <a:fontRef idx="minor">
+              <a:schemeClr val="lt1"/>
+            </a:fontRef>
+          </p:style>
+          <p:txBody>
+            <a:bodyPr rtlCol="0" anchor="ctr"/>
+            <a:lstStyle/>
+            <a:p>
+              <a:pPr algn="ctr"/>
+              <a:r>
+                <a:rPr lang="en-US" altLang="ko-KR" sz="1400" dirty="0" smtClean="0"/>
+                <a:t>Node</a:t>
+              </a:r>
+              <a:endParaRPr lang="ko-KR" altLang="en-US" sz="1400" dirty="0"/>
+            </a:p>
+          </p:txBody>
+        </p:sp>
+        <p:sp>
+          <p:nvSpPr>
+            <p:cNvPr id="144" name="직사각형 143"/>
+            <p:cNvSpPr/>
+            <p:nvPr/>
+          </p:nvSpPr>
+          <p:spPr>
+            <a:xfrm>
+              <a:off x="443874" y="1274644"/>
+              <a:ext cx="897619" cy="734518"/>
+            </a:xfrm>
+            <a:prstGeom prst="rect">
+              <a:avLst/>
+            </a:prstGeom>
+            <a:solidFill>
+              <a:schemeClr val="accent6"/>
+            </a:solidFill>
+          </p:spPr>
+          <p:style>
+            <a:lnRef idx="2">
+              <a:schemeClr val="accent1">
+                <a:shade val="50000"/>
+              </a:schemeClr>
+            </a:lnRef>
+            <a:fillRef idx="1">
+              <a:schemeClr val="accent1"/>
+            </a:fillRef>
+            <a:effectRef idx="0">
+              <a:schemeClr val="accent1"/>
+            </a:effectRef>
+            <a:fontRef idx="minor">
+              <a:schemeClr val="lt1"/>
+            </a:fontRef>
+          </p:style>
+          <p:txBody>
+            <a:bodyPr rtlCol="0" anchor="ctr"/>
+            <a:lstStyle/>
+            <a:p>
+              <a:pPr algn="ctr"/>
+              <a:r>
+                <a:rPr lang="en-US" altLang="ko-KR" sz="1000" dirty="0" err="1" smtClean="0"/>
+                <a:t>Prev</a:t>
+              </a:r>
+              <a:r>
+                <a:rPr lang="en-US" altLang="ko-KR" sz="1000" dirty="0" smtClean="0"/>
+                <a:t/>
+              </a:r>
+              <a:br>
+                <a:rPr lang="en-US" altLang="ko-KR" sz="1000" dirty="0" smtClean="0"/>
+              </a:br>
+              <a:r>
+                <a:rPr lang="en-US" altLang="ko-KR" sz="1000" dirty="0" smtClean="0"/>
+                <a:t>(Pointer)</a:t>
+              </a:r>
+              <a:endParaRPr lang="ko-KR" altLang="en-US" sz="1000" dirty="0"/>
+            </a:p>
+          </p:txBody>
+        </p:sp>
+      </p:grpSp>
+      <p:grpSp>
+        <p:nvGrpSpPr>
+          <p:cNvPr id="145" name="그룹 144"/>
+          <p:cNvGrpSpPr/>
+          <p:nvPr/>
+        </p:nvGrpSpPr>
+        <p:grpSpPr>
+          <a:xfrm>
+            <a:off x="3158341" y="3468151"/>
+            <a:ext cx="1868232" cy="894464"/>
+            <a:chOff x="443874" y="585096"/>
+            <a:chExt cx="2443398" cy="1424066"/>
+          </a:xfrm>
+        </p:grpSpPr>
+        <p:sp>
+          <p:nvSpPr>
+            <p:cNvPr id="146" name="직사각형 145"/>
+            <p:cNvSpPr/>
+            <p:nvPr/>
+          </p:nvSpPr>
+          <p:spPr>
+            <a:xfrm>
+              <a:off x="1358479" y="1274644"/>
+              <a:ext cx="631174" cy="734518"/>
+            </a:xfrm>
+            <a:prstGeom prst="rect">
+              <a:avLst/>
+            </a:prstGeom>
+          </p:spPr>
+          <p:style>
+            <a:lnRef idx="2">
+              <a:schemeClr val="accent1">
+                <a:shade val="50000"/>
+              </a:schemeClr>
+            </a:lnRef>
+            <a:fillRef idx="1">
+              <a:schemeClr val="accent1"/>
+            </a:fillRef>
+            <a:effectRef idx="0">
+              <a:schemeClr val="accent1"/>
+            </a:effectRef>
+            <a:fontRef idx="minor">
+              <a:schemeClr val="lt1"/>
+            </a:fontRef>
+          </p:style>
+          <p:txBody>
+            <a:bodyPr rtlCol="0" anchor="ctr"/>
+            <a:lstStyle/>
+            <a:p>
+              <a:pPr algn="ctr"/>
+              <a:r>
+                <a:rPr lang="en-US" altLang="ko-KR" sz="1000" dirty="0" smtClean="0"/>
+                <a:t>(data)</a:t>
+              </a:r>
+              <a:endParaRPr lang="ko-KR" altLang="en-US" sz="1000" dirty="0"/>
+            </a:p>
+          </p:txBody>
+        </p:sp>
+        <p:sp>
+          <p:nvSpPr>
+            <p:cNvPr id="147" name="직사각형 146"/>
+            <p:cNvSpPr/>
+            <p:nvPr/>
+          </p:nvSpPr>
+          <p:spPr>
+            <a:xfrm>
+              <a:off x="1989653" y="1274644"/>
+              <a:ext cx="897619" cy="734518"/>
+            </a:xfrm>
+            <a:prstGeom prst="rect">
+              <a:avLst/>
+            </a:prstGeom>
+            <a:solidFill>
+              <a:srgbClr val="FF0000"/>
+            </a:solidFill>
+          </p:spPr>
+          <p:style>
+            <a:lnRef idx="2">
+              <a:schemeClr val="accent1">
+                <a:shade val="50000"/>
+              </a:schemeClr>
+            </a:lnRef>
+            <a:fillRef idx="1">
+              <a:schemeClr val="accent1"/>
+            </a:fillRef>
+            <a:effectRef idx="0">
+              <a:schemeClr val="accent1"/>
+            </a:effectRef>
+            <a:fontRef idx="minor">
+              <a:schemeClr val="lt1"/>
+            </a:fontRef>
+          </p:style>
+          <p:txBody>
+            <a:bodyPr rtlCol="0" anchor="ctr"/>
+            <a:lstStyle/>
+            <a:p>
+              <a:pPr algn="ctr"/>
+              <a:r>
+                <a:rPr lang="en-US" altLang="ko-KR" sz="1000" dirty="0" smtClean="0"/>
+                <a:t>Next</a:t>
+              </a:r>
+              <a:br>
+                <a:rPr lang="en-US" altLang="ko-KR" sz="1000" dirty="0" smtClean="0"/>
+              </a:br>
+              <a:r>
+                <a:rPr lang="en-US" altLang="ko-KR" sz="1000" dirty="0" smtClean="0"/>
+                <a:t>(Pointer)</a:t>
+              </a:r>
+              <a:endParaRPr lang="ko-KR" altLang="en-US" sz="1000" dirty="0"/>
+            </a:p>
+          </p:txBody>
+        </p:sp>
+        <p:sp>
+          <p:nvSpPr>
+            <p:cNvPr id="148" name="직사각형 147"/>
+            <p:cNvSpPr/>
+            <p:nvPr/>
+          </p:nvSpPr>
+          <p:spPr>
+            <a:xfrm>
+              <a:off x="443875" y="585096"/>
+              <a:ext cx="2443397" cy="689548"/>
+            </a:xfrm>
+            <a:prstGeom prst="rect">
+              <a:avLst/>
+            </a:prstGeom>
+          </p:spPr>
+          <p:style>
+            <a:lnRef idx="2">
+              <a:schemeClr val="accent1">
+                <a:shade val="50000"/>
+              </a:schemeClr>
+            </a:lnRef>
+            <a:fillRef idx="1">
+              <a:schemeClr val="accent1"/>
+            </a:fillRef>
+            <a:effectRef idx="0">
+              <a:schemeClr val="accent1"/>
+            </a:effectRef>
+            <a:fontRef idx="minor">
+              <a:schemeClr val="lt1"/>
+            </a:fontRef>
+          </p:style>
+          <p:txBody>
+            <a:bodyPr rtlCol="0" anchor="ctr"/>
+            <a:lstStyle/>
+            <a:p>
+              <a:pPr algn="ctr"/>
+              <a:r>
+                <a:rPr lang="en-US" altLang="ko-KR" sz="1400" dirty="0" smtClean="0"/>
+                <a:t>Node</a:t>
+              </a:r>
+              <a:endParaRPr lang="ko-KR" altLang="en-US" sz="1400" dirty="0"/>
+            </a:p>
+          </p:txBody>
+        </p:sp>
+        <p:sp>
+          <p:nvSpPr>
+            <p:cNvPr id="149" name="직사각형 148"/>
+            <p:cNvSpPr/>
+            <p:nvPr/>
+          </p:nvSpPr>
+          <p:spPr>
+            <a:xfrm>
+              <a:off x="443874" y="1274644"/>
+              <a:ext cx="897619" cy="734518"/>
+            </a:xfrm>
+            <a:prstGeom prst="rect">
+              <a:avLst/>
+            </a:prstGeom>
+            <a:solidFill>
+              <a:schemeClr val="accent6"/>
+            </a:solidFill>
+          </p:spPr>
+          <p:style>
+            <a:lnRef idx="2">
+              <a:schemeClr val="accent1">
+                <a:shade val="50000"/>
+              </a:schemeClr>
+            </a:lnRef>
+            <a:fillRef idx="1">
+              <a:schemeClr val="accent1"/>
+            </a:fillRef>
+            <a:effectRef idx="0">
+              <a:schemeClr val="accent1"/>
+            </a:effectRef>
+            <a:fontRef idx="minor">
+              <a:schemeClr val="lt1"/>
+            </a:fontRef>
+          </p:style>
+          <p:txBody>
+            <a:bodyPr rtlCol="0" anchor="ctr"/>
+            <a:lstStyle/>
+            <a:p>
+              <a:pPr algn="ctr"/>
+              <a:r>
+                <a:rPr lang="en-US" altLang="ko-KR" sz="1000" dirty="0" err="1" smtClean="0"/>
+                <a:t>Prev</a:t>
+              </a:r>
+              <a:r>
+                <a:rPr lang="en-US" altLang="ko-KR" sz="1000" dirty="0" smtClean="0"/>
+                <a:t/>
+              </a:r>
+              <a:br>
+                <a:rPr lang="en-US" altLang="ko-KR" sz="1000" dirty="0" smtClean="0"/>
+              </a:br>
+              <a:r>
+                <a:rPr lang="en-US" altLang="ko-KR" sz="1000" dirty="0" smtClean="0"/>
+                <a:t>(Pointer)</a:t>
+              </a:r>
+              <a:endParaRPr lang="ko-KR" altLang="en-US" sz="1000" dirty="0"/>
+            </a:p>
+          </p:txBody>
+        </p:sp>
+      </p:grpSp>
+      <p:cxnSp>
+        <p:nvCxnSpPr>
+          <p:cNvPr id="76" name="직선 화살표 연결선 75"/>
+          <p:cNvCxnSpPr>
+            <a:stCxn id="51" idx="0"/>
+            <a:endCxn id="146" idx="2"/>
+          </p:cNvCxnSpPr>
+          <p:nvPr/>
+        </p:nvCxnSpPr>
+        <p:spPr>
+          <a:xfrm flipH="1" flipV="1">
+            <a:off x="4098951" y="4362615"/>
+            <a:ext cx="2896198" cy="370091"/>
+          </a:xfrm>
+          <a:prstGeom prst="straightConnector1">
+            <a:avLst/>
+          </a:prstGeom>
+          <a:ln>
+            <a:solidFill>
+              <a:srgbClr val="FF0000"/>
+            </a:solidFill>
+            <a:tailEnd type="triangle"/>
+          </a:ln>
+        </p:spPr>
+        <p:style>
+          <a:lnRef idx="1">
+            <a:schemeClr val="accent1"/>
+          </a:lnRef>
+          <a:fillRef idx="0">
+            <a:schemeClr val="accent1"/>
+          </a:fillRef>
+          <a:effectRef idx="0">
+            <a:schemeClr val="accent1"/>
+          </a:effectRef>
+          <a:fontRef idx="minor">
+            <a:schemeClr val="tx1"/>
+          </a:fontRef>
+        </p:style>
+      </p:cxnSp>
+      <p:cxnSp>
+        <p:nvCxnSpPr>
+          <p:cNvPr id="150" name="직선 화살표 연결선 149"/>
+          <p:cNvCxnSpPr>
+            <a:stCxn id="139" idx="1"/>
+            <a:endCxn id="148" idx="3"/>
+          </p:cNvCxnSpPr>
+          <p:nvPr/>
+        </p:nvCxnSpPr>
+        <p:spPr>
+          <a:xfrm flipH="1" flipV="1">
+            <a:off x="5026573" y="3684706"/>
+            <a:ext cx="1154427" cy="446950"/>
+          </a:xfrm>
+          <a:prstGeom prst="straightConnector1">
+            <a:avLst/>
+          </a:prstGeom>
+          <a:ln>
+            <a:solidFill>
+              <a:schemeClr val="accent6"/>
+            </a:solidFill>
+            <a:tailEnd type="triangle"/>
+          </a:ln>
+        </p:spPr>
+        <p:style>
+          <a:lnRef idx="1">
+            <a:schemeClr val="accent1"/>
+          </a:lnRef>
+          <a:fillRef idx="0">
+            <a:schemeClr val="accent1"/>
+          </a:fillRef>
+          <a:effectRef idx="0">
+            <a:schemeClr val="accent1"/>
+          </a:effectRef>
+          <a:fontRef idx="minor">
+            <a:schemeClr val="tx1"/>
+          </a:fontRef>
+        </p:style>
+      </p:cxnSp>
+      <p:cxnSp>
+        <p:nvCxnSpPr>
+          <p:cNvPr id="151" name="직선 화살표 연결선 150"/>
+          <p:cNvCxnSpPr>
+            <a:stCxn id="144" idx="1"/>
+            <a:endCxn id="138" idx="3"/>
+          </p:cNvCxnSpPr>
+          <p:nvPr/>
+        </p:nvCxnSpPr>
+        <p:spPr>
+          <a:xfrm flipH="1" flipV="1">
+            <a:off x="8049232" y="3684424"/>
+            <a:ext cx="238782" cy="447232"/>
+          </a:xfrm>
+          <a:prstGeom prst="straightConnector1">
+            <a:avLst/>
+          </a:prstGeom>
+          <a:ln>
+            <a:solidFill>
+              <a:schemeClr val="accent6"/>
+            </a:solidFill>
+            <a:tailEnd type="triangle"/>
+          </a:ln>
+        </p:spPr>
+        <p:style>
+          <a:lnRef idx="1">
+            <a:schemeClr val="accent1"/>
+          </a:lnRef>
+          <a:fillRef idx="0">
+            <a:schemeClr val="accent1"/>
+          </a:fillRef>
+          <a:effectRef idx="0">
+            <a:schemeClr val="accent1"/>
+          </a:effectRef>
+          <a:fontRef idx="minor">
+            <a:schemeClr val="tx1"/>
+          </a:fontRef>
+        </p:style>
+      </p:cxnSp>
+      <p:cxnSp>
+        <p:nvCxnSpPr>
+          <p:cNvPr id="152" name="직선 화살표 연결선 151"/>
+          <p:cNvCxnSpPr>
+            <a:stCxn id="147" idx="3"/>
+            <a:endCxn id="138" idx="1"/>
+          </p:cNvCxnSpPr>
+          <p:nvPr/>
+        </p:nvCxnSpPr>
+        <p:spPr>
+          <a:xfrm flipV="1">
+            <a:off x="5026573" y="3684424"/>
+            <a:ext cx="1154428" cy="447514"/>
+          </a:xfrm>
+          <a:prstGeom prst="straightConnector1">
+            <a:avLst/>
+          </a:prstGeom>
+          <a:ln>
+            <a:solidFill>
+              <a:srgbClr val="FF0000"/>
+            </a:solidFill>
+            <a:tailEnd type="triangle"/>
+          </a:ln>
+        </p:spPr>
+        <p:style>
+          <a:lnRef idx="1">
+            <a:schemeClr val="accent1"/>
+          </a:lnRef>
+          <a:fillRef idx="0">
+            <a:schemeClr val="accent1"/>
+          </a:fillRef>
+          <a:effectRef idx="0">
+            <a:schemeClr val="accent1"/>
+          </a:effectRef>
+          <a:fontRef idx="minor">
+            <a:schemeClr val="tx1"/>
+          </a:fontRef>
+        </p:style>
+      </p:cxnSp>
+      <p:cxnSp>
+        <p:nvCxnSpPr>
+          <p:cNvPr id="153" name="직선 화살표 연결선 152"/>
+          <p:cNvCxnSpPr>
+            <a:stCxn id="137" idx="3"/>
+            <a:endCxn id="143" idx="1"/>
+          </p:cNvCxnSpPr>
+          <p:nvPr/>
+        </p:nvCxnSpPr>
+        <p:spPr>
+          <a:xfrm flipV="1">
+            <a:off x="8049232" y="3684424"/>
+            <a:ext cx="238783" cy="447232"/>
+          </a:xfrm>
+          <a:prstGeom prst="straightConnector1">
+            <a:avLst/>
+          </a:prstGeom>
+          <a:ln>
+            <a:solidFill>
+              <a:srgbClr val="FF0000"/>
+            </a:solidFill>
+            <a:tailEnd type="triangle"/>
+          </a:ln>
+        </p:spPr>
+        <p:style>
+          <a:lnRef idx="1">
+            <a:schemeClr val="accent1"/>
+          </a:lnRef>
+          <a:fillRef idx="0">
+            <a:schemeClr val="accent1"/>
+          </a:fillRef>
+          <a:effectRef idx="0">
+            <a:schemeClr val="accent1"/>
+          </a:effectRef>
+          <a:fontRef idx="minor">
+            <a:schemeClr val="tx1"/>
+          </a:fontRef>
+        </p:style>
+      </p:cxnSp>
+      <p:sp>
+        <p:nvSpPr>
+          <p:cNvPr id="156" name="TextBox 155"/>
+          <p:cNvSpPr txBox="1"/>
+          <p:nvPr/>
+        </p:nvSpPr>
+        <p:spPr>
+          <a:xfrm>
+            <a:off x="2248393" y="3945108"/>
+            <a:ext cx="641251" cy="369332"/>
+          </a:xfrm>
+          <a:prstGeom prst="rect">
+            <a:avLst/>
+          </a:prstGeom>
+          <a:noFill/>
+          <a:ln>
+            <a:solidFill>
+              <a:srgbClr val="FF0000"/>
+            </a:solidFill>
+          </a:ln>
+        </p:spPr>
+        <p:txBody>
+          <a:bodyPr wrap="square" rtlCol="0">
+            <a:spAutoFit/>
+          </a:bodyPr>
+          <a:lstStyle/>
+          <a:p>
+            <a:pPr algn="ctr"/>
+            <a:r>
+              <a:rPr lang="en-US" altLang="ko-KR" dirty="0" smtClean="0"/>
+              <a:t>Null</a:t>
+            </a:r>
+            <a:endParaRPr lang="ko-KR" altLang="en-US" dirty="0"/>
+          </a:p>
+        </p:txBody>
+      </p:sp>
+      <p:cxnSp>
+        <p:nvCxnSpPr>
+          <p:cNvPr id="157" name="직선 화살표 연결선 156"/>
+          <p:cNvCxnSpPr>
+            <a:stCxn id="149" idx="1"/>
+            <a:endCxn id="156" idx="3"/>
+          </p:cNvCxnSpPr>
+          <p:nvPr/>
+        </p:nvCxnSpPr>
+        <p:spPr>
+          <a:xfrm flipH="1" flipV="1">
+            <a:off x="2889644" y="4129774"/>
+            <a:ext cx="268697" cy="2164"/>
+          </a:xfrm>
+          <a:prstGeom prst="straightConnector1">
+            <a:avLst/>
+          </a:prstGeom>
+          <a:ln>
+            <a:tailEnd type="triangle"/>
+          </a:ln>
+        </p:spPr>
+        <p:style>
+          <a:lnRef idx="1">
+            <a:schemeClr val="accent1"/>
+          </a:lnRef>
+          <a:fillRef idx="0">
+            <a:schemeClr val="accent1"/>
+          </a:fillRef>
+          <a:effectRef idx="0">
+            <a:schemeClr val="accent1"/>
+          </a:effectRef>
+          <a:fontRef idx="minor">
+            <a:schemeClr val="tx1"/>
+          </a:fontRef>
+        </p:style>
+      </p:cxnSp>
+      <p:sp>
+        <p:nvSpPr>
+          <p:cNvPr id="160" name="TextBox 159"/>
+          <p:cNvSpPr txBox="1"/>
+          <p:nvPr/>
+        </p:nvSpPr>
+        <p:spPr>
+          <a:xfrm>
+            <a:off x="5200150" y="3448932"/>
+            <a:ext cx="641251" cy="369332"/>
+          </a:xfrm>
+          <a:prstGeom prst="rect">
+            <a:avLst/>
+          </a:prstGeom>
+          <a:noFill/>
+          <a:ln>
+            <a:solidFill>
+              <a:srgbClr val="FF0000"/>
+            </a:solidFill>
+          </a:ln>
+        </p:spPr>
+        <p:txBody>
+          <a:bodyPr wrap="square" rtlCol="0">
+            <a:spAutoFit/>
+          </a:bodyPr>
+          <a:lstStyle/>
+          <a:p>
+            <a:pPr algn="ctr"/>
+            <a:r>
+              <a:rPr lang="en-US" altLang="ko-KR" dirty="0" smtClean="0"/>
+              <a:t>Null</a:t>
+            </a:r>
+            <a:endParaRPr lang="ko-KR" altLang="en-US" dirty="0"/>
+          </a:p>
+        </p:txBody>
+      </p:sp>
+      <p:cxnSp>
+        <p:nvCxnSpPr>
+          <p:cNvPr id="162" name="직선 화살표 연결선 161"/>
+          <p:cNvCxnSpPr>
+            <a:stCxn id="139" idx="1"/>
+            <a:endCxn id="160" idx="3"/>
+          </p:cNvCxnSpPr>
+          <p:nvPr/>
+        </p:nvCxnSpPr>
+        <p:spPr>
+          <a:xfrm flipH="1" flipV="1">
+            <a:off x="5841401" y="3633598"/>
+            <a:ext cx="339599" cy="498058"/>
+          </a:xfrm>
+          <a:prstGeom prst="straightConnector1">
+            <a:avLst/>
+          </a:prstGeom>
+          <a:ln>
+            <a:tailEnd type="triangle"/>
+          </a:ln>
+        </p:spPr>
+        <p:style>
+          <a:lnRef idx="1">
+            <a:schemeClr val="accent1"/>
+          </a:lnRef>
+          <a:fillRef idx="0">
+            <a:schemeClr val="accent1"/>
+          </a:fillRef>
+          <a:effectRef idx="0">
+            <a:schemeClr val="accent1"/>
+          </a:effectRef>
+          <a:fontRef idx="minor">
+            <a:schemeClr val="tx1"/>
+          </a:fontRef>
+        </p:style>
+      </p:cxnSp>
+      <p:cxnSp>
+        <p:nvCxnSpPr>
+          <p:cNvPr id="165" name="직선 연결선 164"/>
+          <p:cNvCxnSpPr/>
+          <p:nvPr/>
+        </p:nvCxnSpPr>
+        <p:spPr>
+          <a:xfrm flipH="1">
+            <a:off x="5964344" y="3818264"/>
+            <a:ext cx="100359" cy="170418"/>
+          </a:xfrm>
+          <a:prstGeom prst="line">
+            <a:avLst/>
+          </a:prstGeom>
+          <a:ln>
+            <a:solidFill>
+              <a:srgbClr val="FF0000"/>
+            </a:solidFill>
+          </a:ln>
+        </p:spPr>
+        <p:style>
+          <a:lnRef idx="1">
+            <a:schemeClr val="accent1"/>
+          </a:lnRef>
+          <a:fillRef idx="0">
+            <a:schemeClr val="accent1"/>
+          </a:fillRef>
+          <a:effectRef idx="0">
+            <a:schemeClr val="accent1"/>
+          </a:effectRef>
+          <a:fontRef idx="minor">
+            <a:schemeClr val="tx1"/>
+          </a:fontRef>
+        </p:style>
+      </p:cxnSp>
+      <p:sp>
+        <p:nvSpPr>
+          <p:cNvPr id="178" name="직사각형 177"/>
+          <p:cNvSpPr/>
+          <p:nvPr/>
+        </p:nvSpPr>
+        <p:spPr>
+          <a:xfrm>
+            <a:off x="3416301" y="1859539"/>
+            <a:ext cx="7189306" cy="1019331"/>
+          </a:xfrm>
+          <a:prstGeom prst="rect">
+            <a:avLst/>
+          </a:prstGeom>
+          <a:noFill/>
+          <a:ln>
+            <a:solidFill>
+              <a:srgbClr val="92D050"/>
+            </a:solidFill>
+          </a:ln>
+        </p:spPr>
+        <p:style>
+          <a:lnRef idx="2">
+            <a:schemeClr val="accent1">
+              <a:shade val="50000"/>
+            </a:schemeClr>
+          </a:lnRef>
+          <a:fillRef idx="1">
+            <a:schemeClr val="accent1"/>
+          </a:fillRef>
+          <a:effectRef idx="0">
+            <a:schemeClr val="accent1"/>
+          </a:effectRef>
+          <a:fontRef idx="minor">
+            <a:schemeClr val="lt1"/>
+          </a:fontRef>
+        </p:style>
+        <p:txBody>
+          <a:bodyPr rtlCol="0" anchor="ctr"/>
+          <a:lstStyle/>
+          <a:p>
+            <a:pPr algn="ctr"/>
+            <a:endParaRPr lang="ko-KR" altLang="en-US"/>
+          </a:p>
+        </p:txBody>
+      </p:sp>
+      <p:grpSp>
+        <p:nvGrpSpPr>
+          <p:cNvPr id="179" name="그룹 178"/>
+          <p:cNvGrpSpPr/>
+          <p:nvPr/>
+        </p:nvGrpSpPr>
+        <p:grpSpPr>
+          <a:xfrm>
+            <a:off x="3958500" y="1931169"/>
+            <a:ext cx="1868232" cy="894464"/>
+            <a:chOff x="443874" y="585096"/>
+            <a:chExt cx="2443398" cy="1424066"/>
+          </a:xfrm>
+        </p:grpSpPr>
+        <p:sp>
+          <p:nvSpPr>
+            <p:cNvPr id="180" name="직사각형 179"/>
+            <p:cNvSpPr/>
+            <p:nvPr/>
+          </p:nvSpPr>
+          <p:spPr>
+            <a:xfrm>
+              <a:off x="1358479" y="1274644"/>
+              <a:ext cx="631174" cy="734518"/>
+            </a:xfrm>
+            <a:prstGeom prst="rect">
+              <a:avLst/>
+            </a:prstGeom>
+          </p:spPr>
+          <p:style>
+            <a:lnRef idx="2">
+              <a:schemeClr val="accent1">
+                <a:shade val="50000"/>
+              </a:schemeClr>
+            </a:lnRef>
+            <a:fillRef idx="1">
+              <a:schemeClr val="accent1"/>
+            </a:fillRef>
+            <a:effectRef idx="0">
+              <a:schemeClr val="accent1"/>
+            </a:effectRef>
+            <a:fontRef idx="minor">
+              <a:schemeClr val="lt1"/>
+            </a:fontRef>
+          </p:style>
+          <p:txBody>
+            <a:bodyPr rtlCol="0" anchor="ctr"/>
+            <a:lstStyle/>
+            <a:p>
+              <a:pPr algn="ctr"/>
+              <a:r>
+                <a:rPr lang="en-US" altLang="ko-KR" sz="1000" dirty="0" smtClean="0"/>
+                <a:t>(data)</a:t>
+              </a:r>
+              <a:endParaRPr lang="ko-KR" altLang="en-US" sz="1000" dirty="0"/>
+            </a:p>
+          </p:txBody>
+        </p:sp>
+        <p:sp>
+          <p:nvSpPr>
+            <p:cNvPr id="181" name="직사각형 180"/>
+            <p:cNvSpPr/>
+            <p:nvPr/>
+          </p:nvSpPr>
+          <p:spPr>
+            <a:xfrm>
+              <a:off x="1989653" y="1274644"/>
+              <a:ext cx="897619" cy="734518"/>
+            </a:xfrm>
+            <a:prstGeom prst="rect">
+              <a:avLst/>
+            </a:prstGeom>
+            <a:solidFill>
+              <a:srgbClr val="FF0000"/>
+            </a:solidFill>
+          </p:spPr>
+          <p:style>
+            <a:lnRef idx="2">
+              <a:schemeClr val="accent1">
+                <a:shade val="50000"/>
+              </a:schemeClr>
+            </a:lnRef>
+            <a:fillRef idx="1">
+              <a:schemeClr val="accent1"/>
+            </a:fillRef>
+            <a:effectRef idx="0">
+              <a:schemeClr val="accent1"/>
+            </a:effectRef>
+            <a:fontRef idx="minor">
+              <a:schemeClr val="lt1"/>
+            </a:fontRef>
+          </p:style>
+          <p:txBody>
+            <a:bodyPr rtlCol="0" anchor="ctr"/>
+            <a:lstStyle/>
+            <a:p>
+              <a:pPr algn="ctr"/>
+              <a:r>
+                <a:rPr lang="en-US" altLang="ko-KR" sz="1000" dirty="0" smtClean="0"/>
+                <a:t>Next</a:t>
+              </a:r>
+              <a:br>
+                <a:rPr lang="en-US" altLang="ko-KR" sz="1000" dirty="0" smtClean="0"/>
+              </a:br>
+              <a:r>
+                <a:rPr lang="en-US" altLang="ko-KR" sz="1000" dirty="0" smtClean="0"/>
+                <a:t>(Pointer)</a:t>
+              </a:r>
+              <a:endParaRPr lang="ko-KR" altLang="en-US" sz="1000" dirty="0"/>
+            </a:p>
+          </p:txBody>
+        </p:sp>
+        <p:sp>
+          <p:nvSpPr>
+            <p:cNvPr id="182" name="직사각형 181"/>
+            <p:cNvSpPr/>
+            <p:nvPr/>
+          </p:nvSpPr>
+          <p:spPr>
+            <a:xfrm>
+              <a:off x="443875" y="585096"/>
+              <a:ext cx="2443397" cy="689548"/>
+            </a:xfrm>
+            <a:prstGeom prst="rect">
+              <a:avLst/>
+            </a:prstGeom>
+          </p:spPr>
+          <p:style>
+            <a:lnRef idx="2">
+              <a:schemeClr val="accent1">
+                <a:shade val="50000"/>
+              </a:schemeClr>
+            </a:lnRef>
+            <a:fillRef idx="1">
+              <a:schemeClr val="accent1"/>
+            </a:fillRef>
+            <a:effectRef idx="0">
+              <a:schemeClr val="accent1"/>
+            </a:effectRef>
+            <a:fontRef idx="minor">
+              <a:schemeClr val="lt1"/>
+            </a:fontRef>
+          </p:style>
+          <p:txBody>
+            <a:bodyPr rtlCol="0" anchor="ctr"/>
+            <a:lstStyle/>
+            <a:p>
+              <a:pPr algn="ctr"/>
+              <a:r>
+                <a:rPr lang="en-US" altLang="ko-KR" sz="1400" dirty="0" smtClean="0"/>
+                <a:t>Node</a:t>
+              </a:r>
+              <a:endParaRPr lang="ko-KR" altLang="en-US" sz="1400" dirty="0"/>
+            </a:p>
+          </p:txBody>
+        </p:sp>
+        <p:sp>
+          <p:nvSpPr>
+            <p:cNvPr id="183" name="직사각형 182"/>
+            <p:cNvSpPr/>
+            <p:nvPr/>
+          </p:nvSpPr>
+          <p:spPr>
+            <a:xfrm>
+              <a:off x="443874" y="1274644"/>
+              <a:ext cx="897619" cy="734518"/>
+            </a:xfrm>
+            <a:prstGeom prst="rect">
+              <a:avLst/>
+            </a:prstGeom>
+            <a:solidFill>
+              <a:schemeClr val="accent6"/>
+            </a:solidFill>
+          </p:spPr>
+          <p:style>
+            <a:lnRef idx="2">
+              <a:schemeClr val="accent1">
+                <a:shade val="50000"/>
+              </a:schemeClr>
+            </a:lnRef>
+            <a:fillRef idx="1">
+              <a:schemeClr val="accent1"/>
+            </a:fillRef>
+            <a:effectRef idx="0">
+              <a:schemeClr val="accent1"/>
+            </a:effectRef>
+            <a:fontRef idx="minor">
+              <a:schemeClr val="lt1"/>
+            </a:fontRef>
+          </p:style>
+          <p:txBody>
+            <a:bodyPr rtlCol="0" anchor="ctr"/>
+            <a:lstStyle/>
+            <a:p>
+              <a:pPr algn="ctr"/>
+              <a:r>
+                <a:rPr lang="en-US" altLang="ko-KR" sz="1000" dirty="0" err="1" smtClean="0"/>
+                <a:t>Prev</a:t>
+              </a:r>
+              <a:r>
+                <a:rPr lang="en-US" altLang="ko-KR" sz="1000" dirty="0" smtClean="0"/>
+                <a:t/>
+              </a:r>
+              <a:br>
+                <a:rPr lang="en-US" altLang="ko-KR" sz="1000" dirty="0" smtClean="0"/>
+              </a:br>
+              <a:r>
+                <a:rPr lang="en-US" altLang="ko-KR" sz="1000" dirty="0" smtClean="0"/>
+                <a:t>(Pointer)</a:t>
+              </a:r>
+              <a:endParaRPr lang="ko-KR" altLang="en-US" sz="1000" dirty="0"/>
+            </a:p>
+          </p:txBody>
+        </p:sp>
+      </p:grpSp>
+      <p:sp>
+        <p:nvSpPr>
+          <p:cNvPr id="189" name="TextBox 188"/>
+          <p:cNvSpPr txBox="1"/>
+          <p:nvPr/>
+        </p:nvSpPr>
+        <p:spPr>
+          <a:xfrm>
+            <a:off x="2501172" y="2099371"/>
+            <a:ext cx="772199" cy="369332"/>
+          </a:xfrm>
+          <a:prstGeom prst="rect">
+            <a:avLst/>
+          </a:prstGeom>
+          <a:noFill/>
+        </p:spPr>
+        <p:txBody>
+          <a:bodyPr wrap="none" rtlCol="0">
+            <a:spAutoFit/>
+          </a:bodyPr>
+          <a:lstStyle/>
+          <a:p>
+            <a:r>
+              <a:rPr lang="en-US" altLang="ko-KR" dirty="0" smtClean="0"/>
+              <a:t>Insert</a:t>
+            </a:r>
+            <a:endParaRPr lang="ko-KR" altLang="en-US" dirty="0"/>
+          </a:p>
+        </p:txBody>
+      </p:sp>
+      <p:grpSp>
+        <p:nvGrpSpPr>
+          <p:cNvPr id="190" name="그룹 189"/>
+          <p:cNvGrpSpPr/>
+          <p:nvPr/>
+        </p:nvGrpSpPr>
+        <p:grpSpPr>
+          <a:xfrm>
+            <a:off x="8149500" y="1931169"/>
+            <a:ext cx="1868232" cy="894464"/>
+            <a:chOff x="443874" y="585096"/>
+            <a:chExt cx="2443398" cy="1424066"/>
+          </a:xfrm>
+        </p:grpSpPr>
+        <p:sp>
+          <p:nvSpPr>
+            <p:cNvPr id="191" name="직사각형 190"/>
+            <p:cNvSpPr/>
+            <p:nvPr/>
+          </p:nvSpPr>
+          <p:spPr>
+            <a:xfrm>
+              <a:off x="1358479" y="1274644"/>
+              <a:ext cx="631174" cy="734518"/>
+            </a:xfrm>
+            <a:prstGeom prst="rect">
+              <a:avLst/>
+            </a:prstGeom>
+          </p:spPr>
+          <p:style>
+            <a:lnRef idx="2">
+              <a:schemeClr val="accent1">
+                <a:shade val="50000"/>
+              </a:schemeClr>
+            </a:lnRef>
+            <a:fillRef idx="1">
+              <a:schemeClr val="accent1"/>
+            </a:fillRef>
+            <a:effectRef idx="0">
+              <a:schemeClr val="accent1"/>
+            </a:effectRef>
+            <a:fontRef idx="minor">
+              <a:schemeClr val="lt1"/>
+            </a:fontRef>
+          </p:style>
+          <p:txBody>
+            <a:bodyPr rtlCol="0" anchor="ctr"/>
+            <a:lstStyle/>
+            <a:p>
+              <a:pPr algn="ctr"/>
+              <a:r>
+                <a:rPr lang="en-US" altLang="ko-KR" sz="1000" dirty="0" smtClean="0"/>
+                <a:t>(data)</a:t>
+              </a:r>
+              <a:endParaRPr lang="ko-KR" altLang="en-US" sz="1000" dirty="0"/>
+            </a:p>
+          </p:txBody>
+        </p:sp>
+        <p:sp>
+          <p:nvSpPr>
+            <p:cNvPr id="192" name="직사각형 191"/>
+            <p:cNvSpPr/>
+            <p:nvPr/>
+          </p:nvSpPr>
+          <p:spPr>
+            <a:xfrm>
+              <a:off x="1989653" y="1274644"/>
+              <a:ext cx="897619" cy="734518"/>
+            </a:xfrm>
+            <a:prstGeom prst="rect">
+              <a:avLst/>
+            </a:prstGeom>
+            <a:solidFill>
+              <a:srgbClr val="FF0000"/>
+            </a:solidFill>
+          </p:spPr>
+          <p:style>
+            <a:lnRef idx="2">
+              <a:schemeClr val="accent1">
+                <a:shade val="50000"/>
+              </a:schemeClr>
+            </a:lnRef>
+            <a:fillRef idx="1">
+              <a:schemeClr val="accent1"/>
+            </a:fillRef>
+            <a:effectRef idx="0">
+              <a:schemeClr val="accent1"/>
+            </a:effectRef>
+            <a:fontRef idx="minor">
+              <a:schemeClr val="lt1"/>
+            </a:fontRef>
+          </p:style>
+          <p:txBody>
+            <a:bodyPr rtlCol="0" anchor="ctr"/>
+            <a:lstStyle/>
+            <a:p>
+              <a:pPr algn="ctr"/>
+              <a:r>
+                <a:rPr lang="en-US" altLang="ko-KR" sz="1000" dirty="0" smtClean="0"/>
+                <a:t>Next</a:t>
+              </a:r>
+              <a:br>
+                <a:rPr lang="en-US" altLang="ko-KR" sz="1000" dirty="0" smtClean="0"/>
+              </a:br>
+              <a:r>
+                <a:rPr lang="en-US" altLang="ko-KR" sz="1000" dirty="0" smtClean="0"/>
+                <a:t>(Pointer)</a:t>
+              </a:r>
+              <a:endParaRPr lang="ko-KR" altLang="en-US" sz="1000" dirty="0"/>
+            </a:p>
+          </p:txBody>
+        </p:sp>
+        <p:sp>
+          <p:nvSpPr>
+            <p:cNvPr id="193" name="직사각형 192"/>
+            <p:cNvSpPr/>
+            <p:nvPr/>
+          </p:nvSpPr>
+          <p:spPr>
+            <a:xfrm>
+              <a:off x="443875" y="585096"/>
+              <a:ext cx="2443397" cy="689548"/>
+            </a:xfrm>
+            <a:prstGeom prst="rect">
+              <a:avLst/>
+            </a:prstGeom>
+          </p:spPr>
+          <p:style>
+            <a:lnRef idx="2">
+              <a:schemeClr val="accent1">
+                <a:shade val="50000"/>
+              </a:schemeClr>
+            </a:lnRef>
+            <a:fillRef idx="1">
+              <a:schemeClr val="accent1"/>
+            </a:fillRef>
+            <a:effectRef idx="0">
+              <a:schemeClr val="accent1"/>
+            </a:effectRef>
+            <a:fontRef idx="minor">
+              <a:schemeClr val="lt1"/>
+            </a:fontRef>
+          </p:style>
+          <p:txBody>
+            <a:bodyPr rtlCol="0" anchor="ctr"/>
+            <a:lstStyle/>
+            <a:p>
+              <a:pPr algn="ctr"/>
+              <a:r>
+                <a:rPr lang="en-US" altLang="ko-KR" sz="1400" dirty="0" smtClean="0"/>
+                <a:t>Node</a:t>
+              </a:r>
+              <a:endParaRPr lang="ko-KR" altLang="en-US" sz="1400" dirty="0"/>
+            </a:p>
+          </p:txBody>
+        </p:sp>
+        <p:sp>
+          <p:nvSpPr>
+            <p:cNvPr id="194" name="직사각형 193"/>
+            <p:cNvSpPr/>
+            <p:nvPr/>
+          </p:nvSpPr>
+          <p:spPr>
+            <a:xfrm>
+              <a:off x="443874" y="1274644"/>
+              <a:ext cx="897619" cy="734518"/>
+            </a:xfrm>
+            <a:prstGeom prst="rect">
+              <a:avLst/>
+            </a:prstGeom>
+            <a:solidFill>
+              <a:schemeClr val="accent6"/>
+            </a:solidFill>
+          </p:spPr>
+          <p:style>
+            <a:lnRef idx="2">
+              <a:schemeClr val="accent1">
+                <a:shade val="50000"/>
+              </a:schemeClr>
+            </a:lnRef>
+            <a:fillRef idx="1">
+              <a:schemeClr val="accent1"/>
+            </a:fillRef>
+            <a:effectRef idx="0">
+              <a:schemeClr val="accent1"/>
+            </a:effectRef>
+            <a:fontRef idx="minor">
+              <a:schemeClr val="lt1"/>
+            </a:fontRef>
+          </p:style>
+          <p:txBody>
+            <a:bodyPr rtlCol="0" anchor="ctr"/>
+            <a:lstStyle/>
+            <a:p>
+              <a:pPr algn="ctr"/>
+              <a:r>
+                <a:rPr lang="en-US" altLang="ko-KR" sz="1000" dirty="0" err="1" smtClean="0"/>
+                <a:t>Prev</a:t>
+              </a:r>
+              <a:r>
+                <a:rPr lang="en-US" altLang="ko-KR" sz="1000" dirty="0" smtClean="0"/>
+                <a:t/>
+              </a:r>
+              <a:br>
+                <a:rPr lang="en-US" altLang="ko-KR" sz="1000" dirty="0" smtClean="0"/>
+              </a:br>
+              <a:r>
+                <a:rPr lang="en-US" altLang="ko-KR" sz="1000" dirty="0" smtClean="0"/>
+                <a:t>(Pointer)</a:t>
+              </a:r>
+              <a:endParaRPr lang="ko-KR" altLang="en-US" sz="1000" dirty="0"/>
+            </a:p>
+          </p:txBody>
+        </p:sp>
+      </p:grpSp>
+      <p:grpSp>
+        <p:nvGrpSpPr>
+          <p:cNvPr id="195" name="그룹 194"/>
+          <p:cNvGrpSpPr/>
+          <p:nvPr/>
+        </p:nvGrpSpPr>
+        <p:grpSpPr>
+          <a:xfrm>
+            <a:off x="6041300" y="1918469"/>
+            <a:ext cx="1868232" cy="894464"/>
+            <a:chOff x="443874" y="585096"/>
+            <a:chExt cx="2443398" cy="1424066"/>
+          </a:xfrm>
+        </p:grpSpPr>
+        <p:sp>
+          <p:nvSpPr>
+            <p:cNvPr id="196" name="직사각형 195"/>
+            <p:cNvSpPr/>
+            <p:nvPr/>
+          </p:nvSpPr>
+          <p:spPr>
+            <a:xfrm>
+              <a:off x="1358479" y="1274644"/>
+              <a:ext cx="631174" cy="734518"/>
+            </a:xfrm>
+            <a:prstGeom prst="rect">
+              <a:avLst/>
+            </a:prstGeom>
+          </p:spPr>
+          <p:style>
+            <a:lnRef idx="2">
+              <a:schemeClr val="accent1">
+                <a:shade val="50000"/>
+              </a:schemeClr>
+            </a:lnRef>
+            <a:fillRef idx="1">
+              <a:schemeClr val="accent1"/>
+            </a:fillRef>
+            <a:effectRef idx="0">
+              <a:schemeClr val="accent1"/>
+            </a:effectRef>
+            <a:fontRef idx="minor">
+              <a:schemeClr val="lt1"/>
+            </a:fontRef>
+          </p:style>
+          <p:txBody>
+            <a:bodyPr rtlCol="0" anchor="ctr"/>
+            <a:lstStyle/>
+            <a:p>
+              <a:pPr algn="ctr"/>
+              <a:r>
+                <a:rPr lang="en-US" altLang="ko-KR" sz="1000" dirty="0" smtClean="0"/>
+                <a:t>(data)</a:t>
+              </a:r>
+              <a:endParaRPr lang="ko-KR" altLang="en-US" sz="1000" dirty="0"/>
+            </a:p>
+          </p:txBody>
+        </p:sp>
+        <p:sp>
+          <p:nvSpPr>
+            <p:cNvPr id="197" name="직사각형 196"/>
+            <p:cNvSpPr/>
+            <p:nvPr/>
+          </p:nvSpPr>
+          <p:spPr>
+            <a:xfrm>
+              <a:off x="1989653" y="1274644"/>
+              <a:ext cx="897619" cy="734518"/>
+            </a:xfrm>
+            <a:prstGeom prst="rect">
+              <a:avLst/>
+            </a:prstGeom>
+            <a:solidFill>
+              <a:srgbClr val="FF0000"/>
+            </a:solidFill>
+          </p:spPr>
+          <p:style>
+            <a:lnRef idx="2">
+              <a:schemeClr val="accent1">
+                <a:shade val="50000"/>
+              </a:schemeClr>
+            </a:lnRef>
+            <a:fillRef idx="1">
+              <a:schemeClr val="accent1"/>
+            </a:fillRef>
+            <a:effectRef idx="0">
+              <a:schemeClr val="accent1"/>
+            </a:effectRef>
+            <a:fontRef idx="minor">
+              <a:schemeClr val="lt1"/>
+            </a:fontRef>
+          </p:style>
+          <p:txBody>
+            <a:bodyPr rtlCol="0" anchor="ctr"/>
+            <a:lstStyle/>
+            <a:p>
+              <a:pPr algn="ctr"/>
+              <a:r>
+                <a:rPr lang="en-US" altLang="ko-KR" sz="1000" dirty="0" smtClean="0"/>
+                <a:t>Next</a:t>
+              </a:r>
+              <a:br>
+                <a:rPr lang="en-US" altLang="ko-KR" sz="1000" dirty="0" smtClean="0"/>
+              </a:br>
+              <a:r>
+                <a:rPr lang="en-US" altLang="ko-KR" sz="1000" dirty="0" smtClean="0"/>
+                <a:t>(Pointer)</a:t>
+              </a:r>
+              <a:endParaRPr lang="ko-KR" altLang="en-US" sz="1000" dirty="0"/>
+            </a:p>
+          </p:txBody>
+        </p:sp>
+        <p:sp>
+          <p:nvSpPr>
+            <p:cNvPr id="198" name="직사각형 197"/>
+            <p:cNvSpPr/>
+            <p:nvPr/>
+          </p:nvSpPr>
+          <p:spPr>
+            <a:xfrm>
+              <a:off x="443875" y="585096"/>
+              <a:ext cx="2443397" cy="689548"/>
+            </a:xfrm>
+            <a:prstGeom prst="rect">
+              <a:avLst/>
+            </a:prstGeom>
+          </p:spPr>
+          <p:style>
+            <a:lnRef idx="2">
+              <a:schemeClr val="accent1">
+                <a:shade val="50000"/>
+              </a:schemeClr>
+            </a:lnRef>
+            <a:fillRef idx="1">
+              <a:schemeClr val="accent1"/>
+            </a:fillRef>
+            <a:effectRef idx="0">
+              <a:schemeClr val="accent1"/>
+            </a:effectRef>
+            <a:fontRef idx="minor">
+              <a:schemeClr val="lt1"/>
+            </a:fontRef>
+          </p:style>
+          <p:txBody>
+            <a:bodyPr rtlCol="0" anchor="ctr"/>
+            <a:lstStyle/>
+            <a:p>
+              <a:pPr algn="ctr"/>
+              <a:r>
+                <a:rPr lang="en-US" altLang="ko-KR" sz="1400" dirty="0" smtClean="0"/>
+                <a:t>Node</a:t>
+              </a:r>
+              <a:endParaRPr lang="ko-KR" altLang="en-US" sz="1400" dirty="0"/>
+            </a:p>
+          </p:txBody>
+        </p:sp>
+        <p:sp>
+          <p:nvSpPr>
+            <p:cNvPr id="199" name="직사각형 198"/>
+            <p:cNvSpPr/>
+            <p:nvPr/>
+          </p:nvSpPr>
+          <p:spPr>
+            <a:xfrm>
+              <a:off x="443874" y="1274644"/>
+              <a:ext cx="897619" cy="734518"/>
+            </a:xfrm>
+            <a:prstGeom prst="rect">
+              <a:avLst/>
+            </a:prstGeom>
+            <a:solidFill>
+              <a:schemeClr val="accent6"/>
+            </a:solidFill>
+          </p:spPr>
+          <p:style>
+            <a:lnRef idx="2">
+              <a:schemeClr val="accent1">
+                <a:shade val="50000"/>
+              </a:schemeClr>
+            </a:lnRef>
+            <a:fillRef idx="1">
+              <a:schemeClr val="accent1"/>
+            </a:fillRef>
+            <a:effectRef idx="0">
+              <a:schemeClr val="accent1"/>
+            </a:effectRef>
+            <a:fontRef idx="minor">
+              <a:schemeClr val="lt1"/>
+            </a:fontRef>
+          </p:style>
+          <p:txBody>
+            <a:bodyPr rtlCol="0" anchor="ctr"/>
+            <a:lstStyle/>
+            <a:p>
+              <a:pPr algn="ctr"/>
+              <a:r>
+                <a:rPr lang="en-US" altLang="ko-KR" sz="1000" dirty="0" err="1" smtClean="0"/>
+                <a:t>Prev</a:t>
+              </a:r>
+              <a:r>
+                <a:rPr lang="en-US" altLang="ko-KR" sz="1000" dirty="0" smtClean="0"/>
+                <a:t/>
+              </a:r>
+              <a:br>
+                <a:rPr lang="en-US" altLang="ko-KR" sz="1000" dirty="0" smtClean="0"/>
+              </a:br>
+              <a:r>
+                <a:rPr lang="en-US" altLang="ko-KR" sz="1000" dirty="0" smtClean="0"/>
+                <a:t>(Pointer)</a:t>
+              </a:r>
+              <a:endParaRPr lang="ko-KR" altLang="en-US" sz="1000" dirty="0"/>
+            </a:p>
+          </p:txBody>
+        </p:sp>
+      </p:grpSp>
+      <p:sp>
+        <p:nvSpPr>
+          <p:cNvPr id="204" name="TextBox 203"/>
+          <p:cNvSpPr txBox="1"/>
+          <p:nvPr/>
+        </p:nvSpPr>
+        <p:spPr>
+          <a:xfrm>
+            <a:off x="10235726" y="3633598"/>
+            <a:ext cx="458780" cy="369332"/>
+          </a:xfrm>
+          <a:prstGeom prst="rect">
+            <a:avLst/>
+          </a:prstGeom>
+          <a:noFill/>
+        </p:spPr>
+        <p:txBody>
+          <a:bodyPr wrap="none" rtlCol="0">
+            <a:spAutoFit/>
+          </a:bodyPr>
+          <a:lstStyle/>
+          <a:p>
+            <a:r>
+              <a:rPr lang="en-US" altLang="ko-KR" dirty="0" smtClean="0"/>
+              <a:t>…..</a:t>
+            </a:r>
+            <a:endParaRPr lang="ko-KR" altLang="en-US" dirty="0"/>
+          </a:p>
+        </p:txBody>
+      </p:sp>
+      <p:cxnSp>
+        <p:nvCxnSpPr>
+          <p:cNvPr id="205" name="직선 연결선 204"/>
+          <p:cNvCxnSpPr/>
+          <p:nvPr/>
+        </p:nvCxnSpPr>
+        <p:spPr>
+          <a:xfrm>
+            <a:off x="10235629" y="3396239"/>
+            <a:ext cx="0" cy="1019331"/>
+          </a:xfrm>
+          <a:prstGeom prst="line">
+            <a:avLst/>
+          </a:prstGeom>
+          <a:ln>
+            <a:solidFill>
+              <a:schemeClr val="accent6"/>
+            </a:solidFill>
+          </a:ln>
+        </p:spPr>
+        <p:style>
+          <a:lnRef idx="1">
+            <a:schemeClr val="accent1"/>
+          </a:lnRef>
+          <a:fillRef idx="0">
+            <a:schemeClr val="accent1"/>
+          </a:fillRef>
+          <a:effectRef idx="0">
+            <a:schemeClr val="accent1"/>
+          </a:effectRef>
+          <a:fontRef idx="minor">
+            <a:schemeClr val="tx1"/>
+          </a:fontRef>
+        </p:style>
+      </p:cxnSp>
+      <p:cxnSp>
+        <p:nvCxnSpPr>
+          <p:cNvPr id="206" name="직선 연결선 205"/>
+          <p:cNvCxnSpPr/>
+          <p:nvPr/>
+        </p:nvCxnSpPr>
+        <p:spPr>
+          <a:xfrm>
+            <a:off x="5951073" y="1859539"/>
+            <a:ext cx="0" cy="1019331"/>
+          </a:xfrm>
+          <a:prstGeom prst="line">
+            <a:avLst/>
+          </a:prstGeom>
+          <a:ln>
+            <a:solidFill>
+              <a:schemeClr val="accent6"/>
+            </a:solidFill>
+          </a:ln>
+        </p:spPr>
+        <p:style>
+          <a:lnRef idx="1">
+            <a:schemeClr val="accent1"/>
+          </a:lnRef>
+          <a:fillRef idx="0">
+            <a:schemeClr val="accent1"/>
+          </a:fillRef>
+          <a:effectRef idx="0">
+            <a:schemeClr val="accent1"/>
+          </a:effectRef>
+          <a:fontRef idx="minor">
+            <a:schemeClr val="tx1"/>
+          </a:fontRef>
+        </p:style>
+      </p:cxnSp>
+      <p:cxnSp>
+        <p:nvCxnSpPr>
+          <p:cNvPr id="207" name="직선 연결선 206"/>
+          <p:cNvCxnSpPr/>
+          <p:nvPr/>
+        </p:nvCxnSpPr>
+        <p:spPr>
+          <a:xfrm>
+            <a:off x="3877825" y="1859539"/>
+            <a:ext cx="0" cy="1019331"/>
+          </a:xfrm>
+          <a:prstGeom prst="line">
+            <a:avLst/>
+          </a:prstGeom>
+          <a:ln>
+            <a:solidFill>
+              <a:schemeClr val="accent6"/>
+            </a:solidFill>
+          </a:ln>
+        </p:spPr>
+        <p:style>
+          <a:lnRef idx="1">
+            <a:schemeClr val="accent1"/>
+          </a:lnRef>
+          <a:fillRef idx="0">
+            <a:schemeClr val="accent1"/>
+          </a:fillRef>
+          <a:effectRef idx="0">
+            <a:schemeClr val="accent1"/>
+          </a:effectRef>
+          <a:fontRef idx="minor">
+            <a:schemeClr val="tx1"/>
+          </a:fontRef>
+        </p:style>
+      </p:cxnSp>
+      <p:sp>
+        <p:nvSpPr>
+          <p:cNvPr id="208" name="TextBox 207"/>
+          <p:cNvSpPr txBox="1"/>
+          <p:nvPr/>
+        </p:nvSpPr>
+        <p:spPr>
+          <a:xfrm>
+            <a:off x="3402054" y="2096657"/>
+            <a:ext cx="458780" cy="369332"/>
+          </a:xfrm>
+          <a:prstGeom prst="rect">
+            <a:avLst/>
+          </a:prstGeom>
+          <a:noFill/>
+        </p:spPr>
+        <p:txBody>
+          <a:bodyPr wrap="none" rtlCol="0">
+            <a:spAutoFit/>
+          </a:bodyPr>
+          <a:lstStyle/>
+          <a:p>
+            <a:r>
+              <a:rPr lang="en-US" altLang="ko-KR" dirty="0" smtClean="0"/>
+              <a:t>…..</a:t>
+            </a:r>
+            <a:endParaRPr lang="ko-KR" altLang="en-US" dirty="0"/>
+          </a:p>
+        </p:txBody>
+      </p:sp>
+      <p:sp>
+        <p:nvSpPr>
+          <p:cNvPr id="209" name="TextBox 208"/>
+          <p:cNvSpPr txBox="1"/>
+          <p:nvPr/>
+        </p:nvSpPr>
+        <p:spPr>
+          <a:xfrm>
+            <a:off x="6035293" y="2868947"/>
+            <a:ext cx="1791985" cy="369332"/>
+          </a:xfrm>
+          <a:prstGeom prst="rect">
+            <a:avLst/>
+          </a:prstGeom>
+          <a:noFill/>
+        </p:spPr>
+        <p:txBody>
+          <a:bodyPr wrap="square" rtlCol="0">
+            <a:spAutoFit/>
+          </a:bodyPr>
+          <a:lstStyle/>
+          <a:p>
+            <a:pPr algn="ctr"/>
+            <a:r>
+              <a:rPr lang="en-US" altLang="ko-KR" dirty="0" smtClean="0"/>
+              <a:t>New Node</a:t>
+            </a:r>
+            <a:endParaRPr lang="ko-KR" altLang="en-US" dirty="0"/>
+          </a:p>
+        </p:txBody>
+      </p:sp>
+      <p:sp>
+        <p:nvSpPr>
+          <p:cNvPr id="210" name="TextBox 209"/>
+          <p:cNvSpPr txBox="1"/>
+          <p:nvPr/>
+        </p:nvSpPr>
+        <p:spPr>
+          <a:xfrm>
+            <a:off x="10146826" y="2071498"/>
+            <a:ext cx="458780" cy="369332"/>
+          </a:xfrm>
+          <a:prstGeom prst="rect">
+            <a:avLst/>
+          </a:prstGeom>
+          <a:noFill/>
+        </p:spPr>
+        <p:txBody>
+          <a:bodyPr wrap="none" rtlCol="0">
+            <a:spAutoFit/>
+          </a:bodyPr>
+          <a:lstStyle/>
+          <a:p>
+            <a:r>
+              <a:rPr lang="en-US" altLang="ko-KR" dirty="0" smtClean="0"/>
+              <a:t>…..</a:t>
+            </a:r>
+            <a:endParaRPr lang="ko-KR" altLang="en-US" dirty="0"/>
+          </a:p>
+        </p:txBody>
+      </p:sp>
+      <p:cxnSp>
+        <p:nvCxnSpPr>
+          <p:cNvPr id="211" name="직선 연결선 210"/>
+          <p:cNvCxnSpPr/>
+          <p:nvPr/>
+        </p:nvCxnSpPr>
+        <p:spPr>
+          <a:xfrm>
+            <a:off x="10146729" y="1859539"/>
+            <a:ext cx="0" cy="1019331"/>
+          </a:xfrm>
+          <a:prstGeom prst="line">
+            <a:avLst/>
+          </a:prstGeom>
+          <a:ln>
+            <a:solidFill>
+              <a:schemeClr val="accent6"/>
+            </a:solidFill>
+          </a:ln>
+        </p:spPr>
+        <p:style>
+          <a:lnRef idx="1">
+            <a:schemeClr val="accent1"/>
+          </a:lnRef>
+          <a:fillRef idx="0">
+            <a:schemeClr val="accent1"/>
+          </a:fillRef>
+          <a:effectRef idx="0">
+            <a:schemeClr val="accent1"/>
+          </a:effectRef>
+          <a:fontRef idx="minor">
+            <a:schemeClr val="tx1"/>
+          </a:fontRef>
+        </p:style>
+      </p:cxnSp>
+      <p:cxnSp>
+        <p:nvCxnSpPr>
+          <p:cNvPr id="212" name="직선 연결선 211"/>
+          <p:cNvCxnSpPr/>
+          <p:nvPr/>
+        </p:nvCxnSpPr>
+        <p:spPr>
+          <a:xfrm>
+            <a:off x="8025829" y="1872239"/>
+            <a:ext cx="0" cy="1019331"/>
+          </a:xfrm>
+          <a:prstGeom prst="line">
+            <a:avLst/>
+          </a:prstGeom>
+          <a:ln>
+            <a:solidFill>
+              <a:schemeClr val="accent6"/>
+            </a:solidFill>
+          </a:ln>
+        </p:spPr>
+        <p:style>
+          <a:lnRef idx="1">
+            <a:schemeClr val="accent1"/>
+          </a:lnRef>
+          <a:fillRef idx="0">
+            <a:schemeClr val="accent1"/>
+          </a:fillRef>
+          <a:effectRef idx="0">
+            <a:schemeClr val="accent1"/>
+          </a:effectRef>
+          <a:fontRef idx="minor">
+            <a:schemeClr val="tx1"/>
+          </a:fontRef>
+        </p:style>
+      </p:cxnSp>
+      <p:sp>
+        <p:nvSpPr>
+          <p:cNvPr id="213" name="TextBox 212"/>
+          <p:cNvSpPr txBox="1"/>
+          <p:nvPr/>
+        </p:nvSpPr>
+        <p:spPr>
+          <a:xfrm>
+            <a:off x="4018958" y="2859215"/>
+            <a:ext cx="1791985" cy="369332"/>
+          </a:xfrm>
+          <a:prstGeom prst="rect">
+            <a:avLst/>
+          </a:prstGeom>
+          <a:noFill/>
+        </p:spPr>
+        <p:txBody>
+          <a:bodyPr wrap="square" rtlCol="0">
+            <a:spAutoFit/>
+          </a:bodyPr>
+          <a:lstStyle/>
+          <a:p>
+            <a:pPr algn="ctr"/>
+            <a:r>
+              <a:rPr lang="en-US" altLang="ko-KR" dirty="0" smtClean="0"/>
+              <a:t>Current </a:t>
+            </a:r>
+            <a:r>
+              <a:rPr lang="en-US" altLang="ko-KR" dirty="0" smtClean="0"/>
+              <a:t>Node</a:t>
+            </a:r>
+            <a:endParaRPr lang="ko-KR" altLang="en-US" dirty="0"/>
+          </a:p>
+        </p:txBody>
+      </p:sp>
+      <p:cxnSp>
+        <p:nvCxnSpPr>
+          <p:cNvPr id="214" name="직선 화살표 연결선 213"/>
+          <p:cNvCxnSpPr>
+            <a:stCxn id="181" idx="3"/>
+            <a:endCxn id="198" idx="1"/>
+          </p:cNvCxnSpPr>
+          <p:nvPr/>
+        </p:nvCxnSpPr>
+        <p:spPr>
+          <a:xfrm flipV="1">
+            <a:off x="5826732" y="2135024"/>
+            <a:ext cx="214569" cy="459932"/>
+          </a:xfrm>
+          <a:prstGeom prst="straightConnector1">
+            <a:avLst/>
+          </a:prstGeom>
+          <a:ln>
+            <a:solidFill>
+              <a:srgbClr val="FF0000"/>
+            </a:solidFill>
+            <a:tailEnd type="triangle"/>
+          </a:ln>
+        </p:spPr>
+        <p:style>
+          <a:lnRef idx="1">
+            <a:schemeClr val="accent1"/>
+          </a:lnRef>
+          <a:fillRef idx="0">
+            <a:schemeClr val="accent1"/>
+          </a:fillRef>
+          <a:effectRef idx="0">
+            <a:schemeClr val="accent1"/>
+          </a:effectRef>
+          <a:fontRef idx="minor">
+            <a:schemeClr val="tx1"/>
+          </a:fontRef>
+        </p:style>
+      </p:cxnSp>
+      <p:cxnSp>
+        <p:nvCxnSpPr>
+          <p:cNvPr id="217" name="직선 화살표 연결선 216"/>
+          <p:cNvCxnSpPr>
+            <a:stCxn id="199" idx="1"/>
+            <a:endCxn id="182" idx="3"/>
+          </p:cNvCxnSpPr>
+          <p:nvPr/>
+        </p:nvCxnSpPr>
+        <p:spPr>
+          <a:xfrm flipH="1" flipV="1">
+            <a:off x="5826732" y="2147724"/>
+            <a:ext cx="214568" cy="434532"/>
+          </a:xfrm>
+          <a:prstGeom prst="straightConnector1">
+            <a:avLst/>
+          </a:prstGeom>
+          <a:ln>
+            <a:solidFill>
+              <a:schemeClr val="accent6"/>
+            </a:solidFill>
+            <a:tailEnd type="triangle"/>
+          </a:ln>
+        </p:spPr>
+        <p:style>
+          <a:lnRef idx="1">
+            <a:schemeClr val="accent1"/>
+          </a:lnRef>
+          <a:fillRef idx="0">
+            <a:schemeClr val="accent1"/>
+          </a:fillRef>
+          <a:effectRef idx="0">
+            <a:schemeClr val="accent1"/>
+          </a:effectRef>
+          <a:fontRef idx="minor">
+            <a:schemeClr val="tx1"/>
+          </a:fontRef>
+        </p:style>
+      </p:cxnSp>
+      <p:cxnSp>
+        <p:nvCxnSpPr>
+          <p:cNvPr id="220" name="직선 화살표 연결선 219"/>
+          <p:cNvCxnSpPr>
+            <a:stCxn id="194" idx="1"/>
+            <a:endCxn id="198" idx="3"/>
+          </p:cNvCxnSpPr>
+          <p:nvPr/>
+        </p:nvCxnSpPr>
+        <p:spPr>
+          <a:xfrm flipH="1" flipV="1">
+            <a:off x="7909532" y="2135024"/>
+            <a:ext cx="239968" cy="459932"/>
+          </a:xfrm>
+          <a:prstGeom prst="straightConnector1">
+            <a:avLst/>
+          </a:prstGeom>
+          <a:ln>
+            <a:solidFill>
+              <a:schemeClr val="accent6"/>
+            </a:solidFill>
+            <a:tailEnd type="triangle"/>
+          </a:ln>
+        </p:spPr>
+        <p:style>
+          <a:lnRef idx="1">
+            <a:schemeClr val="accent1"/>
+          </a:lnRef>
+          <a:fillRef idx="0">
+            <a:schemeClr val="accent1"/>
+          </a:fillRef>
+          <a:effectRef idx="0">
+            <a:schemeClr val="accent1"/>
+          </a:effectRef>
+          <a:fontRef idx="minor">
+            <a:schemeClr val="tx1"/>
+          </a:fontRef>
+        </p:style>
+      </p:cxnSp>
+      <p:cxnSp>
+        <p:nvCxnSpPr>
+          <p:cNvPr id="223" name="직선 화살표 연결선 222"/>
+          <p:cNvCxnSpPr>
+            <a:stCxn id="197" idx="3"/>
+            <a:endCxn id="193" idx="1"/>
+          </p:cNvCxnSpPr>
+          <p:nvPr/>
+        </p:nvCxnSpPr>
+        <p:spPr>
+          <a:xfrm flipV="1">
+            <a:off x="7909532" y="2147724"/>
+            <a:ext cx="239969" cy="434532"/>
+          </a:xfrm>
+          <a:prstGeom prst="straightConnector1">
+            <a:avLst/>
+          </a:prstGeom>
+          <a:ln>
+            <a:solidFill>
+              <a:srgbClr val="FF0000"/>
+            </a:solidFill>
+            <a:tailEnd type="triangle"/>
+          </a:ln>
+        </p:spPr>
+        <p:style>
+          <a:lnRef idx="1">
+            <a:schemeClr val="accent1"/>
+          </a:lnRef>
+          <a:fillRef idx="0">
+            <a:schemeClr val="accent1"/>
+          </a:fillRef>
+          <a:effectRef idx="0">
+            <a:schemeClr val="accent1"/>
+          </a:effectRef>
+          <a:fontRef idx="minor">
+            <a:schemeClr val="tx1"/>
+          </a:fontRef>
+        </p:style>
+      </p:cxnSp>
+      <p:cxnSp>
+        <p:nvCxnSpPr>
+          <p:cNvPr id="226" name="직선 화살표 연결선 225"/>
+          <p:cNvCxnSpPr>
+            <a:stCxn id="181" idx="3"/>
+            <a:endCxn id="193" idx="1"/>
+          </p:cNvCxnSpPr>
+          <p:nvPr/>
+        </p:nvCxnSpPr>
+        <p:spPr>
+          <a:xfrm flipV="1">
+            <a:off x="5826732" y="2147724"/>
+            <a:ext cx="2322769" cy="447232"/>
+          </a:xfrm>
+          <a:prstGeom prst="straightConnector1">
+            <a:avLst/>
+          </a:prstGeom>
+          <a:ln>
+            <a:solidFill>
+              <a:srgbClr val="FF0000"/>
+            </a:solidFill>
+            <a:tailEnd type="triangle"/>
+          </a:ln>
+        </p:spPr>
+        <p:style>
+          <a:lnRef idx="1">
+            <a:schemeClr val="accent1"/>
+          </a:lnRef>
+          <a:fillRef idx="0">
+            <a:schemeClr val="accent1"/>
+          </a:fillRef>
+          <a:effectRef idx="0">
+            <a:schemeClr val="accent1"/>
+          </a:effectRef>
+          <a:fontRef idx="minor">
+            <a:schemeClr val="tx1"/>
+          </a:fontRef>
+        </p:style>
+      </p:cxnSp>
+      <p:cxnSp>
+        <p:nvCxnSpPr>
+          <p:cNvPr id="232" name="직선 연결선 231"/>
+          <p:cNvCxnSpPr/>
+          <p:nvPr/>
+        </p:nvCxnSpPr>
+        <p:spPr>
+          <a:xfrm flipH="1" flipV="1">
+            <a:off x="7476599" y="2160278"/>
+            <a:ext cx="161128" cy="164231"/>
+          </a:xfrm>
+          <a:prstGeom prst="line">
+            <a:avLst/>
+          </a:prstGeom>
+          <a:ln>
+            <a:solidFill>
+              <a:srgbClr val="FF0000"/>
+            </a:solidFill>
+          </a:ln>
+        </p:spPr>
+        <p:style>
+          <a:lnRef idx="1">
+            <a:schemeClr val="accent1"/>
+          </a:lnRef>
+          <a:fillRef idx="0">
+            <a:schemeClr val="accent1"/>
+          </a:fillRef>
+          <a:effectRef idx="0">
+            <a:schemeClr val="accent1"/>
+          </a:effectRef>
+          <a:fontRef idx="minor">
+            <a:schemeClr val="tx1"/>
+          </a:fontRef>
+        </p:style>
+      </p:cxnSp>
+      <p:sp>
+        <p:nvSpPr>
+          <p:cNvPr id="233" name="TextBox 232"/>
+          <p:cNvSpPr txBox="1"/>
+          <p:nvPr/>
+        </p:nvSpPr>
+        <p:spPr>
+          <a:xfrm>
+            <a:off x="166452" y="2352948"/>
+            <a:ext cx="3365443" cy="954107"/>
+          </a:xfrm>
+          <a:prstGeom prst="rect">
+            <a:avLst/>
+          </a:prstGeom>
+          <a:noFill/>
+        </p:spPr>
+        <p:txBody>
+          <a:bodyPr wrap="square" rtlCol="0">
+            <a:spAutoFit/>
+          </a:bodyPr>
+          <a:lstStyle/>
+          <a:p>
+            <a:r>
+              <a:rPr lang="ko-KR" altLang="en-US" sz="1400" dirty="0" smtClean="0"/>
+              <a:t>추가할 위치 노드의 다음 </a:t>
+            </a:r>
+            <a:r>
+              <a:rPr lang="en-US" altLang="ko-KR" sz="1400" dirty="0" smtClean="0"/>
+              <a:t>Node</a:t>
+            </a:r>
+            <a:r>
+              <a:rPr lang="ko-KR" altLang="en-US" sz="1400" dirty="0" smtClean="0"/>
+              <a:t>가 있을 경우 현재와 </a:t>
+            </a:r>
+            <a:r>
+              <a:rPr lang="en-US" altLang="ko-KR" sz="1400" dirty="0" smtClean="0"/>
+              <a:t>New</a:t>
+            </a:r>
+            <a:r>
+              <a:rPr lang="ko-KR" altLang="en-US" sz="1400" dirty="0" smtClean="0"/>
+              <a:t> </a:t>
+            </a:r>
+            <a:r>
+              <a:rPr lang="en-US" altLang="ko-KR" sz="1400" dirty="0" smtClean="0"/>
+              <a:t>Node, </a:t>
+            </a:r>
+            <a:r>
+              <a:rPr lang="en-US" altLang="ko-KR" sz="1400" dirty="0" smtClean="0"/>
+              <a:t>Next Node</a:t>
+            </a:r>
+            <a:r>
+              <a:rPr lang="ko-KR" altLang="en-US" sz="1400" dirty="0" smtClean="0"/>
+              <a:t>를 다 </a:t>
+            </a:r>
+            <a:r>
+              <a:rPr lang="ko-KR" altLang="en-US" sz="1400" u="sng" dirty="0" smtClean="0"/>
+              <a:t>연결 한 후 </a:t>
+            </a:r>
+            <a:r>
+              <a:rPr lang="en-US" altLang="ko-KR" sz="1400" dirty="0" smtClean="0"/>
+              <a:t>Current Node-&gt;Next</a:t>
+            </a:r>
+            <a:r>
+              <a:rPr lang="ko-KR" altLang="en-US" sz="1400" dirty="0" smtClean="0"/>
+              <a:t>를 </a:t>
+            </a:r>
+            <a:r>
+              <a:rPr lang="en-US" altLang="ko-KR" sz="1400" dirty="0" smtClean="0"/>
+              <a:t>New Node</a:t>
+            </a:r>
+            <a:r>
+              <a:rPr lang="ko-KR" altLang="en-US" sz="1400" dirty="0" smtClean="0"/>
+              <a:t>에 연결시켜 준다</a:t>
+            </a:r>
+            <a:r>
+              <a:rPr lang="en-US" altLang="ko-KR" sz="1400" dirty="0" smtClean="0"/>
+              <a:t>.</a:t>
+            </a:r>
+            <a:endParaRPr lang="ko-KR" altLang="en-US" sz="1400" dirty="0"/>
+          </a:p>
+        </p:txBody>
+      </p:sp>
+      <p:sp>
+        <p:nvSpPr>
+          <p:cNvPr id="234" name="TextBox 233"/>
+          <p:cNvSpPr txBox="1"/>
+          <p:nvPr/>
+        </p:nvSpPr>
+        <p:spPr>
+          <a:xfrm>
+            <a:off x="8219693" y="2907047"/>
+            <a:ext cx="1791985" cy="369332"/>
+          </a:xfrm>
+          <a:prstGeom prst="rect">
+            <a:avLst/>
+          </a:prstGeom>
+          <a:noFill/>
+        </p:spPr>
+        <p:txBody>
+          <a:bodyPr wrap="square" rtlCol="0">
+            <a:spAutoFit/>
+          </a:bodyPr>
+          <a:lstStyle/>
+          <a:p>
+            <a:pPr algn="ctr"/>
+            <a:r>
+              <a:rPr lang="en-US" altLang="ko-KR" dirty="0" smtClean="0"/>
+              <a:t>Next </a:t>
+            </a:r>
+            <a:r>
+              <a:rPr lang="en-US" altLang="ko-KR" dirty="0" smtClean="0"/>
+              <a:t>Node</a:t>
+            </a:r>
+            <a:endParaRPr lang="ko-KR" altLang="en-US" dirty="0"/>
+          </a:p>
+        </p:txBody>
+      </p:sp>
+      <p:sp>
+        <p:nvSpPr>
+          <p:cNvPr id="235" name="직사각형 234"/>
+          <p:cNvSpPr/>
+          <p:nvPr/>
+        </p:nvSpPr>
+        <p:spPr>
+          <a:xfrm>
+            <a:off x="1705418" y="5299349"/>
+            <a:ext cx="8113086" cy="1019331"/>
+          </a:xfrm>
+          <a:prstGeom prst="rect">
+            <a:avLst/>
+          </a:prstGeom>
+          <a:noFill/>
+          <a:ln>
+            <a:solidFill>
+              <a:srgbClr val="92D050"/>
+            </a:solidFill>
+          </a:ln>
+        </p:spPr>
+        <p:style>
+          <a:lnRef idx="2">
+            <a:schemeClr val="accent1">
+              <a:shade val="50000"/>
+            </a:schemeClr>
+          </a:lnRef>
+          <a:fillRef idx="1">
+            <a:schemeClr val="accent1"/>
+          </a:fillRef>
+          <a:effectRef idx="0">
+            <a:schemeClr val="accent1"/>
+          </a:effectRef>
+          <a:fontRef idx="minor">
+            <a:schemeClr val="lt1"/>
+          </a:fontRef>
+        </p:style>
+        <p:txBody>
+          <a:bodyPr rtlCol="0" anchor="ctr"/>
+          <a:lstStyle/>
+          <a:p>
+            <a:pPr algn="ctr"/>
+            <a:endParaRPr lang="ko-KR" altLang="en-US"/>
+          </a:p>
+        </p:txBody>
+      </p:sp>
+      <p:grpSp>
+        <p:nvGrpSpPr>
+          <p:cNvPr id="236" name="그룹 235"/>
+          <p:cNvGrpSpPr/>
+          <p:nvPr/>
+        </p:nvGrpSpPr>
+        <p:grpSpPr>
+          <a:xfrm>
+            <a:off x="2333197" y="5370979"/>
+            <a:ext cx="1868232" cy="894464"/>
+            <a:chOff x="443874" y="585096"/>
+            <a:chExt cx="2443398" cy="1424066"/>
+          </a:xfrm>
+        </p:grpSpPr>
+        <p:sp>
+          <p:nvSpPr>
+            <p:cNvPr id="237" name="직사각형 236"/>
+            <p:cNvSpPr/>
+            <p:nvPr/>
+          </p:nvSpPr>
+          <p:spPr>
+            <a:xfrm>
+              <a:off x="1358479" y="1274644"/>
+              <a:ext cx="631174" cy="734518"/>
+            </a:xfrm>
+            <a:prstGeom prst="rect">
+              <a:avLst/>
+            </a:prstGeom>
+          </p:spPr>
+          <p:style>
+            <a:lnRef idx="2">
+              <a:schemeClr val="accent1">
+                <a:shade val="50000"/>
+              </a:schemeClr>
+            </a:lnRef>
+            <a:fillRef idx="1">
+              <a:schemeClr val="accent1"/>
+            </a:fillRef>
+            <a:effectRef idx="0">
+              <a:schemeClr val="accent1"/>
+            </a:effectRef>
+            <a:fontRef idx="minor">
+              <a:schemeClr val="lt1"/>
+            </a:fontRef>
+          </p:style>
+          <p:txBody>
+            <a:bodyPr rtlCol="0" anchor="ctr"/>
+            <a:lstStyle/>
+            <a:p>
+              <a:pPr algn="ctr"/>
+              <a:r>
+                <a:rPr lang="en-US" altLang="ko-KR" sz="1000" dirty="0" smtClean="0"/>
+                <a:t>(data)</a:t>
+              </a:r>
+              <a:endParaRPr lang="ko-KR" altLang="en-US" sz="1000" dirty="0"/>
+            </a:p>
+          </p:txBody>
+        </p:sp>
+        <p:sp>
+          <p:nvSpPr>
+            <p:cNvPr id="238" name="직사각형 237"/>
+            <p:cNvSpPr/>
+            <p:nvPr/>
+          </p:nvSpPr>
+          <p:spPr>
+            <a:xfrm>
+              <a:off x="1989653" y="1274644"/>
+              <a:ext cx="897619" cy="734518"/>
+            </a:xfrm>
+            <a:prstGeom prst="rect">
+              <a:avLst/>
+            </a:prstGeom>
+            <a:solidFill>
+              <a:srgbClr val="FF0000"/>
+            </a:solidFill>
+          </p:spPr>
+          <p:style>
+            <a:lnRef idx="2">
+              <a:schemeClr val="accent1">
+                <a:shade val="50000"/>
+              </a:schemeClr>
+            </a:lnRef>
+            <a:fillRef idx="1">
+              <a:schemeClr val="accent1"/>
+            </a:fillRef>
+            <a:effectRef idx="0">
+              <a:schemeClr val="accent1"/>
+            </a:effectRef>
+            <a:fontRef idx="minor">
+              <a:schemeClr val="lt1"/>
+            </a:fontRef>
+          </p:style>
+          <p:txBody>
+            <a:bodyPr rtlCol="0" anchor="ctr"/>
+            <a:lstStyle/>
+            <a:p>
+              <a:pPr algn="ctr"/>
+              <a:r>
+                <a:rPr lang="en-US" altLang="ko-KR" sz="1000" dirty="0" smtClean="0"/>
+                <a:t>Next</a:t>
+              </a:r>
+              <a:br>
+                <a:rPr lang="en-US" altLang="ko-KR" sz="1000" dirty="0" smtClean="0"/>
+              </a:br>
+              <a:r>
+                <a:rPr lang="en-US" altLang="ko-KR" sz="1000" dirty="0" smtClean="0"/>
+                <a:t>(Pointer)</a:t>
+              </a:r>
+              <a:endParaRPr lang="ko-KR" altLang="en-US" sz="1000" dirty="0"/>
+            </a:p>
+          </p:txBody>
+        </p:sp>
+        <p:sp>
+          <p:nvSpPr>
+            <p:cNvPr id="239" name="직사각형 238"/>
+            <p:cNvSpPr/>
+            <p:nvPr/>
+          </p:nvSpPr>
+          <p:spPr>
+            <a:xfrm>
+              <a:off x="443875" y="585096"/>
+              <a:ext cx="2443397" cy="689548"/>
+            </a:xfrm>
+            <a:prstGeom prst="rect">
+              <a:avLst/>
+            </a:prstGeom>
+          </p:spPr>
+          <p:style>
+            <a:lnRef idx="2">
+              <a:schemeClr val="accent1">
+                <a:shade val="50000"/>
+              </a:schemeClr>
+            </a:lnRef>
+            <a:fillRef idx="1">
+              <a:schemeClr val="accent1"/>
+            </a:fillRef>
+            <a:effectRef idx="0">
+              <a:schemeClr val="accent1"/>
+            </a:effectRef>
+            <a:fontRef idx="minor">
+              <a:schemeClr val="lt1"/>
+            </a:fontRef>
+          </p:style>
+          <p:txBody>
+            <a:bodyPr rtlCol="0" anchor="ctr"/>
+            <a:lstStyle/>
+            <a:p>
+              <a:pPr algn="ctr"/>
+              <a:r>
+                <a:rPr lang="en-US" altLang="ko-KR" sz="1400" dirty="0" smtClean="0"/>
+                <a:t>Node</a:t>
+              </a:r>
+              <a:endParaRPr lang="ko-KR" altLang="en-US" sz="1400" dirty="0"/>
+            </a:p>
+          </p:txBody>
+        </p:sp>
+        <p:sp>
+          <p:nvSpPr>
+            <p:cNvPr id="240" name="직사각형 239"/>
+            <p:cNvSpPr/>
+            <p:nvPr/>
+          </p:nvSpPr>
+          <p:spPr>
+            <a:xfrm>
+              <a:off x="443874" y="1274644"/>
+              <a:ext cx="897619" cy="734518"/>
+            </a:xfrm>
+            <a:prstGeom prst="rect">
+              <a:avLst/>
+            </a:prstGeom>
+            <a:solidFill>
+              <a:schemeClr val="accent6"/>
+            </a:solidFill>
+          </p:spPr>
+          <p:style>
+            <a:lnRef idx="2">
+              <a:schemeClr val="accent1">
+                <a:shade val="50000"/>
+              </a:schemeClr>
+            </a:lnRef>
+            <a:fillRef idx="1">
+              <a:schemeClr val="accent1"/>
+            </a:fillRef>
+            <a:effectRef idx="0">
+              <a:schemeClr val="accent1"/>
+            </a:effectRef>
+            <a:fontRef idx="minor">
+              <a:schemeClr val="lt1"/>
+            </a:fontRef>
+          </p:style>
+          <p:txBody>
+            <a:bodyPr rtlCol="0" anchor="ctr"/>
+            <a:lstStyle/>
+            <a:p>
+              <a:pPr algn="ctr"/>
+              <a:r>
+                <a:rPr lang="en-US" altLang="ko-KR" sz="1000" dirty="0" err="1" smtClean="0"/>
+                <a:t>Prev</a:t>
+              </a:r>
+              <a:r>
+                <a:rPr lang="en-US" altLang="ko-KR" sz="1000" dirty="0" smtClean="0"/>
+                <a:t/>
+              </a:r>
+              <a:br>
+                <a:rPr lang="en-US" altLang="ko-KR" sz="1000" dirty="0" smtClean="0"/>
+              </a:br>
+              <a:r>
+                <a:rPr lang="en-US" altLang="ko-KR" sz="1000" dirty="0" smtClean="0"/>
+                <a:t>(Pointer)</a:t>
+              </a:r>
+              <a:endParaRPr lang="ko-KR" altLang="en-US" sz="1000" dirty="0"/>
+            </a:p>
+          </p:txBody>
+        </p:sp>
+      </p:grpSp>
+      <p:grpSp>
+        <p:nvGrpSpPr>
+          <p:cNvPr id="241" name="그룹 240"/>
+          <p:cNvGrpSpPr/>
+          <p:nvPr/>
+        </p:nvGrpSpPr>
+        <p:grpSpPr>
+          <a:xfrm>
+            <a:off x="7362397" y="5370979"/>
+            <a:ext cx="1868232" cy="894464"/>
+            <a:chOff x="443874" y="585096"/>
+            <a:chExt cx="2443398" cy="1424066"/>
+          </a:xfrm>
+        </p:grpSpPr>
+        <p:sp>
+          <p:nvSpPr>
+            <p:cNvPr id="242" name="직사각형 241"/>
+            <p:cNvSpPr/>
+            <p:nvPr/>
+          </p:nvSpPr>
+          <p:spPr>
+            <a:xfrm>
+              <a:off x="1358479" y="1274644"/>
+              <a:ext cx="631174" cy="734518"/>
+            </a:xfrm>
+            <a:prstGeom prst="rect">
+              <a:avLst/>
+            </a:prstGeom>
+          </p:spPr>
+          <p:style>
+            <a:lnRef idx="2">
+              <a:schemeClr val="accent1">
+                <a:shade val="50000"/>
+              </a:schemeClr>
+            </a:lnRef>
+            <a:fillRef idx="1">
+              <a:schemeClr val="accent1"/>
+            </a:fillRef>
+            <a:effectRef idx="0">
+              <a:schemeClr val="accent1"/>
+            </a:effectRef>
+            <a:fontRef idx="minor">
+              <a:schemeClr val="lt1"/>
+            </a:fontRef>
+          </p:style>
+          <p:txBody>
+            <a:bodyPr rtlCol="0" anchor="ctr"/>
+            <a:lstStyle/>
+            <a:p>
+              <a:pPr algn="ctr"/>
+              <a:r>
+                <a:rPr lang="en-US" altLang="ko-KR" sz="1000" dirty="0" smtClean="0"/>
+                <a:t>(data)</a:t>
+              </a:r>
+              <a:endParaRPr lang="ko-KR" altLang="en-US" sz="1000" dirty="0"/>
+            </a:p>
+          </p:txBody>
+        </p:sp>
+        <p:sp>
+          <p:nvSpPr>
+            <p:cNvPr id="243" name="직사각형 242"/>
+            <p:cNvSpPr/>
+            <p:nvPr/>
+          </p:nvSpPr>
+          <p:spPr>
+            <a:xfrm>
+              <a:off x="1989653" y="1274644"/>
+              <a:ext cx="897619" cy="734518"/>
+            </a:xfrm>
+            <a:prstGeom prst="rect">
+              <a:avLst/>
+            </a:prstGeom>
+            <a:solidFill>
+              <a:srgbClr val="FF0000"/>
+            </a:solidFill>
+          </p:spPr>
+          <p:style>
+            <a:lnRef idx="2">
+              <a:schemeClr val="accent1">
+                <a:shade val="50000"/>
+              </a:schemeClr>
+            </a:lnRef>
+            <a:fillRef idx="1">
+              <a:schemeClr val="accent1"/>
+            </a:fillRef>
+            <a:effectRef idx="0">
+              <a:schemeClr val="accent1"/>
+            </a:effectRef>
+            <a:fontRef idx="minor">
+              <a:schemeClr val="lt1"/>
+            </a:fontRef>
+          </p:style>
+          <p:txBody>
+            <a:bodyPr rtlCol="0" anchor="ctr"/>
+            <a:lstStyle/>
+            <a:p>
+              <a:pPr algn="ctr"/>
+              <a:r>
+                <a:rPr lang="en-US" altLang="ko-KR" sz="1000" dirty="0" smtClean="0"/>
+                <a:t>Next</a:t>
+              </a:r>
+              <a:br>
+                <a:rPr lang="en-US" altLang="ko-KR" sz="1000" dirty="0" smtClean="0"/>
+              </a:br>
+              <a:r>
+                <a:rPr lang="en-US" altLang="ko-KR" sz="1000" dirty="0" smtClean="0"/>
+                <a:t>(Pointer)</a:t>
+              </a:r>
+              <a:endParaRPr lang="ko-KR" altLang="en-US" sz="1000" dirty="0"/>
+            </a:p>
+          </p:txBody>
+        </p:sp>
+        <p:sp>
+          <p:nvSpPr>
+            <p:cNvPr id="244" name="직사각형 243"/>
+            <p:cNvSpPr/>
+            <p:nvPr/>
+          </p:nvSpPr>
+          <p:spPr>
+            <a:xfrm>
+              <a:off x="443875" y="585096"/>
+              <a:ext cx="2443397" cy="689548"/>
+            </a:xfrm>
+            <a:prstGeom prst="rect">
+              <a:avLst/>
+            </a:prstGeom>
+          </p:spPr>
+          <p:style>
+            <a:lnRef idx="2">
+              <a:schemeClr val="accent1">
+                <a:shade val="50000"/>
+              </a:schemeClr>
+            </a:lnRef>
+            <a:fillRef idx="1">
+              <a:schemeClr val="accent1"/>
+            </a:fillRef>
+            <a:effectRef idx="0">
+              <a:schemeClr val="accent1"/>
+            </a:effectRef>
+            <a:fontRef idx="minor">
+              <a:schemeClr val="lt1"/>
+            </a:fontRef>
+          </p:style>
+          <p:txBody>
+            <a:bodyPr rtlCol="0" anchor="ctr"/>
+            <a:lstStyle/>
+            <a:p>
+              <a:pPr algn="ctr"/>
+              <a:r>
+                <a:rPr lang="en-US" altLang="ko-KR" sz="1400" dirty="0" smtClean="0"/>
+                <a:t>Node</a:t>
+              </a:r>
+              <a:endParaRPr lang="ko-KR" altLang="en-US" sz="1400" dirty="0"/>
+            </a:p>
+          </p:txBody>
+        </p:sp>
+        <p:sp>
+          <p:nvSpPr>
+            <p:cNvPr id="245" name="직사각형 244"/>
+            <p:cNvSpPr/>
+            <p:nvPr/>
+          </p:nvSpPr>
+          <p:spPr>
+            <a:xfrm>
+              <a:off x="443874" y="1274644"/>
+              <a:ext cx="897619" cy="734518"/>
+            </a:xfrm>
+            <a:prstGeom prst="rect">
+              <a:avLst/>
+            </a:prstGeom>
+            <a:solidFill>
+              <a:schemeClr val="accent6"/>
+            </a:solidFill>
+          </p:spPr>
+          <p:style>
+            <a:lnRef idx="2">
+              <a:schemeClr val="accent1">
+                <a:shade val="50000"/>
+              </a:schemeClr>
+            </a:lnRef>
+            <a:fillRef idx="1">
+              <a:schemeClr val="accent1"/>
+            </a:fillRef>
+            <a:effectRef idx="0">
+              <a:schemeClr val="accent1"/>
+            </a:effectRef>
+            <a:fontRef idx="minor">
+              <a:schemeClr val="lt1"/>
+            </a:fontRef>
+          </p:style>
+          <p:txBody>
+            <a:bodyPr rtlCol="0" anchor="ctr"/>
+            <a:lstStyle/>
+            <a:p>
+              <a:pPr algn="ctr"/>
+              <a:r>
+                <a:rPr lang="en-US" altLang="ko-KR" sz="1000" dirty="0" err="1" smtClean="0"/>
+                <a:t>Prev</a:t>
+              </a:r>
+              <a:r>
+                <a:rPr lang="en-US" altLang="ko-KR" sz="1000" dirty="0" smtClean="0"/>
+                <a:t/>
+              </a:r>
+              <a:br>
+                <a:rPr lang="en-US" altLang="ko-KR" sz="1000" dirty="0" smtClean="0"/>
+              </a:br>
+              <a:r>
+                <a:rPr lang="en-US" altLang="ko-KR" sz="1000" dirty="0" smtClean="0"/>
+                <a:t>(Pointer)</a:t>
+              </a:r>
+              <a:endParaRPr lang="ko-KR" altLang="en-US" sz="1000" dirty="0"/>
+            </a:p>
+          </p:txBody>
+        </p:sp>
+      </p:grpSp>
+      <p:grpSp>
+        <p:nvGrpSpPr>
+          <p:cNvPr id="246" name="그룹 245"/>
+          <p:cNvGrpSpPr/>
+          <p:nvPr/>
+        </p:nvGrpSpPr>
+        <p:grpSpPr>
+          <a:xfrm>
+            <a:off x="4835097" y="5612279"/>
+            <a:ext cx="1868232" cy="894464"/>
+            <a:chOff x="443874" y="585096"/>
+            <a:chExt cx="2443398" cy="1424066"/>
+          </a:xfrm>
+        </p:grpSpPr>
+        <p:sp>
+          <p:nvSpPr>
+            <p:cNvPr id="247" name="직사각형 246"/>
+            <p:cNvSpPr/>
+            <p:nvPr/>
+          </p:nvSpPr>
+          <p:spPr>
+            <a:xfrm>
+              <a:off x="1358479" y="1274644"/>
+              <a:ext cx="631174" cy="734518"/>
+            </a:xfrm>
+            <a:prstGeom prst="rect">
+              <a:avLst/>
+            </a:prstGeom>
+          </p:spPr>
+          <p:style>
+            <a:lnRef idx="2">
+              <a:schemeClr val="accent1">
+                <a:shade val="50000"/>
+              </a:schemeClr>
+            </a:lnRef>
+            <a:fillRef idx="1">
+              <a:schemeClr val="accent1"/>
+            </a:fillRef>
+            <a:effectRef idx="0">
+              <a:schemeClr val="accent1"/>
+            </a:effectRef>
+            <a:fontRef idx="minor">
+              <a:schemeClr val="lt1"/>
+            </a:fontRef>
+          </p:style>
+          <p:txBody>
+            <a:bodyPr rtlCol="0" anchor="ctr"/>
+            <a:lstStyle/>
+            <a:p>
+              <a:pPr algn="ctr"/>
+              <a:r>
+                <a:rPr lang="en-US" altLang="ko-KR" sz="1000" dirty="0" smtClean="0"/>
+                <a:t>(data)</a:t>
+              </a:r>
+              <a:endParaRPr lang="ko-KR" altLang="en-US" sz="1000" dirty="0"/>
+            </a:p>
+          </p:txBody>
+        </p:sp>
+        <p:sp>
+          <p:nvSpPr>
+            <p:cNvPr id="248" name="직사각형 247"/>
+            <p:cNvSpPr/>
+            <p:nvPr/>
+          </p:nvSpPr>
+          <p:spPr>
+            <a:xfrm>
+              <a:off x="1989653" y="1274644"/>
+              <a:ext cx="897619" cy="734518"/>
+            </a:xfrm>
+            <a:prstGeom prst="rect">
+              <a:avLst/>
+            </a:prstGeom>
+            <a:solidFill>
+              <a:srgbClr val="FF0000"/>
+            </a:solidFill>
+          </p:spPr>
+          <p:style>
+            <a:lnRef idx="2">
+              <a:schemeClr val="accent1">
+                <a:shade val="50000"/>
+              </a:schemeClr>
+            </a:lnRef>
+            <a:fillRef idx="1">
+              <a:schemeClr val="accent1"/>
+            </a:fillRef>
+            <a:effectRef idx="0">
+              <a:schemeClr val="accent1"/>
+            </a:effectRef>
+            <a:fontRef idx="minor">
+              <a:schemeClr val="lt1"/>
+            </a:fontRef>
+          </p:style>
+          <p:txBody>
+            <a:bodyPr rtlCol="0" anchor="ctr"/>
+            <a:lstStyle/>
+            <a:p>
+              <a:pPr algn="ctr"/>
+              <a:r>
+                <a:rPr lang="en-US" altLang="ko-KR" sz="1000" dirty="0" smtClean="0"/>
+                <a:t>Next</a:t>
+              </a:r>
+              <a:br>
+                <a:rPr lang="en-US" altLang="ko-KR" sz="1000" dirty="0" smtClean="0"/>
+              </a:br>
+              <a:r>
+                <a:rPr lang="en-US" altLang="ko-KR" sz="1000" dirty="0" smtClean="0"/>
+                <a:t>(Pointer)</a:t>
+              </a:r>
+              <a:endParaRPr lang="ko-KR" altLang="en-US" sz="1000" dirty="0"/>
+            </a:p>
+          </p:txBody>
+        </p:sp>
+        <p:sp>
+          <p:nvSpPr>
+            <p:cNvPr id="249" name="직사각형 248"/>
+            <p:cNvSpPr/>
+            <p:nvPr/>
+          </p:nvSpPr>
+          <p:spPr>
+            <a:xfrm>
+              <a:off x="443875" y="585096"/>
+              <a:ext cx="2443397" cy="689548"/>
+            </a:xfrm>
+            <a:prstGeom prst="rect">
+              <a:avLst/>
+            </a:prstGeom>
+          </p:spPr>
+          <p:style>
+            <a:lnRef idx="2">
+              <a:schemeClr val="accent1">
+                <a:shade val="50000"/>
+              </a:schemeClr>
+            </a:lnRef>
+            <a:fillRef idx="1">
+              <a:schemeClr val="accent1"/>
+            </a:fillRef>
+            <a:effectRef idx="0">
+              <a:schemeClr val="accent1"/>
+            </a:effectRef>
+            <a:fontRef idx="minor">
+              <a:schemeClr val="lt1"/>
+            </a:fontRef>
+          </p:style>
+          <p:txBody>
+            <a:bodyPr rtlCol="0" anchor="ctr"/>
+            <a:lstStyle/>
+            <a:p>
+              <a:pPr algn="ctr"/>
+              <a:r>
+                <a:rPr lang="en-US" altLang="ko-KR" sz="1400" dirty="0" smtClean="0"/>
+                <a:t>Node</a:t>
+              </a:r>
+              <a:endParaRPr lang="ko-KR" altLang="en-US" sz="1400" dirty="0"/>
+            </a:p>
+          </p:txBody>
+        </p:sp>
+        <p:sp>
+          <p:nvSpPr>
+            <p:cNvPr id="250" name="직사각형 249"/>
+            <p:cNvSpPr/>
+            <p:nvPr/>
+          </p:nvSpPr>
+          <p:spPr>
+            <a:xfrm>
+              <a:off x="443874" y="1274644"/>
+              <a:ext cx="897619" cy="734518"/>
+            </a:xfrm>
+            <a:prstGeom prst="rect">
+              <a:avLst/>
+            </a:prstGeom>
+            <a:solidFill>
+              <a:schemeClr val="accent6"/>
+            </a:solidFill>
+          </p:spPr>
+          <p:style>
+            <a:lnRef idx="2">
+              <a:schemeClr val="accent1">
+                <a:shade val="50000"/>
+              </a:schemeClr>
+            </a:lnRef>
+            <a:fillRef idx="1">
+              <a:schemeClr val="accent1"/>
+            </a:fillRef>
+            <a:effectRef idx="0">
+              <a:schemeClr val="accent1"/>
+            </a:effectRef>
+            <a:fontRef idx="minor">
+              <a:schemeClr val="lt1"/>
+            </a:fontRef>
+          </p:style>
+          <p:txBody>
+            <a:bodyPr rtlCol="0" anchor="ctr"/>
+            <a:lstStyle/>
+            <a:p>
+              <a:pPr algn="ctr"/>
+              <a:r>
+                <a:rPr lang="en-US" altLang="ko-KR" sz="1000" dirty="0" err="1" smtClean="0"/>
+                <a:t>Prev</a:t>
+              </a:r>
+              <a:r>
+                <a:rPr lang="en-US" altLang="ko-KR" sz="1000" dirty="0" smtClean="0"/>
+                <a:t/>
+              </a:r>
+              <a:br>
+                <a:rPr lang="en-US" altLang="ko-KR" sz="1000" dirty="0" smtClean="0"/>
+              </a:br>
+              <a:r>
+                <a:rPr lang="en-US" altLang="ko-KR" sz="1000" dirty="0" smtClean="0"/>
+                <a:t>(Pointer)</a:t>
+              </a:r>
+              <a:endParaRPr lang="ko-KR" altLang="en-US" sz="1000" dirty="0"/>
+            </a:p>
+          </p:txBody>
+        </p:sp>
+      </p:grpSp>
+      <p:cxnSp>
+        <p:nvCxnSpPr>
+          <p:cNvPr id="251" name="직선 연결선 250"/>
+          <p:cNvCxnSpPr/>
+          <p:nvPr/>
+        </p:nvCxnSpPr>
+        <p:spPr>
+          <a:xfrm>
+            <a:off x="4351170" y="5299349"/>
+            <a:ext cx="0" cy="1019331"/>
+          </a:xfrm>
+          <a:prstGeom prst="line">
+            <a:avLst/>
+          </a:prstGeom>
+          <a:ln>
+            <a:solidFill>
+              <a:schemeClr val="accent6"/>
+            </a:solidFill>
+          </a:ln>
+        </p:spPr>
+        <p:style>
+          <a:lnRef idx="1">
+            <a:schemeClr val="accent1"/>
+          </a:lnRef>
+          <a:fillRef idx="0">
+            <a:schemeClr val="accent1"/>
+          </a:fillRef>
+          <a:effectRef idx="0">
+            <a:schemeClr val="accent1"/>
+          </a:effectRef>
+          <a:fontRef idx="minor">
+            <a:schemeClr val="tx1"/>
+          </a:fontRef>
+        </p:style>
+      </p:cxnSp>
+      <p:cxnSp>
+        <p:nvCxnSpPr>
+          <p:cNvPr id="252" name="직선 연결선 251"/>
+          <p:cNvCxnSpPr/>
+          <p:nvPr/>
+        </p:nvCxnSpPr>
+        <p:spPr>
+          <a:xfrm>
+            <a:off x="2303322" y="5299349"/>
+            <a:ext cx="0" cy="1019331"/>
+          </a:xfrm>
+          <a:prstGeom prst="line">
+            <a:avLst/>
+          </a:prstGeom>
+          <a:ln>
+            <a:solidFill>
+              <a:schemeClr val="accent6"/>
+            </a:solidFill>
+          </a:ln>
+        </p:spPr>
+        <p:style>
+          <a:lnRef idx="1">
+            <a:schemeClr val="accent1"/>
+          </a:lnRef>
+          <a:fillRef idx="0">
+            <a:schemeClr val="accent1"/>
+          </a:fillRef>
+          <a:effectRef idx="0">
+            <a:schemeClr val="accent1"/>
+          </a:effectRef>
+          <a:fontRef idx="minor">
+            <a:schemeClr val="tx1"/>
+          </a:fontRef>
+        </p:style>
+      </p:cxnSp>
+      <p:sp>
+        <p:nvSpPr>
+          <p:cNvPr id="253" name="TextBox 252"/>
+          <p:cNvSpPr txBox="1"/>
+          <p:nvPr/>
+        </p:nvSpPr>
+        <p:spPr>
+          <a:xfrm>
+            <a:off x="1776751" y="5536467"/>
+            <a:ext cx="458780" cy="369332"/>
+          </a:xfrm>
+          <a:prstGeom prst="rect">
+            <a:avLst/>
+          </a:prstGeom>
+          <a:noFill/>
+        </p:spPr>
+        <p:txBody>
+          <a:bodyPr wrap="none" rtlCol="0">
+            <a:spAutoFit/>
+          </a:bodyPr>
+          <a:lstStyle/>
+          <a:p>
+            <a:r>
+              <a:rPr lang="en-US" altLang="ko-KR" dirty="0" smtClean="0"/>
+              <a:t>…..</a:t>
+            </a:r>
+            <a:endParaRPr lang="ko-KR" altLang="en-US" dirty="0"/>
+          </a:p>
+        </p:txBody>
+      </p:sp>
+      <p:sp>
+        <p:nvSpPr>
+          <p:cNvPr id="254" name="TextBox 253"/>
+          <p:cNvSpPr txBox="1"/>
+          <p:nvPr/>
+        </p:nvSpPr>
+        <p:spPr>
+          <a:xfrm>
+            <a:off x="4854490" y="6499257"/>
+            <a:ext cx="1791985" cy="369332"/>
+          </a:xfrm>
+          <a:prstGeom prst="rect">
+            <a:avLst/>
+          </a:prstGeom>
+          <a:noFill/>
+        </p:spPr>
+        <p:txBody>
+          <a:bodyPr wrap="square" rtlCol="0">
+            <a:spAutoFit/>
+          </a:bodyPr>
+          <a:lstStyle/>
+          <a:p>
+            <a:pPr algn="ctr"/>
+            <a:r>
+              <a:rPr lang="en-US" altLang="ko-KR" dirty="0" smtClean="0"/>
+              <a:t>Remove </a:t>
+            </a:r>
+            <a:r>
+              <a:rPr lang="en-US" altLang="ko-KR" dirty="0" smtClean="0"/>
+              <a:t>Node</a:t>
+            </a:r>
+            <a:endParaRPr lang="ko-KR" altLang="en-US" dirty="0"/>
+          </a:p>
+        </p:txBody>
+      </p:sp>
+      <p:sp>
+        <p:nvSpPr>
+          <p:cNvPr id="255" name="TextBox 254"/>
+          <p:cNvSpPr txBox="1"/>
+          <p:nvPr/>
+        </p:nvSpPr>
+        <p:spPr>
+          <a:xfrm>
+            <a:off x="9359723" y="5511308"/>
+            <a:ext cx="458780" cy="369332"/>
+          </a:xfrm>
+          <a:prstGeom prst="rect">
+            <a:avLst/>
+          </a:prstGeom>
+          <a:noFill/>
+        </p:spPr>
+        <p:txBody>
+          <a:bodyPr wrap="none" rtlCol="0">
+            <a:spAutoFit/>
+          </a:bodyPr>
+          <a:lstStyle/>
+          <a:p>
+            <a:r>
+              <a:rPr lang="en-US" altLang="ko-KR" dirty="0" smtClean="0"/>
+              <a:t>…..</a:t>
+            </a:r>
+            <a:endParaRPr lang="ko-KR" altLang="en-US" dirty="0"/>
+          </a:p>
+        </p:txBody>
+      </p:sp>
+      <p:cxnSp>
+        <p:nvCxnSpPr>
+          <p:cNvPr id="256" name="직선 연결선 255"/>
+          <p:cNvCxnSpPr/>
+          <p:nvPr/>
+        </p:nvCxnSpPr>
+        <p:spPr>
+          <a:xfrm>
+            <a:off x="9359626" y="5299349"/>
+            <a:ext cx="0" cy="1019331"/>
+          </a:xfrm>
+          <a:prstGeom prst="line">
+            <a:avLst/>
+          </a:prstGeom>
+          <a:ln>
+            <a:solidFill>
+              <a:schemeClr val="accent6"/>
+            </a:solidFill>
+          </a:ln>
+        </p:spPr>
+        <p:style>
+          <a:lnRef idx="1">
+            <a:schemeClr val="accent1"/>
+          </a:lnRef>
+          <a:fillRef idx="0">
+            <a:schemeClr val="accent1"/>
+          </a:fillRef>
+          <a:effectRef idx="0">
+            <a:schemeClr val="accent1"/>
+          </a:effectRef>
+          <a:fontRef idx="minor">
+            <a:schemeClr val="tx1"/>
+          </a:fontRef>
+        </p:style>
+      </p:cxnSp>
+      <p:cxnSp>
+        <p:nvCxnSpPr>
+          <p:cNvPr id="257" name="직선 연결선 256"/>
+          <p:cNvCxnSpPr/>
+          <p:nvPr/>
+        </p:nvCxnSpPr>
+        <p:spPr>
+          <a:xfrm>
+            <a:off x="7238726" y="5312049"/>
+            <a:ext cx="0" cy="1019331"/>
+          </a:xfrm>
+          <a:prstGeom prst="line">
+            <a:avLst/>
+          </a:prstGeom>
+          <a:ln>
+            <a:solidFill>
+              <a:schemeClr val="accent6"/>
+            </a:solidFill>
+          </a:ln>
+        </p:spPr>
+        <p:style>
+          <a:lnRef idx="1">
+            <a:schemeClr val="accent1"/>
+          </a:lnRef>
+          <a:fillRef idx="0">
+            <a:schemeClr val="accent1"/>
+          </a:fillRef>
+          <a:effectRef idx="0">
+            <a:schemeClr val="accent1"/>
+          </a:effectRef>
+          <a:fontRef idx="minor">
+            <a:schemeClr val="tx1"/>
+          </a:fontRef>
+        </p:style>
+      </p:cxnSp>
+      <p:sp>
+        <p:nvSpPr>
+          <p:cNvPr id="258" name="TextBox 257"/>
+          <p:cNvSpPr txBox="1"/>
+          <p:nvPr/>
+        </p:nvSpPr>
+        <p:spPr>
+          <a:xfrm>
+            <a:off x="2393655" y="6299025"/>
+            <a:ext cx="1791985" cy="369332"/>
+          </a:xfrm>
+          <a:prstGeom prst="rect">
+            <a:avLst/>
+          </a:prstGeom>
+          <a:noFill/>
+        </p:spPr>
+        <p:txBody>
+          <a:bodyPr wrap="square" rtlCol="0">
+            <a:spAutoFit/>
+          </a:bodyPr>
+          <a:lstStyle/>
+          <a:p>
+            <a:pPr algn="ctr"/>
+            <a:r>
+              <a:rPr lang="en-US" altLang="ko-KR" dirty="0" err="1" smtClean="0"/>
+              <a:t>Prev</a:t>
+            </a:r>
+            <a:r>
+              <a:rPr lang="en-US" altLang="ko-KR" dirty="0" smtClean="0"/>
+              <a:t> Node</a:t>
+            </a:r>
+            <a:endParaRPr lang="ko-KR" altLang="en-US" dirty="0"/>
+          </a:p>
+        </p:txBody>
+      </p:sp>
+      <p:cxnSp>
+        <p:nvCxnSpPr>
+          <p:cNvPr id="263" name="직선 화살표 연결선 262"/>
+          <p:cNvCxnSpPr>
+            <a:stCxn id="238" idx="3"/>
+            <a:endCxn id="244" idx="1"/>
+          </p:cNvCxnSpPr>
+          <p:nvPr/>
+        </p:nvCxnSpPr>
+        <p:spPr>
+          <a:xfrm flipV="1">
+            <a:off x="4201429" y="5587534"/>
+            <a:ext cx="3160969" cy="447232"/>
+          </a:xfrm>
+          <a:prstGeom prst="straightConnector1">
+            <a:avLst/>
+          </a:prstGeom>
+          <a:ln>
+            <a:solidFill>
+              <a:srgbClr val="FF0000"/>
+            </a:solidFill>
+            <a:tailEnd type="triangle"/>
+          </a:ln>
+        </p:spPr>
+        <p:style>
+          <a:lnRef idx="1">
+            <a:schemeClr val="accent1"/>
+          </a:lnRef>
+          <a:fillRef idx="0">
+            <a:schemeClr val="accent1"/>
+          </a:fillRef>
+          <a:effectRef idx="0">
+            <a:schemeClr val="accent1"/>
+          </a:effectRef>
+          <a:fontRef idx="minor">
+            <a:schemeClr val="tx1"/>
+          </a:fontRef>
+        </p:style>
+      </p:cxnSp>
+      <p:sp>
+        <p:nvSpPr>
+          <p:cNvPr id="265" name="TextBox 264"/>
+          <p:cNvSpPr txBox="1"/>
+          <p:nvPr/>
+        </p:nvSpPr>
+        <p:spPr>
+          <a:xfrm>
+            <a:off x="7432590" y="6346857"/>
+            <a:ext cx="1791985" cy="369332"/>
+          </a:xfrm>
+          <a:prstGeom prst="rect">
+            <a:avLst/>
+          </a:prstGeom>
+          <a:noFill/>
+        </p:spPr>
+        <p:txBody>
+          <a:bodyPr wrap="square" rtlCol="0">
+            <a:spAutoFit/>
+          </a:bodyPr>
+          <a:lstStyle/>
+          <a:p>
+            <a:pPr algn="ctr"/>
+            <a:r>
+              <a:rPr lang="en-US" altLang="ko-KR" dirty="0" smtClean="0"/>
+              <a:t>Next </a:t>
+            </a:r>
+            <a:r>
+              <a:rPr lang="en-US" altLang="ko-KR" dirty="0" smtClean="0"/>
+              <a:t>Node</a:t>
+            </a:r>
+            <a:endParaRPr lang="ko-KR" altLang="en-US" dirty="0"/>
+          </a:p>
+        </p:txBody>
+      </p:sp>
+      <p:cxnSp>
+        <p:nvCxnSpPr>
+          <p:cNvPr id="266" name="직선 화살표 연결선 265"/>
+          <p:cNvCxnSpPr>
+            <a:stCxn id="245" idx="1"/>
+            <a:endCxn id="239" idx="3"/>
+          </p:cNvCxnSpPr>
+          <p:nvPr/>
+        </p:nvCxnSpPr>
+        <p:spPr>
+          <a:xfrm flipH="1" flipV="1">
+            <a:off x="4201429" y="5587534"/>
+            <a:ext cx="3160968" cy="447232"/>
+          </a:xfrm>
+          <a:prstGeom prst="straightConnector1">
+            <a:avLst/>
+          </a:prstGeom>
+          <a:ln>
+            <a:solidFill>
+              <a:schemeClr val="accent6"/>
+            </a:solidFill>
+            <a:tailEnd type="triangle"/>
+          </a:ln>
+        </p:spPr>
+        <p:style>
+          <a:lnRef idx="1">
+            <a:schemeClr val="accent1"/>
+          </a:lnRef>
+          <a:fillRef idx="0">
+            <a:schemeClr val="accent1"/>
+          </a:fillRef>
+          <a:effectRef idx="0">
+            <a:schemeClr val="accent1"/>
+          </a:effectRef>
+          <a:fontRef idx="minor">
+            <a:schemeClr val="tx1"/>
+          </a:fontRef>
+        </p:style>
+      </p:cxnSp>
+      <p:cxnSp>
+        <p:nvCxnSpPr>
+          <p:cNvPr id="269" name="직선 화살표 연결선 268"/>
+          <p:cNvCxnSpPr>
+            <a:stCxn id="250" idx="1"/>
+            <a:endCxn id="275" idx="0"/>
+          </p:cNvCxnSpPr>
+          <p:nvPr/>
+        </p:nvCxnSpPr>
+        <p:spPr>
+          <a:xfrm flipH="1">
+            <a:off x="4442040" y="6276066"/>
+            <a:ext cx="393057" cy="146133"/>
+          </a:xfrm>
+          <a:prstGeom prst="straightConnector1">
+            <a:avLst/>
+          </a:prstGeom>
+          <a:ln>
+            <a:tailEnd type="triangle"/>
+          </a:ln>
+        </p:spPr>
+        <p:style>
+          <a:lnRef idx="1">
+            <a:schemeClr val="accent1"/>
+          </a:lnRef>
+          <a:fillRef idx="0">
+            <a:schemeClr val="accent1"/>
+          </a:fillRef>
+          <a:effectRef idx="0">
+            <a:schemeClr val="accent1"/>
+          </a:effectRef>
+          <a:fontRef idx="minor">
+            <a:schemeClr val="tx1"/>
+          </a:fontRef>
+        </p:style>
+      </p:cxnSp>
+      <p:cxnSp>
+        <p:nvCxnSpPr>
+          <p:cNvPr id="272" name="직선 화살표 연결선 271"/>
+          <p:cNvCxnSpPr>
+            <a:stCxn id="248" idx="3"/>
+            <a:endCxn id="277" idx="0"/>
+          </p:cNvCxnSpPr>
+          <p:nvPr/>
+        </p:nvCxnSpPr>
+        <p:spPr>
+          <a:xfrm>
+            <a:off x="6703329" y="6276066"/>
+            <a:ext cx="417625" cy="133433"/>
+          </a:xfrm>
+          <a:prstGeom prst="straightConnector1">
+            <a:avLst/>
+          </a:prstGeom>
+          <a:ln>
+            <a:solidFill>
+              <a:srgbClr val="FF0000"/>
+            </a:solidFill>
+            <a:tailEnd type="triangle"/>
+          </a:ln>
+        </p:spPr>
+        <p:style>
+          <a:lnRef idx="1">
+            <a:schemeClr val="accent1"/>
+          </a:lnRef>
+          <a:fillRef idx="0">
+            <a:schemeClr val="accent1"/>
+          </a:fillRef>
+          <a:effectRef idx="0">
+            <a:schemeClr val="accent1"/>
+          </a:effectRef>
+          <a:fontRef idx="minor">
+            <a:schemeClr val="tx1"/>
+          </a:fontRef>
+        </p:style>
+      </p:cxnSp>
+      <p:sp>
+        <p:nvSpPr>
+          <p:cNvPr id="275" name="TextBox 274"/>
+          <p:cNvSpPr txBox="1"/>
+          <p:nvPr/>
+        </p:nvSpPr>
+        <p:spPr>
+          <a:xfrm>
+            <a:off x="4121414" y="6422199"/>
+            <a:ext cx="641251" cy="369332"/>
+          </a:xfrm>
+          <a:prstGeom prst="rect">
+            <a:avLst/>
+          </a:prstGeom>
+          <a:noFill/>
+          <a:ln>
+            <a:solidFill>
+              <a:srgbClr val="FF0000"/>
+            </a:solidFill>
+          </a:ln>
+        </p:spPr>
+        <p:txBody>
+          <a:bodyPr wrap="square" rtlCol="0">
+            <a:spAutoFit/>
+          </a:bodyPr>
+          <a:lstStyle/>
+          <a:p>
+            <a:pPr algn="ctr"/>
+            <a:r>
+              <a:rPr lang="en-US" altLang="ko-KR" dirty="0" smtClean="0"/>
+              <a:t>Null</a:t>
+            </a:r>
+            <a:endParaRPr lang="ko-KR" altLang="en-US" dirty="0"/>
+          </a:p>
+        </p:txBody>
+      </p:sp>
+      <p:sp>
+        <p:nvSpPr>
+          <p:cNvPr id="277" name="TextBox 276"/>
+          <p:cNvSpPr txBox="1"/>
+          <p:nvPr/>
+        </p:nvSpPr>
+        <p:spPr>
+          <a:xfrm>
+            <a:off x="6800328" y="6409499"/>
+            <a:ext cx="641251" cy="369332"/>
+          </a:xfrm>
+          <a:prstGeom prst="rect">
+            <a:avLst/>
+          </a:prstGeom>
+          <a:noFill/>
+          <a:ln>
+            <a:solidFill>
+              <a:srgbClr val="FF0000"/>
+            </a:solidFill>
+          </a:ln>
+        </p:spPr>
+        <p:txBody>
+          <a:bodyPr wrap="square" rtlCol="0">
+            <a:spAutoFit/>
+          </a:bodyPr>
+          <a:lstStyle/>
+          <a:p>
+            <a:pPr algn="ctr"/>
+            <a:r>
+              <a:rPr lang="en-US" altLang="ko-KR" dirty="0" smtClean="0"/>
+              <a:t>Null</a:t>
+            </a:r>
+            <a:endParaRPr lang="ko-KR" altLang="en-US" dirty="0"/>
+          </a:p>
+        </p:txBody>
+      </p:sp>
+    </p:spTree>
+    <p:extLst>
+      <p:ext uri="{BB962C8B-B14F-4D97-AF65-F5344CB8AC3E}">
+        <p14:creationId xmlns:p14="http://schemas.microsoft.com/office/powerpoint/2010/main" val="926641419"/>
+      </p:ext>
+    </p:extLst>
+  </p:cSld>
+  <p:clrMapOvr>
+    <a:masterClrMapping/>
+  </p:clrMapOvr>
+</p:sld>
+</file>
+
 <file path=ppt/theme/theme1.xml><?xml version="1.0" encoding="utf-8"?>
 <a:theme xmlns:a="http://schemas.openxmlformats.org/drawingml/2006/main" name="Office 테마">
   <a:themeElements>

--- a/자료구조 알고리즘 복습용.pptx
+++ b/자료구조 알고리즘 복습용.pptx
@@ -7,6 +7,7 @@
   <p:sldIdLst>
     <p:sldId id="256" r:id="rId2"/>
     <p:sldId id="257" r:id="rId3"/>
+    <p:sldId id="259" r:id="rId4"/>
   </p:sldIdLst>
   <p:sldSz cx="12192000" cy="6858000"/>
   <p:notesSz cx="6858000" cy="9144000"/>
@@ -244,7 +245,7 @@
           <a:p>
             <a:fld id="{155859AF-D2E8-431F-B81F-360B43E3F9C2}" type="datetimeFigureOut">
               <a:rPr lang="ko-KR" altLang="en-US" smtClean="0"/>
-              <a:t>2022-11-01</a:t>
+              <a:t>2022-11-02</a:t>
             </a:fld>
             <a:endParaRPr lang="ko-KR" altLang="en-US"/>
           </a:p>
@@ -414,7 +415,7 @@
           <a:p>
             <a:fld id="{155859AF-D2E8-431F-B81F-360B43E3F9C2}" type="datetimeFigureOut">
               <a:rPr lang="ko-KR" altLang="en-US" smtClean="0"/>
-              <a:t>2022-11-01</a:t>
+              <a:t>2022-11-02</a:t>
             </a:fld>
             <a:endParaRPr lang="ko-KR" altLang="en-US"/>
           </a:p>
@@ -594,7 +595,7 @@
           <a:p>
             <a:fld id="{155859AF-D2E8-431F-B81F-360B43E3F9C2}" type="datetimeFigureOut">
               <a:rPr lang="ko-KR" altLang="en-US" smtClean="0"/>
-              <a:t>2022-11-01</a:t>
+              <a:t>2022-11-02</a:t>
             </a:fld>
             <a:endParaRPr lang="ko-KR" altLang="en-US"/>
           </a:p>
@@ -764,7 +765,7 @@
           <a:p>
             <a:fld id="{155859AF-D2E8-431F-B81F-360B43E3F9C2}" type="datetimeFigureOut">
               <a:rPr lang="ko-KR" altLang="en-US" smtClean="0"/>
-              <a:t>2022-11-01</a:t>
+              <a:t>2022-11-02</a:t>
             </a:fld>
             <a:endParaRPr lang="ko-KR" altLang="en-US"/>
           </a:p>
@@ -1010,7 +1011,7 @@
           <a:p>
             <a:fld id="{155859AF-D2E8-431F-B81F-360B43E3F9C2}" type="datetimeFigureOut">
               <a:rPr lang="ko-KR" altLang="en-US" smtClean="0"/>
-              <a:t>2022-11-01</a:t>
+              <a:t>2022-11-02</a:t>
             </a:fld>
             <a:endParaRPr lang="ko-KR" altLang="en-US"/>
           </a:p>
@@ -1242,7 +1243,7 @@
           <a:p>
             <a:fld id="{155859AF-D2E8-431F-B81F-360B43E3F9C2}" type="datetimeFigureOut">
               <a:rPr lang="ko-KR" altLang="en-US" smtClean="0"/>
-              <a:t>2022-11-01</a:t>
+              <a:t>2022-11-02</a:t>
             </a:fld>
             <a:endParaRPr lang="ko-KR" altLang="en-US"/>
           </a:p>
@@ -1609,7 +1610,7 @@
           <a:p>
             <a:fld id="{155859AF-D2E8-431F-B81F-360B43E3F9C2}" type="datetimeFigureOut">
               <a:rPr lang="ko-KR" altLang="en-US" smtClean="0"/>
-              <a:t>2022-11-01</a:t>
+              <a:t>2022-11-02</a:t>
             </a:fld>
             <a:endParaRPr lang="ko-KR" altLang="en-US"/>
           </a:p>
@@ -1727,7 +1728,7 @@
           <a:p>
             <a:fld id="{155859AF-D2E8-431F-B81F-360B43E3F9C2}" type="datetimeFigureOut">
               <a:rPr lang="ko-KR" altLang="en-US" smtClean="0"/>
-              <a:t>2022-11-01</a:t>
+              <a:t>2022-11-02</a:t>
             </a:fld>
             <a:endParaRPr lang="ko-KR" altLang="en-US"/>
           </a:p>
@@ -1822,7 +1823,7 @@
           <a:p>
             <a:fld id="{155859AF-D2E8-431F-B81F-360B43E3F9C2}" type="datetimeFigureOut">
               <a:rPr lang="ko-KR" altLang="en-US" smtClean="0"/>
-              <a:t>2022-11-01</a:t>
+              <a:t>2022-11-02</a:t>
             </a:fld>
             <a:endParaRPr lang="ko-KR" altLang="en-US"/>
           </a:p>
@@ -2099,7 +2100,7 @@
           <a:p>
             <a:fld id="{155859AF-D2E8-431F-B81F-360B43E3F9C2}" type="datetimeFigureOut">
               <a:rPr lang="ko-KR" altLang="en-US" smtClean="0"/>
-              <a:t>2022-11-01</a:t>
+              <a:t>2022-11-02</a:t>
             </a:fld>
             <a:endParaRPr lang="ko-KR" altLang="en-US"/>
           </a:p>
@@ -2352,7 +2353,7 @@
           <a:p>
             <a:fld id="{155859AF-D2E8-431F-B81F-360B43E3F9C2}" type="datetimeFigureOut">
               <a:rPr lang="ko-KR" altLang="en-US" smtClean="0"/>
-              <a:t>2022-11-01</a:t>
+              <a:t>2022-11-02</a:t>
             </a:fld>
             <a:endParaRPr lang="ko-KR" altLang="en-US"/>
           </a:p>
@@ -2565,7 +2566,7 @@
           <a:p>
             <a:fld id="{155859AF-D2E8-431F-B81F-360B43E3F9C2}" type="datetimeFigureOut">
               <a:rPr lang="ko-KR" altLang="en-US" smtClean="0"/>
-              <a:t>2022-11-01</a:t>
+              <a:t>2022-11-02</a:t>
             </a:fld>
             <a:endParaRPr lang="ko-KR" altLang="en-US"/>
           </a:p>
@@ -6653,11 +6654,7 @@
             </a:r>
             <a:r>
               <a:rPr lang="ko-KR" altLang="en-US" sz="1400" dirty="0" smtClean="0"/>
-              <a:t>에 기존 </a:t>
-            </a:r>
-            <a:r>
-              <a:rPr lang="ko-KR" altLang="en-US" sz="1400" dirty="0" smtClean="0"/>
-              <a:t>노드에 </a:t>
+              <a:t>에 기존 노드에 </a:t>
             </a:r>
             <a:r>
               <a:rPr lang="en-US" altLang="ko-KR" sz="1400" dirty="0" smtClean="0"/>
@@ -6702,10 +6699,6 @@
             <a:r>
               <a:rPr lang="en-US" altLang="ko-KR" sz="1400" dirty="0" smtClean="0"/>
               <a:t>.</a:t>
-            </a:r>
-            <a:r>
-              <a:rPr lang="en-US" altLang="ko-KR" sz="1400" dirty="0" smtClean="0"/>
-              <a:t/>
             </a:r>
             <a:br>
               <a:rPr lang="en-US" altLang="ko-KR" sz="1400" dirty="0" smtClean="0"/>
@@ -6728,11 +6721,7 @@
             </a:r>
             <a:r>
               <a:rPr lang="ko-KR" altLang="en-US" sz="1400" dirty="0" smtClean="0"/>
-              <a:t>로 </a:t>
-            </a:r>
-            <a:r>
-              <a:rPr lang="ko-KR" altLang="en-US" sz="1400" dirty="0" smtClean="0"/>
-              <a:t>해준다</a:t>
+              <a:t>로 해준다</a:t>
             </a:r>
             <a:endParaRPr lang="ko-KR" altLang="en-US" sz="1400" dirty="0"/>
           </a:p>
@@ -10099,11 +10088,7 @@
             <a:pPr algn="ctr"/>
             <a:r>
               <a:rPr lang="en-US" altLang="ko-KR" dirty="0" smtClean="0"/>
-              <a:t>Current </a:t>
-            </a:r>
-            <a:r>
-              <a:rPr lang="en-US" altLang="ko-KR" dirty="0" smtClean="0"/>
-              <a:t>Node</a:t>
+              <a:t>Current Node</a:t>
             </a:r>
             <a:endParaRPr lang="ko-KR" altLang="en-US" dirty="0"/>
           </a:p>
@@ -10383,11 +10368,7 @@
             </a:r>
             <a:r>
               <a:rPr lang="en-US" altLang="ko-KR" sz="1400" dirty="0" smtClean="0"/>
-              <a:t>Node, </a:t>
-            </a:r>
-            <a:r>
-              <a:rPr lang="en-US" altLang="ko-KR" sz="1400" dirty="0" smtClean="0"/>
-              <a:t>Next Node</a:t>
+              <a:t>Node, Next Node</a:t>
             </a:r>
             <a:r>
               <a:rPr lang="ko-KR" altLang="en-US" sz="1400" dirty="0" smtClean="0"/>
@@ -10446,11 +10427,7 @@
             <a:pPr algn="ctr"/>
             <a:r>
               <a:rPr lang="en-US" altLang="ko-KR" dirty="0" smtClean="0"/>
-              <a:t>Next </a:t>
-            </a:r>
-            <a:r>
-              <a:rPr lang="en-US" altLang="ko-KR" dirty="0" smtClean="0"/>
-              <a:t>Node</a:t>
+              <a:t>Next Node</a:t>
             </a:r>
             <a:endParaRPr lang="ko-KR" altLang="en-US" dirty="0"/>
           </a:p>
@@ -11272,11 +11249,7 @@
             <a:pPr algn="ctr"/>
             <a:r>
               <a:rPr lang="en-US" altLang="ko-KR" dirty="0" smtClean="0"/>
-              <a:t>Remove </a:t>
-            </a:r>
-            <a:r>
-              <a:rPr lang="en-US" altLang="ko-KR" dirty="0" smtClean="0"/>
-              <a:t>Node</a:t>
+              <a:t>Remove Node</a:t>
             </a:r>
             <a:endParaRPr lang="ko-KR" altLang="en-US" dirty="0"/>
           </a:p>
@@ -11481,11 +11454,7 @@
             <a:pPr algn="ctr"/>
             <a:r>
               <a:rPr lang="en-US" altLang="ko-KR" dirty="0" smtClean="0"/>
-              <a:t>Next </a:t>
-            </a:r>
-            <a:r>
-              <a:rPr lang="en-US" altLang="ko-KR" dirty="0" smtClean="0"/>
-              <a:t>Node</a:t>
+              <a:t>Next Node</a:t>
             </a:r>
             <a:endParaRPr lang="ko-KR" altLang="en-US" dirty="0"/>
           </a:p>
@@ -11681,6 +11650,2681 @@
     <p:extLst>
       <p:ext uri="{BB962C8B-B14F-4D97-AF65-F5344CB8AC3E}">
         <p14:creationId xmlns:p14="http://schemas.microsoft.com/office/powerpoint/2010/main" val="926641419"/>
+      </p:ext>
+    </p:extLst>
+  </p:cSld>
+  <p:clrMapOvr>
+    <a:masterClrMapping/>
+  </p:clrMapOvr>
+</p:sld>
+</file>
+
+<file path=ppt/slides/slide3.xml><?xml version="1.0" encoding="utf-8"?>
+<p:sld xmlns:a="http://schemas.openxmlformats.org/drawingml/2006/main" xmlns:r="http://schemas.openxmlformats.org/officeDocument/2006/relationships" xmlns:p="http://schemas.openxmlformats.org/presentationml/2006/main">
+  <p:cSld>
+    <p:spTree>
+      <p:nvGrpSpPr>
+        <p:cNvPr id="1" name=""/>
+        <p:cNvGrpSpPr/>
+        <p:nvPr/>
+      </p:nvGrpSpPr>
+      <p:grpSpPr>
+        <a:xfrm>
+          <a:off x="0" y="0"/>
+          <a:ext cx="0" cy="0"/>
+          <a:chOff x="0" y="0"/>
+          <a:chExt cx="0" cy="0"/>
+        </a:xfrm>
+      </p:grpSpPr>
+      <p:grpSp>
+        <p:nvGrpSpPr>
+          <p:cNvPr id="203" name="그룹 202"/>
+          <p:cNvGrpSpPr/>
+          <p:nvPr/>
+        </p:nvGrpSpPr>
+        <p:grpSpPr>
+          <a:xfrm>
+            <a:off x="9080059" y="889000"/>
+            <a:ext cx="1362010" cy="609600"/>
+            <a:chOff x="5930322" y="893752"/>
+            <a:chExt cx="1362010" cy="609600"/>
+          </a:xfrm>
+        </p:grpSpPr>
+        <p:sp>
+          <p:nvSpPr>
+            <p:cNvPr id="215" name="직사각형 214"/>
+            <p:cNvSpPr/>
+            <p:nvPr/>
+          </p:nvSpPr>
+          <p:spPr>
+            <a:xfrm>
+              <a:off x="5930322" y="893752"/>
+              <a:ext cx="1354667" cy="300048"/>
+            </a:xfrm>
+            <a:prstGeom prst="rect">
+              <a:avLst/>
+            </a:prstGeom>
+          </p:spPr>
+          <p:style>
+            <a:lnRef idx="2">
+              <a:schemeClr val="accent1">
+                <a:shade val="50000"/>
+              </a:schemeClr>
+            </a:lnRef>
+            <a:fillRef idx="1">
+              <a:schemeClr val="accent1"/>
+            </a:fillRef>
+            <a:effectRef idx="0">
+              <a:schemeClr val="accent1"/>
+            </a:effectRef>
+            <a:fontRef idx="minor">
+              <a:schemeClr val="lt1"/>
+            </a:fontRef>
+          </p:style>
+          <p:txBody>
+            <a:bodyPr rtlCol="0" anchor="ctr"/>
+            <a:lstStyle/>
+            <a:p>
+              <a:pPr algn="ctr"/>
+              <a:r>
+                <a:rPr lang="en-US" altLang="ko-KR" dirty="0" smtClean="0"/>
+                <a:t>Node</a:t>
+              </a:r>
+              <a:endParaRPr lang="ko-KR" altLang="en-US" dirty="0"/>
+            </a:p>
+          </p:txBody>
+        </p:sp>
+        <p:sp>
+          <p:nvSpPr>
+            <p:cNvPr id="216" name="직사각형 215"/>
+            <p:cNvSpPr/>
+            <p:nvPr/>
+          </p:nvSpPr>
+          <p:spPr>
+            <a:xfrm>
+              <a:off x="5930322" y="1193800"/>
+              <a:ext cx="701032" cy="309552"/>
+            </a:xfrm>
+            <a:prstGeom prst="rect">
+              <a:avLst/>
+            </a:prstGeom>
+          </p:spPr>
+          <p:style>
+            <a:lnRef idx="2">
+              <a:schemeClr val="accent1">
+                <a:shade val="50000"/>
+              </a:schemeClr>
+            </a:lnRef>
+            <a:fillRef idx="1">
+              <a:schemeClr val="accent1"/>
+            </a:fillRef>
+            <a:effectRef idx="0">
+              <a:schemeClr val="accent1"/>
+            </a:effectRef>
+            <a:fontRef idx="minor">
+              <a:schemeClr val="lt1"/>
+            </a:fontRef>
+          </p:style>
+          <p:txBody>
+            <a:bodyPr rtlCol="0" anchor="ctr"/>
+            <a:lstStyle/>
+            <a:p>
+              <a:pPr algn="ctr"/>
+              <a:r>
+                <a:rPr lang="en-US" altLang="ko-KR" sz="1400" dirty="0" smtClean="0"/>
+                <a:t>Data</a:t>
+              </a:r>
+              <a:endParaRPr lang="ko-KR" altLang="en-US" sz="1400" dirty="0"/>
+            </a:p>
+          </p:txBody>
+        </p:sp>
+        <p:sp>
+          <p:nvSpPr>
+            <p:cNvPr id="218" name="직사각형 217"/>
+            <p:cNvSpPr/>
+            <p:nvPr/>
+          </p:nvSpPr>
+          <p:spPr>
+            <a:xfrm>
+              <a:off x="6631354" y="1193800"/>
+              <a:ext cx="660978" cy="309552"/>
+            </a:xfrm>
+            <a:prstGeom prst="rect">
+              <a:avLst/>
+            </a:prstGeom>
+            <a:solidFill>
+              <a:srgbClr val="FF0000"/>
+            </a:solidFill>
+          </p:spPr>
+          <p:style>
+            <a:lnRef idx="2">
+              <a:schemeClr val="accent1">
+                <a:shade val="50000"/>
+              </a:schemeClr>
+            </a:lnRef>
+            <a:fillRef idx="1">
+              <a:schemeClr val="accent1"/>
+            </a:fillRef>
+            <a:effectRef idx="0">
+              <a:schemeClr val="accent1"/>
+            </a:effectRef>
+            <a:fontRef idx="minor">
+              <a:schemeClr val="lt1"/>
+            </a:fontRef>
+          </p:style>
+          <p:txBody>
+            <a:bodyPr rtlCol="0" anchor="ctr"/>
+            <a:lstStyle/>
+            <a:p>
+              <a:pPr algn="ctr"/>
+              <a:r>
+                <a:rPr lang="en-US" altLang="ko-KR" sz="1400" dirty="0" smtClean="0"/>
+                <a:t>Next</a:t>
+              </a:r>
+              <a:endParaRPr lang="ko-KR" altLang="en-US" sz="1400" dirty="0"/>
+            </a:p>
+          </p:txBody>
+        </p:sp>
+      </p:grpSp>
+      <p:sp>
+        <p:nvSpPr>
+          <p:cNvPr id="4" name="TextBox 3"/>
+          <p:cNvSpPr txBox="1"/>
+          <p:nvPr/>
+        </p:nvSpPr>
+        <p:spPr>
+          <a:xfrm>
+            <a:off x="246845" y="30355"/>
+            <a:ext cx="908197" cy="461665"/>
+          </a:xfrm>
+          <a:prstGeom prst="rect">
+            <a:avLst/>
+          </a:prstGeom>
+          <a:noFill/>
+        </p:spPr>
+        <p:txBody>
+          <a:bodyPr wrap="none" rtlCol="0">
+            <a:spAutoFit/>
+          </a:bodyPr>
+          <a:lstStyle/>
+          <a:p>
+            <a:r>
+              <a:rPr lang="en-US" altLang="ko-KR" sz="2400" dirty="0" smtClean="0"/>
+              <a:t>Stack</a:t>
+            </a:r>
+            <a:endParaRPr lang="ko-KR" altLang="en-US" sz="2400" dirty="0"/>
+          </a:p>
+        </p:txBody>
+      </p:sp>
+      <p:sp>
+        <p:nvSpPr>
+          <p:cNvPr id="84" name="TextBox 83"/>
+          <p:cNvSpPr txBox="1"/>
+          <p:nvPr/>
+        </p:nvSpPr>
+        <p:spPr>
+          <a:xfrm>
+            <a:off x="858894" y="5327743"/>
+            <a:ext cx="4040113" cy="954107"/>
+          </a:xfrm>
+          <a:prstGeom prst="rect">
+            <a:avLst/>
+          </a:prstGeom>
+          <a:noFill/>
+        </p:spPr>
+        <p:txBody>
+          <a:bodyPr wrap="square" rtlCol="0">
+            <a:spAutoFit/>
+          </a:bodyPr>
+          <a:lstStyle/>
+          <a:p>
+            <a:r>
+              <a:rPr lang="ko-KR" altLang="en-US" sz="1400" dirty="0" smtClean="0"/>
+              <a:t>배열로 이루어진 연속적인 메모리에 </a:t>
+            </a:r>
+            <a:r>
+              <a:rPr lang="en-US" altLang="ko-KR" sz="1400" dirty="0" smtClean="0"/>
+              <a:t>Data</a:t>
+            </a:r>
+            <a:r>
+              <a:rPr lang="ko-KR" altLang="en-US" sz="1400" dirty="0" smtClean="0"/>
+              <a:t>를 저장하여 최상위 데이터</a:t>
+            </a:r>
+            <a:r>
+              <a:rPr lang="en-US" altLang="ko-KR" sz="1400" dirty="0" smtClean="0"/>
+              <a:t>(</a:t>
+            </a:r>
+            <a:r>
+              <a:rPr lang="ko-KR" altLang="en-US" sz="1400" dirty="0" smtClean="0"/>
+              <a:t>마지막에 넣은 데이터</a:t>
+            </a:r>
+            <a:r>
+              <a:rPr lang="en-US" altLang="ko-KR" sz="1400" dirty="0" smtClean="0"/>
+              <a:t>)</a:t>
+            </a:r>
+            <a:r>
+              <a:rPr lang="ko-KR" altLang="en-US" sz="1400" dirty="0" smtClean="0"/>
+              <a:t>를 꺼내는 구조</a:t>
+            </a:r>
+            <a:r>
+              <a:rPr lang="en-US" altLang="ko-KR" sz="1400" dirty="0" smtClean="0"/>
+              <a:t>. </a:t>
+            </a:r>
+            <a:r>
+              <a:rPr lang="ko-KR" altLang="en-US" sz="1400" dirty="0" smtClean="0"/>
+              <a:t>데이터를 꺼낼 때 </a:t>
+            </a:r>
+            <a:r>
+              <a:rPr lang="en-US" altLang="ko-KR" sz="1400" dirty="0" smtClean="0"/>
+              <a:t>Zero Memory</a:t>
+            </a:r>
+            <a:r>
+              <a:rPr lang="ko-KR" altLang="en-US" sz="1400" dirty="0" smtClean="0"/>
+              <a:t>를 통해 초기화 시켜줘야 한다</a:t>
+            </a:r>
+            <a:r>
+              <a:rPr lang="en-US" altLang="ko-KR" sz="1400" dirty="0" smtClean="0"/>
+              <a:t>.</a:t>
+            </a:r>
+            <a:endParaRPr lang="ko-KR" altLang="en-US" sz="1400" dirty="0"/>
+          </a:p>
+        </p:txBody>
+      </p:sp>
+      <p:sp>
+        <p:nvSpPr>
+          <p:cNvPr id="2" name="직사각형 1"/>
+          <p:cNvSpPr/>
+          <p:nvPr/>
+        </p:nvSpPr>
+        <p:spPr>
+          <a:xfrm>
+            <a:off x="2022224" y="4030130"/>
+            <a:ext cx="1354667" cy="609600"/>
+          </a:xfrm>
+          <a:prstGeom prst="rect">
+            <a:avLst/>
+          </a:prstGeom>
+        </p:spPr>
+        <p:style>
+          <a:lnRef idx="2">
+            <a:schemeClr val="accent1">
+              <a:shade val="50000"/>
+            </a:schemeClr>
+          </a:lnRef>
+          <a:fillRef idx="1">
+            <a:schemeClr val="accent1"/>
+          </a:fillRef>
+          <a:effectRef idx="0">
+            <a:schemeClr val="accent1"/>
+          </a:effectRef>
+          <a:fontRef idx="minor">
+            <a:schemeClr val="lt1"/>
+          </a:fontRef>
+        </p:style>
+        <p:txBody>
+          <a:bodyPr rtlCol="0" anchor="ctr"/>
+          <a:lstStyle/>
+          <a:p>
+            <a:pPr algn="ctr"/>
+            <a:r>
+              <a:rPr lang="en-US" altLang="ko-KR" dirty="0" smtClean="0"/>
+              <a:t>Data</a:t>
+            </a:r>
+            <a:endParaRPr lang="ko-KR" altLang="en-US" dirty="0"/>
+          </a:p>
+        </p:txBody>
+      </p:sp>
+      <p:cxnSp>
+        <p:nvCxnSpPr>
+          <p:cNvPr id="10" name="직선 연결선 9"/>
+          <p:cNvCxnSpPr/>
+          <p:nvPr/>
+        </p:nvCxnSpPr>
+        <p:spPr>
+          <a:xfrm>
+            <a:off x="1910367" y="1657794"/>
+            <a:ext cx="0" cy="3049670"/>
+          </a:xfrm>
+          <a:prstGeom prst="line">
+            <a:avLst/>
+          </a:prstGeom>
+          <a:ln w="57150">
+            <a:solidFill>
+              <a:schemeClr val="accent6"/>
+            </a:solidFill>
+          </a:ln>
+        </p:spPr>
+        <p:style>
+          <a:lnRef idx="1">
+            <a:schemeClr val="accent1"/>
+          </a:lnRef>
+          <a:fillRef idx="0">
+            <a:schemeClr val="accent1"/>
+          </a:fillRef>
+          <a:effectRef idx="0">
+            <a:schemeClr val="accent1"/>
+          </a:effectRef>
+          <a:fontRef idx="minor">
+            <a:schemeClr val="tx1"/>
+          </a:fontRef>
+        </p:style>
+      </p:cxnSp>
+      <p:cxnSp>
+        <p:nvCxnSpPr>
+          <p:cNvPr id="154" name="직선 연결선 153"/>
+          <p:cNvCxnSpPr/>
+          <p:nvPr/>
+        </p:nvCxnSpPr>
+        <p:spPr>
+          <a:xfrm flipH="1">
+            <a:off x="1910367" y="4707464"/>
+            <a:ext cx="1601990" cy="0"/>
+          </a:xfrm>
+          <a:prstGeom prst="line">
+            <a:avLst/>
+          </a:prstGeom>
+          <a:ln w="57150">
+            <a:solidFill>
+              <a:schemeClr val="accent6"/>
+            </a:solidFill>
+          </a:ln>
+        </p:spPr>
+        <p:style>
+          <a:lnRef idx="1">
+            <a:schemeClr val="accent1"/>
+          </a:lnRef>
+          <a:fillRef idx="0">
+            <a:schemeClr val="accent1"/>
+          </a:fillRef>
+          <a:effectRef idx="0">
+            <a:schemeClr val="accent1"/>
+          </a:effectRef>
+          <a:fontRef idx="minor">
+            <a:schemeClr val="tx1"/>
+          </a:fontRef>
+        </p:style>
+      </p:cxnSp>
+      <p:cxnSp>
+        <p:nvCxnSpPr>
+          <p:cNvPr id="155" name="직선 연결선 154"/>
+          <p:cNvCxnSpPr/>
+          <p:nvPr/>
+        </p:nvCxnSpPr>
+        <p:spPr>
+          <a:xfrm>
+            <a:off x="3485167" y="1657794"/>
+            <a:ext cx="0" cy="3049670"/>
+          </a:xfrm>
+          <a:prstGeom prst="line">
+            <a:avLst/>
+          </a:prstGeom>
+          <a:ln w="57150">
+            <a:solidFill>
+              <a:schemeClr val="accent6"/>
+            </a:solidFill>
+          </a:ln>
+        </p:spPr>
+        <p:style>
+          <a:lnRef idx="1">
+            <a:schemeClr val="accent1"/>
+          </a:lnRef>
+          <a:fillRef idx="0">
+            <a:schemeClr val="accent1"/>
+          </a:fillRef>
+          <a:effectRef idx="0">
+            <a:schemeClr val="accent1"/>
+          </a:effectRef>
+          <a:fontRef idx="minor">
+            <a:schemeClr val="tx1"/>
+          </a:fontRef>
+        </p:style>
+      </p:cxnSp>
+      <p:sp>
+        <p:nvSpPr>
+          <p:cNvPr id="158" name="직사각형 157"/>
+          <p:cNvSpPr/>
+          <p:nvPr/>
+        </p:nvSpPr>
+        <p:spPr>
+          <a:xfrm>
+            <a:off x="2018644" y="3304621"/>
+            <a:ext cx="1354667" cy="609600"/>
+          </a:xfrm>
+          <a:prstGeom prst="rect">
+            <a:avLst/>
+          </a:prstGeom>
+        </p:spPr>
+        <p:style>
+          <a:lnRef idx="2">
+            <a:schemeClr val="accent1">
+              <a:shade val="50000"/>
+            </a:schemeClr>
+          </a:lnRef>
+          <a:fillRef idx="1">
+            <a:schemeClr val="accent1"/>
+          </a:fillRef>
+          <a:effectRef idx="0">
+            <a:schemeClr val="accent1"/>
+          </a:effectRef>
+          <a:fontRef idx="minor">
+            <a:schemeClr val="lt1"/>
+          </a:fontRef>
+        </p:style>
+        <p:txBody>
+          <a:bodyPr rtlCol="0" anchor="ctr"/>
+          <a:lstStyle/>
+          <a:p>
+            <a:pPr algn="ctr"/>
+            <a:r>
+              <a:rPr lang="en-US" altLang="ko-KR" dirty="0" smtClean="0"/>
+              <a:t>Data</a:t>
+            </a:r>
+            <a:endParaRPr lang="ko-KR" altLang="en-US" dirty="0"/>
+          </a:p>
+        </p:txBody>
+      </p:sp>
+      <p:sp>
+        <p:nvSpPr>
+          <p:cNvPr id="159" name="직사각형 158"/>
+          <p:cNvSpPr/>
+          <p:nvPr/>
+        </p:nvSpPr>
+        <p:spPr>
+          <a:xfrm>
+            <a:off x="2018643" y="2579111"/>
+            <a:ext cx="1354667" cy="609600"/>
+          </a:xfrm>
+          <a:prstGeom prst="rect">
+            <a:avLst/>
+          </a:prstGeom>
+        </p:spPr>
+        <p:style>
+          <a:lnRef idx="2">
+            <a:schemeClr val="accent1">
+              <a:shade val="50000"/>
+            </a:schemeClr>
+          </a:lnRef>
+          <a:fillRef idx="1">
+            <a:schemeClr val="accent1"/>
+          </a:fillRef>
+          <a:effectRef idx="0">
+            <a:schemeClr val="accent1"/>
+          </a:effectRef>
+          <a:fontRef idx="minor">
+            <a:schemeClr val="lt1"/>
+          </a:fontRef>
+        </p:style>
+        <p:txBody>
+          <a:bodyPr rtlCol="0" anchor="ctr"/>
+          <a:lstStyle/>
+          <a:p>
+            <a:pPr algn="ctr"/>
+            <a:r>
+              <a:rPr lang="en-US" altLang="ko-KR" dirty="0" smtClean="0"/>
+              <a:t>Data</a:t>
+            </a:r>
+            <a:endParaRPr lang="ko-KR" altLang="en-US" dirty="0"/>
+          </a:p>
+        </p:txBody>
+      </p:sp>
+      <p:sp>
+        <p:nvSpPr>
+          <p:cNvPr id="161" name="직사각형 160"/>
+          <p:cNvSpPr/>
+          <p:nvPr/>
+        </p:nvSpPr>
+        <p:spPr>
+          <a:xfrm>
+            <a:off x="2018642" y="1853602"/>
+            <a:ext cx="1354667" cy="609600"/>
+          </a:xfrm>
+          <a:prstGeom prst="rect">
+            <a:avLst/>
+          </a:prstGeom>
+        </p:spPr>
+        <p:style>
+          <a:lnRef idx="2">
+            <a:schemeClr val="accent1">
+              <a:shade val="50000"/>
+            </a:schemeClr>
+          </a:lnRef>
+          <a:fillRef idx="1">
+            <a:schemeClr val="accent1"/>
+          </a:fillRef>
+          <a:effectRef idx="0">
+            <a:schemeClr val="accent1"/>
+          </a:effectRef>
+          <a:fontRef idx="minor">
+            <a:schemeClr val="lt1"/>
+          </a:fontRef>
+        </p:style>
+        <p:txBody>
+          <a:bodyPr rtlCol="0" anchor="ctr"/>
+          <a:lstStyle/>
+          <a:p>
+            <a:pPr algn="ctr"/>
+            <a:r>
+              <a:rPr lang="en-US" altLang="ko-KR" dirty="0" smtClean="0"/>
+              <a:t>Data</a:t>
+            </a:r>
+            <a:endParaRPr lang="ko-KR" altLang="en-US" dirty="0"/>
+          </a:p>
+        </p:txBody>
+      </p:sp>
+      <p:sp>
+        <p:nvSpPr>
+          <p:cNvPr id="13" name="TextBox 12"/>
+          <p:cNvSpPr txBox="1"/>
+          <p:nvPr/>
+        </p:nvSpPr>
+        <p:spPr>
+          <a:xfrm>
+            <a:off x="2031528" y="4776811"/>
+            <a:ext cx="1359668" cy="369332"/>
+          </a:xfrm>
+          <a:prstGeom prst="rect">
+            <a:avLst/>
+          </a:prstGeom>
+          <a:noFill/>
+        </p:spPr>
+        <p:txBody>
+          <a:bodyPr wrap="none" rtlCol="0">
+            <a:spAutoFit/>
+          </a:bodyPr>
+          <a:lstStyle/>
+          <a:p>
+            <a:r>
+              <a:rPr lang="en-US" altLang="ko-KR" dirty="0" smtClean="0"/>
+              <a:t>Array Stack</a:t>
+            </a:r>
+            <a:endParaRPr lang="ko-KR" altLang="en-US" dirty="0"/>
+          </a:p>
+        </p:txBody>
+      </p:sp>
+      <p:sp>
+        <p:nvSpPr>
+          <p:cNvPr id="163" name="직사각형 162"/>
+          <p:cNvSpPr/>
+          <p:nvPr/>
+        </p:nvSpPr>
+        <p:spPr>
+          <a:xfrm>
+            <a:off x="473940" y="893752"/>
+            <a:ext cx="1354667" cy="609600"/>
+          </a:xfrm>
+          <a:prstGeom prst="rect">
+            <a:avLst/>
+          </a:prstGeom>
+        </p:spPr>
+        <p:style>
+          <a:lnRef idx="2">
+            <a:schemeClr val="accent1">
+              <a:shade val="50000"/>
+            </a:schemeClr>
+          </a:lnRef>
+          <a:fillRef idx="1">
+            <a:schemeClr val="accent1"/>
+          </a:fillRef>
+          <a:effectRef idx="0">
+            <a:schemeClr val="accent1"/>
+          </a:effectRef>
+          <a:fontRef idx="minor">
+            <a:schemeClr val="lt1"/>
+          </a:fontRef>
+        </p:style>
+        <p:txBody>
+          <a:bodyPr rtlCol="0" anchor="ctr"/>
+          <a:lstStyle/>
+          <a:p>
+            <a:pPr algn="ctr"/>
+            <a:r>
+              <a:rPr lang="en-US" altLang="ko-KR" dirty="0" smtClean="0"/>
+              <a:t>Data</a:t>
+            </a:r>
+            <a:endParaRPr lang="ko-KR" altLang="en-US" dirty="0"/>
+          </a:p>
+        </p:txBody>
+      </p:sp>
+      <p:sp>
+        <p:nvSpPr>
+          <p:cNvPr id="17" name="굽은 화살표 16"/>
+          <p:cNvSpPr/>
+          <p:nvPr/>
+        </p:nvSpPr>
+        <p:spPr>
+          <a:xfrm rot="5400000">
+            <a:off x="1892621" y="1060775"/>
+            <a:ext cx="695221" cy="694387"/>
+          </a:xfrm>
+          <a:prstGeom prst="bentArrow">
+            <a:avLst/>
+          </a:prstGeom>
+          <a:solidFill>
+            <a:srgbClr val="FF0000"/>
+          </a:solidFill>
+        </p:spPr>
+        <p:style>
+          <a:lnRef idx="2">
+            <a:schemeClr val="accent1">
+              <a:shade val="50000"/>
+            </a:schemeClr>
+          </a:lnRef>
+          <a:fillRef idx="1">
+            <a:schemeClr val="accent1"/>
+          </a:fillRef>
+          <a:effectRef idx="0">
+            <a:schemeClr val="accent1"/>
+          </a:effectRef>
+          <a:fontRef idx="minor">
+            <a:schemeClr val="lt1"/>
+          </a:fontRef>
+        </p:style>
+        <p:txBody>
+          <a:bodyPr rtlCol="0" anchor="ctr"/>
+          <a:lstStyle/>
+          <a:p>
+            <a:pPr algn="ctr"/>
+            <a:endParaRPr lang="ko-KR" altLang="en-US">
+              <a:solidFill>
+                <a:schemeClr val="tx1"/>
+              </a:solidFill>
+            </a:endParaRPr>
+          </a:p>
+        </p:txBody>
+      </p:sp>
+      <p:sp>
+        <p:nvSpPr>
+          <p:cNvPr id="164" name="굽은 화살표 163"/>
+          <p:cNvSpPr/>
+          <p:nvPr/>
+        </p:nvSpPr>
+        <p:spPr>
+          <a:xfrm>
+            <a:off x="2878951" y="1029642"/>
+            <a:ext cx="695221" cy="694387"/>
+          </a:xfrm>
+          <a:prstGeom prst="bentArrow">
+            <a:avLst/>
+          </a:prstGeom>
+          <a:solidFill>
+            <a:schemeClr val="accent6"/>
+          </a:solidFill>
+        </p:spPr>
+        <p:style>
+          <a:lnRef idx="2">
+            <a:schemeClr val="accent1">
+              <a:shade val="50000"/>
+            </a:schemeClr>
+          </a:lnRef>
+          <a:fillRef idx="1">
+            <a:schemeClr val="accent1"/>
+          </a:fillRef>
+          <a:effectRef idx="0">
+            <a:schemeClr val="accent1"/>
+          </a:effectRef>
+          <a:fontRef idx="minor">
+            <a:schemeClr val="lt1"/>
+          </a:fontRef>
+        </p:style>
+        <p:txBody>
+          <a:bodyPr rtlCol="0" anchor="ctr"/>
+          <a:lstStyle/>
+          <a:p>
+            <a:pPr algn="ctr"/>
+            <a:endParaRPr lang="ko-KR" altLang="en-US">
+              <a:solidFill>
+                <a:schemeClr val="tx1"/>
+              </a:solidFill>
+            </a:endParaRPr>
+          </a:p>
+        </p:txBody>
+      </p:sp>
+      <p:sp>
+        <p:nvSpPr>
+          <p:cNvPr id="166" name="직사각형 165"/>
+          <p:cNvSpPr/>
+          <p:nvPr/>
+        </p:nvSpPr>
+        <p:spPr>
+          <a:xfrm>
+            <a:off x="3627349" y="893752"/>
+            <a:ext cx="1354667" cy="609600"/>
+          </a:xfrm>
+          <a:prstGeom prst="rect">
+            <a:avLst/>
+          </a:prstGeom>
+        </p:spPr>
+        <p:style>
+          <a:lnRef idx="2">
+            <a:schemeClr val="accent1">
+              <a:shade val="50000"/>
+            </a:schemeClr>
+          </a:lnRef>
+          <a:fillRef idx="1">
+            <a:schemeClr val="accent1"/>
+          </a:fillRef>
+          <a:effectRef idx="0">
+            <a:schemeClr val="accent1"/>
+          </a:effectRef>
+          <a:fontRef idx="minor">
+            <a:schemeClr val="lt1"/>
+          </a:fontRef>
+        </p:style>
+        <p:txBody>
+          <a:bodyPr rtlCol="0" anchor="ctr"/>
+          <a:lstStyle/>
+          <a:p>
+            <a:pPr algn="ctr"/>
+            <a:r>
+              <a:rPr lang="en-US" altLang="ko-KR" dirty="0" smtClean="0"/>
+              <a:t>Data</a:t>
+            </a:r>
+            <a:endParaRPr lang="ko-KR" altLang="en-US" dirty="0"/>
+          </a:p>
+        </p:txBody>
+      </p:sp>
+      <p:cxnSp>
+        <p:nvCxnSpPr>
+          <p:cNvPr id="167" name="직선 연결선 166"/>
+          <p:cNvCxnSpPr/>
+          <p:nvPr/>
+        </p:nvCxnSpPr>
+        <p:spPr>
+          <a:xfrm flipH="1">
+            <a:off x="1910367" y="3962397"/>
+            <a:ext cx="1601990" cy="0"/>
+          </a:xfrm>
+          <a:prstGeom prst="line">
+            <a:avLst/>
+          </a:prstGeom>
+          <a:ln w="57150">
+            <a:solidFill>
+              <a:schemeClr val="accent6"/>
+            </a:solidFill>
+          </a:ln>
+        </p:spPr>
+        <p:style>
+          <a:lnRef idx="1">
+            <a:schemeClr val="accent1"/>
+          </a:lnRef>
+          <a:fillRef idx="0">
+            <a:schemeClr val="accent1"/>
+          </a:fillRef>
+          <a:effectRef idx="0">
+            <a:schemeClr val="accent1"/>
+          </a:effectRef>
+          <a:fontRef idx="minor">
+            <a:schemeClr val="tx1"/>
+          </a:fontRef>
+        </p:style>
+      </p:cxnSp>
+      <p:cxnSp>
+        <p:nvCxnSpPr>
+          <p:cNvPr id="168" name="직선 연결선 167"/>
+          <p:cNvCxnSpPr/>
+          <p:nvPr/>
+        </p:nvCxnSpPr>
+        <p:spPr>
+          <a:xfrm flipH="1">
+            <a:off x="1910367" y="3234264"/>
+            <a:ext cx="1601990" cy="0"/>
+          </a:xfrm>
+          <a:prstGeom prst="line">
+            <a:avLst/>
+          </a:prstGeom>
+          <a:ln w="57150">
+            <a:solidFill>
+              <a:schemeClr val="accent6"/>
+            </a:solidFill>
+          </a:ln>
+        </p:spPr>
+        <p:style>
+          <a:lnRef idx="1">
+            <a:schemeClr val="accent1"/>
+          </a:lnRef>
+          <a:fillRef idx="0">
+            <a:schemeClr val="accent1"/>
+          </a:fillRef>
+          <a:effectRef idx="0">
+            <a:schemeClr val="accent1"/>
+          </a:effectRef>
+          <a:fontRef idx="minor">
+            <a:schemeClr val="tx1"/>
+          </a:fontRef>
+        </p:style>
+      </p:cxnSp>
+      <p:cxnSp>
+        <p:nvCxnSpPr>
+          <p:cNvPr id="169" name="직선 연결선 168"/>
+          <p:cNvCxnSpPr/>
+          <p:nvPr/>
+        </p:nvCxnSpPr>
+        <p:spPr>
+          <a:xfrm flipH="1">
+            <a:off x="1893433" y="2523065"/>
+            <a:ext cx="1601990" cy="0"/>
+          </a:xfrm>
+          <a:prstGeom prst="line">
+            <a:avLst/>
+          </a:prstGeom>
+          <a:ln w="57150">
+            <a:solidFill>
+              <a:schemeClr val="accent6"/>
+            </a:solidFill>
+          </a:ln>
+        </p:spPr>
+        <p:style>
+          <a:lnRef idx="1">
+            <a:schemeClr val="accent1"/>
+          </a:lnRef>
+          <a:fillRef idx="0">
+            <a:schemeClr val="accent1"/>
+          </a:fillRef>
+          <a:effectRef idx="0">
+            <a:schemeClr val="accent1"/>
+          </a:effectRef>
+          <a:fontRef idx="minor">
+            <a:schemeClr val="tx1"/>
+          </a:fontRef>
+        </p:style>
+      </p:cxnSp>
+      <p:cxnSp>
+        <p:nvCxnSpPr>
+          <p:cNvPr id="171" name="직선 연결선 170"/>
+          <p:cNvCxnSpPr/>
+          <p:nvPr/>
+        </p:nvCxnSpPr>
+        <p:spPr>
+          <a:xfrm>
+            <a:off x="7366749" y="1657794"/>
+            <a:ext cx="0" cy="3049670"/>
+          </a:xfrm>
+          <a:prstGeom prst="line">
+            <a:avLst/>
+          </a:prstGeom>
+          <a:ln w="57150">
+            <a:solidFill>
+              <a:schemeClr val="accent6"/>
+            </a:solidFill>
+          </a:ln>
+        </p:spPr>
+        <p:style>
+          <a:lnRef idx="1">
+            <a:schemeClr val="accent1"/>
+          </a:lnRef>
+          <a:fillRef idx="0">
+            <a:schemeClr val="accent1"/>
+          </a:fillRef>
+          <a:effectRef idx="0">
+            <a:schemeClr val="accent1"/>
+          </a:effectRef>
+          <a:fontRef idx="minor">
+            <a:schemeClr val="tx1"/>
+          </a:fontRef>
+        </p:style>
+      </p:cxnSp>
+      <p:cxnSp>
+        <p:nvCxnSpPr>
+          <p:cNvPr id="172" name="직선 연결선 171"/>
+          <p:cNvCxnSpPr/>
+          <p:nvPr/>
+        </p:nvCxnSpPr>
+        <p:spPr>
+          <a:xfrm flipH="1">
+            <a:off x="7366749" y="4707464"/>
+            <a:ext cx="1601990" cy="0"/>
+          </a:xfrm>
+          <a:prstGeom prst="line">
+            <a:avLst/>
+          </a:prstGeom>
+          <a:ln w="57150">
+            <a:solidFill>
+              <a:schemeClr val="accent6"/>
+            </a:solidFill>
+          </a:ln>
+        </p:spPr>
+        <p:style>
+          <a:lnRef idx="1">
+            <a:schemeClr val="accent1"/>
+          </a:lnRef>
+          <a:fillRef idx="0">
+            <a:schemeClr val="accent1"/>
+          </a:fillRef>
+          <a:effectRef idx="0">
+            <a:schemeClr val="accent1"/>
+          </a:effectRef>
+          <a:fontRef idx="minor">
+            <a:schemeClr val="tx1"/>
+          </a:fontRef>
+        </p:style>
+      </p:cxnSp>
+      <p:cxnSp>
+        <p:nvCxnSpPr>
+          <p:cNvPr id="173" name="직선 연결선 172"/>
+          <p:cNvCxnSpPr/>
+          <p:nvPr/>
+        </p:nvCxnSpPr>
+        <p:spPr>
+          <a:xfrm>
+            <a:off x="8941549" y="1657794"/>
+            <a:ext cx="0" cy="3049670"/>
+          </a:xfrm>
+          <a:prstGeom prst="line">
+            <a:avLst/>
+          </a:prstGeom>
+          <a:ln w="57150">
+            <a:solidFill>
+              <a:schemeClr val="accent6"/>
+            </a:solidFill>
+          </a:ln>
+        </p:spPr>
+        <p:style>
+          <a:lnRef idx="1">
+            <a:schemeClr val="accent1"/>
+          </a:lnRef>
+          <a:fillRef idx="0">
+            <a:schemeClr val="accent1"/>
+          </a:fillRef>
+          <a:effectRef idx="0">
+            <a:schemeClr val="accent1"/>
+          </a:effectRef>
+          <a:fontRef idx="minor">
+            <a:schemeClr val="tx1"/>
+          </a:fontRef>
+        </p:style>
+      </p:cxnSp>
+      <p:sp>
+        <p:nvSpPr>
+          <p:cNvPr id="177" name="TextBox 176"/>
+          <p:cNvSpPr txBox="1"/>
+          <p:nvPr/>
+        </p:nvSpPr>
+        <p:spPr>
+          <a:xfrm>
+            <a:off x="7487910" y="4776811"/>
+            <a:ext cx="1156086" cy="369332"/>
+          </a:xfrm>
+          <a:prstGeom prst="rect">
+            <a:avLst/>
+          </a:prstGeom>
+          <a:noFill/>
+        </p:spPr>
+        <p:txBody>
+          <a:bodyPr wrap="none" rtlCol="0">
+            <a:spAutoFit/>
+          </a:bodyPr>
+          <a:lstStyle/>
+          <a:p>
+            <a:r>
+              <a:rPr lang="en-US" altLang="ko-KR" dirty="0" smtClean="0"/>
+              <a:t>List Stack</a:t>
+            </a:r>
+            <a:endParaRPr lang="ko-KR" altLang="en-US" dirty="0"/>
+          </a:p>
+        </p:txBody>
+      </p:sp>
+      <p:sp>
+        <p:nvSpPr>
+          <p:cNvPr id="185" name="굽은 화살표 184"/>
+          <p:cNvSpPr/>
+          <p:nvPr/>
+        </p:nvSpPr>
+        <p:spPr>
+          <a:xfrm rot="5400000">
+            <a:off x="7349003" y="1060775"/>
+            <a:ext cx="695221" cy="694387"/>
+          </a:xfrm>
+          <a:prstGeom prst="bentArrow">
+            <a:avLst/>
+          </a:prstGeom>
+          <a:solidFill>
+            <a:srgbClr val="FF0000"/>
+          </a:solidFill>
+        </p:spPr>
+        <p:style>
+          <a:lnRef idx="2">
+            <a:schemeClr val="accent1">
+              <a:shade val="50000"/>
+            </a:schemeClr>
+          </a:lnRef>
+          <a:fillRef idx="1">
+            <a:schemeClr val="accent1"/>
+          </a:fillRef>
+          <a:effectRef idx="0">
+            <a:schemeClr val="accent1"/>
+          </a:effectRef>
+          <a:fontRef idx="minor">
+            <a:schemeClr val="lt1"/>
+          </a:fontRef>
+        </p:style>
+        <p:txBody>
+          <a:bodyPr rtlCol="0" anchor="ctr"/>
+          <a:lstStyle/>
+          <a:p>
+            <a:pPr algn="ctr"/>
+            <a:endParaRPr lang="ko-KR" altLang="en-US">
+              <a:solidFill>
+                <a:schemeClr val="tx1"/>
+              </a:solidFill>
+            </a:endParaRPr>
+          </a:p>
+        </p:txBody>
+      </p:sp>
+      <p:sp>
+        <p:nvSpPr>
+          <p:cNvPr id="186" name="굽은 화살표 185"/>
+          <p:cNvSpPr/>
+          <p:nvPr/>
+        </p:nvSpPr>
+        <p:spPr>
+          <a:xfrm>
+            <a:off x="8335333" y="1029642"/>
+            <a:ext cx="695221" cy="694387"/>
+          </a:xfrm>
+          <a:prstGeom prst="bentArrow">
+            <a:avLst/>
+          </a:prstGeom>
+          <a:solidFill>
+            <a:schemeClr val="accent6"/>
+          </a:solidFill>
+        </p:spPr>
+        <p:style>
+          <a:lnRef idx="2">
+            <a:schemeClr val="accent1">
+              <a:shade val="50000"/>
+            </a:schemeClr>
+          </a:lnRef>
+          <a:fillRef idx="1">
+            <a:schemeClr val="accent1"/>
+          </a:fillRef>
+          <a:effectRef idx="0">
+            <a:schemeClr val="accent1"/>
+          </a:effectRef>
+          <a:fontRef idx="minor">
+            <a:schemeClr val="lt1"/>
+          </a:fontRef>
+        </p:style>
+        <p:txBody>
+          <a:bodyPr rtlCol="0" anchor="ctr"/>
+          <a:lstStyle/>
+          <a:p>
+            <a:pPr algn="ctr"/>
+            <a:endParaRPr lang="ko-KR" altLang="en-US">
+              <a:solidFill>
+                <a:schemeClr val="tx1"/>
+              </a:solidFill>
+            </a:endParaRPr>
+          </a:p>
+        </p:txBody>
+      </p:sp>
+      <p:cxnSp>
+        <p:nvCxnSpPr>
+          <p:cNvPr id="188" name="직선 연결선 187"/>
+          <p:cNvCxnSpPr/>
+          <p:nvPr/>
+        </p:nvCxnSpPr>
+        <p:spPr>
+          <a:xfrm flipH="1">
+            <a:off x="7366749" y="3962397"/>
+            <a:ext cx="1601990" cy="0"/>
+          </a:xfrm>
+          <a:prstGeom prst="line">
+            <a:avLst/>
+          </a:prstGeom>
+          <a:ln w="57150">
+            <a:solidFill>
+              <a:schemeClr val="accent6"/>
+            </a:solidFill>
+          </a:ln>
+        </p:spPr>
+        <p:style>
+          <a:lnRef idx="1">
+            <a:schemeClr val="accent1"/>
+          </a:lnRef>
+          <a:fillRef idx="0">
+            <a:schemeClr val="accent1"/>
+          </a:fillRef>
+          <a:effectRef idx="0">
+            <a:schemeClr val="accent1"/>
+          </a:effectRef>
+          <a:fontRef idx="minor">
+            <a:schemeClr val="tx1"/>
+          </a:fontRef>
+        </p:style>
+      </p:cxnSp>
+      <p:cxnSp>
+        <p:nvCxnSpPr>
+          <p:cNvPr id="200" name="직선 연결선 199"/>
+          <p:cNvCxnSpPr/>
+          <p:nvPr/>
+        </p:nvCxnSpPr>
+        <p:spPr>
+          <a:xfrm flipH="1">
+            <a:off x="7366749" y="3234264"/>
+            <a:ext cx="1601990" cy="0"/>
+          </a:xfrm>
+          <a:prstGeom prst="line">
+            <a:avLst/>
+          </a:prstGeom>
+          <a:ln w="57150">
+            <a:solidFill>
+              <a:schemeClr val="accent6"/>
+            </a:solidFill>
+          </a:ln>
+        </p:spPr>
+        <p:style>
+          <a:lnRef idx="1">
+            <a:schemeClr val="accent1"/>
+          </a:lnRef>
+          <a:fillRef idx="0">
+            <a:schemeClr val="accent1"/>
+          </a:fillRef>
+          <a:effectRef idx="0">
+            <a:schemeClr val="accent1"/>
+          </a:effectRef>
+          <a:fontRef idx="minor">
+            <a:schemeClr val="tx1"/>
+          </a:fontRef>
+        </p:style>
+      </p:cxnSp>
+      <p:cxnSp>
+        <p:nvCxnSpPr>
+          <p:cNvPr id="201" name="직선 연결선 200"/>
+          <p:cNvCxnSpPr/>
+          <p:nvPr/>
+        </p:nvCxnSpPr>
+        <p:spPr>
+          <a:xfrm flipH="1">
+            <a:off x="7349815" y="2523065"/>
+            <a:ext cx="1601990" cy="0"/>
+          </a:xfrm>
+          <a:prstGeom prst="line">
+            <a:avLst/>
+          </a:prstGeom>
+          <a:ln w="57150">
+            <a:solidFill>
+              <a:schemeClr val="accent6"/>
+            </a:solidFill>
+          </a:ln>
+        </p:spPr>
+        <p:style>
+          <a:lnRef idx="1">
+            <a:schemeClr val="accent1"/>
+          </a:lnRef>
+          <a:fillRef idx="0">
+            <a:schemeClr val="accent1"/>
+          </a:fillRef>
+          <a:effectRef idx="0">
+            <a:schemeClr val="accent1"/>
+          </a:effectRef>
+          <a:fontRef idx="minor">
+            <a:schemeClr val="tx1"/>
+          </a:fontRef>
+        </p:style>
+      </p:cxnSp>
+      <p:grpSp>
+        <p:nvGrpSpPr>
+          <p:cNvPr id="22" name="그룹 21"/>
+          <p:cNvGrpSpPr/>
+          <p:nvPr/>
+        </p:nvGrpSpPr>
+        <p:grpSpPr>
+          <a:xfrm>
+            <a:off x="5930322" y="893752"/>
+            <a:ext cx="1362010" cy="609600"/>
+            <a:chOff x="5930322" y="893752"/>
+            <a:chExt cx="1362010" cy="609600"/>
+          </a:xfrm>
+        </p:grpSpPr>
+        <p:sp>
+          <p:nvSpPr>
+            <p:cNvPr id="184" name="직사각형 183"/>
+            <p:cNvSpPr/>
+            <p:nvPr/>
+          </p:nvSpPr>
+          <p:spPr>
+            <a:xfrm>
+              <a:off x="5930322" y="893752"/>
+              <a:ext cx="1354667" cy="300048"/>
+            </a:xfrm>
+            <a:prstGeom prst="rect">
+              <a:avLst/>
+            </a:prstGeom>
+          </p:spPr>
+          <p:style>
+            <a:lnRef idx="2">
+              <a:schemeClr val="accent1">
+                <a:shade val="50000"/>
+              </a:schemeClr>
+            </a:lnRef>
+            <a:fillRef idx="1">
+              <a:schemeClr val="accent1"/>
+            </a:fillRef>
+            <a:effectRef idx="0">
+              <a:schemeClr val="accent1"/>
+            </a:effectRef>
+            <a:fontRef idx="minor">
+              <a:schemeClr val="lt1"/>
+            </a:fontRef>
+          </p:style>
+          <p:txBody>
+            <a:bodyPr rtlCol="0" anchor="ctr"/>
+            <a:lstStyle/>
+            <a:p>
+              <a:pPr algn="ctr"/>
+              <a:r>
+                <a:rPr lang="en-US" altLang="ko-KR" dirty="0" smtClean="0"/>
+                <a:t>Node</a:t>
+              </a:r>
+              <a:endParaRPr lang="ko-KR" altLang="en-US" dirty="0"/>
+            </a:p>
+          </p:txBody>
+        </p:sp>
+        <p:sp>
+          <p:nvSpPr>
+            <p:cNvPr id="21" name="직사각형 20"/>
+            <p:cNvSpPr/>
+            <p:nvPr/>
+          </p:nvSpPr>
+          <p:spPr>
+            <a:xfrm>
+              <a:off x="5930322" y="1193800"/>
+              <a:ext cx="701032" cy="309552"/>
+            </a:xfrm>
+            <a:prstGeom prst="rect">
+              <a:avLst/>
+            </a:prstGeom>
+          </p:spPr>
+          <p:style>
+            <a:lnRef idx="2">
+              <a:schemeClr val="accent1">
+                <a:shade val="50000"/>
+              </a:schemeClr>
+            </a:lnRef>
+            <a:fillRef idx="1">
+              <a:schemeClr val="accent1"/>
+            </a:fillRef>
+            <a:effectRef idx="0">
+              <a:schemeClr val="accent1"/>
+            </a:effectRef>
+            <a:fontRef idx="minor">
+              <a:schemeClr val="lt1"/>
+            </a:fontRef>
+          </p:style>
+          <p:txBody>
+            <a:bodyPr rtlCol="0" anchor="ctr"/>
+            <a:lstStyle/>
+            <a:p>
+              <a:pPr algn="ctr"/>
+              <a:r>
+                <a:rPr lang="en-US" altLang="ko-KR" sz="1400" dirty="0" smtClean="0"/>
+                <a:t>Data</a:t>
+              </a:r>
+              <a:endParaRPr lang="ko-KR" altLang="en-US" sz="1400" dirty="0"/>
+            </a:p>
+          </p:txBody>
+        </p:sp>
+        <p:sp>
+          <p:nvSpPr>
+            <p:cNvPr id="202" name="직사각형 201"/>
+            <p:cNvSpPr/>
+            <p:nvPr/>
+          </p:nvSpPr>
+          <p:spPr>
+            <a:xfrm>
+              <a:off x="6631354" y="1193800"/>
+              <a:ext cx="660978" cy="309552"/>
+            </a:xfrm>
+            <a:prstGeom prst="rect">
+              <a:avLst/>
+            </a:prstGeom>
+            <a:solidFill>
+              <a:srgbClr val="FF0000"/>
+            </a:solidFill>
+          </p:spPr>
+          <p:style>
+            <a:lnRef idx="2">
+              <a:schemeClr val="accent1">
+                <a:shade val="50000"/>
+              </a:schemeClr>
+            </a:lnRef>
+            <a:fillRef idx="1">
+              <a:schemeClr val="accent1"/>
+            </a:fillRef>
+            <a:effectRef idx="0">
+              <a:schemeClr val="accent1"/>
+            </a:effectRef>
+            <a:fontRef idx="minor">
+              <a:schemeClr val="lt1"/>
+            </a:fontRef>
+          </p:style>
+          <p:txBody>
+            <a:bodyPr rtlCol="0" anchor="ctr"/>
+            <a:lstStyle/>
+            <a:p>
+              <a:pPr algn="ctr"/>
+              <a:r>
+                <a:rPr lang="en-US" altLang="ko-KR" sz="1400" dirty="0" smtClean="0"/>
+                <a:t>Next</a:t>
+              </a:r>
+              <a:endParaRPr lang="ko-KR" altLang="en-US" sz="1400" dirty="0"/>
+            </a:p>
+          </p:txBody>
+        </p:sp>
+      </p:grpSp>
+      <p:grpSp>
+        <p:nvGrpSpPr>
+          <p:cNvPr id="219" name="그룹 218"/>
+          <p:cNvGrpSpPr/>
+          <p:nvPr/>
+        </p:nvGrpSpPr>
+        <p:grpSpPr>
+          <a:xfrm>
+            <a:off x="7485568" y="1858975"/>
+            <a:ext cx="1354667" cy="609600"/>
+            <a:chOff x="5930322" y="893752"/>
+            <a:chExt cx="1354667" cy="609600"/>
+          </a:xfrm>
+        </p:grpSpPr>
+        <p:sp>
+          <p:nvSpPr>
+            <p:cNvPr id="221" name="직사각형 220"/>
+            <p:cNvSpPr/>
+            <p:nvPr/>
+          </p:nvSpPr>
+          <p:spPr>
+            <a:xfrm>
+              <a:off x="5930322" y="893752"/>
+              <a:ext cx="1354667" cy="300048"/>
+            </a:xfrm>
+            <a:prstGeom prst="rect">
+              <a:avLst/>
+            </a:prstGeom>
+          </p:spPr>
+          <p:style>
+            <a:lnRef idx="2">
+              <a:schemeClr val="accent1">
+                <a:shade val="50000"/>
+              </a:schemeClr>
+            </a:lnRef>
+            <a:fillRef idx="1">
+              <a:schemeClr val="accent1"/>
+            </a:fillRef>
+            <a:effectRef idx="0">
+              <a:schemeClr val="accent1"/>
+            </a:effectRef>
+            <a:fontRef idx="minor">
+              <a:schemeClr val="lt1"/>
+            </a:fontRef>
+          </p:style>
+          <p:txBody>
+            <a:bodyPr rtlCol="0" anchor="ctr"/>
+            <a:lstStyle/>
+            <a:p>
+              <a:pPr algn="ctr"/>
+              <a:r>
+                <a:rPr lang="en-US" altLang="ko-KR" dirty="0" smtClean="0"/>
+                <a:t>Node</a:t>
+              </a:r>
+              <a:endParaRPr lang="ko-KR" altLang="en-US" dirty="0"/>
+            </a:p>
+          </p:txBody>
+        </p:sp>
+        <p:sp>
+          <p:nvSpPr>
+            <p:cNvPr id="222" name="직사각형 221"/>
+            <p:cNvSpPr/>
+            <p:nvPr/>
+          </p:nvSpPr>
+          <p:spPr>
+            <a:xfrm>
+              <a:off x="5930322" y="1193800"/>
+              <a:ext cx="701032" cy="309552"/>
+            </a:xfrm>
+            <a:prstGeom prst="rect">
+              <a:avLst/>
+            </a:prstGeom>
+          </p:spPr>
+          <p:style>
+            <a:lnRef idx="2">
+              <a:schemeClr val="accent1">
+                <a:shade val="50000"/>
+              </a:schemeClr>
+            </a:lnRef>
+            <a:fillRef idx="1">
+              <a:schemeClr val="accent1"/>
+            </a:fillRef>
+            <a:effectRef idx="0">
+              <a:schemeClr val="accent1"/>
+            </a:effectRef>
+            <a:fontRef idx="minor">
+              <a:schemeClr val="lt1"/>
+            </a:fontRef>
+          </p:style>
+          <p:txBody>
+            <a:bodyPr rtlCol="0" anchor="ctr"/>
+            <a:lstStyle/>
+            <a:p>
+              <a:pPr algn="ctr"/>
+              <a:r>
+                <a:rPr lang="en-US" altLang="ko-KR" sz="1400" dirty="0" smtClean="0"/>
+                <a:t>Data</a:t>
+              </a:r>
+              <a:endParaRPr lang="ko-KR" altLang="en-US" sz="1400" dirty="0"/>
+            </a:p>
+          </p:txBody>
+        </p:sp>
+        <p:sp>
+          <p:nvSpPr>
+            <p:cNvPr id="224" name="직사각형 223"/>
+            <p:cNvSpPr/>
+            <p:nvPr/>
+          </p:nvSpPr>
+          <p:spPr>
+            <a:xfrm>
+              <a:off x="6631354" y="1193800"/>
+              <a:ext cx="652600" cy="309552"/>
+            </a:xfrm>
+            <a:prstGeom prst="rect">
+              <a:avLst/>
+            </a:prstGeom>
+            <a:solidFill>
+              <a:srgbClr val="FF0000"/>
+            </a:solidFill>
+          </p:spPr>
+          <p:style>
+            <a:lnRef idx="2">
+              <a:schemeClr val="accent1">
+                <a:shade val="50000"/>
+              </a:schemeClr>
+            </a:lnRef>
+            <a:fillRef idx="1">
+              <a:schemeClr val="accent1"/>
+            </a:fillRef>
+            <a:effectRef idx="0">
+              <a:schemeClr val="accent1"/>
+            </a:effectRef>
+            <a:fontRef idx="minor">
+              <a:schemeClr val="lt1"/>
+            </a:fontRef>
+          </p:style>
+          <p:txBody>
+            <a:bodyPr rtlCol="0" anchor="ctr"/>
+            <a:lstStyle/>
+            <a:p>
+              <a:pPr algn="ctr"/>
+              <a:r>
+                <a:rPr lang="en-US" altLang="ko-KR" sz="1400" dirty="0" smtClean="0"/>
+                <a:t>Next</a:t>
+              </a:r>
+              <a:endParaRPr lang="ko-KR" altLang="en-US" sz="1400" dirty="0"/>
+            </a:p>
+          </p:txBody>
+        </p:sp>
+      </p:grpSp>
+      <p:grpSp>
+        <p:nvGrpSpPr>
+          <p:cNvPr id="225" name="그룹 224"/>
+          <p:cNvGrpSpPr/>
+          <p:nvPr/>
+        </p:nvGrpSpPr>
+        <p:grpSpPr>
+          <a:xfrm>
+            <a:off x="7482505" y="2582332"/>
+            <a:ext cx="1356695" cy="609600"/>
+            <a:chOff x="5930322" y="893752"/>
+            <a:chExt cx="1356695" cy="609600"/>
+          </a:xfrm>
+        </p:grpSpPr>
+        <p:sp>
+          <p:nvSpPr>
+            <p:cNvPr id="227" name="직사각형 226"/>
+            <p:cNvSpPr/>
+            <p:nvPr/>
+          </p:nvSpPr>
+          <p:spPr>
+            <a:xfrm>
+              <a:off x="5930322" y="893752"/>
+              <a:ext cx="1354667" cy="300048"/>
+            </a:xfrm>
+            <a:prstGeom prst="rect">
+              <a:avLst/>
+            </a:prstGeom>
+          </p:spPr>
+          <p:style>
+            <a:lnRef idx="2">
+              <a:schemeClr val="accent1">
+                <a:shade val="50000"/>
+              </a:schemeClr>
+            </a:lnRef>
+            <a:fillRef idx="1">
+              <a:schemeClr val="accent1"/>
+            </a:fillRef>
+            <a:effectRef idx="0">
+              <a:schemeClr val="accent1"/>
+            </a:effectRef>
+            <a:fontRef idx="minor">
+              <a:schemeClr val="lt1"/>
+            </a:fontRef>
+          </p:style>
+          <p:txBody>
+            <a:bodyPr rtlCol="0" anchor="ctr"/>
+            <a:lstStyle/>
+            <a:p>
+              <a:pPr algn="ctr"/>
+              <a:r>
+                <a:rPr lang="en-US" altLang="ko-KR" dirty="0" smtClean="0"/>
+                <a:t>Node</a:t>
+              </a:r>
+              <a:endParaRPr lang="ko-KR" altLang="en-US" dirty="0"/>
+            </a:p>
+          </p:txBody>
+        </p:sp>
+        <p:sp>
+          <p:nvSpPr>
+            <p:cNvPr id="228" name="직사각형 227"/>
+            <p:cNvSpPr/>
+            <p:nvPr/>
+          </p:nvSpPr>
+          <p:spPr>
+            <a:xfrm>
+              <a:off x="5930322" y="1193800"/>
+              <a:ext cx="701032" cy="309552"/>
+            </a:xfrm>
+            <a:prstGeom prst="rect">
+              <a:avLst/>
+            </a:prstGeom>
+          </p:spPr>
+          <p:style>
+            <a:lnRef idx="2">
+              <a:schemeClr val="accent1">
+                <a:shade val="50000"/>
+              </a:schemeClr>
+            </a:lnRef>
+            <a:fillRef idx="1">
+              <a:schemeClr val="accent1"/>
+            </a:fillRef>
+            <a:effectRef idx="0">
+              <a:schemeClr val="accent1"/>
+            </a:effectRef>
+            <a:fontRef idx="minor">
+              <a:schemeClr val="lt1"/>
+            </a:fontRef>
+          </p:style>
+          <p:txBody>
+            <a:bodyPr rtlCol="0" anchor="ctr"/>
+            <a:lstStyle/>
+            <a:p>
+              <a:pPr algn="ctr"/>
+              <a:r>
+                <a:rPr lang="en-US" altLang="ko-KR" sz="1400" dirty="0" smtClean="0"/>
+                <a:t>Data</a:t>
+              </a:r>
+              <a:endParaRPr lang="ko-KR" altLang="en-US" sz="1400" dirty="0"/>
+            </a:p>
+          </p:txBody>
+        </p:sp>
+        <p:sp>
+          <p:nvSpPr>
+            <p:cNvPr id="229" name="직사각형 228"/>
+            <p:cNvSpPr/>
+            <p:nvPr/>
+          </p:nvSpPr>
+          <p:spPr>
+            <a:xfrm>
+              <a:off x="6631354" y="1193800"/>
+              <a:ext cx="655663" cy="309552"/>
+            </a:xfrm>
+            <a:prstGeom prst="rect">
+              <a:avLst/>
+            </a:prstGeom>
+            <a:solidFill>
+              <a:srgbClr val="FF0000"/>
+            </a:solidFill>
+          </p:spPr>
+          <p:style>
+            <a:lnRef idx="2">
+              <a:schemeClr val="accent1">
+                <a:shade val="50000"/>
+              </a:schemeClr>
+            </a:lnRef>
+            <a:fillRef idx="1">
+              <a:schemeClr val="accent1"/>
+            </a:fillRef>
+            <a:effectRef idx="0">
+              <a:schemeClr val="accent1"/>
+            </a:effectRef>
+            <a:fontRef idx="minor">
+              <a:schemeClr val="lt1"/>
+            </a:fontRef>
+          </p:style>
+          <p:txBody>
+            <a:bodyPr rtlCol="0" anchor="ctr"/>
+            <a:lstStyle/>
+            <a:p>
+              <a:pPr algn="ctr"/>
+              <a:r>
+                <a:rPr lang="en-US" altLang="ko-KR" sz="1400" dirty="0" smtClean="0"/>
+                <a:t>Next</a:t>
+              </a:r>
+              <a:endParaRPr lang="ko-KR" altLang="en-US" sz="1400" dirty="0"/>
+            </a:p>
+          </p:txBody>
+        </p:sp>
+      </p:grpSp>
+      <p:grpSp>
+        <p:nvGrpSpPr>
+          <p:cNvPr id="230" name="그룹 229"/>
+          <p:cNvGrpSpPr/>
+          <p:nvPr/>
+        </p:nvGrpSpPr>
+        <p:grpSpPr>
+          <a:xfrm>
+            <a:off x="7469805" y="3304621"/>
+            <a:ext cx="1355108" cy="609600"/>
+            <a:chOff x="5930322" y="893752"/>
+            <a:chExt cx="1355108" cy="609600"/>
+          </a:xfrm>
+        </p:grpSpPr>
+        <p:sp>
+          <p:nvSpPr>
+            <p:cNvPr id="231" name="직사각형 230"/>
+            <p:cNvSpPr/>
+            <p:nvPr/>
+          </p:nvSpPr>
+          <p:spPr>
+            <a:xfrm>
+              <a:off x="5930322" y="893752"/>
+              <a:ext cx="1354667" cy="300048"/>
+            </a:xfrm>
+            <a:prstGeom prst="rect">
+              <a:avLst/>
+            </a:prstGeom>
+          </p:spPr>
+          <p:style>
+            <a:lnRef idx="2">
+              <a:schemeClr val="accent1">
+                <a:shade val="50000"/>
+              </a:schemeClr>
+            </a:lnRef>
+            <a:fillRef idx="1">
+              <a:schemeClr val="accent1"/>
+            </a:fillRef>
+            <a:effectRef idx="0">
+              <a:schemeClr val="accent1"/>
+            </a:effectRef>
+            <a:fontRef idx="minor">
+              <a:schemeClr val="lt1"/>
+            </a:fontRef>
+          </p:style>
+          <p:txBody>
+            <a:bodyPr rtlCol="0" anchor="ctr"/>
+            <a:lstStyle/>
+            <a:p>
+              <a:pPr algn="ctr"/>
+              <a:r>
+                <a:rPr lang="en-US" altLang="ko-KR" dirty="0" smtClean="0"/>
+                <a:t>Node</a:t>
+              </a:r>
+              <a:endParaRPr lang="ko-KR" altLang="en-US" dirty="0"/>
+            </a:p>
+          </p:txBody>
+        </p:sp>
+        <p:sp>
+          <p:nvSpPr>
+            <p:cNvPr id="259" name="직사각형 258"/>
+            <p:cNvSpPr/>
+            <p:nvPr/>
+          </p:nvSpPr>
+          <p:spPr>
+            <a:xfrm>
+              <a:off x="5930322" y="1193800"/>
+              <a:ext cx="701032" cy="309552"/>
+            </a:xfrm>
+            <a:prstGeom prst="rect">
+              <a:avLst/>
+            </a:prstGeom>
+          </p:spPr>
+          <p:style>
+            <a:lnRef idx="2">
+              <a:schemeClr val="accent1">
+                <a:shade val="50000"/>
+              </a:schemeClr>
+            </a:lnRef>
+            <a:fillRef idx="1">
+              <a:schemeClr val="accent1"/>
+            </a:fillRef>
+            <a:effectRef idx="0">
+              <a:schemeClr val="accent1"/>
+            </a:effectRef>
+            <a:fontRef idx="minor">
+              <a:schemeClr val="lt1"/>
+            </a:fontRef>
+          </p:style>
+          <p:txBody>
+            <a:bodyPr rtlCol="0" anchor="ctr"/>
+            <a:lstStyle/>
+            <a:p>
+              <a:pPr algn="ctr"/>
+              <a:r>
+                <a:rPr lang="en-US" altLang="ko-KR" sz="1400" dirty="0" smtClean="0"/>
+                <a:t>Data</a:t>
+              </a:r>
+              <a:endParaRPr lang="ko-KR" altLang="en-US" sz="1400" dirty="0"/>
+            </a:p>
+          </p:txBody>
+        </p:sp>
+        <p:sp>
+          <p:nvSpPr>
+            <p:cNvPr id="260" name="직사각형 259"/>
+            <p:cNvSpPr/>
+            <p:nvPr/>
+          </p:nvSpPr>
+          <p:spPr>
+            <a:xfrm>
+              <a:off x="6631354" y="1193800"/>
+              <a:ext cx="654076" cy="309552"/>
+            </a:xfrm>
+            <a:prstGeom prst="rect">
+              <a:avLst/>
+            </a:prstGeom>
+            <a:solidFill>
+              <a:srgbClr val="FF0000"/>
+            </a:solidFill>
+          </p:spPr>
+          <p:style>
+            <a:lnRef idx="2">
+              <a:schemeClr val="accent1">
+                <a:shade val="50000"/>
+              </a:schemeClr>
+            </a:lnRef>
+            <a:fillRef idx="1">
+              <a:schemeClr val="accent1"/>
+            </a:fillRef>
+            <a:effectRef idx="0">
+              <a:schemeClr val="accent1"/>
+            </a:effectRef>
+            <a:fontRef idx="minor">
+              <a:schemeClr val="lt1"/>
+            </a:fontRef>
+          </p:style>
+          <p:txBody>
+            <a:bodyPr rtlCol="0" anchor="ctr"/>
+            <a:lstStyle/>
+            <a:p>
+              <a:pPr algn="ctr"/>
+              <a:r>
+                <a:rPr lang="en-US" altLang="ko-KR" sz="1400" dirty="0" smtClean="0"/>
+                <a:t>Next</a:t>
+              </a:r>
+              <a:endParaRPr lang="ko-KR" altLang="en-US" sz="1400" dirty="0"/>
+            </a:p>
+          </p:txBody>
+        </p:sp>
+      </p:grpSp>
+      <p:grpSp>
+        <p:nvGrpSpPr>
+          <p:cNvPr id="261" name="그룹 260"/>
+          <p:cNvGrpSpPr/>
+          <p:nvPr/>
+        </p:nvGrpSpPr>
+        <p:grpSpPr>
+          <a:xfrm>
+            <a:off x="7456457" y="4028518"/>
+            <a:ext cx="1354667" cy="609600"/>
+            <a:chOff x="5930322" y="893752"/>
+            <a:chExt cx="1354667" cy="609600"/>
+          </a:xfrm>
+        </p:grpSpPr>
+        <p:sp>
+          <p:nvSpPr>
+            <p:cNvPr id="262" name="직사각형 261"/>
+            <p:cNvSpPr/>
+            <p:nvPr/>
+          </p:nvSpPr>
+          <p:spPr>
+            <a:xfrm>
+              <a:off x="5930322" y="893752"/>
+              <a:ext cx="1354667" cy="300048"/>
+            </a:xfrm>
+            <a:prstGeom prst="rect">
+              <a:avLst/>
+            </a:prstGeom>
+          </p:spPr>
+          <p:style>
+            <a:lnRef idx="2">
+              <a:schemeClr val="accent1">
+                <a:shade val="50000"/>
+              </a:schemeClr>
+            </a:lnRef>
+            <a:fillRef idx="1">
+              <a:schemeClr val="accent1"/>
+            </a:fillRef>
+            <a:effectRef idx="0">
+              <a:schemeClr val="accent1"/>
+            </a:effectRef>
+            <a:fontRef idx="minor">
+              <a:schemeClr val="lt1"/>
+            </a:fontRef>
+          </p:style>
+          <p:txBody>
+            <a:bodyPr rtlCol="0" anchor="ctr"/>
+            <a:lstStyle/>
+            <a:p>
+              <a:pPr algn="ctr"/>
+              <a:r>
+                <a:rPr lang="en-US" altLang="ko-KR" dirty="0" smtClean="0"/>
+                <a:t>Node</a:t>
+              </a:r>
+              <a:endParaRPr lang="ko-KR" altLang="en-US" dirty="0"/>
+            </a:p>
+          </p:txBody>
+        </p:sp>
+        <p:sp>
+          <p:nvSpPr>
+            <p:cNvPr id="264" name="직사각형 263"/>
+            <p:cNvSpPr/>
+            <p:nvPr/>
+          </p:nvSpPr>
+          <p:spPr>
+            <a:xfrm>
+              <a:off x="5930322" y="1193800"/>
+              <a:ext cx="701032" cy="309552"/>
+            </a:xfrm>
+            <a:prstGeom prst="rect">
+              <a:avLst/>
+            </a:prstGeom>
+          </p:spPr>
+          <p:style>
+            <a:lnRef idx="2">
+              <a:schemeClr val="accent1">
+                <a:shade val="50000"/>
+              </a:schemeClr>
+            </a:lnRef>
+            <a:fillRef idx="1">
+              <a:schemeClr val="accent1"/>
+            </a:fillRef>
+            <a:effectRef idx="0">
+              <a:schemeClr val="accent1"/>
+            </a:effectRef>
+            <a:fontRef idx="minor">
+              <a:schemeClr val="lt1"/>
+            </a:fontRef>
+          </p:style>
+          <p:txBody>
+            <a:bodyPr rtlCol="0" anchor="ctr"/>
+            <a:lstStyle/>
+            <a:p>
+              <a:pPr algn="ctr"/>
+              <a:r>
+                <a:rPr lang="en-US" altLang="ko-KR" sz="1400" dirty="0" smtClean="0"/>
+                <a:t>Data</a:t>
+              </a:r>
+              <a:endParaRPr lang="ko-KR" altLang="en-US" sz="1400" dirty="0"/>
+            </a:p>
+          </p:txBody>
+        </p:sp>
+        <p:sp>
+          <p:nvSpPr>
+            <p:cNvPr id="267" name="직사각형 266"/>
+            <p:cNvSpPr/>
+            <p:nvPr/>
+          </p:nvSpPr>
+          <p:spPr>
+            <a:xfrm>
+              <a:off x="6631354" y="1193800"/>
+              <a:ext cx="653136" cy="309552"/>
+            </a:xfrm>
+            <a:prstGeom prst="rect">
+              <a:avLst/>
+            </a:prstGeom>
+            <a:solidFill>
+              <a:srgbClr val="FF0000"/>
+            </a:solidFill>
+          </p:spPr>
+          <p:style>
+            <a:lnRef idx="2">
+              <a:schemeClr val="accent1">
+                <a:shade val="50000"/>
+              </a:schemeClr>
+            </a:lnRef>
+            <a:fillRef idx="1">
+              <a:schemeClr val="accent1"/>
+            </a:fillRef>
+            <a:effectRef idx="0">
+              <a:schemeClr val="accent1"/>
+            </a:effectRef>
+            <a:fontRef idx="minor">
+              <a:schemeClr val="lt1"/>
+            </a:fontRef>
+          </p:style>
+          <p:txBody>
+            <a:bodyPr rtlCol="0" anchor="ctr"/>
+            <a:lstStyle/>
+            <a:p>
+              <a:pPr algn="ctr"/>
+              <a:r>
+                <a:rPr lang="en-US" altLang="ko-KR" sz="1400" dirty="0" smtClean="0"/>
+                <a:t>Next</a:t>
+              </a:r>
+              <a:endParaRPr lang="ko-KR" altLang="en-US" sz="1400" dirty="0"/>
+            </a:p>
+          </p:txBody>
+        </p:sp>
+      </p:grpSp>
+      <p:sp>
+        <p:nvSpPr>
+          <p:cNvPr id="26" name="직사각형 25"/>
+          <p:cNvSpPr/>
+          <p:nvPr/>
+        </p:nvSpPr>
+        <p:spPr>
+          <a:xfrm>
+            <a:off x="7362825" y="2523065"/>
+            <a:ext cx="1581169" cy="711199"/>
+          </a:xfrm>
+          <a:prstGeom prst="rect">
+            <a:avLst/>
+          </a:prstGeom>
+          <a:noFill/>
+          <a:ln w="57150">
+            <a:solidFill>
+              <a:schemeClr val="tx2"/>
+            </a:solidFill>
+          </a:ln>
+        </p:spPr>
+        <p:style>
+          <a:lnRef idx="2">
+            <a:schemeClr val="accent1">
+              <a:shade val="50000"/>
+            </a:schemeClr>
+          </a:lnRef>
+          <a:fillRef idx="1">
+            <a:schemeClr val="accent1"/>
+          </a:fillRef>
+          <a:effectRef idx="0">
+            <a:schemeClr val="accent1"/>
+          </a:effectRef>
+          <a:fontRef idx="minor">
+            <a:schemeClr val="lt1"/>
+          </a:fontRef>
+        </p:style>
+        <p:txBody>
+          <a:bodyPr rtlCol="0" anchor="ctr"/>
+          <a:lstStyle/>
+          <a:p>
+            <a:pPr algn="ctr"/>
+            <a:endParaRPr lang="ko-KR" altLang="en-US"/>
+          </a:p>
+        </p:txBody>
+      </p:sp>
+      <p:sp>
+        <p:nvSpPr>
+          <p:cNvPr id="270" name="직사각형 269"/>
+          <p:cNvSpPr/>
+          <p:nvPr/>
+        </p:nvSpPr>
+        <p:spPr>
+          <a:xfrm>
+            <a:off x="7362825" y="3961592"/>
+            <a:ext cx="1580596" cy="750108"/>
+          </a:xfrm>
+          <a:prstGeom prst="rect">
+            <a:avLst/>
+          </a:prstGeom>
+          <a:noFill/>
+          <a:ln w="57150">
+            <a:solidFill>
+              <a:schemeClr val="tx2"/>
+            </a:solidFill>
+          </a:ln>
+        </p:spPr>
+        <p:style>
+          <a:lnRef idx="2">
+            <a:schemeClr val="accent1">
+              <a:shade val="50000"/>
+            </a:schemeClr>
+          </a:lnRef>
+          <a:fillRef idx="1">
+            <a:schemeClr val="accent1"/>
+          </a:fillRef>
+          <a:effectRef idx="0">
+            <a:schemeClr val="accent1"/>
+          </a:effectRef>
+          <a:fontRef idx="minor">
+            <a:schemeClr val="lt1"/>
+          </a:fontRef>
+        </p:style>
+        <p:txBody>
+          <a:bodyPr rtlCol="0" anchor="ctr"/>
+          <a:lstStyle/>
+          <a:p>
+            <a:pPr algn="ctr"/>
+            <a:endParaRPr lang="ko-KR" altLang="en-US"/>
+          </a:p>
+        </p:txBody>
+      </p:sp>
+      <p:cxnSp>
+        <p:nvCxnSpPr>
+          <p:cNvPr id="28" name="직선 화살표 연결선 27"/>
+          <p:cNvCxnSpPr>
+            <a:stCxn id="267" idx="0"/>
+            <a:endCxn id="231" idx="2"/>
+          </p:cNvCxnSpPr>
+          <p:nvPr/>
+        </p:nvCxnSpPr>
+        <p:spPr>
+          <a:xfrm flipH="1" flipV="1">
+            <a:off x="8147139" y="3604669"/>
+            <a:ext cx="336918" cy="723897"/>
+          </a:xfrm>
+          <a:prstGeom prst="straightConnector1">
+            <a:avLst/>
+          </a:prstGeom>
+          <a:ln w="76200">
+            <a:solidFill>
+              <a:schemeClr val="bg1"/>
+            </a:solidFill>
+            <a:tailEnd type="triangle"/>
+          </a:ln>
+        </p:spPr>
+        <p:style>
+          <a:lnRef idx="1">
+            <a:schemeClr val="accent1"/>
+          </a:lnRef>
+          <a:fillRef idx="0">
+            <a:schemeClr val="accent1"/>
+          </a:fillRef>
+          <a:effectRef idx="0">
+            <a:schemeClr val="accent1"/>
+          </a:effectRef>
+          <a:fontRef idx="minor">
+            <a:schemeClr val="tx1"/>
+          </a:fontRef>
+        </p:style>
+      </p:cxnSp>
+      <p:sp>
+        <p:nvSpPr>
+          <p:cNvPr id="274" name="TextBox 273"/>
+          <p:cNvSpPr txBox="1"/>
+          <p:nvPr/>
+        </p:nvSpPr>
+        <p:spPr>
+          <a:xfrm>
+            <a:off x="6401956" y="5329302"/>
+            <a:ext cx="4040113" cy="954107"/>
+          </a:xfrm>
+          <a:prstGeom prst="rect">
+            <a:avLst/>
+          </a:prstGeom>
+          <a:noFill/>
+        </p:spPr>
+        <p:txBody>
+          <a:bodyPr wrap="square" rtlCol="0">
+            <a:spAutoFit/>
+          </a:bodyPr>
+          <a:lstStyle/>
+          <a:p>
+            <a:r>
+              <a:rPr lang="ko-KR" altLang="en-US" sz="1400" dirty="0" smtClean="0"/>
+              <a:t>노드들로 이루어진 </a:t>
+            </a:r>
+            <a:r>
+              <a:rPr lang="en-US" altLang="ko-KR" sz="1400" dirty="0" smtClean="0"/>
+              <a:t>Linked List</a:t>
+            </a:r>
+            <a:r>
+              <a:rPr lang="ko-KR" altLang="en-US" sz="1400" dirty="0" smtClean="0"/>
+              <a:t>구조로 </a:t>
+            </a:r>
+            <a:r>
+              <a:rPr lang="en-US" altLang="ko-KR" sz="1400" dirty="0" smtClean="0"/>
+              <a:t>Data</a:t>
+            </a:r>
+            <a:r>
+              <a:rPr lang="ko-KR" altLang="en-US" sz="1400" dirty="0" smtClean="0"/>
+              <a:t>를 저장하여 최상위 데이터</a:t>
+            </a:r>
+            <a:r>
+              <a:rPr lang="en-US" altLang="ko-KR" sz="1400" dirty="0" smtClean="0"/>
+              <a:t>(</a:t>
+            </a:r>
+            <a:r>
+              <a:rPr lang="ko-KR" altLang="en-US" sz="1400" dirty="0" smtClean="0"/>
+              <a:t>마지막에 넣은 데이터</a:t>
+            </a:r>
+            <a:r>
+              <a:rPr lang="en-US" altLang="ko-KR" sz="1400" dirty="0" smtClean="0"/>
+              <a:t>)</a:t>
+            </a:r>
+            <a:r>
+              <a:rPr lang="ko-KR" altLang="en-US" sz="1400" dirty="0" smtClean="0"/>
+              <a:t>를 꺼내는 구조</a:t>
+            </a:r>
+            <a:r>
+              <a:rPr lang="en-US" altLang="ko-KR" sz="1400" dirty="0" smtClean="0"/>
+              <a:t>. </a:t>
+            </a:r>
+            <a:r>
+              <a:rPr lang="ko-KR" altLang="en-US" sz="1400" dirty="0" smtClean="0"/>
+              <a:t>배열 </a:t>
+            </a:r>
+            <a:r>
+              <a:rPr lang="en-US" altLang="ko-KR" sz="1400" dirty="0" smtClean="0"/>
+              <a:t>Stack</a:t>
+            </a:r>
+            <a:r>
+              <a:rPr lang="ko-KR" altLang="en-US" sz="1400" dirty="0" smtClean="0"/>
+              <a:t>보다 속도가 느리지만</a:t>
+            </a:r>
+            <a:r>
+              <a:rPr lang="en-US" altLang="ko-KR" sz="1400" dirty="0" smtClean="0"/>
+              <a:t>, </a:t>
+            </a:r>
+            <a:r>
+              <a:rPr lang="ko-KR" altLang="en-US" sz="1400" dirty="0" smtClean="0"/>
+              <a:t>메모리 할당에 자유로움</a:t>
+            </a:r>
+            <a:r>
+              <a:rPr lang="en-US" altLang="ko-KR" sz="1400" dirty="0" smtClean="0"/>
+              <a:t>.</a:t>
+            </a:r>
+            <a:endParaRPr lang="ko-KR" altLang="en-US" sz="1400" dirty="0"/>
+          </a:p>
+        </p:txBody>
+      </p:sp>
+      <p:sp>
+        <p:nvSpPr>
+          <p:cNvPr id="276" name="TextBox 275"/>
+          <p:cNvSpPr txBox="1"/>
+          <p:nvPr/>
+        </p:nvSpPr>
+        <p:spPr>
+          <a:xfrm>
+            <a:off x="6234919" y="4152971"/>
+            <a:ext cx="734496" cy="369332"/>
+          </a:xfrm>
+          <a:prstGeom prst="rect">
+            <a:avLst/>
+          </a:prstGeom>
+          <a:noFill/>
+        </p:spPr>
+        <p:txBody>
+          <a:bodyPr wrap="none" rtlCol="0">
+            <a:spAutoFit/>
+          </a:bodyPr>
+          <a:lstStyle/>
+          <a:p>
+            <a:r>
+              <a:rPr lang="en-US" altLang="ko-KR" dirty="0"/>
+              <a:t>H</a:t>
+            </a:r>
+            <a:r>
+              <a:rPr lang="en-US" altLang="ko-KR" dirty="0" smtClean="0"/>
+              <a:t>ead</a:t>
+            </a:r>
+            <a:endParaRPr lang="ko-KR" altLang="en-US" dirty="0"/>
+          </a:p>
+        </p:txBody>
+      </p:sp>
+      <p:cxnSp>
+        <p:nvCxnSpPr>
+          <p:cNvPr id="278" name="직선 화살표 연결선 277"/>
+          <p:cNvCxnSpPr/>
+          <p:nvPr/>
+        </p:nvCxnSpPr>
+        <p:spPr>
+          <a:xfrm flipH="1" flipV="1">
+            <a:off x="8156520" y="2880771"/>
+            <a:ext cx="340839" cy="723897"/>
+          </a:xfrm>
+          <a:prstGeom prst="straightConnector1">
+            <a:avLst/>
+          </a:prstGeom>
+          <a:ln w="76200">
+            <a:solidFill>
+              <a:schemeClr val="bg1"/>
+            </a:solidFill>
+            <a:tailEnd type="triangle"/>
+          </a:ln>
+        </p:spPr>
+        <p:style>
+          <a:lnRef idx="1">
+            <a:schemeClr val="accent1"/>
+          </a:lnRef>
+          <a:fillRef idx="0">
+            <a:schemeClr val="accent1"/>
+          </a:fillRef>
+          <a:effectRef idx="0">
+            <a:schemeClr val="accent1"/>
+          </a:effectRef>
+          <a:fontRef idx="minor">
+            <a:schemeClr val="tx1"/>
+          </a:fontRef>
+        </p:style>
+      </p:cxnSp>
+      <p:cxnSp>
+        <p:nvCxnSpPr>
+          <p:cNvPr id="279" name="직선 화살표 연결선 278"/>
+          <p:cNvCxnSpPr/>
+          <p:nvPr/>
+        </p:nvCxnSpPr>
+        <p:spPr>
+          <a:xfrm flipH="1" flipV="1">
+            <a:off x="8165901" y="2185486"/>
+            <a:ext cx="340839" cy="723897"/>
+          </a:xfrm>
+          <a:prstGeom prst="straightConnector1">
+            <a:avLst/>
+          </a:prstGeom>
+          <a:ln w="76200">
+            <a:solidFill>
+              <a:schemeClr val="bg1"/>
+            </a:solidFill>
+            <a:tailEnd type="triangle"/>
+          </a:ln>
+        </p:spPr>
+        <p:style>
+          <a:lnRef idx="1">
+            <a:schemeClr val="accent1"/>
+          </a:lnRef>
+          <a:fillRef idx="0">
+            <a:schemeClr val="accent1"/>
+          </a:fillRef>
+          <a:effectRef idx="0">
+            <a:schemeClr val="accent1"/>
+          </a:effectRef>
+          <a:fontRef idx="minor">
+            <a:schemeClr val="tx1"/>
+          </a:fontRef>
+        </p:style>
+      </p:cxnSp>
+      <p:sp>
+        <p:nvSpPr>
+          <p:cNvPr id="280" name="TextBox 279"/>
+          <p:cNvSpPr txBox="1"/>
+          <p:nvPr/>
+        </p:nvSpPr>
+        <p:spPr>
+          <a:xfrm>
+            <a:off x="5878609" y="1973736"/>
+            <a:ext cx="1458091" cy="369332"/>
+          </a:xfrm>
+          <a:prstGeom prst="rect">
+            <a:avLst/>
+          </a:prstGeom>
+          <a:noFill/>
+        </p:spPr>
+        <p:txBody>
+          <a:bodyPr wrap="none" rtlCol="0">
+            <a:spAutoFit/>
+          </a:bodyPr>
+          <a:lstStyle/>
+          <a:p>
+            <a:r>
+              <a:rPr lang="en-US" altLang="ko-KR" dirty="0" smtClean="0"/>
+              <a:t>Top of Point</a:t>
+            </a:r>
+            <a:endParaRPr lang="ko-KR" altLang="en-US" dirty="0"/>
+          </a:p>
+        </p:txBody>
+      </p:sp>
+      <p:sp>
+        <p:nvSpPr>
+          <p:cNvPr id="281" name="TextBox 280"/>
+          <p:cNvSpPr txBox="1"/>
+          <p:nvPr/>
+        </p:nvSpPr>
+        <p:spPr>
+          <a:xfrm>
+            <a:off x="6277841" y="2693998"/>
+            <a:ext cx="655244" cy="369332"/>
+          </a:xfrm>
+          <a:prstGeom prst="rect">
+            <a:avLst/>
+          </a:prstGeom>
+          <a:noFill/>
+        </p:spPr>
+        <p:txBody>
+          <a:bodyPr wrap="none" rtlCol="0">
+            <a:spAutoFit/>
+          </a:bodyPr>
+          <a:lstStyle/>
+          <a:p>
+            <a:r>
+              <a:rPr lang="en-US" altLang="ko-KR" dirty="0" smtClean="0"/>
+              <a:t>(Tail)</a:t>
+            </a:r>
+            <a:endParaRPr lang="ko-KR" altLang="en-US" dirty="0"/>
+          </a:p>
+        </p:txBody>
+      </p:sp>
+      <p:sp>
+        <p:nvSpPr>
+          <p:cNvPr id="282" name="TextBox 281"/>
+          <p:cNvSpPr txBox="1"/>
+          <p:nvPr/>
+        </p:nvSpPr>
+        <p:spPr>
+          <a:xfrm>
+            <a:off x="9430575" y="492020"/>
+            <a:ext cx="723660" cy="369332"/>
+          </a:xfrm>
+          <a:prstGeom prst="rect">
+            <a:avLst/>
+          </a:prstGeom>
+          <a:noFill/>
+        </p:spPr>
+        <p:txBody>
+          <a:bodyPr wrap="none" rtlCol="0">
+            <a:spAutoFit/>
+          </a:bodyPr>
+          <a:lstStyle/>
+          <a:p>
+            <a:r>
+              <a:rPr lang="en-US" altLang="ko-KR" dirty="0" smtClean="0"/>
+              <a:t>Pop()</a:t>
+            </a:r>
+            <a:endParaRPr lang="ko-KR" altLang="en-US" dirty="0"/>
+          </a:p>
+        </p:txBody>
+      </p:sp>
+      <p:sp>
+        <p:nvSpPr>
+          <p:cNvPr id="283" name="TextBox 282"/>
+          <p:cNvSpPr txBox="1"/>
+          <p:nvPr/>
+        </p:nvSpPr>
+        <p:spPr>
+          <a:xfrm>
+            <a:off x="3942852" y="492020"/>
+            <a:ext cx="723660" cy="369332"/>
+          </a:xfrm>
+          <a:prstGeom prst="rect">
+            <a:avLst/>
+          </a:prstGeom>
+          <a:noFill/>
+        </p:spPr>
+        <p:txBody>
+          <a:bodyPr wrap="none" rtlCol="0">
+            <a:spAutoFit/>
+          </a:bodyPr>
+          <a:lstStyle/>
+          <a:p>
+            <a:r>
+              <a:rPr lang="en-US" altLang="ko-KR" dirty="0" smtClean="0"/>
+              <a:t>Pop()</a:t>
+            </a:r>
+            <a:endParaRPr lang="ko-KR" altLang="en-US" dirty="0"/>
+          </a:p>
+        </p:txBody>
+      </p:sp>
+      <p:sp>
+        <p:nvSpPr>
+          <p:cNvPr id="284" name="TextBox 283"/>
+          <p:cNvSpPr txBox="1"/>
+          <p:nvPr/>
+        </p:nvSpPr>
+        <p:spPr>
+          <a:xfrm>
+            <a:off x="789443" y="492020"/>
+            <a:ext cx="822661" cy="369332"/>
+          </a:xfrm>
+          <a:prstGeom prst="rect">
+            <a:avLst/>
+          </a:prstGeom>
+          <a:noFill/>
+        </p:spPr>
+        <p:txBody>
+          <a:bodyPr wrap="none" rtlCol="0">
+            <a:spAutoFit/>
+          </a:bodyPr>
+          <a:lstStyle/>
+          <a:p>
+            <a:r>
+              <a:rPr lang="en-US" altLang="ko-KR" dirty="0" smtClean="0"/>
+              <a:t>Push()</a:t>
+            </a:r>
+            <a:endParaRPr lang="ko-KR" altLang="en-US" dirty="0"/>
+          </a:p>
+        </p:txBody>
+      </p:sp>
+      <p:sp>
+        <p:nvSpPr>
+          <p:cNvPr id="285" name="TextBox 284"/>
+          <p:cNvSpPr txBox="1"/>
+          <p:nvPr/>
+        </p:nvSpPr>
+        <p:spPr>
+          <a:xfrm>
+            <a:off x="6198739" y="517422"/>
+            <a:ext cx="822661" cy="369332"/>
+          </a:xfrm>
+          <a:prstGeom prst="rect">
+            <a:avLst/>
+          </a:prstGeom>
+          <a:noFill/>
+        </p:spPr>
+        <p:txBody>
+          <a:bodyPr wrap="none" rtlCol="0">
+            <a:spAutoFit/>
+          </a:bodyPr>
+          <a:lstStyle/>
+          <a:p>
+            <a:r>
+              <a:rPr lang="en-US" altLang="ko-KR" dirty="0" smtClean="0"/>
+              <a:t>Push()</a:t>
+            </a:r>
+            <a:endParaRPr lang="ko-KR" altLang="en-US" dirty="0"/>
+          </a:p>
+        </p:txBody>
+      </p:sp>
+      <p:sp>
+        <p:nvSpPr>
+          <p:cNvPr id="286" name="TextBox 285"/>
+          <p:cNvSpPr txBox="1"/>
+          <p:nvPr/>
+        </p:nvSpPr>
+        <p:spPr>
+          <a:xfrm>
+            <a:off x="9410888" y="2835905"/>
+            <a:ext cx="2245639" cy="738664"/>
+          </a:xfrm>
+          <a:prstGeom prst="rect">
+            <a:avLst/>
+          </a:prstGeom>
+          <a:noFill/>
+        </p:spPr>
+        <p:txBody>
+          <a:bodyPr wrap="square" rtlCol="0">
+            <a:spAutoFit/>
+          </a:bodyPr>
+          <a:lstStyle/>
+          <a:p>
+            <a:r>
+              <a:rPr lang="en-US" altLang="ko-KR" sz="1400" dirty="0" smtClean="0"/>
+              <a:t>Head</a:t>
+            </a:r>
+            <a:r>
+              <a:rPr lang="ko-KR" altLang="en-US" sz="1400" dirty="0"/>
+              <a:t> </a:t>
+            </a:r>
+            <a:r>
+              <a:rPr lang="en-US" altLang="ko-KR" sz="1400" dirty="0" smtClean="0"/>
+              <a:t>Pointer</a:t>
+            </a:r>
+            <a:r>
+              <a:rPr lang="ko-KR" altLang="en-US" sz="1400" dirty="0" smtClean="0"/>
+              <a:t>를 기준으로 </a:t>
+            </a:r>
+            <a:r>
+              <a:rPr lang="en-US" altLang="ko-KR" sz="1400" dirty="0" smtClean="0"/>
+              <a:t>while</a:t>
+            </a:r>
+            <a:r>
+              <a:rPr lang="ko-KR" altLang="en-US" sz="1400" dirty="0" smtClean="0"/>
+              <a:t>문을 돌아 </a:t>
+            </a:r>
+            <a:r>
+              <a:rPr lang="en-US" altLang="ko-KR" sz="1400" dirty="0" smtClean="0"/>
+              <a:t>Push, Pop</a:t>
+            </a:r>
+            <a:r>
+              <a:rPr lang="ko-KR" altLang="en-US" sz="1400" dirty="0" smtClean="0"/>
+              <a:t>을 하는 구조로 사용됨</a:t>
+            </a:r>
+            <a:r>
+              <a:rPr lang="en-US" altLang="ko-KR" sz="1400" dirty="0" smtClean="0"/>
+              <a:t>.</a:t>
+            </a:r>
+            <a:endParaRPr lang="ko-KR" altLang="en-US" sz="1400" dirty="0"/>
+          </a:p>
+        </p:txBody>
+      </p:sp>
+      <p:cxnSp>
+        <p:nvCxnSpPr>
+          <p:cNvPr id="45" name="직선 화살표 연결선 44"/>
+          <p:cNvCxnSpPr>
+            <a:stCxn id="276" idx="0"/>
+            <a:endCxn id="281" idx="2"/>
+          </p:cNvCxnSpPr>
+          <p:nvPr/>
+        </p:nvCxnSpPr>
+        <p:spPr>
+          <a:xfrm flipV="1">
+            <a:off x="6602167" y="3063330"/>
+            <a:ext cx="3296" cy="1089641"/>
+          </a:xfrm>
+          <a:prstGeom prst="straightConnector1">
+            <a:avLst/>
+          </a:prstGeom>
+          <a:ln>
+            <a:tailEnd type="triangle"/>
+          </a:ln>
+        </p:spPr>
+        <p:style>
+          <a:lnRef idx="1">
+            <a:schemeClr val="accent1"/>
+          </a:lnRef>
+          <a:fillRef idx="0">
+            <a:schemeClr val="accent1"/>
+          </a:fillRef>
+          <a:effectRef idx="0">
+            <a:schemeClr val="accent1"/>
+          </a:effectRef>
+          <a:fontRef idx="minor">
+            <a:schemeClr val="tx1"/>
+          </a:fontRef>
+        </p:style>
+      </p:cxnSp>
+      <p:cxnSp>
+        <p:nvCxnSpPr>
+          <p:cNvPr id="48" name="직선 화살표 연결선 47"/>
+          <p:cNvCxnSpPr>
+            <a:stCxn id="224" idx="0"/>
+            <a:endCxn id="216" idx="2"/>
+          </p:cNvCxnSpPr>
+          <p:nvPr/>
+        </p:nvCxnSpPr>
+        <p:spPr>
+          <a:xfrm flipV="1">
+            <a:off x="8512900" y="1498600"/>
+            <a:ext cx="917675" cy="660423"/>
+          </a:xfrm>
+          <a:prstGeom prst="straightConnector1">
+            <a:avLst/>
+          </a:prstGeom>
+          <a:ln>
+            <a:solidFill>
+              <a:srgbClr val="FF0000"/>
+            </a:solidFill>
+            <a:tailEnd type="triangle"/>
+          </a:ln>
+        </p:spPr>
+        <p:style>
+          <a:lnRef idx="1">
+            <a:schemeClr val="accent1"/>
+          </a:lnRef>
+          <a:fillRef idx="0">
+            <a:schemeClr val="accent1"/>
+          </a:fillRef>
+          <a:effectRef idx="0">
+            <a:schemeClr val="accent1"/>
+          </a:effectRef>
+          <a:fontRef idx="minor">
+            <a:schemeClr val="tx1"/>
+          </a:fontRef>
+        </p:style>
+      </p:cxnSp>
+      <p:cxnSp>
+        <p:nvCxnSpPr>
+          <p:cNvPr id="50" name="직선 연결선 49"/>
+          <p:cNvCxnSpPr/>
+          <p:nvPr/>
+        </p:nvCxnSpPr>
+        <p:spPr>
+          <a:xfrm>
+            <a:off x="8977744" y="1644496"/>
+            <a:ext cx="438150" cy="98023"/>
+          </a:xfrm>
+          <a:prstGeom prst="line">
+            <a:avLst/>
+          </a:prstGeom>
+          <a:ln>
+            <a:solidFill>
+              <a:srgbClr val="FF0000"/>
+            </a:solidFill>
+          </a:ln>
+        </p:spPr>
+        <p:style>
+          <a:lnRef idx="1">
+            <a:schemeClr val="accent1"/>
+          </a:lnRef>
+          <a:fillRef idx="0">
+            <a:schemeClr val="accent1"/>
+          </a:fillRef>
+          <a:effectRef idx="0">
+            <a:schemeClr val="accent1"/>
+          </a:effectRef>
+          <a:fontRef idx="minor">
+            <a:schemeClr val="tx1"/>
+          </a:fontRef>
+        </p:style>
+      </p:cxnSp>
+      <p:sp>
+        <p:nvSpPr>
+          <p:cNvPr id="288" name="TextBox 287"/>
+          <p:cNvSpPr txBox="1"/>
+          <p:nvPr/>
+        </p:nvSpPr>
+        <p:spPr>
+          <a:xfrm>
+            <a:off x="334847" y="1973736"/>
+            <a:ext cx="1458091" cy="369332"/>
+          </a:xfrm>
+          <a:prstGeom prst="rect">
+            <a:avLst/>
+          </a:prstGeom>
+          <a:noFill/>
+        </p:spPr>
+        <p:txBody>
+          <a:bodyPr wrap="none" rtlCol="0">
+            <a:spAutoFit/>
+          </a:bodyPr>
+          <a:lstStyle/>
+          <a:p>
+            <a:r>
+              <a:rPr lang="en-US" altLang="ko-KR" dirty="0" smtClean="0"/>
+              <a:t>Top of Point</a:t>
+            </a:r>
+            <a:endParaRPr lang="ko-KR" altLang="en-US" dirty="0"/>
+          </a:p>
+        </p:txBody>
+      </p:sp>
+    </p:spTree>
+    <p:extLst>
+      <p:ext uri="{BB962C8B-B14F-4D97-AF65-F5344CB8AC3E}">
+        <p14:creationId xmlns:p14="http://schemas.microsoft.com/office/powerpoint/2010/main" val="2969979464"/>
       </p:ext>
     </p:extLst>
   </p:cSld>

--- a/자료구조 알고리즘 복습용.pptx
+++ b/자료구조 알고리즘 복습용.pptx
@@ -8,6 +8,7 @@
     <p:sldId id="256" r:id="rId2"/>
     <p:sldId id="257" r:id="rId3"/>
     <p:sldId id="259" r:id="rId4"/>
+    <p:sldId id="260" r:id="rId5"/>
   </p:sldIdLst>
   <p:sldSz cx="12192000" cy="6858000"/>
   <p:notesSz cx="6858000" cy="9144000"/>
@@ -245,7 +246,7 @@
           <a:p>
             <a:fld id="{155859AF-D2E8-431F-B81F-360B43E3F9C2}" type="datetimeFigureOut">
               <a:rPr lang="ko-KR" altLang="en-US" smtClean="0"/>
-              <a:t>2022-11-02</a:t>
+              <a:t>2022-11-06</a:t>
             </a:fld>
             <a:endParaRPr lang="ko-KR" altLang="en-US"/>
           </a:p>
@@ -415,7 +416,7 @@
           <a:p>
             <a:fld id="{155859AF-D2E8-431F-B81F-360B43E3F9C2}" type="datetimeFigureOut">
               <a:rPr lang="ko-KR" altLang="en-US" smtClean="0"/>
-              <a:t>2022-11-02</a:t>
+              <a:t>2022-11-06</a:t>
             </a:fld>
             <a:endParaRPr lang="ko-KR" altLang="en-US"/>
           </a:p>
@@ -595,7 +596,7 @@
           <a:p>
             <a:fld id="{155859AF-D2E8-431F-B81F-360B43E3F9C2}" type="datetimeFigureOut">
               <a:rPr lang="ko-KR" altLang="en-US" smtClean="0"/>
-              <a:t>2022-11-02</a:t>
+              <a:t>2022-11-06</a:t>
             </a:fld>
             <a:endParaRPr lang="ko-KR" altLang="en-US"/>
           </a:p>
@@ -765,7 +766,7 @@
           <a:p>
             <a:fld id="{155859AF-D2E8-431F-B81F-360B43E3F9C2}" type="datetimeFigureOut">
               <a:rPr lang="ko-KR" altLang="en-US" smtClean="0"/>
-              <a:t>2022-11-02</a:t>
+              <a:t>2022-11-06</a:t>
             </a:fld>
             <a:endParaRPr lang="ko-KR" altLang="en-US"/>
           </a:p>
@@ -1011,7 +1012,7 @@
           <a:p>
             <a:fld id="{155859AF-D2E8-431F-B81F-360B43E3F9C2}" type="datetimeFigureOut">
               <a:rPr lang="ko-KR" altLang="en-US" smtClean="0"/>
-              <a:t>2022-11-02</a:t>
+              <a:t>2022-11-06</a:t>
             </a:fld>
             <a:endParaRPr lang="ko-KR" altLang="en-US"/>
           </a:p>
@@ -1243,7 +1244,7 @@
           <a:p>
             <a:fld id="{155859AF-D2E8-431F-B81F-360B43E3F9C2}" type="datetimeFigureOut">
               <a:rPr lang="ko-KR" altLang="en-US" smtClean="0"/>
-              <a:t>2022-11-02</a:t>
+              <a:t>2022-11-06</a:t>
             </a:fld>
             <a:endParaRPr lang="ko-KR" altLang="en-US"/>
           </a:p>
@@ -1610,7 +1611,7 @@
           <a:p>
             <a:fld id="{155859AF-D2E8-431F-B81F-360B43E3F9C2}" type="datetimeFigureOut">
               <a:rPr lang="ko-KR" altLang="en-US" smtClean="0"/>
-              <a:t>2022-11-02</a:t>
+              <a:t>2022-11-06</a:t>
             </a:fld>
             <a:endParaRPr lang="ko-KR" altLang="en-US"/>
           </a:p>
@@ -1728,7 +1729,7 @@
           <a:p>
             <a:fld id="{155859AF-D2E8-431F-B81F-360B43E3F9C2}" type="datetimeFigureOut">
               <a:rPr lang="ko-KR" altLang="en-US" smtClean="0"/>
-              <a:t>2022-11-02</a:t>
+              <a:t>2022-11-06</a:t>
             </a:fld>
             <a:endParaRPr lang="ko-KR" altLang="en-US"/>
           </a:p>
@@ -1823,7 +1824,7 @@
           <a:p>
             <a:fld id="{155859AF-D2E8-431F-B81F-360B43E3F9C2}" type="datetimeFigureOut">
               <a:rPr lang="ko-KR" altLang="en-US" smtClean="0"/>
-              <a:t>2022-11-02</a:t>
+              <a:t>2022-11-06</a:t>
             </a:fld>
             <a:endParaRPr lang="ko-KR" altLang="en-US"/>
           </a:p>
@@ -2100,7 +2101,7 @@
           <a:p>
             <a:fld id="{155859AF-D2E8-431F-B81F-360B43E3F9C2}" type="datetimeFigureOut">
               <a:rPr lang="ko-KR" altLang="en-US" smtClean="0"/>
-              <a:t>2022-11-02</a:t>
+              <a:t>2022-11-06</a:t>
             </a:fld>
             <a:endParaRPr lang="ko-KR" altLang="en-US"/>
           </a:p>
@@ -2353,7 +2354,7 @@
           <a:p>
             <a:fld id="{155859AF-D2E8-431F-B81F-360B43E3F9C2}" type="datetimeFigureOut">
               <a:rPr lang="ko-KR" altLang="en-US" smtClean="0"/>
-              <a:t>2022-11-02</a:t>
+              <a:t>2022-11-06</a:t>
             </a:fld>
             <a:endParaRPr lang="ko-KR" altLang="en-US"/>
           </a:p>
@@ -2566,7 +2567,7 @@
           <a:p>
             <a:fld id="{155859AF-D2E8-431F-B81F-360B43E3F9C2}" type="datetimeFigureOut">
               <a:rPr lang="ko-KR" altLang="en-US" smtClean="0"/>
-              <a:t>2022-11-02</a:t>
+              <a:t>2022-11-06</a:t>
             </a:fld>
             <a:endParaRPr lang="ko-KR" altLang="en-US"/>
           </a:p>
@@ -14334,6 +14335,2610 @@
 </p:sld>
 </file>
 
+<file path=ppt/slides/slide4.xml><?xml version="1.0" encoding="utf-8"?>
+<p:sld xmlns:a="http://schemas.openxmlformats.org/drawingml/2006/main" xmlns:r="http://schemas.openxmlformats.org/officeDocument/2006/relationships" xmlns:p="http://schemas.openxmlformats.org/presentationml/2006/main">
+  <p:cSld>
+    <p:spTree>
+      <p:nvGrpSpPr>
+        <p:cNvPr id="1" name=""/>
+        <p:cNvGrpSpPr/>
+        <p:nvPr/>
+      </p:nvGrpSpPr>
+      <p:grpSpPr>
+        <a:xfrm>
+          <a:off x="0" y="0"/>
+          <a:ext cx="0" cy="0"/>
+          <a:chOff x="0" y="0"/>
+          <a:chExt cx="0" cy="0"/>
+        </a:xfrm>
+      </p:grpSpPr>
+      <p:sp>
+        <p:nvSpPr>
+          <p:cNvPr id="16" name="직사각형 15"/>
+          <p:cNvSpPr/>
+          <p:nvPr/>
+        </p:nvSpPr>
+        <p:spPr>
+          <a:xfrm>
+            <a:off x="3246490" y="1459830"/>
+            <a:ext cx="1688369" cy="2720284"/>
+          </a:xfrm>
+          <a:prstGeom prst="rect">
+            <a:avLst/>
+          </a:prstGeom>
+          <a:noFill/>
+          <a:ln w="28575">
+            <a:solidFill>
+              <a:srgbClr val="FF0000"/>
+            </a:solidFill>
+          </a:ln>
+        </p:spPr>
+        <p:style>
+          <a:lnRef idx="2">
+            <a:schemeClr val="accent1">
+              <a:shade val="50000"/>
+            </a:schemeClr>
+          </a:lnRef>
+          <a:fillRef idx="1">
+            <a:schemeClr val="accent1"/>
+          </a:fillRef>
+          <a:effectRef idx="0">
+            <a:schemeClr val="accent1"/>
+          </a:effectRef>
+          <a:fontRef idx="minor">
+            <a:schemeClr val="lt1"/>
+          </a:fontRef>
+        </p:style>
+        <p:txBody>
+          <a:bodyPr rtlCol="0" anchor="ctr"/>
+          <a:lstStyle/>
+          <a:p>
+            <a:pPr algn="ctr"/>
+            <a:endParaRPr lang="ko-KR" altLang="en-US"/>
+          </a:p>
+        </p:txBody>
+      </p:sp>
+      <p:grpSp>
+        <p:nvGrpSpPr>
+          <p:cNvPr id="203" name="그룹 202"/>
+          <p:cNvGrpSpPr/>
+          <p:nvPr/>
+        </p:nvGrpSpPr>
+        <p:grpSpPr>
+          <a:xfrm>
+            <a:off x="9196173" y="4517572"/>
+            <a:ext cx="1362010" cy="609600"/>
+            <a:chOff x="5930322" y="893752"/>
+            <a:chExt cx="1362010" cy="609600"/>
+          </a:xfrm>
+        </p:grpSpPr>
+        <p:sp>
+          <p:nvSpPr>
+            <p:cNvPr id="215" name="직사각형 214"/>
+            <p:cNvSpPr/>
+            <p:nvPr/>
+          </p:nvSpPr>
+          <p:spPr>
+            <a:xfrm>
+              <a:off x="5930322" y="893752"/>
+              <a:ext cx="1354667" cy="300048"/>
+            </a:xfrm>
+            <a:prstGeom prst="rect">
+              <a:avLst/>
+            </a:prstGeom>
+          </p:spPr>
+          <p:style>
+            <a:lnRef idx="2">
+              <a:schemeClr val="accent1">
+                <a:shade val="50000"/>
+              </a:schemeClr>
+            </a:lnRef>
+            <a:fillRef idx="1">
+              <a:schemeClr val="accent1"/>
+            </a:fillRef>
+            <a:effectRef idx="0">
+              <a:schemeClr val="accent1"/>
+            </a:effectRef>
+            <a:fontRef idx="minor">
+              <a:schemeClr val="lt1"/>
+            </a:fontRef>
+          </p:style>
+          <p:txBody>
+            <a:bodyPr rtlCol="0" anchor="ctr"/>
+            <a:lstStyle/>
+            <a:p>
+              <a:pPr algn="ctr"/>
+              <a:r>
+                <a:rPr lang="en-US" altLang="ko-KR" dirty="0" smtClean="0"/>
+                <a:t>Node</a:t>
+              </a:r>
+              <a:endParaRPr lang="ko-KR" altLang="en-US" dirty="0"/>
+            </a:p>
+          </p:txBody>
+        </p:sp>
+        <p:sp>
+          <p:nvSpPr>
+            <p:cNvPr id="216" name="직사각형 215"/>
+            <p:cNvSpPr/>
+            <p:nvPr/>
+          </p:nvSpPr>
+          <p:spPr>
+            <a:xfrm>
+              <a:off x="5930322" y="1193800"/>
+              <a:ext cx="701032" cy="309552"/>
+            </a:xfrm>
+            <a:prstGeom prst="rect">
+              <a:avLst/>
+            </a:prstGeom>
+          </p:spPr>
+          <p:style>
+            <a:lnRef idx="2">
+              <a:schemeClr val="accent1">
+                <a:shade val="50000"/>
+              </a:schemeClr>
+            </a:lnRef>
+            <a:fillRef idx="1">
+              <a:schemeClr val="accent1"/>
+            </a:fillRef>
+            <a:effectRef idx="0">
+              <a:schemeClr val="accent1"/>
+            </a:effectRef>
+            <a:fontRef idx="minor">
+              <a:schemeClr val="lt1"/>
+            </a:fontRef>
+          </p:style>
+          <p:txBody>
+            <a:bodyPr rtlCol="0" anchor="ctr"/>
+            <a:lstStyle/>
+            <a:p>
+              <a:pPr algn="ctr"/>
+              <a:r>
+                <a:rPr lang="en-US" altLang="ko-KR" sz="1400" dirty="0" smtClean="0"/>
+                <a:t>Data</a:t>
+              </a:r>
+              <a:endParaRPr lang="ko-KR" altLang="en-US" sz="1400" dirty="0"/>
+            </a:p>
+          </p:txBody>
+        </p:sp>
+        <p:sp>
+          <p:nvSpPr>
+            <p:cNvPr id="218" name="직사각형 217"/>
+            <p:cNvSpPr/>
+            <p:nvPr/>
+          </p:nvSpPr>
+          <p:spPr>
+            <a:xfrm>
+              <a:off x="6631354" y="1193800"/>
+              <a:ext cx="660978" cy="309552"/>
+            </a:xfrm>
+            <a:prstGeom prst="rect">
+              <a:avLst/>
+            </a:prstGeom>
+            <a:solidFill>
+              <a:srgbClr val="FF0000"/>
+            </a:solidFill>
+          </p:spPr>
+          <p:style>
+            <a:lnRef idx="2">
+              <a:schemeClr val="accent1">
+                <a:shade val="50000"/>
+              </a:schemeClr>
+            </a:lnRef>
+            <a:fillRef idx="1">
+              <a:schemeClr val="accent1"/>
+            </a:fillRef>
+            <a:effectRef idx="0">
+              <a:schemeClr val="accent1"/>
+            </a:effectRef>
+            <a:fontRef idx="minor">
+              <a:schemeClr val="lt1"/>
+            </a:fontRef>
+          </p:style>
+          <p:txBody>
+            <a:bodyPr rtlCol="0" anchor="ctr"/>
+            <a:lstStyle/>
+            <a:p>
+              <a:pPr algn="ctr"/>
+              <a:r>
+                <a:rPr lang="en-US" altLang="ko-KR" sz="1400" dirty="0" smtClean="0"/>
+                <a:t>Next</a:t>
+              </a:r>
+              <a:endParaRPr lang="ko-KR" altLang="en-US" sz="1400" dirty="0"/>
+            </a:p>
+          </p:txBody>
+        </p:sp>
+      </p:grpSp>
+      <p:sp>
+        <p:nvSpPr>
+          <p:cNvPr id="4" name="TextBox 3"/>
+          <p:cNvSpPr txBox="1"/>
+          <p:nvPr/>
+        </p:nvSpPr>
+        <p:spPr>
+          <a:xfrm>
+            <a:off x="246845" y="30355"/>
+            <a:ext cx="1109599" cy="461665"/>
+          </a:xfrm>
+          <a:prstGeom prst="rect">
+            <a:avLst/>
+          </a:prstGeom>
+          <a:noFill/>
+        </p:spPr>
+        <p:txBody>
+          <a:bodyPr wrap="none" rtlCol="0">
+            <a:spAutoFit/>
+          </a:bodyPr>
+          <a:lstStyle/>
+          <a:p>
+            <a:r>
+              <a:rPr lang="en-US" altLang="ko-KR" sz="2400" dirty="0" smtClean="0"/>
+              <a:t>Queue</a:t>
+            </a:r>
+            <a:endParaRPr lang="ko-KR" altLang="en-US" sz="2400" dirty="0"/>
+          </a:p>
+        </p:txBody>
+      </p:sp>
+      <p:sp>
+        <p:nvSpPr>
+          <p:cNvPr id="84" name="TextBox 83"/>
+          <p:cNvSpPr txBox="1"/>
+          <p:nvPr/>
+        </p:nvSpPr>
+        <p:spPr>
+          <a:xfrm>
+            <a:off x="691304" y="5551877"/>
+            <a:ext cx="4040113" cy="1169551"/>
+          </a:xfrm>
+          <a:prstGeom prst="rect">
+            <a:avLst/>
+          </a:prstGeom>
+          <a:noFill/>
+        </p:spPr>
+        <p:txBody>
+          <a:bodyPr wrap="square" rtlCol="0">
+            <a:spAutoFit/>
+          </a:bodyPr>
+          <a:lstStyle/>
+          <a:p>
+            <a:r>
+              <a:rPr lang="ko-KR" altLang="en-US" sz="1400" dirty="0" smtClean="0"/>
+              <a:t>배열로 이루어진 연속적인 메모리에 </a:t>
+            </a:r>
+            <a:r>
+              <a:rPr lang="en-US" altLang="ko-KR" sz="1400" dirty="0" smtClean="0"/>
+              <a:t>Data</a:t>
+            </a:r>
+            <a:r>
+              <a:rPr lang="ko-KR" altLang="en-US" sz="1400" dirty="0" smtClean="0"/>
+              <a:t>를 저장하여 </a:t>
+            </a:r>
+            <a:r>
+              <a:rPr lang="ko-KR" altLang="en-US" sz="1400" dirty="0" smtClean="0"/>
+              <a:t>먼저 넣은 데이터를 먼저 꺼내는 구조</a:t>
+            </a:r>
+            <a:r>
+              <a:rPr lang="en-US" altLang="ko-KR" sz="1400" dirty="0" smtClean="0"/>
+              <a:t>(</a:t>
+            </a:r>
+            <a:r>
+              <a:rPr lang="ko-KR" altLang="en-US" sz="1400" dirty="0" smtClean="0"/>
+              <a:t>선입선출</a:t>
+            </a:r>
+            <a:r>
+              <a:rPr lang="en-US" altLang="ko-KR" sz="1400" dirty="0" smtClean="0"/>
+              <a:t>)</a:t>
+            </a:r>
+            <a:r>
+              <a:rPr lang="en-US" altLang="ko-KR" sz="1400" dirty="0" smtClean="0"/>
+              <a:t>. </a:t>
+            </a:r>
+          </a:p>
+          <a:p>
+            <a:r>
+              <a:rPr lang="en-US" altLang="ko-KR" sz="1400" dirty="0"/>
+              <a:t> </a:t>
+            </a:r>
+            <a:r>
+              <a:rPr lang="en-US" altLang="ko-KR" sz="1400" dirty="0" smtClean="0"/>
+              <a:t>Front</a:t>
+            </a:r>
+            <a:r>
+              <a:rPr lang="ko-KR" altLang="en-US" sz="1400" dirty="0" smtClean="0"/>
+              <a:t>와 </a:t>
+            </a:r>
+            <a:r>
+              <a:rPr lang="en-US" altLang="ko-KR" sz="1400" dirty="0" smtClean="0"/>
+              <a:t>Rear</a:t>
+            </a:r>
+            <a:r>
+              <a:rPr lang="ko-KR" altLang="en-US" sz="1400" dirty="0" smtClean="0"/>
+              <a:t>를 나누어 정해진 </a:t>
+            </a:r>
+            <a:r>
+              <a:rPr lang="en-US" altLang="ko-KR" sz="1400" dirty="0" smtClean="0"/>
+              <a:t>capacity</a:t>
+            </a:r>
+            <a:r>
+              <a:rPr lang="ko-KR" altLang="en-US" sz="1400" dirty="0" smtClean="0"/>
+              <a:t>내에서 순회하며 데이터를 저장 반출 한다</a:t>
+            </a:r>
+            <a:r>
+              <a:rPr lang="en-US" altLang="ko-KR" sz="1400" dirty="0" smtClean="0"/>
+              <a:t>.</a:t>
+            </a:r>
+            <a:endParaRPr lang="ko-KR" altLang="en-US" sz="1400" dirty="0"/>
+          </a:p>
+        </p:txBody>
+      </p:sp>
+      <p:cxnSp>
+        <p:nvCxnSpPr>
+          <p:cNvPr id="10" name="직선 연결선 9"/>
+          <p:cNvCxnSpPr/>
+          <p:nvPr/>
+        </p:nvCxnSpPr>
+        <p:spPr>
+          <a:xfrm>
+            <a:off x="1576540" y="1657794"/>
+            <a:ext cx="0" cy="3049670"/>
+          </a:xfrm>
+          <a:prstGeom prst="line">
+            <a:avLst/>
+          </a:prstGeom>
+          <a:ln w="57150">
+            <a:solidFill>
+              <a:schemeClr val="accent6"/>
+            </a:solidFill>
+          </a:ln>
+        </p:spPr>
+        <p:style>
+          <a:lnRef idx="1">
+            <a:schemeClr val="accent1"/>
+          </a:lnRef>
+          <a:fillRef idx="0">
+            <a:schemeClr val="accent1"/>
+          </a:fillRef>
+          <a:effectRef idx="0">
+            <a:schemeClr val="accent1"/>
+          </a:effectRef>
+          <a:fontRef idx="minor">
+            <a:schemeClr val="tx1"/>
+          </a:fontRef>
+        </p:style>
+      </p:cxnSp>
+      <p:cxnSp>
+        <p:nvCxnSpPr>
+          <p:cNvPr id="155" name="직선 연결선 154"/>
+          <p:cNvCxnSpPr/>
+          <p:nvPr/>
+        </p:nvCxnSpPr>
+        <p:spPr>
+          <a:xfrm>
+            <a:off x="3151340" y="1657794"/>
+            <a:ext cx="10256" cy="3049670"/>
+          </a:xfrm>
+          <a:prstGeom prst="line">
+            <a:avLst/>
+          </a:prstGeom>
+          <a:ln w="57150">
+            <a:solidFill>
+              <a:schemeClr val="accent6"/>
+            </a:solidFill>
+          </a:ln>
+        </p:spPr>
+        <p:style>
+          <a:lnRef idx="1">
+            <a:schemeClr val="accent1"/>
+          </a:lnRef>
+          <a:fillRef idx="0">
+            <a:schemeClr val="accent1"/>
+          </a:fillRef>
+          <a:effectRef idx="0">
+            <a:schemeClr val="accent1"/>
+          </a:effectRef>
+          <a:fontRef idx="minor">
+            <a:schemeClr val="tx1"/>
+          </a:fontRef>
+        </p:style>
+      </p:cxnSp>
+      <p:sp>
+        <p:nvSpPr>
+          <p:cNvPr id="158" name="직사각형 157"/>
+          <p:cNvSpPr/>
+          <p:nvPr/>
+        </p:nvSpPr>
+        <p:spPr>
+          <a:xfrm>
+            <a:off x="1684817" y="3304621"/>
+            <a:ext cx="1354667" cy="609600"/>
+          </a:xfrm>
+          <a:prstGeom prst="rect">
+            <a:avLst/>
+          </a:prstGeom>
+        </p:spPr>
+        <p:style>
+          <a:lnRef idx="2">
+            <a:schemeClr val="accent1">
+              <a:shade val="50000"/>
+            </a:schemeClr>
+          </a:lnRef>
+          <a:fillRef idx="1">
+            <a:schemeClr val="accent1"/>
+          </a:fillRef>
+          <a:effectRef idx="0">
+            <a:schemeClr val="accent1"/>
+          </a:effectRef>
+          <a:fontRef idx="minor">
+            <a:schemeClr val="lt1"/>
+          </a:fontRef>
+        </p:style>
+        <p:txBody>
+          <a:bodyPr rtlCol="0" anchor="ctr"/>
+          <a:lstStyle/>
+          <a:p>
+            <a:pPr algn="ctr"/>
+            <a:r>
+              <a:rPr lang="en-US" altLang="ko-KR" dirty="0" smtClean="0"/>
+              <a:t>Data</a:t>
+            </a:r>
+            <a:endParaRPr lang="ko-KR" altLang="en-US" dirty="0"/>
+          </a:p>
+        </p:txBody>
+      </p:sp>
+      <p:sp>
+        <p:nvSpPr>
+          <p:cNvPr id="159" name="직사각형 158"/>
+          <p:cNvSpPr/>
+          <p:nvPr/>
+        </p:nvSpPr>
+        <p:spPr>
+          <a:xfrm>
+            <a:off x="1684816" y="2579111"/>
+            <a:ext cx="1354667" cy="609600"/>
+          </a:xfrm>
+          <a:prstGeom prst="rect">
+            <a:avLst/>
+          </a:prstGeom>
+        </p:spPr>
+        <p:style>
+          <a:lnRef idx="2">
+            <a:schemeClr val="accent1">
+              <a:shade val="50000"/>
+            </a:schemeClr>
+          </a:lnRef>
+          <a:fillRef idx="1">
+            <a:schemeClr val="accent1"/>
+          </a:fillRef>
+          <a:effectRef idx="0">
+            <a:schemeClr val="accent1"/>
+          </a:effectRef>
+          <a:fontRef idx="minor">
+            <a:schemeClr val="lt1"/>
+          </a:fontRef>
+        </p:style>
+        <p:txBody>
+          <a:bodyPr rtlCol="0" anchor="ctr"/>
+          <a:lstStyle/>
+          <a:p>
+            <a:pPr algn="ctr"/>
+            <a:r>
+              <a:rPr lang="en-US" altLang="ko-KR" dirty="0" smtClean="0"/>
+              <a:t>Data</a:t>
+            </a:r>
+            <a:endParaRPr lang="ko-KR" altLang="en-US" dirty="0"/>
+          </a:p>
+        </p:txBody>
+      </p:sp>
+      <p:sp>
+        <p:nvSpPr>
+          <p:cNvPr id="161" name="직사각형 160"/>
+          <p:cNvSpPr/>
+          <p:nvPr/>
+        </p:nvSpPr>
+        <p:spPr>
+          <a:xfrm>
+            <a:off x="1684815" y="1853602"/>
+            <a:ext cx="1354667" cy="609600"/>
+          </a:xfrm>
+          <a:prstGeom prst="rect">
+            <a:avLst/>
+          </a:prstGeom>
+        </p:spPr>
+        <p:style>
+          <a:lnRef idx="2">
+            <a:schemeClr val="accent1">
+              <a:shade val="50000"/>
+            </a:schemeClr>
+          </a:lnRef>
+          <a:fillRef idx="1">
+            <a:schemeClr val="accent1"/>
+          </a:fillRef>
+          <a:effectRef idx="0">
+            <a:schemeClr val="accent1"/>
+          </a:effectRef>
+          <a:fontRef idx="minor">
+            <a:schemeClr val="lt1"/>
+          </a:fontRef>
+        </p:style>
+        <p:txBody>
+          <a:bodyPr rtlCol="0" anchor="ctr"/>
+          <a:lstStyle/>
+          <a:p>
+            <a:pPr algn="ctr"/>
+            <a:r>
+              <a:rPr lang="en-US" altLang="ko-KR" dirty="0" smtClean="0"/>
+              <a:t>Data</a:t>
+            </a:r>
+            <a:endParaRPr lang="ko-KR" altLang="en-US" dirty="0"/>
+          </a:p>
+        </p:txBody>
+      </p:sp>
+      <p:sp>
+        <p:nvSpPr>
+          <p:cNvPr id="13" name="TextBox 12"/>
+          <p:cNvSpPr txBox="1"/>
+          <p:nvPr/>
+        </p:nvSpPr>
+        <p:spPr>
+          <a:xfrm>
+            <a:off x="1508578" y="5155909"/>
+            <a:ext cx="1737912" cy="369332"/>
+          </a:xfrm>
+          <a:prstGeom prst="rect">
+            <a:avLst/>
+          </a:prstGeom>
+          <a:noFill/>
+        </p:spPr>
+        <p:txBody>
+          <a:bodyPr wrap="none" rtlCol="0">
+            <a:spAutoFit/>
+          </a:bodyPr>
+          <a:lstStyle/>
+          <a:p>
+            <a:r>
+              <a:rPr lang="en-US" altLang="ko-KR" dirty="0" smtClean="0"/>
+              <a:t>Circular Queue</a:t>
+            </a:r>
+            <a:endParaRPr lang="ko-KR" altLang="en-US" dirty="0"/>
+          </a:p>
+        </p:txBody>
+      </p:sp>
+      <p:sp>
+        <p:nvSpPr>
+          <p:cNvPr id="163" name="직사각형 162"/>
+          <p:cNvSpPr/>
+          <p:nvPr/>
+        </p:nvSpPr>
+        <p:spPr>
+          <a:xfrm>
+            <a:off x="140113" y="980839"/>
+            <a:ext cx="1354667" cy="604848"/>
+          </a:xfrm>
+          <a:prstGeom prst="rect">
+            <a:avLst/>
+          </a:prstGeom>
+        </p:spPr>
+        <p:style>
+          <a:lnRef idx="2">
+            <a:schemeClr val="accent1">
+              <a:shade val="50000"/>
+            </a:schemeClr>
+          </a:lnRef>
+          <a:fillRef idx="1">
+            <a:schemeClr val="accent1"/>
+          </a:fillRef>
+          <a:effectRef idx="0">
+            <a:schemeClr val="accent1"/>
+          </a:effectRef>
+          <a:fontRef idx="minor">
+            <a:schemeClr val="lt1"/>
+          </a:fontRef>
+        </p:style>
+        <p:txBody>
+          <a:bodyPr rtlCol="0" anchor="ctr"/>
+          <a:lstStyle/>
+          <a:p>
+            <a:pPr algn="ctr"/>
+            <a:r>
+              <a:rPr lang="en-US" altLang="ko-KR" dirty="0" smtClean="0"/>
+              <a:t>Data</a:t>
+            </a:r>
+            <a:endParaRPr lang="ko-KR" altLang="en-US" dirty="0"/>
+          </a:p>
+        </p:txBody>
+      </p:sp>
+      <p:sp>
+        <p:nvSpPr>
+          <p:cNvPr id="17" name="굽은 화살표 16"/>
+          <p:cNvSpPr/>
+          <p:nvPr/>
+        </p:nvSpPr>
+        <p:spPr>
+          <a:xfrm rot="5400000">
+            <a:off x="1558794" y="1147862"/>
+            <a:ext cx="695221" cy="694387"/>
+          </a:xfrm>
+          <a:prstGeom prst="bentArrow">
+            <a:avLst/>
+          </a:prstGeom>
+          <a:solidFill>
+            <a:srgbClr val="FF0000"/>
+          </a:solidFill>
+        </p:spPr>
+        <p:style>
+          <a:lnRef idx="2">
+            <a:schemeClr val="accent1">
+              <a:shade val="50000"/>
+            </a:schemeClr>
+          </a:lnRef>
+          <a:fillRef idx="1">
+            <a:schemeClr val="accent1"/>
+          </a:fillRef>
+          <a:effectRef idx="0">
+            <a:schemeClr val="accent1"/>
+          </a:effectRef>
+          <a:fontRef idx="minor">
+            <a:schemeClr val="lt1"/>
+          </a:fontRef>
+        </p:style>
+        <p:txBody>
+          <a:bodyPr rtlCol="0" anchor="ctr"/>
+          <a:lstStyle/>
+          <a:p>
+            <a:pPr algn="ctr"/>
+            <a:endParaRPr lang="ko-KR" altLang="en-US">
+              <a:solidFill>
+                <a:schemeClr val="tx1"/>
+              </a:solidFill>
+            </a:endParaRPr>
+          </a:p>
+        </p:txBody>
+      </p:sp>
+      <p:sp>
+        <p:nvSpPr>
+          <p:cNvPr id="164" name="굽은 화살표 163"/>
+          <p:cNvSpPr/>
+          <p:nvPr/>
+        </p:nvSpPr>
+        <p:spPr>
+          <a:xfrm flipV="1">
+            <a:off x="2754415" y="4342752"/>
+            <a:ext cx="695221" cy="663526"/>
+          </a:xfrm>
+          <a:prstGeom prst="bentArrow">
+            <a:avLst/>
+          </a:prstGeom>
+          <a:solidFill>
+            <a:schemeClr val="accent6"/>
+          </a:solidFill>
+        </p:spPr>
+        <p:style>
+          <a:lnRef idx="2">
+            <a:schemeClr val="accent1">
+              <a:shade val="50000"/>
+            </a:schemeClr>
+          </a:lnRef>
+          <a:fillRef idx="1">
+            <a:schemeClr val="accent1"/>
+          </a:fillRef>
+          <a:effectRef idx="0">
+            <a:schemeClr val="accent1"/>
+          </a:effectRef>
+          <a:fontRef idx="minor">
+            <a:schemeClr val="lt1"/>
+          </a:fontRef>
+        </p:style>
+        <p:txBody>
+          <a:bodyPr rtlCol="0" anchor="ctr"/>
+          <a:lstStyle/>
+          <a:p>
+            <a:pPr algn="ctr"/>
+            <a:endParaRPr lang="ko-KR" altLang="en-US">
+              <a:solidFill>
+                <a:schemeClr val="tx1"/>
+              </a:solidFill>
+            </a:endParaRPr>
+          </a:p>
+        </p:txBody>
+      </p:sp>
+      <p:sp>
+        <p:nvSpPr>
+          <p:cNvPr id="166" name="직사각형 165"/>
+          <p:cNvSpPr/>
+          <p:nvPr/>
+        </p:nvSpPr>
+        <p:spPr>
+          <a:xfrm>
+            <a:off x="3516161" y="4519188"/>
+            <a:ext cx="1354667" cy="604848"/>
+          </a:xfrm>
+          <a:prstGeom prst="rect">
+            <a:avLst/>
+          </a:prstGeom>
+        </p:spPr>
+        <p:style>
+          <a:lnRef idx="2">
+            <a:schemeClr val="accent1">
+              <a:shade val="50000"/>
+            </a:schemeClr>
+          </a:lnRef>
+          <a:fillRef idx="1">
+            <a:schemeClr val="accent1"/>
+          </a:fillRef>
+          <a:effectRef idx="0">
+            <a:schemeClr val="accent1"/>
+          </a:effectRef>
+          <a:fontRef idx="minor">
+            <a:schemeClr val="lt1"/>
+          </a:fontRef>
+        </p:style>
+        <p:txBody>
+          <a:bodyPr rtlCol="0" anchor="ctr"/>
+          <a:lstStyle/>
+          <a:p>
+            <a:pPr algn="ctr"/>
+            <a:r>
+              <a:rPr lang="en-US" altLang="ko-KR" dirty="0" smtClean="0"/>
+              <a:t>Data</a:t>
+            </a:r>
+            <a:endParaRPr lang="ko-KR" altLang="en-US" dirty="0"/>
+          </a:p>
+        </p:txBody>
+      </p:sp>
+      <p:cxnSp>
+        <p:nvCxnSpPr>
+          <p:cNvPr id="167" name="직선 연결선 166"/>
+          <p:cNvCxnSpPr/>
+          <p:nvPr/>
+        </p:nvCxnSpPr>
+        <p:spPr>
+          <a:xfrm flipH="1">
+            <a:off x="1576540" y="3962397"/>
+            <a:ext cx="1601990" cy="0"/>
+          </a:xfrm>
+          <a:prstGeom prst="line">
+            <a:avLst/>
+          </a:prstGeom>
+          <a:ln w="57150">
+            <a:solidFill>
+              <a:schemeClr val="accent6"/>
+            </a:solidFill>
+          </a:ln>
+        </p:spPr>
+        <p:style>
+          <a:lnRef idx="1">
+            <a:schemeClr val="accent1"/>
+          </a:lnRef>
+          <a:fillRef idx="0">
+            <a:schemeClr val="accent1"/>
+          </a:fillRef>
+          <a:effectRef idx="0">
+            <a:schemeClr val="accent1"/>
+          </a:effectRef>
+          <a:fontRef idx="minor">
+            <a:schemeClr val="tx1"/>
+          </a:fontRef>
+        </p:style>
+      </p:cxnSp>
+      <p:cxnSp>
+        <p:nvCxnSpPr>
+          <p:cNvPr id="168" name="직선 연결선 167"/>
+          <p:cNvCxnSpPr/>
+          <p:nvPr/>
+        </p:nvCxnSpPr>
+        <p:spPr>
+          <a:xfrm flipH="1">
+            <a:off x="1576540" y="3234264"/>
+            <a:ext cx="1601990" cy="0"/>
+          </a:xfrm>
+          <a:prstGeom prst="line">
+            <a:avLst/>
+          </a:prstGeom>
+          <a:ln w="57150">
+            <a:solidFill>
+              <a:schemeClr val="accent6"/>
+            </a:solidFill>
+          </a:ln>
+        </p:spPr>
+        <p:style>
+          <a:lnRef idx="1">
+            <a:schemeClr val="accent1"/>
+          </a:lnRef>
+          <a:fillRef idx="0">
+            <a:schemeClr val="accent1"/>
+          </a:fillRef>
+          <a:effectRef idx="0">
+            <a:schemeClr val="accent1"/>
+          </a:effectRef>
+          <a:fontRef idx="minor">
+            <a:schemeClr val="tx1"/>
+          </a:fontRef>
+        </p:style>
+      </p:cxnSp>
+      <p:cxnSp>
+        <p:nvCxnSpPr>
+          <p:cNvPr id="169" name="직선 연결선 168"/>
+          <p:cNvCxnSpPr/>
+          <p:nvPr/>
+        </p:nvCxnSpPr>
+        <p:spPr>
+          <a:xfrm flipH="1">
+            <a:off x="1559606" y="2523065"/>
+            <a:ext cx="1601990" cy="0"/>
+          </a:xfrm>
+          <a:prstGeom prst="line">
+            <a:avLst/>
+          </a:prstGeom>
+          <a:ln w="57150">
+            <a:solidFill>
+              <a:schemeClr val="accent6"/>
+            </a:solidFill>
+          </a:ln>
+        </p:spPr>
+        <p:style>
+          <a:lnRef idx="1">
+            <a:schemeClr val="accent1"/>
+          </a:lnRef>
+          <a:fillRef idx="0">
+            <a:schemeClr val="accent1"/>
+          </a:fillRef>
+          <a:effectRef idx="0">
+            <a:schemeClr val="accent1"/>
+          </a:effectRef>
+          <a:fontRef idx="minor">
+            <a:schemeClr val="tx1"/>
+          </a:fontRef>
+        </p:style>
+      </p:cxnSp>
+      <p:cxnSp>
+        <p:nvCxnSpPr>
+          <p:cNvPr id="171" name="직선 연결선 170"/>
+          <p:cNvCxnSpPr/>
+          <p:nvPr/>
+        </p:nvCxnSpPr>
+        <p:spPr>
+          <a:xfrm>
+            <a:off x="7366749" y="1657794"/>
+            <a:ext cx="0" cy="3049670"/>
+          </a:xfrm>
+          <a:prstGeom prst="line">
+            <a:avLst/>
+          </a:prstGeom>
+          <a:ln w="57150">
+            <a:solidFill>
+              <a:schemeClr val="accent6"/>
+            </a:solidFill>
+          </a:ln>
+        </p:spPr>
+        <p:style>
+          <a:lnRef idx="1">
+            <a:schemeClr val="accent1"/>
+          </a:lnRef>
+          <a:fillRef idx="0">
+            <a:schemeClr val="accent1"/>
+          </a:fillRef>
+          <a:effectRef idx="0">
+            <a:schemeClr val="accent1"/>
+          </a:effectRef>
+          <a:fontRef idx="minor">
+            <a:schemeClr val="tx1"/>
+          </a:fontRef>
+        </p:style>
+      </p:cxnSp>
+      <p:cxnSp>
+        <p:nvCxnSpPr>
+          <p:cNvPr id="173" name="직선 연결선 172"/>
+          <p:cNvCxnSpPr/>
+          <p:nvPr/>
+        </p:nvCxnSpPr>
+        <p:spPr>
+          <a:xfrm>
+            <a:off x="8941549" y="1657794"/>
+            <a:ext cx="0" cy="3049670"/>
+          </a:xfrm>
+          <a:prstGeom prst="line">
+            <a:avLst/>
+          </a:prstGeom>
+          <a:ln w="57150">
+            <a:solidFill>
+              <a:schemeClr val="accent6"/>
+            </a:solidFill>
+          </a:ln>
+        </p:spPr>
+        <p:style>
+          <a:lnRef idx="1">
+            <a:schemeClr val="accent1"/>
+          </a:lnRef>
+          <a:fillRef idx="0">
+            <a:schemeClr val="accent1"/>
+          </a:fillRef>
+          <a:effectRef idx="0">
+            <a:schemeClr val="accent1"/>
+          </a:effectRef>
+          <a:fontRef idx="minor">
+            <a:schemeClr val="tx1"/>
+          </a:fontRef>
+        </p:style>
+      </p:cxnSp>
+      <p:sp>
+        <p:nvSpPr>
+          <p:cNvPr id="177" name="TextBox 176"/>
+          <p:cNvSpPr txBox="1"/>
+          <p:nvPr/>
+        </p:nvSpPr>
+        <p:spPr>
+          <a:xfrm>
+            <a:off x="7487910" y="5110640"/>
+            <a:ext cx="1303562" cy="369332"/>
+          </a:xfrm>
+          <a:prstGeom prst="rect">
+            <a:avLst/>
+          </a:prstGeom>
+          <a:noFill/>
+        </p:spPr>
+        <p:txBody>
+          <a:bodyPr wrap="none" rtlCol="0">
+            <a:spAutoFit/>
+          </a:bodyPr>
+          <a:lstStyle/>
+          <a:p>
+            <a:r>
+              <a:rPr lang="en-US" altLang="ko-KR" dirty="0" smtClean="0"/>
+              <a:t>List </a:t>
+            </a:r>
+            <a:r>
+              <a:rPr lang="en-US" altLang="ko-KR" dirty="0"/>
+              <a:t>Queue</a:t>
+            </a:r>
+            <a:endParaRPr lang="ko-KR" altLang="en-US" dirty="0"/>
+          </a:p>
+        </p:txBody>
+      </p:sp>
+      <p:sp>
+        <p:nvSpPr>
+          <p:cNvPr id="185" name="굽은 화살표 184"/>
+          <p:cNvSpPr/>
+          <p:nvPr/>
+        </p:nvSpPr>
+        <p:spPr>
+          <a:xfrm rot="5400000">
+            <a:off x="7349003" y="1060775"/>
+            <a:ext cx="695221" cy="694387"/>
+          </a:xfrm>
+          <a:prstGeom prst="bentArrow">
+            <a:avLst/>
+          </a:prstGeom>
+          <a:solidFill>
+            <a:srgbClr val="FF0000"/>
+          </a:solidFill>
+        </p:spPr>
+        <p:style>
+          <a:lnRef idx="2">
+            <a:schemeClr val="accent1">
+              <a:shade val="50000"/>
+            </a:schemeClr>
+          </a:lnRef>
+          <a:fillRef idx="1">
+            <a:schemeClr val="accent1"/>
+          </a:fillRef>
+          <a:effectRef idx="0">
+            <a:schemeClr val="accent1"/>
+          </a:effectRef>
+          <a:fontRef idx="minor">
+            <a:schemeClr val="lt1"/>
+          </a:fontRef>
+        </p:style>
+        <p:txBody>
+          <a:bodyPr rtlCol="0" anchor="ctr"/>
+          <a:lstStyle/>
+          <a:p>
+            <a:pPr algn="ctr"/>
+            <a:endParaRPr lang="ko-KR" altLang="en-US">
+              <a:solidFill>
+                <a:schemeClr val="tx1"/>
+              </a:solidFill>
+            </a:endParaRPr>
+          </a:p>
+        </p:txBody>
+      </p:sp>
+      <p:cxnSp>
+        <p:nvCxnSpPr>
+          <p:cNvPr id="188" name="직선 연결선 187"/>
+          <p:cNvCxnSpPr/>
+          <p:nvPr/>
+        </p:nvCxnSpPr>
+        <p:spPr>
+          <a:xfrm flipH="1">
+            <a:off x="7366749" y="3962397"/>
+            <a:ext cx="1601990" cy="0"/>
+          </a:xfrm>
+          <a:prstGeom prst="line">
+            <a:avLst/>
+          </a:prstGeom>
+          <a:ln w="57150">
+            <a:solidFill>
+              <a:schemeClr val="accent6"/>
+            </a:solidFill>
+          </a:ln>
+        </p:spPr>
+        <p:style>
+          <a:lnRef idx="1">
+            <a:schemeClr val="accent1"/>
+          </a:lnRef>
+          <a:fillRef idx="0">
+            <a:schemeClr val="accent1"/>
+          </a:fillRef>
+          <a:effectRef idx="0">
+            <a:schemeClr val="accent1"/>
+          </a:effectRef>
+          <a:fontRef idx="minor">
+            <a:schemeClr val="tx1"/>
+          </a:fontRef>
+        </p:style>
+      </p:cxnSp>
+      <p:cxnSp>
+        <p:nvCxnSpPr>
+          <p:cNvPr id="200" name="직선 연결선 199"/>
+          <p:cNvCxnSpPr/>
+          <p:nvPr/>
+        </p:nvCxnSpPr>
+        <p:spPr>
+          <a:xfrm flipH="1">
+            <a:off x="7366749" y="3234264"/>
+            <a:ext cx="1601990" cy="0"/>
+          </a:xfrm>
+          <a:prstGeom prst="line">
+            <a:avLst/>
+          </a:prstGeom>
+          <a:ln w="57150">
+            <a:solidFill>
+              <a:schemeClr val="accent6"/>
+            </a:solidFill>
+          </a:ln>
+        </p:spPr>
+        <p:style>
+          <a:lnRef idx="1">
+            <a:schemeClr val="accent1"/>
+          </a:lnRef>
+          <a:fillRef idx="0">
+            <a:schemeClr val="accent1"/>
+          </a:fillRef>
+          <a:effectRef idx="0">
+            <a:schemeClr val="accent1"/>
+          </a:effectRef>
+          <a:fontRef idx="minor">
+            <a:schemeClr val="tx1"/>
+          </a:fontRef>
+        </p:style>
+      </p:cxnSp>
+      <p:cxnSp>
+        <p:nvCxnSpPr>
+          <p:cNvPr id="201" name="직선 연결선 200"/>
+          <p:cNvCxnSpPr/>
+          <p:nvPr/>
+        </p:nvCxnSpPr>
+        <p:spPr>
+          <a:xfrm flipH="1">
+            <a:off x="7349815" y="2523065"/>
+            <a:ext cx="1601990" cy="0"/>
+          </a:xfrm>
+          <a:prstGeom prst="line">
+            <a:avLst/>
+          </a:prstGeom>
+          <a:ln w="57150">
+            <a:solidFill>
+              <a:schemeClr val="accent6"/>
+            </a:solidFill>
+          </a:ln>
+        </p:spPr>
+        <p:style>
+          <a:lnRef idx="1">
+            <a:schemeClr val="accent1"/>
+          </a:lnRef>
+          <a:fillRef idx="0">
+            <a:schemeClr val="accent1"/>
+          </a:fillRef>
+          <a:effectRef idx="0">
+            <a:schemeClr val="accent1"/>
+          </a:effectRef>
+          <a:fontRef idx="minor">
+            <a:schemeClr val="tx1"/>
+          </a:fontRef>
+        </p:style>
+      </p:cxnSp>
+      <p:grpSp>
+        <p:nvGrpSpPr>
+          <p:cNvPr id="22" name="그룹 21"/>
+          <p:cNvGrpSpPr/>
+          <p:nvPr/>
+        </p:nvGrpSpPr>
+        <p:grpSpPr>
+          <a:xfrm>
+            <a:off x="5930322" y="893752"/>
+            <a:ext cx="1362010" cy="609600"/>
+            <a:chOff x="5930322" y="893752"/>
+            <a:chExt cx="1362010" cy="609600"/>
+          </a:xfrm>
+        </p:grpSpPr>
+        <p:sp>
+          <p:nvSpPr>
+            <p:cNvPr id="184" name="직사각형 183"/>
+            <p:cNvSpPr/>
+            <p:nvPr/>
+          </p:nvSpPr>
+          <p:spPr>
+            <a:xfrm>
+              <a:off x="5930322" y="893752"/>
+              <a:ext cx="1354667" cy="300048"/>
+            </a:xfrm>
+            <a:prstGeom prst="rect">
+              <a:avLst/>
+            </a:prstGeom>
+          </p:spPr>
+          <p:style>
+            <a:lnRef idx="2">
+              <a:schemeClr val="accent1">
+                <a:shade val="50000"/>
+              </a:schemeClr>
+            </a:lnRef>
+            <a:fillRef idx="1">
+              <a:schemeClr val="accent1"/>
+            </a:fillRef>
+            <a:effectRef idx="0">
+              <a:schemeClr val="accent1"/>
+            </a:effectRef>
+            <a:fontRef idx="minor">
+              <a:schemeClr val="lt1"/>
+            </a:fontRef>
+          </p:style>
+          <p:txBody>
+            <a:bodyPr rtlCol="0" anchor="ctr"/>
+            <a:lstStyle/>
+            <a:p>
+              <a:pPr algn="ctr"/>
+              <a:r>
+                <a:rPr lang="en-US" altLang="ko-KR" dirty="0" smtClean="0"/>
+                <a:t>Node</a:t>
+              </a:r>
+              <a:endParaRPr lang="ko-KR" altLang="en-US" dirty="0"/>
+            </a:p>
+          </p:txBody>
+        </p:sp>
+        <p:sp>
+          <p:nvSpPr>
+            <p:cNvPr id="21" name="직사각형 20"/>
+            <p:cNvSpPr/>
+            <p:nvPr/>
+          </p:nvSpPr>
+          <p:spPr>
+            <a:xfrm>
+              <a:off x="5930322" y="1193800"/>
+              <a:ext cx="701032" cy="309552"/>
+            </a:xfrm>
+            <a:prstGeom prst="rect">
+              <a:avLst/>
+            </a:prstGeom>
+          </p:spPr>
+          <p:style>
+            <a:lnRef idx="2">
+              <a:schemeClr val="accent1">
+                <a:shade val="50000"/>
+              </a:schemeClr>
+            </a:lnRef>
+            <a:fillRef idx="1">
+              <a:schemeClr val="accent1"/>
+            </a:fillRef>
+            <a:effectRef idx="0">
+              <a:schemeClr val="accent1"/>
+            </a:effectRef>
+            <a:fontRef idx="minor">
+              <a:schemeClr val="lt1"/>
+            </a:fontRef>
+          </p:style>
+          <p:txBody>
+            <a:bodyPr rtlCol="0" anchor="ctr"/>
+            <a:lstStyle/>
+            <a:p>
+              <a:pPr algn="ctr"/>
+              <a:r>
+                <a:rPr lang="en-US" altLang="ko-KR" sz="1400" dirty="0" smtClean="0"/>
+                <a:t>Data</a:t>
+              </a:r>
+              <a:endParaRPr lang="ko-KR" altLang="en-US" sz="1400" dirty="0"/>
+            </a:p>
+          </p:txBody>
+        </p:sp>
+        <p:sp>
+          <p:nvSpPr>
+            <p:cNvPr id="202" name="직사각형 201"/>
+            <p:cNvSpPr/>
+            <p:nvPr/>
+          </p:nvSpPr>
+          <p:spPr>
+            <a:xfrm>
+              <a:off x="6631354" y="1193800"/>
+              <a:ext cx="660978" cy="309552"/>
+            </a:xfrm>
+            <a:prstGeom prst="rect">
+              <a:avLst/>
+            </a:prstGeom>
+            <a:solidFill>
+              <a:srgbClr val="FF0000"/>
+            </a:solidFill>
+          </p:spPr>
+          <p:style>
+            <a:lnRef idx="2">
+              <a:schemeClr val="accent1">
+                <a:shade val="50000"/>
+              </a:schemeClr>
+            </a:lnRef>
+            <a:fillRef idx="1">
+              <a:schemeClr val="accent1"/>
+            </a:fillRef>
+            <a:effectRef idx="0">
+              <a:schemeClr val="accent1"/>
+            </a:effectRef>
+            <a:fontRef idx="minor">
+              <a:schemeClr val="lt1"/>
+            </a:fontRef>
+          </p:style>
+          <p:txBody>
+            <a:bodyPr rtlCol="0" anchor="ctr"/>
+            <a:lstStyle/>
+            <a:p>
+              <a:pPr algn="ctr"/>
+              <a:r>
+                <a:rPr lang="en-US" altLang="ko-KR" sz="1400" dirty="0" smtClean="0"/>
+                <a:t>Next</a:t>
+              </a:r>
+              <a:endParaRPr lang="ko-KR" altLang="en-US" sz="1400" dirty="0"/>
+            </a:p>
+          </p:txBody>
+        </p:sp>
+      </p:grpSp>
+      <p:grpSp>
+        <p:nvGrpSpPr>
+          <p:cNvPr id="219" name="그룹 218"/>
+          <p:cNvGrpSpPr/>
+          <p:nvPr/>
+        </p:nvGrpSpPr>
+        <p:grpSpPr>
+          <a:xfrm>
+            <a:off x="7485568" y="1858975"/>
+            <a:ext cx="1354667" cy="609600"/>
+            <a:chOff x="5930322" y="893752"/>
+            <a:chExt cx="1354667" cy="609600"/>
+          </a:xfrm>
+        </p:grpSpPr>
+        <p:sp>
+          <p:nvSpPr>
+            <p:cNvPr id="221" name="직사각형 220"/>
+            <p:cNvSpPr/>
+            <p:nvPr/>
+          </p:nvSpPr>
+          <p:spPr>
+            <a:xfrm>
+              <a:off x="5930322" y="893752"/>
+              <a:ext cx="1354667" cy="300048"/>
+            </a:xfrm>
+            <a:prstGeom prst="rect">
+              <a:avLst/>
+            </a:prstGeom>
+          </p:spPr>
+          <p:style>
+            <a:lnRef idx="2">
+              <a:schemeClr val="accent1">
+                <a:shade val="50000"/>
+              </a:schemeClr>
+            </a:lnRef>
+            <a:fillRef idx="1">
+              <a:schemeClr val="accent1"/>
+            </a:fillRef>
+            <a:effectRef idx="0">
+              <a:schemeClr val="accent1"/>
+            </a:effectRef>
+            <a:fontRef idx="minor">
+              <a:schemeClr val="lt1"/>
+            </a:fontRef>
+          </p:style>
+          <p:txBody>
+            <a:bodyPr rtlCol="0" anchor="ctr"/>
+            <a:lstStyle/>
+            <a:p>
+              <a:pPr algn="ctr"/>
+              <a:r>
+                <a:rPr lang="en-US" altLang="ko-KR" dirty="0" smtClean="0"/>
+                <a:t>Node</a:t>
+              </a:r>
+              <a:endParaRPr lang="ko-KR" altLang="en-US" dirty="0"/>
+            </a:p>
+          </p:txBody>
+        </p:sp>
+        <p:sp>
+          <p:nvSpPr>
+            <p:cNvPr id="222" name="직사각형 221"/>
+            <p:cNvSpPr/>
+            <p:nvPr/>
+          </p:nvSpPr>
+          <p:spPr>
+            <a:xfrm>
+              <a:off x="5930322" y="1193800"/>
+              <a:ext cx="701032" cy="309552"/>
+            </a:xfrm>
+            <a:prstGeom prst="rect">
+              <a:avLst/>
+            </a:prstGeom>
+          </p:spPr>
+          <p:style>
+            <a:lnRef idx="2">
+              <a:schemeClr val="accent1">
+                <a:shade val="50000"/>
+              </a:schemeClr>
+            </a:lnRef>
+            <a:fillRef idx="1">
+              <a:schemeClr val="accent1"/>
+            </a:fillRef>
+            <a:effectRef idx="0">
+              <a:schemeClr val="accent1"/>
+            </a:effectRef>
+            <a:fontRef idx="minor">
+              <a:schemeClr val="lt1"/>
+            </a:fontRef>
+          </p:style>
+          <p:txBody>
+            <a:bodyPr rtlCol="0" anchor="ctr"/>
+            <a:lstStyle/>
+            <a:p>
+              <a:pPr algn="ctr"/>
+              <a:r>
+                <a:rPr lang="en-US" altLang="ko-KR" sz="1400" dirty="0" smtClean="0"/>
+                <a:t>Data</a:t>
+              </a:r>
+              <a:endParaRPr lang="ko-KR" altLang="en-US" sz="1400" dirty="0"/>
+            </a:p>
+          </p:txBody>
+        </p:sp>
+        <p:sp>
+          <p:nvSpPr>
+            <p:cNvPr id="224" name="직사각형 223"/>
+            <p:cNvSpPr/>
+            <p:nvPr/>
+          </p:nvSpPr>
+          <p:spPr>
+            <a:xfrm>
+              <a:off x="6631354" y="1193800"/>
+              <a:ext cx="652600" cy="309552"/>
+            </a:xfrm>
+            <a:prstGeom prst="rect">
+              <a:avLst/>
+            </a:prstGeom>
+            <a:solidFill>
+              <a:srgbClr val="FF0000"/>
+            </a:solidFill>
+          </p:spPr>
+          <p:style>
+            <a:lnRef idx="2">
+              <a:schemeClr val="accent1">
+                <a:shade val="50000"/>
+              </a:schemeClr>
+            </a:lnRef>
+            <a:fillRef idx="1">
+              <a:schemeClr val="accent1"/>
+            </a:fillRef>
+            <a:effectRef idx="0">
+              <a:schemeClr val="accent1"/>
+            </a:effectRef>
+            <a:fontRef idx="minor">
+              <a:schemeClr val="lt1"/>
+            </a:fontRef>
+          </p:style>
+          <p:txBody>
+            <a:bodyPr rtlCol="0" anchor="ctr"/>
+            <a:lstStyle/>
+            <a:p>
+              <a:pPr algn="ctr"/>
+              <a:r>
+                <a:rPr lang="en-US" altLang="ko-KR" sz="1400" dirty="0" smtClean="0"/>
+                <a:t>Next</a:t>
+              </a:r>
+              <a:endParaRPr lang="ko-KR" altLang="en-US" sz="1400" dirty="0"/>
+            </a:p>
+          </p:txBody>
+        </p:sp>
+      </p:grpSp>
+      <p:grpSp>
+        <p:nvGrpSpPr>
+          <p:cNvPr id="225" name="그룹 224"/>
+          <p:cNvGrpSpPr/>
+          <p:nvPr/>
+        </p:nvGrpSpPr>
+        <p:grpSpPr>
+          <a:xfrm>
+            <a:off x="7482505" y="2582332"/>
+            <a:ext cx="1356695" cy="609600"/>
+            <a:chOff x="5930322" y="893752"/>
+            <a:chExt cx="1356695" cy="609600"/>
+          </a:xfrm>
+        </p:grpSpPr>
+        <p:sp>
+          <p:nvSpPr>
+            <p:cNvPr id="227" name="직사각형 226"/>
+            <p:cNvSpPr/>
+            <p:nvPr/>
+          </p:nvSpPr>
+          <p:spPr>
+            <a:xfrm>
+              <a:off x="5930322" y="893752"/>
+              <a:ext cx="1354667" cy="300048"/>
+            </a:xfrm>
+            <a:prstGeom prst="rect">
+              <a:avLst/>
+            </a:prstGeom>
+          </p:spPr>
+          <p:style>
+            <a:lnRef idx="2">
+              <a:schemeClr val="accent1">
+                <a:shade val="50000"/>
+              </a:schemeClr>
+            </a:lnRef>
+            <a:fillRef idx="1">
+              <a:schemeClr val="accent1"/>
+            </a:fillRef>
+            <a:effectRef idx="0">
+              <a:schemeClr val="accent1"/>
+            </a:effectRef>
+            <a:fontRef idx="minor">
+              <a:schemeClr val="lt1"/>
+            </a:fontRef>
+          </p:style>
+          <p:txBody>
+            <a:bodyPr rtlCol="0" anchor="ctr"/>
+            <a:lstStyle/>
+            <a:p>
+              <a:pPr algn="ctr"/>
+              <a:r>
+                <a:rPr lang="en-US" altLang="ko-KR" dirty="0" smtClean="0"/>
+                <a:t>Node</a:t>
+              </a:r>
+              <a:endParaRPr lang="ko-KR" altLang="en-US" dirty="0"/>
+            </a:p>
+          </p:txBody>
+        </p:sp>
+        <p:sp>
+          <p:nvSpPr>
+            <p:cNvPr id="228" name="직사각형 227"/>
+            <p:cNvSpPr/>
+            <p:nvPr/>
+          </p:nvSpPr>
+          <p:spPr>
+            <a:xfrm>
+              <a:off x="5930322" y="1193800"/>
+              <a:ext cx="701032" cy="309552"/>
+            </a:xfrm>
+            <a:prstGeom prst="rect">
+              <a:avLst/>
+            </a:prstGeom>
+          </p:spPr>
+          <p:style>
+            <a:lnRef idx="2">
+              <a:schemeClr val="accent1">
+                <a:shade val="50000"/>
+              </a:schemeClr>
+            </a:lnRef>
+            <a:fillRef idx="1">
+              <a:schemeClr val="accent1"/>
+            </a:fillRef>
+            <a:effectRef idx="0">
+              <a:schemeClr val="accent1"/>
+            </a:effectRef>
+            <a:fontRef idx="minor">
+              <a:schemeClr val="lt1"/>
+            </a:fontRef>
+          </p:style>
+          <p:txBody>
+            <a:bodyPr rtlCol="0" anchor="ctr"/>
+            <a:lstStyle/>
+            <a:p>
+              <a:pPr algn="ctr"/>
+              <a:r>
+                <a:rPr lang="en-US" altLang="ko-KR" sz="1400" dirty="0" smtClean="0"/>
+                <a:t>Data</a:t>
+              </a:r>
+              <a:endParaRPr lang="ko-KR" altLang="en-US" sz="1400" dirty="0"/>
+            </a:p>
+          </p:txBody>
+        </p:sp>
+        <p:sp>
+          <p:nvSpPr>
+            <p:cNvPr id="229" name="직사각형 228"/>
+            <p:cNvSpPr/>
+            <p:nvPr/>
+          </p:nvSpPr>
+          <p:spPr>
+            <a:xfrm>
+              <a:off x="6631354" y="1193800"/>
+              <a:ext cx="655663" cy="309552"/>
+            </a:xfrm>
+            <a:prstGeom prst="rect">
+              <a:avLst/>
+            </a:prstGeom>
+            <a:solidFill>
+              <a:srgbClr val="FF0000"/>
+            </a:solidFill>
+          </p:spPr>
+          <p:style>
+            <a:lnRef idx="2">
+              <a:schemeClr val="accent1">
+                <a:shade val="50000"/>
+              </a:schemeClr>
+            </a:lnRef>
+            <a:fillRef idx="1">
+              <a:schemeClr val="accent1"/>
+            </a:fillRef>
+            <a:effectRef idx="0">
+              <a:schemeClr val="accent1"/>
+            </a:effectRef>
+            <a:fontRef idx="minor">
+              <a:schemeClr val="lt1"/>
+            </a:fontRef>
+          </p:style>
+          <p:txBody>
+            <a:bodyPr rtlCol="0" anchor="ctr"/>
+            <a:lstStyle/>
+            <a:p>
+              <a:pPr algn="ctr"/>
+              <a:r>
+                <a:rPr lang="en-US" altLang="ko-KR" sz="1400" dirty="0" smtClean="0"/>
+                <a:t>Next</a:t>
+              </a:r>
+              <a:endParaRPr lang="ko-KR" altLang="en-US" sz="1400" dirty="0"/>
+            </a:p>
+          </p:txBody>
+        </p:sp>
+      </p:grpSp>
+      <p:grpSp>
+        <p:nvGrpSpPr>
+          <p:cNvPr id="230" name="그룹 229"/>
+          <p:cNvGrpSpPr/>
+          <p:nvPr/>
+        </p:nvGrpSpPr>
+        <p:grpSpPr>
+          <a:xfrm>
+            <a:off x="7469805" y="3304621"/>
+            <a:ext cx="1355108" cy="609600"/>
+            <a:chOff x="5930322" y="893752"/>
+            <a:chExt cx="1355108" cy="609600"/>
+          </a:xfrm>
+        </p:grpSpPr>
+        <p:sp>
+          <p:nvSpPr>
+            <p:cNvPr id="231" name="직사각형 230"/>
+            <p:cNvSpPr/>
+            <p:nvPr/>
+          </p:nvSpPr>
+          <p:spPr>
+            <a:xfrm>
+              <a:off x="5930322" y="893752"/>
+              <a:ext cx="1354667" cy="300048"/>
+            </a:xfrm>
+            <a:prstGeom prst="rect">
+              <a:avLst/>
+            </a:prstGeom>
+          </p:spPr>
+          <p:style>
+            <a:lnRef idx="2">
+              <a:schemeClr val="accent1">
+                <a:shade val="50000"/>
+              </a:schemeClr>
+            </a:lnRef>
+            <a:fillRef idx="1">
+              <a:schemeClr val="accent1"/>
+            </a:fillRef>
+            <a:effectRef idx="0">
+              <a:schemeClr val="accent1"/>
+            </a:effectRef>
+            <a:fontRef idx="minor">
+              <a:schemeClr val="lt1"/>
+            </a:fontRef>
+          </p:style>
+          <p:txBody>
+            <a:bodyPr rtlCol="0" anchor="ctr"/>
+            <a:lstStyle/>
+            <a:p>
+              <a:pPr algn="ctr"/>
+              <a:r>
+                <a:rPr lang="en-US" altLang="ko-KR" dirty="0" smtClean="0"/>
+                <a:t>Node</a:t>
+              </a:r>
+              <a:endParaRPr lang="ko-KR" altLang="en-US" dirty="0"/>
+            </a:p>
+          </p:txBody>
+        </p:sp>
+        <p:sp>
+          <p:nvSpPr>
+            <p:cNvPr id="259" name="직사각형 258"/>
+            <p:cNvSpPr/>
+            <p:nvPr/>
+          </p:nvSpPr>
+          <p:spPr>
+            <a:xfrm>
+              <a:off x="5930322" y="1193800"/>
+              <a:ext cx="701032" cy="309552"/>
+            </a:xfrm>
+            <a:prstGeom prst="rect">
+              <a:avLst/>
+            </a:prstGeom>
+          </p:spPr>
+          <p:style>
+            <a:lnRef idx="2">
+              <a:schemeClr val="accent1">
+                <a:shade val="50000"/>
+              </a:schemeClr>
+            </a:lnRef>
+            <a:fillRef idx="1">
+              <a:schemeClr val="accent1"/>
+            </a:fillRef>
+            <a:effectRef idx="0">
+              <a:schemeClr val="accent1"/>
+            </a:effectRef>
+            <a:fontRef idx="minor">
+              <a:schemeClr val="lt1"/>
+            </a:fontRef>
+          </p:style>
+          <p:txBody>
+            <a:bodyPr rtlCol="0" anchor="ctr"/>
+            <a:lstStyle/>
+            <a:p>
+              <a:pPr algn="ctr"/>
+              <a:r>
+                <a:rPr lang="en-US" altLang="ko-KR" sz="1400" dirty="0" smtClean="0"/>
+                <a:t>Data</a:t>
+              </a:r>
+              <a:endParaRPr lang="ko-KR" altLang="en-US" sz="1400" dirty="0"/>
+            </a:p>
+          </p:txBody>
+        </p:sp>
+        <p:sp>
+          <p:nvSpPr>
+            <p:cNvPr id="260" name="직사각형 259"/>
+            <p:cNvSpPr/>
+            <p:nvPr/>
+          </p:nvSpPr>
+          <p:spPr>
+            <a:xfrm>
+              <a:off x="6631354" y="1193800"/>
+              <a:ext cx="654076" cy="309552"/>
+            </a:xfrm>
+            <a:prstGeom prst="rect">
+              <a:avLst/>
+            </a:prstGeom>
+            <a:solidFill>
+              <a:srgbClr val="FF0000"/>
+            </a:solidFill>
+          </p:spPr>
+          <p:style>
+            <a:lnRef idx="2">
+              <a:schemeClr val="accent1">
+                <a:shade val="50000"/>
+              </a:schemeClr>
+            </a:lnRef>
+            <a:fillRef idx="1">
+              <a:schemeClr val="accent1"/>
+            </a:fillRef>
+            <a:effectRef idx="0">
+              <a:schemeClr val="accent1"/>
+            </a:effectRef>
+            <a:fontRef idx="minor">
+              <a:schemeClr val="lt1"/>
+            </a:fontRef>
+          </p:style>
+          <p:txBody>
+            <a:bodyPr rtlCol="0" anchor="ctr"/>
+            <a:lstStyle/>
+            <a:p>
+              <a:pPr algn="ctr"/>
+              <a:r>
+                <a:rPr lang="en-US" altLang="ko-KR" sz="1400" dirty="0" smtClean="0"/>
+                <a:t>Next</a:t>
+              </a:r>
+              <a:endParaRPr lang="ko-KR" altLang="en-US" sz="1400" dirty="0"/>
+            </a:p>
+          </p:txBody>
+        </p:sp>
+      </p:grpSp>
+      <p:sp>
+        <p:nvSpPr>
+          <p:cNvPr id="26" name="직사각형 25"/>
+          <p:cNvSpPr/>
+          <p:nvPr/>
+        </p:nvSpPr>
+        <p:spPr>
+          <a:xfrm>
+            <a:off x="7362825" y="2523065"/>
+            <a:ext cx="1581169" cy="711199"/>
+          </a:xfrm>
+          <a:prstGeom prst="rect">
+            <a:avLst/>
+          </a:prstGeom>
+          <a:noFill/>
+          <a:ln w="57150">
+            <a:solidFill>
+              <a:schemeClr val="tx2"/>
+            </a:solidFill>
+          </a:ln>
+        </p:spPr>
+        <p:style>
+          <a:lnRef idx="2">
+            <a:schemeClr val="accent1">
+              <a:shade val="50000"/>
+            </a:schemeClr>
+          </a:lnRef>
+          <a:fillRef idx="1">
+            <a:schemeClr val="accent1"/>
+          </a:fillRef>
+          <a:effectRef idx="0">
+            <a:schemeClr val="accent1"/>
+          </a:effectRef>
+          <a:fontRef idx="minor">
+            <a:schemeClr val="lt1"/>
+          </a:fontRef>
+        </p:style>
+        <p:txBody>
+          <a:bodyPr rtlCol="0" anchor="ctr"/>
+          <a:lstStyle/>
+          <a:p>
+            <a:pPr algn="ctr"/>
+            <a:endParaRPr lang="ko-KR" altLang="en-US"/>
+          </a:p>
+        </p:txBody>
+      </p:sp>
+      <p:cxnSp>
+        <p:nvCxnSpPr>
+          <p:cNvPr id="28" name="직선 화살표 연결선 27"/>
+          <p:cNvCxnSpPr>
+            <a:stCxn id="218" idx="1"/>
+            <a:endCxn id="231" idx="2"/>
+          </p:cNvCxnSpPr>
+          <p:nvPr/>
+        </p:nvCxnSpPr>
+        <p:spPr>
+          <a:xfrm flipH="1" flipV="1">
+            <a:off x="8147139" y="3604669"/>
+            <a:ext cx="1750066" cy="1367727"/>
+          </a:xfrm>
+          <a:prstGeom prst="straightConnector1">
+            <a:avLst/>
+          </a:prstGeom>
+          <a:ln w="76200">
+            <a:solidFill>
+              <a:schemeClr val="bg2"/>
+            </a:solidFill>
+            <a:tailEnd type="triangle"/>
+          </a:ln>
+        </p:spPr>
+        <p:style>
+          <a:lnRef idx="1">
+            <a:schemeClr val="accent1"/>
+          </a:lnRef>
+          <a:fillRef idx="0">
+            <a:schemeClr val="accent1"/>
+          </a:fillRef>
+          <a:effectRef idx="0">
+            <a:schemeClr val="accent1"/>
+          </a:effectRef>
+          <a:fontRef idx="minor">
+            <a:schemeClr val="tx1"/>
+          </a:fontRef>
+        </p:style>
+      </p:cxnSp>
+      <p:sp>
+        <p:nvSpPr>
+          <p:cNvPr id="274" name="TextBox 273"/>
+          <p:cNvSpPr txBox="1"/>
+          <p:nvPr/>
+        </p:nvSpPr>
+        <p:spPr>
+          <a:xfrm>
+            <a:off x="6401956" y="5779245"/>
+            <a:ext cx="4040113" cy="954107"/>
+          </a:xfrm>
+          <a:prstGeom prst="rect">
+            <a:avLst/>
+          </a:prstGeom>
+          <a:noFill/>
+        </p:spPr>
+        <p:txBody>
+          <a:bodyPr wrap="square" rtlCol="0">
+            <a:spAutoFit/>
+          </a:bodyPr>
+          <a:lstStyle/>
+          <a:p>
+            <a:r>
+              <a:rPr lang="en-US" altLang="ko-KR" sz="1400" dirty="0" smtClean="0"/>
+              <a:t>Linked </a:t>
+            </a:r>
+            <a:r>
+              <a:rPr lang="en-US" altLang="ko-KR" sz="1400" dirty="0" smtClean="0"/>
+              <a:t>List</a:t>
+            </a:r>
+            <a:r>
+              <a:rPr lang="ko-KR" altLang="en-US" sz="1400" dirty="0" smtClean="0"/>
+              <a:t>구조</a:t>
+            </a:r>
+            <a:r>
+              <a:rPr lang="ko-KR" altLang="en-US" sz="1400" dirty="0" smtClean="0"/>
+              <a:t>를 사용한 </a:t>
+            </a:r>
+            <a:r>
+              <a:rPr lang="en-US" altLang="ko-KR" sz="1400" dirty="0" smtClean="0"/>
+              <a:t>Queue</a:t>
+            </a:r>
+            <a:r>
+              <a:rPr lang="ko-KR" altLang="en-US" sz="1400" dirty="0" smtClean="0"/>
+              <a:t>로</a:t>
+            </a:r>
+            <a:r>
+              <a:rPr lang="ko-KR" altLang="en-US" sz="1400" dirty="0" smtClean="0"/>
+              <a:t> </a:t>
+            </a:r>
+            <a:r>
+              <a:rPr lang="en-US" altLang="ko-KR" sz="1400" dirty="0" smtClean="0"/>
+              <a:t>Data</a:t>
+            </a:r>
+            <a:r>
+              <a:rPr lang="ko-KR" altLang="en-US" sz="1400" dirty="0" smtClean="0"/>
+              <a:t>를 저장하여 </a:t>
+            </a:r>
+            <a:r>
+              <a:rPr lang="ko-KR" altLang="en-US" sz="1400" dirty="0"/>
+              <a:t>먼저 넣은 데이터를 먼저 꺼내는 구조</a:t>
+            </a:r>
+            <a:r>
+              <a:rPr lang="en-US" altLang="ko-KR" sz="1400" dirty="0"/>
+              <a:t>(</a:t>
+            </a:r>
+            <a:r>
+              <a:rPr lang="ko-KR" altLang="en-US" sz="1400" dirty="0"/>
+              <a:t>선입선출</a:t>
+            </a:r>
+            <a:r>
+              <a:rPr lang="en-US" altLang="ko-KR" sz="1400" dirty="0"/>
+              <a:t>). </a:t>
+            </a:r>
+            <a:r>
+              <a:rPr lang="ko-KR" altLang="en-US" sz="1400" dirty="0" smtClean="0"/>
+              <a:t>배열 </a:t>
+            </a:r>
+            <a:r>
+              <a:rPr lang="en-US" altLang="ko-KR" sz="1400" dirty="0" smtClean="0"/>
+              <a:t>Queue</a:t>
+            </a:r>
+            <a:r>
+              <a:rPr lang="ko-KR" altLang="en-US" sz="1400" dirty="0" smtClean="0"/>
+              <a:t>보다 </a:t>
+            </a:r>
+            <a:r>
+              <a:rPr lang="ko-KR" altLang="en-US" sz="1400" dirty="0" smtClean="0"/>
+              <a:t>속도가 느리지만</a:t>
+            </a:r>
+            <a:r>
+              <a:rPr lang="en-US" altLang="ko-KR" sz="1400" dirty="0" smtClean="0"/>
+              <a:t>, </a:t>
+            </a:r>
+            <a:r>
+              <a:rPr lang="ko-KR" altLang="en-US" sz="1400" dirty="0" smtClean="0"/>
+              <a:t>메모리 </a:t>
+            </a:r>
+            <a:r>
+              <a:rPr lang="ko-KR" altLang="en-US" sz="1400" dirty="0" smtClean="0"/>
+              <a:t>할당과 해제가 자유롭다</a:t>
+            </a:r>
+            <a:r>
+              <a:rPr lang="en-US" altLang="ko-KR" sz="1400" dirty="0" smtClean="0"/>
+              <a:t>.</a:t>
+            </a:r>
+            <a:endParaRPr lang="ko-KR" altLang="en-US" sz="1400" dirty="0"/>
+          </a:p>
+        </p:txBody>
+      </p:sp>
+      <p:sp>
+        <p:nvSpPr>
+          <p:cNvPr id="276" name="TextBox 275"/>
+          <p:cNvSpPr txBox="1"/>
+          <p:nvPr/>
+        </p:nvSpPr>
+        <p:spPr>
+          <a:xfrm>
+            <a:off x="6234919" y="4152971"/>
+            <a:ext cx="729623" cy="369332"/>
+          </a:xfrm>
+          <a:prstGeom prst="rect">
+            <a:avLst/>
+          </a:prstGeom>
+          <a:noFill/>
+        </p:spPr>
+        <p:txBody>
+          <a:bodyPr wrap="none" rtlCol="0">
+            <a:spAutoFit/>
+          </a:bodyPr>
+          <a:lstStyle/>
+          <a:p>
+            <a:r>
+              <a:rPr lang="en-US" altLang="ko-KR" dirty="0" smtClean="0"/>
+              <a:t>Front</a:t>
+            </a:r>
+            <a:endParaRPr lang="ko-KR" altLang="en-US" dirty="0"/>
+          </a:p>
+        </p:txBody>
+      </p:sp>
+      <p:cxnSp>
+        <p:nvCxnSpPr>
+          <p:cNvPr id="278" name="직선 화살표 연결선 277"/>
+          <p:cNvCxnSpPr/>
+          <p:nvPr/>
+        </p:nvCxnSpPr>
+        <p:spPr>
+          <a:xfrm flipH="1" flipV="1">
+            <a:off x="8156520" y="2880771"/>
+            <a:ext cx="340839" cy="723897"/>
+          </a:xfrm>
+          <a:prstGeom prst="straightConnector1">
+            <a:avLst/>
+          </a:prstGeom>
+          <a:ln w="76200">
+            <a:solidFill>
+              <a:schemeClr val="bg2"/>
+            </a:solidFill>
+            <a:tailEnd type="triangle"/>
+          </a:ln>
+        </p:spPr>
+        <p:style>
+          <a:lnRef idx="1">
+            <a:schemeClr val="accent1"/>
+          </a:lnRef>
+          <a:fillRef idx="0">
+            <a:schemeClr val="accent1"/>
+          </a:fillRef>
+          <a:effectRef idx="0">
+            <a:schemeClr val="accent1"/>
+          </a:effectRef>
+          <a:fontRef idx="minor">
+            <a:schemeClr val="tx1"/>
+          </a:fontRef>
+        </p:style>
+      </p:cxnSp>
+      <p:cxnSp>
+        <p:nvCxnSpPr>
+          <p:cNvPr id="279" name="직선 화살표 연결선 278"/>
+          <p:cNvCxnSpPr/>
+          <p:nvPr/>
+        </p:nvCxnSpPr>
+        <p:spPr>
+          <a:xfrm flipH="1" flipV="1">
+            <a:off x="8165901" y="2185486"/>
+            <a:ext cx="340839" cy="723897"/>
+          </a:xfrm>
+          <a:prstGeom prst="straightConnector1">
+            <a:avLst/>
+          </a:prstGeom>
+          <a:ln w="76200">
+            <a:solidFill>
+              <a:schemeClr val="bg2"/>
+            </a:solidFill>
+            <a:tailEnd type="triangle"/>
+          </a:ln>
+        </p:spPr>
+        <p:style>
+          <a:lnRef idx="1">
+            <a:schemeClr val="accent1"/>
+          </a:lnRef>
+          <a:fillRef idx="0">
+            <a:schemeClr val="accent1"/>
+          </a:fillRef>
+          <a:effectRef idx="0">
+            <a:schemeClr val="accent1"/>
+          </a:effectRef>
+          <a:fontRef idx="minor">
+            <a:schemeClr val="tx1"/>
+          </a:fontRef>
+        </p:style>
+      </p:cxnSp>
+      <p:sp>
+        <p:nvSpPr>
+          <p:cNvPr id="280" name="TextBox 279"/>
+          <p:cNvSpPr txBox="1"/>
+          <p:nvPr/>
+        </p:nvSpPr>
+        <p:spPr>
+          <a:xfrm>
+            <a:off x="6384813" y="2000649"/>
+            <a:ext cx="644151" cy="369332"/>
+          </a:xfrm>
+          <a:prstGeom prst="rect">
+            <a:avLst/>
+          </a:prstGeom>
+          <a:noFill/>
+        </p:spPr>
+        <p:txBody>
+          <a:bodyPr wrap="none" rtlCol="0">
+            <a:spAutoFit/>
+          </a:bodyPr>
+          <a:lstStyle/>
+          <a:p>
+            <a:r>
+              <a:rPr lang="en-US" altLang="ko-KR" dirty="0" smtClean="0"/>
+              <a:t>Rear</a:t>
+            </a:r>
+            <a:endParaRPr lang="ko-KR" altLang="en-US" dirty="0"/>
+          </a:p>
+        </p:txBody>
+      </p:sp>
+      <p:sp>
+        <p:nvSpPr>
+          <p:cNvPr id="283" name="TextBox 282"/>
+          <p:cNvSpPr txBox="1"/>
+          <p:nvPr/>
+        </p:nvSpPr>
+        <p:spPr>
+          <a:xfrm>
+            <a:off x="3555636" y="4130815"/>
+            <a:ext cx="1266693" cy="369332"/>
+          </a:xfrm>
+          <a:prstGeom prst="rect">
+            <a:avLst/>
+          </a:prstGeom>
+          <a:noFill/>
+        </p:spPr>
+        <p:txBody>
+          <a:bodyPr wrap="none" rtlCol="0">
+            <a:spAutoFit/>
+          </a:bodyPr>
+          <a:lstStyle/>
+          <a:p>
+            <a:r>
+              <a:rPr lang="en-US" altLang="ko-KR" dirty="0" err="1" smtClean="0"/>
+              <a:t>Dequeue</a:t>
+            </a:r>
+            <a:r>
+              <a:rPr lang="en-US" altLang="ko-KR" dirty="0" smtClean="0"/>
+              <a:t>()</a:t>
+            </a:r>
+            <a:endParaRPr lang="ko-KR" altLang="en-US" dirty="0"/>
+          </a:p>
+        </p:txBody>
+      </p:sp>
+      <p:sp>
+        <p:nvSpPr>
+          <p:cNvPr id="284" name="TextBox 283"/>
+          <p:cNvSpPr txBox="1"/>
+          <p:nvPr/>
+        </p:nvSpPr>
+        <p:spPr>
+          <a:xfrm>
+            <a:off x="202534" y="603544"/>
+            <a:ext cx="1229824" cy="369332"/>
+          </a:xfrm>
+          <a:prstGeom prst="rect">
+            <a:avLst/>
+          </a:prstGeom>
+          <a:noFill/>
+        </p:spPr>
+        <p:txBody>
+          <a:bodyPr wrap="none" rtlCol="0">
+            <a:spAutoFit/>
+          </a:bodyPr>
+          <a:lstStyle/>
+          <a:p>
+            <a:r>
+              <a:rPr lang="en-US" altLang="ko-KR" dirty="0" err="1" smtClean="0"/>
+              <a:t>Enqueue</a:t>
+            </a:r>
+            <a:r>
+              <a:rPr lang="en-US" altLang="ko-KR" dirty="0" smtClean="0"/>
+              <a:t>()</a:t>
+            </a:r>
+            <a:endParaRPr lang="ko-KR" altLang="en-US" dirty="0"/>
+          </a:p>
+        </p:txBody>
+      </p:sp>
+      <p:sp>
+        <p:nvSpPr>
+          <p:cNvPr id="285" name="TextBox 284"/>
+          <p:cNvSpPr txBox="1"/>
+          <p:nvPr/>
+        </p:nvSpPr>
+        <p:spPr>
+          <a:xfrm>
+            <a:off x="6198739" y="517422"/>
+            <a:ext cx="1229824" cy="369332"/>
+          </a:xfrm>
+          <a:prstGeom prst="rect">
+            <a:avLst/>
+          </a:prstGeom>
+          <a:noFill/>
+        </p:spPr>
+        <p:txBody>
+          <a:bodyPr wrap="none" rtlCol="0">
+            <a:spAutoFit/>
+          </a:bodyPr>
+          <a:lstStyle/>
+          <a:p>
+            <a:r>
+              <a:rPr lang="en-US" altLang="ko-KR" dirty="0" err="1"/>
+              <a:t>Enqueue</a:t>
+            </a:r>
+            <a:r>
+              <a:rPr lang="en-US" altLang="ko-KR" dirty="0"/>
+              <a:t>()</a:t>
+            </a:r>
+            <a:endParaRPr lang="ko-KR" altLang="en-US" dirty="0"/>
+          </a:p>
+        </p:txBody>
+      </p:sp>
+      <p:sp>
+        <p:nvSpPr>
+          <p:cNvPr id="288" name="TextBox 287"/>
+          <p:cNvSpPr txBox="1"/>
+          <p:nvPr/>
+        </p:nvSpPr>
+        <p:spPr>
+          <a:xfrm>
+            <a:off x="774510" y="1962982"/>
+            <a:ext cx="644151" cy="369332"/>
+          </a:xfrm>
+          <a:prstGeom prst="rect">
+            <a:avLst/>
+          </a:prstGeom>
+          <a:noFill/>
+        </p:spPr>
+        <p:txBody>
+          <a:bodyPr wrap="none" rtlCol="0">
+            <a:spAutoFit/>
+          </a:bodyPr>
+          <a:lstStyle/>
+          <a:p>
+            <a:r>
+              <a:rPr lang="en-US" altLang="ko-KR" dirty="0" smtClean="0"/>
+              <a:t>Rear</a:t>
+            </a:r>
+            <a:endParaRPr lang="ko-KR" altLang="en-US" dirty="0"/>
+          </a:p>
+        </p:txBody>
+      </p:sp>
+      <p:sp>
+        <p:nvSpPr>
+          <p:cNvPr id="71" name="TextBox 70"/>
+          <p:cNvSpPr txBox="1"/>
+          <p:nvPr/>
+        </p:nvSpPr>
+        <p:spPr>
+          <a:xfrm>
+            <a:off x="692781" y="4144100"/>
+            <a:ext cx="729623" cy="369332"/>
+          </a:xfrm>
+          <a:prstGeom prst="rect">
+            <a:avLst/>
+          </a:prstGeom>
+          <a:noFill/>
+        </p:spPr>
+        <p:txBody>
+          <a:bodyPr wrap="none" rtlCol="0">
+            <a:spAutoFit/>
+          </a:bodyPr>
+          <a:lstStyle/>
+          <a:p>
+            <a:r>
+              <a:rPr lang="en-US" altLang="ko-KR" dirty="0" smtClean="0"/>
+              <a:t>Front</a:t>
+            </a:r>
+            <a:endParaRPr lang="ko-KR" altLang="en-US" dirty="0"/>
+          </a:p>
+        </p:txBody>
+      </p:sp>
+      <p:cxnSp>
+        <p:nvCxnSpPr>
+          <p:cNvPr id="6" name="직선 화살표 연결선 5"/>
+          <p:cNvCxnSpPr>
+            <a:stCxn id="71" idx="0"/>
+          </p:cNvCxnSpPr>
+          <p:nvPr/>
+        </p:nvCxnSpPr>
+        <p:spPr>
+          <a:xfrm flipH="1" flipV="1">
+            <a:off x="1057592" y="2579111"/>
+            <a:ext cx="1" cy="1564989"/>
+          </a:xfrm>
+          <a:prstGeom prst="straightConnector1">
+            <a:avLst/>
+          </a:prstGeom>
+          <a:ln w="28575">
+            <a:solidFill>
+              <a:schemeClr val="accent6"/>
+            </a:solidFill>
+            <a:tailEnd type="triangle"/>
+          </a:ln>
+        </p:spPr>
+        <p:style>
+          <a:lnRef idx="1">
+            <a:schemeClr val="accent1"/>
+          </a:lnRef>
+          <a:fillRef idx="0">
+            <a:schemeClr val="accent1"/>
+          </a:fillRef>
+          <a:effectRef idx="0">
+            <a:schemeClr val="accent1"/>
+          </a:effectRef>
+          <a:fontRef idx="minor">
+            <a:schemeClr val="tx1"/>
+          </a:fontRef>
+        </p:style>
+      </p:cxnSp>
+      <p:sp>
+        <p:nvSpPr>
+          <p:cNvPr id="12" name="TextBox 11"/>
+          <p:cNvSpPr txBox="1"/>
+          <p:nvPr/>
+        </p:nvSpPr>
+        <p:spPr>
+          <a:xfrm>
+            <a:off x="3205892" y="1459830"/>
+            <a:ext cx="1811073" cy="369332"/>
+          </a:xfrm>
+          <a:prstGeom prst="rect">
+            <a:avLst/>
+          </a:prstGeom>
+          <a:noFill/>
+        </p:spPr>
+        <p:txBody>
+          <a:bodyPr wrap="none" rtlCol="0">
+            <a:spAutoFit/>
+          </a:bodyPr>
+          <a:lstStyle/>
+          <a:p>
+            <a:r>
+              <a:rPr lang="en-US" altLang="ko-KR" dirty="0" smtClean="0"/>
+              <a:t>Rear==capacity</a:t>
+            </a:r>
+            <a:endParaRPr lang="ko-KR" altLang="en-US" dirty="0"/>
+          </a:p>
+        </p:txBody>
+      </p:sp>
+      <p:sp>
+        <p:nvSpPr>
+          <p:cNvPr id="79" name="TextBox 78"/>
+          <p:cNvSpPr txBox="1"/>
+          <p:nvPr/>
+        </p:nvSpPr>
+        <p:spPr>
+          <a:xfrm>
+            <a:off x="3657670" y="1855695"/>
+            <a:ext cx="932691" cy="369332"/>
+          </a:xfrm>
+          <a:prstGeom prst="rect">
+            <a:avLst/>
+          </a:prstGeom>
+          <a:noFill/>
+        </p:spPr>
+        <p:txBody>
+          <a:bodyPr wrap="none" rtlCol="0">
+            <a:spAutoFit/>
+          </a:bodyPr>
+          <a:lstStyle/>
+          <a:p>
+            <a:r>
+              <a:rPr lang="en-US" altLang="ko-KR" dirty="0" smtClean="0"/>
+              <a:t>Rear=0</a:t>
+            </a:r>
+            <a:endParaRPr lang="ko-KR" altLang="en-US" dirty="0"/>
+          </a:p>
+        </p:txBody>
+      </p:sp>
+      <p:cxnSp>
+        <p:nvCxnSpPr>
+          <p:cNvPr id="15" name="직선 화살표 연결선 14"/>
+          <p:cNvCxnSpPr>
+            <a:stCxn id="79" idx="2"/>
+          </p:cNvCxnSpPr>
+          <p:nvPr/>
+        </p:nvCxnSpPr>
+        <p:spPr>
+          <a:xfrm flipH="1">
+            <a:off x="4124015" y="2225027"/>
+            <a:ext cx="1" cy="1398036"/>
+          </a:xfrm>
+          <a:prstGeom prst="straightConnector1">
+            <a:avLst/>
+          </a:prstGeom>
+          <a:ln w="28575">
+            <a:solidFill>
+              <a:srgbClr val="FF0000"/>
+            </a:solidFill>
+            <a:tailEnd type="triangle"/>
+          </a:ln>
+        </p:spPr>
+        <p:style>
+          <a:lnRef idx="1">
+            <a:schemeClr val="accent1"/>
+          </a:lnRef>
+          <a:fillRef idx="0">
+            <a:schemeClr val="accent1"/>
+          </a:fillRef>
+          <a:effectRef idx="0">
+            <a:schemeClr val="accent1"/>
+          </a:effectRef>
+          <a:fontRef idx="minor">
+            <a:schemeClr val="tx1"/>
+          </a:fontRef>
+        </p:style>
+      </p:cxnSp>
+      <p:sp>
+        <p:nvSpPr>
+          <p:cNvPr id="85" name="TextBox 84"/>
+          <p:cNvSpPr txBox="1"/>
+          <p:nvPr/>
+        </p:nvSpPr>
+        <p:spPr>
+          <a:xfrm>
+            <a:off x="3876079" y="3659186"/>
+            <a:ext cx="644151" cy="369332"/>
+          </a:xfrm>
+          <a:prstGeom prst="rect">
+            <a:avLst/>
+          </a:prstGeom>
+          <a:noFill/>
+        </p:spPr>
+        <p:txBody>
+          <a:bodyPr wrap="none" rtlCol="0">
+            <a:spAutoFit/>
+          </a:bodyPr>
+          <a:lstStyle/>
+          <a:p>
+            <a:r>
+              <a:rPr lang="en-US" altLang="ko-KR" dirty="0" smtClean="0"/>
+              <a:t>Rear</a:t>
+            </a:r>
+            <a:endParaRPr lang="ko-KR" altLang="en-US" dirty="0"/>
+          </a:p>
+        </p:txBody>
+      </p:sp>
+      <p:sp>
+        <p:nvSpPr>
+          <p:cNvPr id="86" name="굽은 화살표 85"/>
+          <p:cNvSpPr/>
+          <p:nvPr/>
+        </p:nvSpPr>
+        <p:spPr>
+          <a:xfrm flipV="1">
+            <a:off x="8423068" y="4393172"/>
+            <a:ext cx="695221" cy="663526"/>
+          </a:xfrm>
+          <a:prstGeom prst="bentArrow">
+            <a:avLst/>
+          </a:prstGeom>
+          <a:solidFill>
+            <a:schemeClr val="accent6"/>
+          </a:solidFill>
+        </p:spPr>
+        <p:style>
+          <a:lnRef idx="2">
+            <a:schemeClr val="accent1">
+              <a:shade val="50000"/>
+            </a:schemeClr>
+          </a:lnRef>
+          <a:fillRef idx="1">
+            <a:schemeClr val="accent1"/>
+          </a:fillRef>
+          <a:effectRef idx="0">
+            <a:schemeClr val="accent1"/>
+          </a:effectRef>
+          <a:fontRef idx="minor">
+            <a:schemeClr val="lt1"/>
+          </a:fontRef>
+        </p:style>
+        <p:txBody>
+          <a:bodyPr rtlCol="0" anchor="ctr"/>
+          <a:lstStyle/>
+          <a:p>
+            <a:pPr algn="ctr"/>
+            <a:endParaRPr lang="ko-KR" altLang="en-US">
+              <a:solidFill>
+                <a:schemeClr val="tx1"/>
+              </a:solidFill>
+            </a:endParaRPr>
+          </a:p>
+        </p:txBody>
+      </p:sp>
+      <p:cxnSp>
+        <p:nvCxnSpPr>
+          <p:cNvPr id="89" name="직선 화살표 연결선 88"/>
+          <p:cNvCxnSpPr>
+            <a:stCxn id="224" idx="0"/>
+          </p:cNvCxnSpPr>
+          <p:nvPr/>
+        </p:nvCxnSpPr>
+        <p:spPr>
+          <a:xfrm flipH="1" flipV="1">
+            <a:off x="6662773" y="1176879"/>
+            <a:ext cx="1850127" cy="982144"/>
+          </a:xfrm>
+          <a:prstGeom prst="straightConnector1">
+            <a:avLst/>
+          </a:prstGeom>
+          <a:ln w="76200">
+            <a:solidFill>
+              <a:schemeClr val="bg2"/>
+            </a:solidFill>
+            <a:tailEnd type="triangle"/>
+          </a:ln>
+        </p:spPr>
+        <p:style>
+          <a:lnRef idx="1">
+            <a:schemeClr val="accent1"/>
+          </a:lnRef>
+          <a:fillRef idx="0">
+            <a:schemeClr val="accent1"/>
+          </a:fillRef>
+          <a:effectRef idx="0">
+            <a:schemeClr val="accent1"/>
+          </a:effectRef>
+          <a:fontRef idx="minor">
+            <a:schemeClr val="tx1"/>
+          </a:fontRef>
+        </p:style>
+      </p:cxnSp>
+      <p:sp>
+        <p:nvSpPr>
+          <p:cNvPr id="91" name="TextBox 90"/>
+          <p:cNvSpPr txBox="1"/>
+          <p:nvPr/>
+        </p:nvSpPr>
+        <p:spPr>
+          <a:xfrm>
+            <a:off x="5195718" y="1009134"/>
+            <a:ext cx="644151" cy="369332"/>
+          </a:xfrm>
+          <a:prstGeom prst="rect">
+            <a:avLst/>
+          </a:prstGeom>
+          <a:noFill/>
+        </p:spPr>
+        <p:txBody>
+          <a:bodyPr wrap="none" rtlCol="0">
+            <a:spAutoFit/>
+          </a:bodyPr>
+          <a:lstStyle/>
+          <a:p>
+            <a:r>
+              <a:rPr lang="en-US" altLang="ko-KR" dirty="0" smtClean="0"/>
+              <a:t>Rear</a:t>
+            </a:r>
+            <a:endParaRPr lang="ko-KR" altLang="en-US" dirty="0"/>
+          </a:p>
+        </p:txBody>
+      </p:sp>
+      <p:cxnSp>
+        <p:nvCxnSpPr>
+          <p:cNvPr id="92" name="직선 화살표 연결선 91"/>
+          <p:cNvCxnSpPr>
+            <a:stCxn id="280" idx="0"/>
+            <a:endCxn id="91" idx="2"/>
+          </p:cNvCxnSpPr>
+          <p:nvPr/>
+        </p:nvCxnSpPr>
+        <p:spPr>
+          <a:xfrm flipH="1" flipV="1">
+            <a:off x="5517794" y="1378466"/>
+            <a:ext cx="1189095" cy="622183"/>
+          </a:xfrm>
+          <a:prstGeom prst="straightConnector1">
+            <a:avLst/>
+          </a:prstGeom>
+          <a:ln w="28575">
+            <a:solidFill>
+              <a:srgbClr val="FF0000"/>
+            </a:solidFill>
+            <a:tailEnd type="triangle"/>
+          </a:ln>
+        </p:spPr>
+        <p:style>
+          <a:lnRef idx="1">
+            <a:schemeClr val="accent1"/>
+          </a:lnRef>
+          <a:fillRef idx="0">
+            <a:schemeClr val="accent1"/>
+          </a:fillRef>
+          <a:effectRef idx="0">
+            <a:schemeClr val="accent1"/>
+          </a:effectRef>
+          <a:fontRef idx="minor">
+            <a:schemeClr val="tx1"/>
+          </a:fontRef>
+        </p:style>
+      </p:cxnSp>
+      <p:cxnSp>
+        <p:nvCxnSpPr>
+          <p:cNvPr id="95" name="직선 화살표 연결선 94"/>
+          <p:cNvCxnSpPr>
+            <a:stCxn id="276" idx="0"/>
+          </p:cNvCxnSpPr>
+          <p:nvPr/>
+        </p:nvCxnSpPr>
+        <p:spPr>
+          <a:xfrm flipH="1" flipV="1">
+            <a:off x="6586360" y="2760294"/>
+            <a:ext cx="13371" cy="1392677"/>
+          </a:xfrm>
+          <a:prstGeom prst="straightConnector1">
+            <a:avLst/>
+          </a:prstGeom>
+          <a:ln w="28575">
+            <a:solidFill>
+              <a:schemeClr val="accent6"/>
+            </a:solidFill>
+            <a:tailEnd type="triangle"/>
+          </a:ln>
+        </p:spPr>
+        <p:style>
+          <a:lnRef idx="1">
+            <a:schemeClr val="accent1"/>
+          </a:lnRef>
+          <a:fillRef idx="0">
+            <a:schemeClr val="accent1"/>
+          </a:fillRef>
+          <a:effectRef idx="0">
+            <a:schemeClr val="accent1"/>
+          </a:effectRef>
+          <a:fontRef idx="minor">
+            <a:schemeClr val="tx1"/>
+          </a:fontRef>
+        </p:style>
+      </p:cxnSp>
+      <p:sp>
+        <p:nvSpPr>
+          <p:cNvPr id="99" name="TextBox 98"/>
+          <p:cNvSpPr txBox="1"/>
+          <p:nvPr/>
+        </p:nvSpPr>
+        <p:spPr>
+          <a:xfrm>
+            <a:off x="9383940" y="4180114"/>
+            <a:ext cx="1266693" cy="369332"/>
+          </a:xfrm>
+          <a:prstGeom prst="rect">
+            <a:avLst/>
+          </a:prstGeom>
+          <a:noFill/>
+        </p:spPr>
+        <p:txBody>
+          <a:bodyPr wrap="none" rtlCol="0">
+            <a:spAutoFit/>
+          </a:bodyPr>
+          <a:lstStyle/>
+          <a:p>
+            <a:r>
+              <a:rPr lang="en-US" altLang="ko-KR" dirty="0" err="1" smtClean="0"/>
+              <a:t>Dequeue</a:t>
+            </a:r>
+            <a:r>
+              <a:rPr lang="en-US" altLang="ko-KR" dirty="0" smtClean="0"/>
+              <a:t>()</a:t>
+            </a:r>
+            <a:endParaRPr lang="ko-KR" altLang="en-US" dirty="0"/>
+          </a:p>
+        </p:txBody>
+      </p:sp>
+    </p:spTree>
+    <p:extLst>
+      <p:ext uri="{BB962C8B-B14F-4D97-AF65-F5344CB8AC3E}">
+        <p14:creationId xmlns:p14="http://schemas.microsoft.com/office/powerpoint/2010/main" val="2300078058"/>
+      </p:ext>
+    </p:extLst>
+  </p:cSld>
+  <p:clrMapOvr>
+    <a:masterClrMapping/>
+  </p:clrMapOvr>
+</p:sld>
+</file>
+
 <file path=ppt/theme/theme1.xml><?xml version="1.0" encoding="utf-8"?>
 <a:theme xmlns:a="http://schemas.openxmlformats.org/drawingml/2006/main" name="Office 테마">
   <a:themeElements>

--- a/자료구조 알고리즘 복습용.pptx
+++ b/자료구조 알고리즘 복습용.pptx
@@ -9,6 +9,7 @@
     <p:sldId id="257" r:id="rId3"/>
     <p:sldId id="259" r:id="rId4"/>
     <p:sldId id="260" r:id="rId5"/>
+    <p:sldId id="261" r:id="rId6"/>
   </p:sldIdLst>
   <p:sldSz cx="12192000" cy="6858000"/>
   <p:notesSz cx="6858000" cy="9144000"/>
@@ -246,7 +247,7 @@
           <a:p>
             <a:fld id="{155859AF-D2E8-431F-B81F-360B43E3F9C2}" type="datetimeFigureOut">
               <a:rPr lang="ko-KR" altLang="en-US" smtClean="0"/>
-              <a:t>2022-11-06</a:t>
+              <a:t>2022-11-09</a:t>
             </a:fld>
             <a:endParaRPr lang="ko-KR" altLang="en-US"/>
           </a:p>
@@ -416,7 +417,7 @@
           <a:p>
             <a:fld id="{155859AF-D2E8-431F-B81F-360B43E3F9C2}" type="datetimeFigureOut">
               <a:rPr lang="ko-KR" altLang="en-US" smtClean="0"/>
-              <a:t>2022-11-06</a:t>
+              <a:t>2022-11-09</a:t>
             </a:fld>
             <a:endParaRPr lang="ko-KR" altLang="en-US"/>
           </a:p>
@@ -596,7 +597,7 @@
           <a:p>
             <a:fld id="{155859AF-D2E8-431F-B81F-360B43E3F9C2}" type="datetimeFigureOut">
               <a:rPr lang="ko-KR" altLang="en-US" smtClean="0"/>
-              <a:t>2022-11-06</a:t>
+              <a:t>2022-11-09</a:t>
             </a:fld>
             <a:endParaRPr lang="ko-KR" altLang="en-US"/>
           </a:p>
@@ -766,7 +767,7 @@
           <a:p>
             <a:fld id="{155859AF-D2E8-431F-B81F-360B43E3F9C2}" type="datetimeFigureOut">
               <a:rPr lang="ko-KR" altLang="en-US" smtClean="0"/>
-              <a:t>2022-11-06</a:t>
+              <a:t>2022-11-09</a:t>
             </a:fld>
             <a:endParaRPr lang="ko-KR" altLang="en-US"/>
           </a:p>
@@ -1012,7 +1013,7 @@
           <a:p>
             <a:fld id="{155859AF-D2E8-431F-B81F-360B43E3F9C2}" type="datetimeFigureOut">
               <a:rPr lang="ko-KR" altLang="en-US" smtClean="0"/>
-              <a:t>2022-11-06</a:t>
+              <a:t>2022-11-09</a:t>
             </a:fld>
             <a:endParaRPr lang="ko-KR" altLang="en-US"/>
           </a:p>
@@ -1244,7 +1245,7 @@
           <a:p>
             <a:fld id="{155859AF-D2E8-431F-B81F-360B43E3F9C2}" type="datetimeFigureOut">
               <a:rPr lang="ko-KR" altLang="en-US" smtClean="0"/>
-              <a:t>2022-11-06</a:t>
+              <a:t>2022-11-09</a:t>
             </a:fld>
             <a:endParaRPr lang="ko-KR" altLang="en-US"/>
           </a:p>
@@ -1611,7 +1612,7 @@
           <a:p>
             <a:fld id="{155859AF-D2E8-431F-B81F-360B43E3F9C2}" type="datetimeFigureOut">
               <a:rPr lang="ko-KR" altLang="en-US" smtClean="0"/>
-              <a:t>2022-11-06</a:t>
+              <a:t>2022-11-09</a:t>
             </a:fld>
             <a:endParaRPr lang="ko-KR" altLang="en-US"/>
           </a:p>
@@ -1729,7 +1730,7 @@
           <a:p>
             <a:fld id="{155859AF-D2E8-431F-B81F-360B43E3F9C2}" type="datetimeFigureOut">
               <a:rPr lang="ko-KR" altLang="en-US" smtClean="0"/>
-              <a:t>2022-11-06</a:t>
+              <a:t>2022-11-09</a:t>
             </a:fld>
             <a:endParaRPr lang="ko-KR" altLang="en-US"/>
           </a:p>
@@ -1824,7 +1825,7 @@
           <a:p>
             <a:fld id="{155859AF-D2E8-431F-B81F-360B43E3F9C2}" type="datetimeFigureOut">
               <a:rPr lang="ko-KR" altLang="en-US" smtClean="0"/>
-              <a:t>2022-11-06</a:t>
+              <a:t>2022-11-09</a:t>
             </a:fld>
             <a:endParaRPr lang="ko-KR" altLang="en-US"/>
           </a:p>
@@ -2101,7 +2102,7 @@
           <a:p>
             <a:fld id="{155859AF-D2E8-431F-B81F-360B43E3F9C2}" type="datetimeFigureOut">
               <a:rPr lang="ko-KR" altLang="en-US" smtClean="0"/>
-              <a:t>2022-11-06</a:t>
+              <a:t>2022-11-09</a:t>
             </a:fld>
             <a:endParaRPr lang="ko-KR" altLang="en-US"/>
           </a:p>
@@ -2354,7 +2355,7 @@
           <a:p>
             <a:fld id="{155859AF-D2E8-431F-B81F-360B43E3F9C2}" type="datetimeFigureOut">
               <a:rPr lang="ko-KR" altLang="en-US" smtClean="0"/>
-              <a:t>2022-11-06</a:t>
+              <a:t>2022-11-09</a:t>
             </a:fld>
             <a:endParaRPr lang="ko-KR" altLang="en-US"/>
           </a:p>
@@ -2567,7 +2568,7 @@
           <a:p>
             <a:fld id="{155859AF-D2E8-431F-B81F-360B43E3F9C2}" type="datetimeFigureOut">
               <a:rPr lang="ko-KR" altLang="en-US" smtClean="0"/>
-              <a:t>2022-11-06</a:t>
+              <a:t>2022-11-09</a:t>
             </a:fld>
             <a:endParaRPr lang="ko-KR" altLang="en-US"/>
           </a:p>
@@ -14610,11 +14611,7 @@
             </a:r>
             <a:r>
               <a:rPr lang="ko-KR" altLang="en-US" sz="1400" dirty="0" smtClean="0"/>
-              <a:t>를 저장하여 </a:t>
-            </a:r>
-            <a:r>
-              <a:rPr lang="ko-KR" altLang="en-US" sz="1400" dirty="0" smtClean="0"/>
-              <a:t>먼저 넣은 데이터를 먼저 꺼내는 구조</a:t>
+              <a:t>를 저장하여 먼저 넣은 데이터를 먼저 꺼내는 구조</a:t>
             </a:r>
             <a:r>
               <a:rPr lang="en-US" altLang="ko-KR" sz="1400" dirty="0" smtClean="0"/>
@@ -14626,11 +14623,7 @@
             </a:r>
             <a:r>
               <a:rPr lang="en-US" altLang="ko-KR" sz="1400" dirty="0" smtClean="0"/>
-              <a:t>)</a:t>
-            </a:r>
-            <a:r>
-              <a:rPr lang="en-US" altLang="ko-KR" sz="1400" dirty="0" smtClean="0"/>
-              <a:t>. </a:t>
+              <a:t>). </a:t>
             </a:r>
           </a:p>
           <a:p>
@@ -16154,19 +16147,11 @@
           <a:p>
             <a:r>
               <a:rPr lang="en-US" altLang="ko-KR" sz="1400" dirty="0" smtClean="0"/>
-              <a:t>Linked </a:t>
-            </a:r>
-            <a:r>
-              <a:rPr lang="en-US" altLang="ko-KR" sz="1400" dirty="0" smtClean="0"/>
-              <a:t>List</a:t>
+              <a:t>Linked List</a:t>
             </a:r>
             <a:r>
               <a:rPr lang="ko-KR" altLang="en-US" sz="1400" dirty="0" smtClean="0"/>
-              <a:t>구조</a:t>
-            </a:r>
-            <a:r>
-              <a:rPr lang="ko-KR" altLang="en-US" sz="1400" dirty="0" smtClean="0"/>
-              <a:t>를 사용한 </a:t>
+              <a:t>구조를 사용한 </a:t>
             </a:r>
             <a:r>
               <a:rPr lang="en-US" altLang="ko-KR" sz="1400" dirty="0" smtClean="0"/>
@@ -16174,11 +16159,7 @@
             </a:r>
             <a:r>
               <a:rPr lang="ko-KR" altLang="en-US" sz="1400" dirty="0" smtClean="0"/>
-              <a:t>로</a:t>
-            </a:r>
-            <a:r>
-              <a:rPr lang="ko-KR" altLang="en-US" sz="1400" dirty="0" smtClean="0"/>
-              <a:t> </a:t>
+              <a:t>로 </a:t>
             </a:r>
             <a:r>
               <a:rPr lang="en-US" altLang="ko-KR" sz="1400" dirty="0" smtClean="0"/>
@@ -16214,11 +16195,7 @@
             </a:r>
             <a:r>
               <a:rPr lang="ko-KR" altLang="en-US" sz="1400" dirty="0" smtClean="0"/>
-              <a:t>보다 </a:t>
-            </a:r>
-            <a:r>
-              <a:rPr lang="ko-KR" altLang="en-US" sz="1400" dirty="0" smtClean="0"/>
-              <a:t>속도가 느리지만</a:t>
+              <a:t>보다 속도가 느리지만</a:t>
             </a:r>
             <a:r>
               <a:rPr lang="en-US" altLang="ko-KR" sz="1400" dirty="0" smtClean="0"/>
@@ -16226,11 +16203,7 @@
             </a:r>
             <a:r>
               <a:rPr lang="ko-KR" altLang="en-US" sz="1400" dirty="0" smtClean="0"/>
-              <a:t>메모리 </a:t>
-            </a:r>
-            <a:r>
-              <a:rPr lang="ko-KR" altLang="en-US" sz="1400" dirty="0" smtClean="0"/>
-              <a:t>할당과 해제가 자유롭다</a:t>
+              <a:t>메모리 할당과 해제가 자유롭다</a:t>
             </a:r>
             <a:r>
               <a:rPr lang="en-US" altLang="ko-KR" sz="1400" dirty="0" smtClean="0"/>
@@ -16930,6 +16903,2050 @@
     <p:extLst>
       <p:ext uri="{BB962C8B-B14F-4D97-AF65-F5344CB8AC3E}">
         <p14:creationId xmlns:p14="http://schemas.microsoft.com/office/powerpoint/2010/main" val="2300078058"/>
+      </p:ext>
+    </p:extLst>
+  </p:cSld>
+  <p:clrMapOvr>
+    <a:masterClrMapping/>
+  </p:clrMapOvr>
+</p:sld>
+</file>
+
+<file path=ppt/slides/slide5.xml><?xml version="1.0" encoding="utf-8"?>
+<p:sld xmlns:a="http://schemas.openxmlformats.org/drawingml/2006/main" xmlns:r="http://schemas.openxmlformats.org/officeDocument/2006/relationships" xmlns:p="http://schemas.openxmlformats.org/presentationml/2006/main">
+  <p:cSld>
+    <p:spTree>
+      <p:nvGrpSpPr>
+        <p:cNvPr id="1" name=""/>
+        <p:cNvGrpSpPr/>
+        <p:nvPr/>
+      </p:nvGrpSpPr>
+      <p:grpSpPr>
+        <a:xfrm>
+          <a:off x="0" y="0"/>
+          <a:ext cx="0" cy="0"/>
+          <a:chOff x="0" y="0"/>
+          <a:chExt cx="0" cy="0"/>
+        </a:xfrm>
+      </p:grpSpPr>
+      <p:sp>
+        <p:nvSpPr>
+          <p:cNvPr id="4" name="TextBox 3"/>
+          <p:cNvSpPr txBox="1"/>
+          <p:nvPr/>
+        </p:nvSpPr>
+        <p:spPr>
+          <a:xfrm>
+            <a:off x="246845" y="30355"/>
+            <a:ext cx="4096058" cy="461665"/>
+          </a:xfrm>
+          <a:prstGeom prst="rect">
+            <a:avLst/>
+          </a:prstGeom>
+          <a:noFill/>
+        </p:spPr>
+        <p:txBody>
+          <a:bodyPr wrap="none" rtlCol="0">
+            <a:spAutoFit/>
+          </a:bodyPr>
+          <a:lstStyle/>
+          <a:p>
+            <a:r>
+              <a:rPr lang="en-US" altLang="ko-KR" sz="2400" dirty="0"/>
+              <a:t>Left Child Right </a:t>
+            </a:r>
+            <a:r>
+              <a:rPr lang="en-US" altLang="ko-KR" sz="2400" dirty="0" smtClean="0"/>
+              <a:t>Sibling</a:t>
+            </a:r>
+            <a:r>
+              <a:rPr lang="ko-KR" altLang="en-US" sz="2400" dirty="0" smtClean="0"/>
+              <a:t> </a:t>
+            </a:r>
+            <a:r>
+              <a:rPr lang="en-US" altLang="ko-KR" sz="2400" dirty="0" smtClean="0"/>
+              <a:t>Tree</a:t>
+            </a:r>
+            <a:endParaRPr lang="ko-KR" altLang="en-US" sz="2400" dirty="0"/>
+          </a:p>
+        </p:txBody>
+      </p:sp>
+      <p:grpSp>
+        <p:nvGrpSpPr>
+          <p:cNvPr id="3" name="그룹 2"/>
+          <p:cNvGrpSpPr/>
+          <p:nvPr/>
+        </p:nvGrpSpPr>
+        <p:grpSpPr>
+          <a:xfrm>
+            <a:off x="3970844" y="492020"/>
+            <a:ext cx="2511598" cy="996043"/>
+            <a:chOff x="443873" y="849086"/>
+            <a:chExt cx="2443399" cy="996043"/>
+          </a:xfrm>
+        </p:grpSpPr>
+        <p:sp>
+          <p:nvSpPr>
+            <p:cNvPr id="5" name="직사각형 4"/>
+            <p:cNvSpPr/>
+            <p:nvPr/>
+          </p:nvSpPr>
+          <p:spPr>
+            <a:xfrm>
+              <a:off x="1250927" y="1274644"/>
+              <a:ext cx="822135" cy="570485"/>
+            </a:xfrm>
+            <a:prstGeom prst="rect">
+              <a:avLst/>
+            </a:prstGeom>
+          </p:spPr>
+          <p:style>
+            <a:lnRef idx="2">
+              <a:schemeClr val="accent1">
+                <a:shade val="50000"/>
+              </a:schemeClr>
+            </a:lnRef>
+            <a:fillRef idx="1">
+              <a:schemeClr val="accent1"/>
+            </a:fillRef>
+            <a:effectRef idx="0">
+              <a:schemeClr val="accent1"/>
+            </a:effectRef>
+            <a:fontRef idx="minor">
+              <a:schemeClr val="lt1"/>
+            </a:fontRef>
+          </p:style>
+          <p:txBody>
+            <a:bodyPr rtlCol="0" anchor="ctr"/>
+            <a:lstStyle/>
+            <a:p>
+              <a:pPr algn="ctr"/>
+              <a:r>
+                <a:rPr lang="en-US" altLang="ko-KR" sz="1400" dirty="0" smtClean="0"/>
+                <a:t>(data)</a:t>
+              </a:r>
+              <a:endParaRPr lang="ko-KR" altLang="en-US" sz="1400" dirty="0"/>
+            </a:p>
+          </p:txBody>
+        </p:sp>
+        <p:sp>
+          <p:nvSpPr>
+            <p:cNvPr id="6" name="직사각형 5"/>
+            <p:cNvSpPr/>
+            <p:nvPr/>
+          </p:nvSpPr>
+          <p:spPr>
+            <a:xfrm>
+              <a:off x="2080219" y="1274644"/>
+              <a:ext cx="807053" cy="570485"/>
+            </a:xfrm>
+            <a:prstGeom prst="rect">
+              <a:avLst/>
+            </a:prstGeom>
+            <a:solidFill>
+              <a:srgbClr val="FF0000"/>
+            </a:solidFill>
+          </p:spPr>
+          <p:style>
+            <a:lnRef idx="2">
+              <a:schemeClr val="accent1">
+                <a:shade val="50000"/>
+              </a:schemeClr>
+            </a:lnRef>
+            <a:fillRef idx="1">
+              <a:schemeClr val="accent1"/>
+            </a:fillRef>
+            <a:effectRef idx="0">
+              <a:schemeClr val="accent1"/>
+            </a:effectRef>
+            <a:fontRef idx="minor">
+              <a:schemeClr val="lt1"/>
+            </a:fontRef>
+          </p:style>
+          <p:txBody>
+            <a:bodyPr rtlCol="0" anchor="ctr"/>
+            <a:lstStyle/>
+            <a:p>
+              <a:pPr algn="ctr"/>
+              <a:r>
+                <a:rPr lang="en-US" altLang="ko-KR" sz="1400" dirty="0" smtClean="0"/>
+                <a:t>Right</a:t>
+              </a:r>
+              <a:br>
+                <a:rPr lang="en-US" altLang="ko-KR" sz="1400" dirty="0" smtClean="0"/>
+              </a:br>
+              <a:r>
+                <a:rPr lang="en-US" altLang="ko-KR" sz="1400" dirty="0" err="1"/>
+                <a:t>Sibiling</a:t>
+              </a:r>
+              <a:endParaRPr lang="ko-KR" altLang="en-US" sz="1400" dirty="0"/>
+            </a:p>
+          </p:txBody>
+        </p:sp>
+        <p:sp>
+          <p:nvSpPr>
+            <p:cNvPr id="7" name="직사각형 6"/>
+            <p:cNvSpPr/>
+            <p:nvPr/>
+          </p:nvSpPr>
+          <p:spPr>
+            <a:xfrm>
+              <a:off x="443876" y="849086"/>
+              <a:ext cx="2443396" cy="425558"/>
+            </a:xfrm>
+            <a:prstGeom prst="rect">
+              <a:avLst/>
+            </a:prstGeom>
+          </p:spPr>
+          <p:style>
+            <a:lnRef idx="2">
+              <a:schemeClr val="accent1">
+                <a:shade val="50000"/>
+              </a:schemeClr>
+            </a:lnRef>
+            <a:fillRef idx="1">
+              <a:schemeClr val="accent1"/>
+            </a:fillRef>
+            <a:effectRef idx="0">
+              <a:schemeClr val="accent1"/>
+            </a:effectRef>
+            <a:fontRef idx="minor">
+              <a:schemeClr val="lt1"/>
+            </a:fontRef>
+          </p:style>
+          <p:txBody>
+            <a:bodyPr rtlCol="0" anchor="ctr"/>
+            <a:lstStyle/>
+            <a:p>
+              <a:pPr algn="ctr"/>
+              <a:r>
+                <a:rPr lang="en-US" altLang="ko-KR" dirty="0" smtClean="0"/>
+                <a:t>Node</a:t>
+              </a:r>
+              <a:endParaRPr lang="ko-KR" altLang="en-US" dirty="0"/>
+            </a:p>
+          </p:txBody>
+        </p:sp>
+        <p:sp>
+          <p:nvSpPr>
+            <p:cNvPr id="83" name="직사각형 82"/>
+            <p:cNvSpPr/>
+            <p:nvPr/>
+          </p:nvSpPr>
+          <p:spPr>
+            <a:xfrm>
+              <a:off x="443873" y="1274644"/>
+              <a:ext cx="807053" cy="570485"/>
+            </a:xfrm>
+            <a:prstGeom prst="rect">
+              <a:avLst/>
+            </a:prstGeom>
+            <a:solidFill>
+              <a:schemeClr val="accent6"/>
+            </a:solidFill>
+          </p:spPr>
+          <p:style>
+            <a:lnRef idx="2">
+              <a:schemeClr val="accent1">
+                <a:shade val="50000"/>
+              </a:schemeClr>
+            </a:lnRef>
+            <a:fillRef idx="1">
+              <a:schemeClr val="accent1"/>
+            </a:fillRef>
+            <a:effectRef idx="0">
+              <a:schemeClr val="accent1"/>
+            </a:effectRef>
+            <a:fontRef idx="minor">
+              <a:schemeClr val="lt1"/>
+            </a:fontRef>
+          </p:style>
+          <p:txBody>
+            <a:bodyPr rtlCol="0" anchor="ctr"/>
+            <a:lstStyle/>
+            <a:p>
+              <a:pPr algn="ctr"/>
+              <a:r>
+                <a:rPr lang="en-US" altLang="ko-KR" sz="1400" dirty="0" smtClean="0"/>
+                <a:t>Left</a:t>
+              </a:r>
+              <a:br>
+                <a:rPr lang="en-US" altLang="ko-KR" sz="1400" dirty="0" smtClean="0"/>
+              </a:br>
+              <a:r>
+                <a:rPr lang="en-US" altLang="ko-KR" sz="1400" dirty="0"/>
+                <a:t>Child</a:t>
+              </a:r>
+              <a:endParaRPr lang="ko-KR" altLang="en-US" sz="1400" dirty="0"/>
+            </a:p>
+          </p:txBody>
+        </p:sp>
+      </p:grpSp>
+      <p:cxnSp>
+        <p:nvCxnSpPr>
+          <p:cNvPr id="163" name="직선 화살표 연결선 162"/>
+          <p:cNvCxnSpPr>
+            <a:stCxn id="168" idx="3"/>
+            <a:endCxn id="174" idx="1"/>
+          </p:cNvCxnSpPr>
+          <p:nvPr/>
+        </p:nvCxnSpPr>
+        <p:spPr>
+          <a:xfrm>
+            <a:off x="5222965" y="2510854"/>
+            <a:ext cx="598228" cy="8058"/>
+          </a:xfrm>
+          <a:prstGeom prst="straightConnector1">
+            <a:avLst/>
+          </a:prstGeom>
+          <a:ln w="28575">
+            <a:solidFill>
+              <a:srgbClr val="FF0000"/>
+            </a:solidFill>
+            <a:tailEnd type="triangle"/>
+          </a:ln>
+        </p:spPr>
+        <p:style>
+          <a:lnRef idx="1">
+            <a:schemeClr val="accent1"/>
+          </a:lnRef>
+          <a:fillRef idx="0">
+            <a:schemeClr val="accent1"/>
+          </a:fillRef>
+          <a:effectRef idx="0">
+            <a:schemeClr val="accent1"/>
+          </a:effectRef>
+          <a:fontRef idx="minor">
+            <a:schemeClr val="tx1"/>
+          </a:fontRef>
+        </p:style>
+      </p:cxnSp>
+      <p:cxnSp>
+        <p:nvCxnSpPr>
+          <p:cNvPr id="164" name="직선 화살표 연결선 163"/>
+          <p:cNvCxnSpPr>
+            <a:stCxn id="83" idx="2"/>
+            <a:endCxn id="169" idx="0"/>
+          </p:cNvCxnSpPr>
+          <p:nvPr/>
+        </p:nvCxnSpPr>
+        <p:spPr>
+          <a:xfrm flipH="1">
+            <a:off x="3967168" y="1488063"/>
+            <a:ext cx="418466" cy="311990"/>
+          </a:xfrm>
+          <a:prstGeom prst="straightConnector1">
+            <a:avLst/>
+          </a:prstGeom>
+          <a:ln w="28575">
+            <a:solidFill>
+              <a:schemeClr val="accent6"/>
+            </a:solidFill>
+            <a:tailEnd type="triangle"/>
+          </a:ln>
+        </p:spPr>
+        <p:style>
+          <a:lnRef idx="1">
+            <a:schemeClr val="accent1"/>
+          </a:lnRef>
+          <a:fillRef idx="0">
+            <a:schemeClr val="accent1"/>
+          </a:fillRef>
+          <a:effectRef idx="0">
+            <a:schemeClr val="accent1"/>
+          </a:effectRef>
+          <a:fontRef idx="minor">
+            <a:schemeClr val="tx1"/>
+          </a:fontRef>
+        </p:style>
+      </p:cxnSp>
+      <p:grpSp>
+        <p:nvGrpSpPr>
+          <p:cNvPr id="166" name="그룹 165"/>
+          <p:cNvGrpSpPr/>
+          <p:nvPr/>
+        </p:nvGrpSpPr>
+        <p:grpSpPr>
+          <a:xfrm>
+            <a:off x="2711367" y="1800053"/>
+            <a:ext cx="2511598" cy="996043"/>
+            <a:chOff x="443873" y="849086"/>
+            <a:chExt cx="2443399" cy="996043"/>
+          </a:xfrm>
+        </p:grpSpPr>
+        <p:sp>
+          <p:nvSpPr>
+            <p:cNvPr id="167" name="직사각형 166"/>
+            <p:cNvSpPr/>
+            <p:nvPr/>
+          </p:nvSpPr>
+          <p:spPr>
+            <a:xfrm>
+              <a:off x="1250927" y="1274644"/>
+              <a:ext cx="822135" cy="570485"/>
+            </a:xfrm>
+            <a:prstGeom prst="rect">
+              <a:avLst/>
+            </a:prstGeom>
+          </p:spPr>
+          <p:style>
+            <a:lnRef idx="2">
+              <a:schemeClr val="accent1">
+                <a:shade val="50000"/>
+              </a:schemeClr>
+            </a:lnRef>
+            <a:fillRef idx="1">
+              <a:schemeClr val="accent1"/>
+            </a:fillRef>
+            <a:effectRef idx="0">
+              <a:schemeClr val="accent1"/>
+            </a:effectRef>
+            <a:fontRef idx="minor">
+              <a:schemeClr val="lt1"/>
+            </a:fontRef>
+          </p:style>
+          <p:txBody>
+            <a:bodyPr rtlCol="0" anchor="ctr"/>
+            <a:lstStyle/>
+            <a:p>
+              <a:pPr algn="ctr"/>
+              <a:r>
+                <a:rPr lang="en-US" altLang="ko-KR" sz="1400" dirty="0" smtClean="0"/>
+                <a:t>(data)</a:t>
+              </a:r>
+              <a:endParaRPr lang="ko-KR" altLang="en-US" sz="1400" dirty="0"/>
+            </a:p>
+          </p:txBody>
+        </p:sp>
+        <p:sp>
+          <p:nvSpPr>
+            <p:cNvPr id="168" name="직사각형 167"/>
+            <p:cNvSpPr/>
+            <p:nvPr/>
+          </p:nvSpPr>
+          <p:spPr>
+            <a:xfrm>
+              <a:off x="2080219" y="1274644"/>
+              <a:ext cx="807053" cy="570485"/>
+            </a:xfrm>
+            <a:prstGeom prst="rect">
+              <a:avLst/>
+            </a:prstGeom>
+            <a:solidFill>
+              <a:srgbClr val="FF0000"/>
+            </a:solidFill>
+          </p:spPr>
+          <p:style>
+            <a:lnRef idx="2">
+              <a:schemeClr val="accent1">
+                <a:shade val="50000"/>
+              </a:schemeClr>
+            </a:lnRef>
+            <a:fillRef idx="1">
+              <a:schemeClr val="accent1"/>
+            </a:fillRef>
+            <a:effectRef idx="0">
+              <a:schemeClr val="accent1"/>
+            </a:effectRef>
+            <a:fontRef idx="minor">
+              <a:schemeClr val="lt1"/>
+            </a:fontRef>
+          </p:style>
+          <p:txBody>
+            <a:bodyPr rtlCol="0" anchor="ctr"/>
+            <a:lstStyle/>
+            <a:p>
+              <a:pPr algn="ctr"/>
+              <a:r>
+                <a:rPr lang="en-US" altLang="ko-KR" sz="1400" dirty="0" smtClean="0"/>
+                <a:t>Right</a:t>
+              </a:r>
+              <a:br>
+                <a:rPr lang="en-US" altLang="ko-KR" sz="1400" dirty="0" smtClean="0"/>
+              </a:br>
+              <a:r>
+                <a:rPr lang="en-US" altLang="ko-KR" sz="1400" dirty="0" err="1"/>
+                <a:t>Sibiling</a:t>
+              </a:r>
+              <a:endParaRPr lang="ko-KR" altLang="en-US" sz="1400" dirty="0"/>
+            </a:p>
+          </p:txBody>
+        </p:sp>
+        <p:sp>
+          <p:nvSpPr>
+            <p:cNvPr id="169" name="직사각형 168"/>
+            <p:cNvSpPr/>
+            <p:nvPr/>
+          </p:nvSpPr>
+          <p:spPr>
+            <a:xfrm>
+              <a:off x="443876" y="849086"/>
+              <a:ext cx="2443396" cy="425558"/>
+            </a:xfrm>
+            <a:prstGeom prst="rect">
+              <a:avLst/>
+            </a:prstGeom>
+          </p:spPr>
+          <p:style>
+            <a:lnRef idx="2">
+              <a:schemeClr val="accent1">
+                <a:shade val="50000"/>
+              </a:schemeClr>
+            </a:lnRef>
+            <a:fillRef idx="1">
+              <a:schemeClr val="accent1"/>
+            </a:fillRef>
+            <a:effectRef idx="0">
+              <a:schemeClr val="accent1"/>
+            </a:effectRef>
+            <a:fontRef idx="minor">
+              <a:schemeClr val="lt1"/>
+            </a:fontRef>
+          </p:style>
+          <p:txBody>
+            <a:bodyPr rtlCol="0" anchor="ctr"/>
+            <a:lstStyle/>
+            <a:p>
+              <a:pPr algn="ctr"/>
+              <a:r>
+                <a:rPr lang="en-US" altLang="ko-KR" dirty="0" smtClean="0"/>
+                <a:t>Node</a:t>
+              </a:r>
+              <a:endParaRPr lang="ko-KR" altLang="en-US" dirty="0"/>
+            </a:p>
+          </p:txBody>
+        </p:sp>
+        <p:sp>
+          <p:nvSpPr>
+            <p:cNvPr id="170" name="직사각형 169"/>
+            <p:cNvSpPr/>
+            <p:nvPr/>
+          </p:nvSpPr>
+          <p:spPr>
+            <a:xfrm>
+              <a:off x="443873" y="1274644"/>
+              <a:ext cx="807053" cy="570485"/>
+            </a:xfrm>
+            <a:prstGeom prst="rect">
+              <a:avLst/>
+            </a:prstGeom>
+            <a:solidFill>
+              <a:schemeClr val="accent6"/>
+            </a:solidFill>
+          </p:spPr>
+          <p:style>
+            <a:lnRef idx="2">
+              <a:schemeClr val="accent1">
+                <a:shade val="50000"/>
+              </a:schemeClr>
+            </a:lnRef>
+            <a:fillRef idx="1">
+              <a:schemeClr val="accent1"/>
+            </a:fillRef>
+            <a:effectRef idx="0">
+              <a:schemeClr val="accent1"/>
+            </a:effectRef>
+            <a:fontRef idx="minor">
+              <a:schemeClr val="lt1"/>
+            </a:fontRef>
+          </p:style>
+          <p:txBody>
+            <a:bodyPr rtlCol="0" anchor="ctr"/>
+            <a:lstStyle/>
+            <a:p>
+              <a:pPr algn="ctr"/>
+              <a:r>
+                <a:rPr lang="en-US" altLang="ko-KR" sz="1400" dirty="0" smtClean="0"/>
+                <a:t>Left</a:t>
+              </a:r>
+              <a:br>
+                <a:rPr lang="en-US" altLang="ko-KR" sz="1400" dirty="0" smtClean="0"/>
+              </a:br>
+              <a:r>
+                <a:rPr lang="en-US" altLang="ko-KR" sz="1400" dirty="0"/>
+                <a:t>Child</a:t>
+              </a:r>
+              <a:endParaRPr lang="ko-KR" altLang="en-US" sz="1400" dirty="0"/>
+            </a:p>
+          </p:txBody>
+        </p:sp>
+      </p:grpSp>
+      <p:grpSp>
+        <p:nvGrpSpPr>
+          <p:cNvPr id="171" name="그룹 170"/>
+          <p:cNvGrpSpPr/>
+          <p:nvPr/>
+        </p:nvGrpSpPr>
+        <p:grpSpPr>
+          <a:xfrm>
+            <a:off x="5821190" y="2306133"/>
+            <a:ext cx="2511598" cy="996043"/>
+            <a:chOff x="443873" y="849086"/>
+            <a:chExt cx="2443399" cy="996043"/>
+          </a:xfrm>
+        </p:grpSpPr>
+        <p:sp>
+          <p:nvSpPr>
+            <p:cNvPr id="172" name="직사각형 171"/>
+            <p:cNvSpPr/>
+            <p:nvPr/>
+          </p:nvSpPr>
+          <p:spPr>
+            <a:xfrm>
+              <a:off x="1250927" y="1274644"/>
+              <a:ext cx="822135" cy="570485"/>
+            </a:xfrm>
+            <a:prstGeom prst="rect">
+              <a:avLst/>
+            </a:prstGeom>
+          </p:spPr>
+          <p:style>
+            <a:lnRef idx="2">
+              <a:schemeClr val="accent1">
+                <a:shade val="50000"/>
+              </a:schemeClr>
+            </a:lnRef>
+            <a:fillRef idx="1">
+              <a:schemeClr val="accent1"/>
+            </a:fillRef>
+            <a:effectRef idx="0">
+              <a:schemeClr val="accent1"/>
+            </a:effectRef>
+            <a:fontRef idx="minor">
+              <a:schemeClr val="lt1"/>
+            </a:fontRef>
+          </p:style>
+          <p:txBody>
+            <a:bodyPr rtlCol="0" anchor="ctr"/>
+            <a:lstStyle/>
+            <a:p>
+              <a:pPr algn="ctr"/>
+              <a:r>
+                <a:rPr lang="en-US" altLang="ko-KR" sz="1400" dirty="0" smtClean="0"/>
+                <a:t>(data)</a:t>
+              </a:r>
+              <a:endParaRPr lang="ko-KR" altLang="en-US" sz="1400" dirty="0"/>
+            </a:p>
+          </p:txBody>
+        </p:sp>
+        <p:sp>
+          <p:nvSpPr>
+            <p:cNvPr id="173" name="직사각형 172"/>
+            <p:cNvSpPr/>
+            <p:nvPr/>
+          </p:nvSpPr>
+          <p:spPr>
+            <a:xfrm>
+              <a:off x="2080219" y="1274644"/>
+              <a:ext cx="807053" cy="570485"/>
+            </a:xfrm>
+            <a:prstGeom prst="rect">
+              <a:avLst/>
+            </a:prstGeom>
+            <a:solidFill>
+              <a:srgbClr val="FF0000"/>
+            </a:solidFill>
+          </p:spPr>
+          <p:style>
+            <a:lnRef idx="2">
+              <a:schemeClr val="accent1">
+                <a:shade val="50000"/>
+              </a:schemeClr>
+            </a:lnRef>
+            <a:fillRef idx="1">
+              <a:schemeClr val="accent1"/>
+            </a:fillRef>
+            <a:effectRef idx="0">
+              <a:schemeClr val="accent1"/>
+            </a:effectRef>
+            <a:fontRef idx="minor">
+              <a:schemeClr val="lt1"/>
+            </a:fontRef>
+          </p:style>
+          <p:txBody>
+            <a:bodyPr rtlCol="0" anchor="ctr"/>
+            <a:lstStyle/>
+            <a:p>
+              <a:pPr algn="ctr"/>
+              <a:r>
+                <a:rPr lang="en-US" altLang="ko-KR" sz="1400" dirty="0" smtClean="0"/>
+                <a:t>Right</a:t>
+              </a:r>
+              <a:br>
+                <a:rPr lang="en-US" altLang="ko-KR" sz="1400" dirty="0" smtClean="0"/>
+              </a:br>
+              <a:r>
+                <a:rPr lang="en-US" altLang="ko-KR" sz="1400" dirty="0" err="1"/>
+                <a:t>Sibiling</a:t>
+              </a:r>
+              <a:endParaRPr lang="ko-KR" altLang="en-US" sz="1400" dirty="0"/>
+            </a:p>
+          </p:txBody>
+        </p:sp>
+        <p:sp>
+          <p:nvSpPr>
+            <p:cNvPr id="174" name="직사각형 173"/>
+            <p:cNvSpPr/>
+            <p:nvPr/>
+          </p:nvSpPr>
+          <p:spPr>
+            <a:xfrm>
+              <a:off x="443876" y="849086"/>
+              <a:ext cx="2443396" cy="425558"/>
+            </a:xfrm>
+            <a:prstGeom prst="rect">
+              <a:avLst/>
+            </a:prstGeom>
+          </p:spPr>
+          <p:style>
+            <a:lnRef idx="2">
+              <a:schemeClr val="accent1">
+                <a:shade val="50000"/>
+              </a:schemeClr>
+            </a:lnRef>
+            <a:fillRef idx="1">
+              <a:schemeClr val="accent1"/>
+            </a:fillRef>
+            <a:effectRef idx="0">
+              <a:schemeClr val="accent1"/>
+            </a:effectRef>
+            <a:fontRef idx="minor">
+              <a:schemeClr val="lt1"/>
+            </a:fontRef>
+          </p:style>
+          <p:txBody>
+            <a:bodyPr rtlCol="0" anchor="ctr"/>
+            <a:lstStyle/>
+            <a:p>
+              <a:pPr algn="ctr"/>
+              <a:r>
+                <a:rPr lang="en-US" altLang="ko-KR" dirty="0" smtClean="0"/>
+                <a:t>Node</a:t>
+              </a:r>
+              <a:endParaRPr lang="ko-KR" altLang="en-US" dirty="0"/>
+            </a:p>
+          </p:txBody>
+        </p:sp>
+        <p:sp>
+          <p:nvSpPr>
+            <p:cNvPr id="175" name="직사각형 174"/>
+            <p:cNvSpPr/>
+            <p:nvPr/>
+          </p:nvSpPr>
+          <p:spPr>
+            <a:xfrm>
+              <a:off x="443873" y="1274644"/>
+              <a:ext cx="807053" cy="570485"/>
+            </a:xfrm>
+            <a:prstGeom prst="rect">
+              <a:avLst/>
+            </a:prstGeom>
+            <a:solidFill>
+              <a:schemeClr val="accent6"/>
+            </a:solidFill>
+          </p:spPr>
+          <p:style>
+            <a:lnRef idx="2">
+              <a:schemeClr val="accent1">
+                <a:shade val="50000"/>
+              </a:schemeClr>
+            </a:lnRef>
+            <a:fillRef idx="1">
+              <a:schemeClr val="accent1"/>
+            </a:fillRef>
+            <a:effectRef idx="0">
+              <a:schemeClr val="accent1"/>
+            </a:effectRef>
+            <a:fontRef idx="minor">
+              <a:schemeClr val="lt1"/>
+            </a:fontRef>
+          </p:style>
+          <p:txBody>
+            <a:bodyPr rtlCol="0" anchor="ctr"/>
+            <a:lstStyle/>
+            <a:p>
+              <a:pPr algn="ctr"/>
+              <a:r>
+                <a:rPr lang="en-US" altLang="ko-KR" sz="1400" dirty="0" smtClean="0"/>
+                <a:t>Left</a:t>
+              </a:r>
+              <a:br>
+                <a:rPr lang="en-US" altLang="ko-KR" sz="1400" dirty="0" smtClean="0"/>
+              </a:br>
+              <a:r>
+                <a:rPr lang="en-US" altLang="ko-KR" sz="1400" dirty="0"/>
+                <a:t>Child</a:t>
+              </a:r>
+              <a:endParaRPr lang="ko-KR" altLang="en-US" sz="1400" dirty="0"/>
+            </a:p>
+          </p:txBody>
+        </p:sp>
+      </p:grpSp>
+      <p:grpSp>
+        <p:nvGrpSpPr>
+          <p:cNvPr id="176" name="그룹 175"/>
+          <p:cNvGrpSpPr/>
+          <p:nvPr/>
+        </p:nvGrpSpPr>
+        <p:grpSpPr>
+          <a:xfrm>
+            <a:off x="246845" y="4198261"/>
+            <a:ext cx="2511598" cy="996043"/>
+            <a:chOff x="443873" y="849086"/>
+            <a:chExt cx="2443399" cy="996043"/>
+          </a:xfrm>
+        </p:grpSpPr>
+        <p:sp>
+          <p:nvSpPr>
+            <p:cNvPr id="177" name="직사각형 176"/>
+            <p:cNvSpPr/>
+            <p:nvPr/>
+          </p:nvSpPr>
+          <p:spPr>
+            <a:xfrm>
+              <a:off x="1250927" y="1274644"/>
+              <a:ext cx="822135" cy="570485"/>
+            </a:xfrm>
+            <a:prstGeom prst="rect">
+              <a:avLst/>
+            </a:prstGeom>
+          </p:spPr>
+          <p:style>
+            <a:lnRef idx="2">
+              <a:schemeClr val="accent1">
+                <a:shade val="50000"/>
+              </a:schemeClr>
+            </a:lnRef>
+            <a:fillRef idx="1">
+              <a:schemeClr val="accent1"/>
+            </a:fillRef>
+            <a:effectRef idx="0">
+              <a:schemeClr val="accent1"/>
+            </a:effectRef>
+            <a:fontRef idx="minor">
+              <a:schemeClr val="lt1"/>
+            </a:fontRef>
+          </p:style>
+          <p:txBody>
+            <a:bodyPr rtlCol="0" anchor="ctr"/>
+            <a:lstStyle/>
+            <a:p>
+              <a:pPr algn="ctr"/>
+              <a:r>
+                <a:rPr lang="en-US" altLang="ko-KR" sz="1400" dirty="0" smtClean="0"/>
+                <a:t>(data)</a:t>
+              </a:r>
+              <a:endParaRPr lang="ko-KR" altLang="en-US" sz="1400" dirty="0"/>
+            </a:p>
+          </p:txBody>
+        </p:sp>
+        <p:sp>
+          <p:nvSpPr>
+            <p:cNvPr id="184" name="직사각형 183"/>
+            <p:cNvSpPr/>
+            <p:nvPr/>
+          </p:nvSpPr>
+          <p:spPr>
+            <a:xfrm>
+              <a:off x="2080219" y="1274644"/>
+              <a:ext cx="807053" cy="570485"/>
+            </a:xfrm>
+            <a:prstGeom prst="rect">
+              <a:avLst/>
+            </a:prstGeom>
+            <a:solidFill>
+              <a:srgbClr val="FF0000"/>
+            </a:solidFill>
+          </p:spPr>
+          <p:style>
+            <a:lnRef idx="2">
+              <a:schemeClr val="accent1">
+                <a:shade val="50000"/>
+              </a:schemeClr>
+            </a:lnRef>
+            <a:fillRef idx="1">
+              <a:schemeClr val="accent1"/>
+            </a:fillRef>
+            <a:effectRef idx="0">
+              <a:schemeClr val="accent1"/>
+            </a:effectRef>
+            <a:fontRef idx="minor">
+              <a:schemeClr val="lt1"/>
+            </a:fontRef>
+          </p:style>
+          <p:txBody>
+            <a:bodyPr rtlCol="0" anchor="ctr"/>
+            <a:lstStyle/>
+            <a:p>
+              <a:pPr algn="ctr"/>
+              <a:r>
+                <a:rPr lang="en-US" altLang="ko-KR" sz="1400" dirty="0" smtClean="0"/>
+                <a:t>Right</a:t>
+              </a:r>
+              <a:br>
+                <a:rPr lang="en-US" altLang="ko-KR" sz="1400" dirty="0" smtClean="0"/>
+              </a:br>
+              <a:r>
+                <a:rPr lang="en-US" altLang="ko-KR" sz="1400" dirty="0" err="1"/>
+                <a:t>Sibiling</a:t>
+              </a:r>
+              <a:endParaRPr lang="ko-KR" altLang="en-US" sz="1400" dirty="0"/>
+            </a:p>
+          </p:txBody>
+        </p:sp>
+        <p:sp>
+          <p:nvSpPr>
+            <p:cNvPr id="185" name="직사각형 184"/>
+            <p:cNvSpPr/>
+            <p:nvPr/>
+          </p:nvSpPr>
+          <p:spPr>
+            <a:xfrm>
+              <a:off x="443876" y="849086"/>
+              <a:ext cx="2443396" cy="425558"/>
+            </a:xfrm>
+            <a:prstGeom prst="rect">
+              <a:avLst/>
+            </a:prstGeom>
+          </p:spPr>
+          <p:style>
+            <a:lnRef idx="2">
+              <a:schemeClr val="accent1">
+                <a:shade val="50000"/>
+              </a:schemeClr>
+            </a:lnRef>
+            <a:fillRef idx="1">
+              <a:schemeClr val="accent1"/>
+            </a:fillRef>
+            <a:effectRef idx="0">
+              <a:schemeClr val="accent1"/>
+            </a:effectRef>
+            <a:fontRef idx="minor">
+              <a:schemeClr val="lt1"/>
+            </a:fontRef>
+          </p:style>
+          <p:txBody>
+            <a:bodyPr rtlCol="0" anchor="ctr"/>
+            <a:lstStyle/>
+            <a:p>
+              <a:pPr algn="ctr"/>
+              <a:r>
+                <a:rPr lang="en-US" altLang="ko-KR" dirty="0" smtClean="0"/>
+                <a:t>Node</a:t>
+              </a:r>
+              <a:endParaRPr lang="ko-KR" altLang="en-US" dirty="0"/>
+            </a:p>
+          </p:txBody>
+        </p:sp>
+        <p:sp>
+          <p:nvSpPr>
+            <p:cNvPr id="186" name="직사각형 185"/>
+            <p:cNvSpPr/>
+            <p:nvPr/>
+          </p:nvSpPr>
+          <p:spPr>
+            <a:xfrm>
+              <a:off x="443873" y="1274644"/>
+              <a:ext cx="807053" cy="570485"/>
+            </a:xfrm>
+            <a:prstGeom prst="rect">
+              <a:avLst/>
+            </a:prstGeom>
+            <a:solidFill>
+              <a:schemeClr val="accent6"/>
+            </a:solidFill>
+          </p:spPr>
+          <p:style>
+            <a:lnRef idx="2">
+              <a:schemeClr val="accent1">
+                <a:shade val="50000"/>
+              </a:schemeClr>
+            </a:lnRef>
+            <a:fillRef idx="1">
+              <a:schemeClr val="accent1"/>
+            </a:fillRef>
+            <a:effectRef idx="0">
+              <a:schemeClr val="accent1"/>
+            </a:effectRef>
+            <a:fontRef idx="minor">
+              <a:schemeClr val="lt1"/>
+            </a:fontRef>
+          </p:style>
+          <p:txBody>
+            <a:bodyPr rtlCol="0" anchor="ctr"/>
+            <a:lstStyle/>
+            <a:p>
+              <a:pPr algn="ctr"/>
+              <a:r>
+                <a:rPr lang="en-US" altLang="ko-KR" sz="1400" dirty="0" smtClean="0"/>
+                <a:t>Left</a:t>
+              </a:r>
+              <a:br>
+                <a:rPr lang="en-US" altLang="ko-KR" sz="1400" dirty="0" smtClean="0"/>
+              </a:br>
+              <a:r>
+                <a:rPr lang="en-US" altLang="ko-KR" sz="1400" dirty="0"/>
+                <a:t>Child</a:t>
+              </a:r>
+              <a:endParaRPr lang="ko-KR" altLang="en-US" sz="1400" dirty="0"/>
+            </a:p>
+          </p:txBody>
+        </p:sp>
+      </p:grpSp>
+      <p:cxnSp>
+        <p:nvCxnSpPr>
+          <p:cNvPr id="187" name="직선 화살표 연결선 186"/>
+          <p:cNvCxnSpPr>
+            <a:stCxn id="170" idx="2"/>
+            <a:endCxn id="185" idx="0"/>
+          </p:cNvCxnSpPr>
+          <p:nvPr/>
+        </p:nvCxnSpPr>
+        <p:spPr>
+          <a:xfrm flipH="1">
+            <a:off x="1502646" y="2796096"/>
+            <a:ext cx="1623511" cy="1402165"/>
+          </a:xfrm>
+          <a:prstGeom prst="straightConnector1">
+            <a:avLst/>
+          </a:prstGeom>
+          <a:ln w="28575">
+            <a:solidFill>
+              <a:schemeClr val="accent6"/>
+            </a:solidFill>
+            <a:tailEnd type="triangle"/>
+          </a:ln>
+        </p:spPr>
+        <p:style>
+          <a:lnRef idx="1">
+            <a:schemeClr val="accent1"/>
+          </a:lnRef>
+          <a:fillRef idx="0">
+            <a:schemeClr val="accent1"/>
+          </a:fillRef>
+          <a:effectRef idx="0">
+            <a:schemeClr val="accent1"/>
+          </a:effectRef>
+          <a:fontRef idx="minor">
+            <a:schemeClr val="tx1"/>
+          </a:fontRef>
+        </p:style>
+      </p:cxnSp>
+      <p:grpSp>
+        <p:nvGrpSpPr>
+          <p:cNvPr id="188" name="그룹 187"/>
+          <p:cNvGrpSpPr/>
+          <p:nvPr/>
+        </p:nvGrpSpPr>
+        <p:grpSpPr>
+          <a:xfrm>
+            <a:off x="3307696" y="4701609"/>
+            <a:ext cx="2511598" cy="996043"/>
+            <a:chOff x="443873" y="849086"/>
+            <a:chExt cx="2443399" cy="996043"/>
+          </a:xfrm>
+        </p:grpSpPr>
+        <p:sp>
+          <p:nvSpPr>
+            <p:cNvPr id="200" name="직사각형 199"/>
+            <p:cNvSpPr/>
+            <p:nvPr/>
+          </p:nvSpPr>
+          <p:spPr>
+            <a:xfrm>
+              <a:off x="1250927" y="1274644"/>
+              <a:ext cx="822135" cy="570485"/>
+            </a:xfrm>
+            <a:prstGeom prst="rect">
+              <a:avLst/>
+            </a:prstGeom>
+          </p:spPr>
+          <p:style>
+            <a:lnRef idx="2">
+              <a:schemeClr val="accent1">
+                <a:shade val="50000"/>
+              </a:schemeClr>
+            </a:lnRef>
+            <a:fillRef idx="1">
+              <a:schemeClr val="accent1"/>
+            </a:fillRef>
+            <a:effectRef idx="0">
+              <a:schemeClr val="accent1"/>
+            </a:effectRef>
+            <a:fontRef idx="minor">
+              <a:schemeClr val="lt1"/>
+            </a:fontRef>
+          </p:style>
+          <p:txBody>
+            <a:bodyPr rtlCol="0" anchor="ctr"/>
+            <a:lstStyle/>
+            <a:p>
+              <a:pPr algn="ctr"/>
+              <a:r>
+                <a:rPr lang="en-US" altLang="ko-KR" sz="1400" dirty="0" smtClean="0"/>
+                <a:t>(data)</a:t>
+              </a:r>
+              <a:endParaRPr lang="ko-KR" altLang="en-US" sz="1400" dirty="0"/>
+            </a:p>
+          </p:txBody>
+        </p:sp>
+        <p:sp>
+          <p:nvSpPr>
+            <p:cNvPr id="201" name="직사각형 200"/>
+            <p:cNvSpPr/>
+            <p:nvPr/>
+          </p:nvSpPr>
+          <p:spPr>
+            <a:xfrm>
+              <a:off x="2080219" y="1274644"/>
+              <a:ext cx="807053" cy="570485"/>
+            </a:xfrm>
+            <a:prstGeom prst="rect">
+              <a:avLst/>
+            </a:prstGeom>
+            <a:solidFill>
+              <a:srgbClr val="FF0000"/>
+            </a:solidFill>
+          </p:spPr>
+          <p:style>
+            <a:lnRef idx="2">
+              <a:schemeClr val="accent1">
+                <a:shade val="50000"/>
+              </a:schemeClr>
+            </a:lnRef>
+            <a:fillRef idx="1">
+              <a:schemeClr val="accent1"/>
+            </a:fillRef>
+            <a:effectRef idx="0">
+              <a:schemeClr val="accent1"/>
+            </a:effectRef>
+            <a:fontRef idx="minor">
+              <a:schemeClr val="lt1"/>
+            </a:fontRef>
+          </p:style>
+          <p:txBody>
+            <a:bodyPr rtlCol="0" anchor="ctr"/>
+            <a:lstStyle/>
+            <a:p>
+              <a:pPr algn="ctr"/>
+              <a:r>
+                <a:rPr lang="en-US" altLang="ko-KR" sz="1400" dirty="0" smtClean="0"/>
+                <a:t>Right</a:t>
+              </a:r>
+              <a:br>
+                <a:rPr lang="en-US" altLang="ko-KR" sz="1400" dirty="0" smtClean="0"/>
+              </a:br>
+              <a:r>
+                <a:rPr lang="en-US" altLang="ko-KR" sz="1400" dirty="0" err="1"/>
+                <a:t>Sibiling</a:t>
+              </a:r>
+              <a:endParaRPr lang="ko-KR" altLang="en-US" sz="1400" dirty="0"/>
+            </a:p>
+          </p:txBody>
+        </p:sp>
+        <p:sp>
+          <p:nvSpPr>
+            <p:cNvPr id="202" name="직사각형 201"/>
+            <p:cNvSpPr/>
+            <p:nvPr/>
+          </p:nvSpPr>
+          <p:spPr>
+            <a:xfrm>
+              <a:off x="443876" y="849086"/>
+              <a:ext cx="2443396" cy="425558"/>
+            </a:xfrm>
+            <a:prstGeom prst="rect">
+              <a:avLst/>
+            </a:prstGeom>
+          </p:spPr>
+          <p:style>
+            <a:lnRef idx="2">
+              <a:schemeClr val="accent1">
+                <a:shade val="50000"/>
+              </a:schemeClr>
+            </a:lnRef>
+            <a:fillRef idx="1">
+              <a:schemeClr val="accent1"/>
+            </a:fillRef>
+            <a:effectRef idx="0">
+              <a:schemeClr val="accent1"/>
+            </a:effectRef>
+            <a:fontRef idx="minor">
+              <a:schemeClr val="lt1"/>
+            </a:fontRef>
+          </p:style>
+          <p:txBody>
+            <a:bodyPr rtlCol="0" anchor="ctr"/>
+            <a:lstStyle/>
+            <a:p>
+              <a:pPr algn="ctr"/>
+              <a:r>
+                <a:rPr lang="en-US" altLang="ko-KR" dirty="0" smtClean="0"/>
+                <a:t>Node</a:t>
+              </a:r>
+              <a:endParaRPr lang="ko-KR" altLang="en-US" dirty="0"/>
+            </a:p>
+          </p:txBody>
+        </p:sp>
+        <p:sp>
+          <p:nvSpPr>
+            <p:cNvPr id="203" name="직사각형 202"/>
+            <p:cNvSpPr/>
+            <p:nvPr/>
+          </p:nvSpPr>
+          <p:spPr>
+            <a:xfrm>
+              <a:off x="443873" y="1274644"/>
+              <a:ext cx="807053" cy="570485"/>
+            </a:xfrm>
+            <a:prstGeom prst="rect">
+              <a:avLst/>
+            </a:prstGeom>
+            <a:solidFill>
+              <a:schemeClr val="accent6"/>
+            </a:solidFill>
+          </p:spPr>
+          <p:style>
+            <a:lnRef idx="2">
+              <a:schemeClr val="accent1">
+                <a:shade val="50000"/>
+              </a:schemeClr>
+            </a:lnRef>
+            <a:fillRef idx="1">
+              <a:schemeClr val="accent1"/>
+            </a:fillRef>
+            <a:effectRef idx="0">
+              <a:schemeClr val="accent1"/>
+            </a:effectRef>
+            <a:fontRef idx="minor">
+              <a:schemeClr val="lt1"/>
+            </a:fontRef>
+          </p:style>
+          <p:txBody>
+            <a:bodyPr rtlCol="0" anchor="ctr"/>
+            <a:lstStyle/>
+            <a:p>
+              <a:pPr algn="ctr"/>
+              <a:r>
+                <a:rPr lang="en-US" altLang="ko-KR" sz="1400" dirty="0" smtClean="0"/>
+                <a:t>Left</a:t>
+              </a:r>
+              <a:br>
+                <a:rPr lang="en-US" altLang="ko-KR" sz="1400" dirty="0" smtClean="0"/>
+              </a:br>
+              <a:r>
+                <a:rPr lang="en-US" altLang="ko-KR" sz="1400" dirty="0"/>
+                <a:t>Child</a:t>
+              </a:r>
+              <a:endParaRPr lang="ko-KR" altLang="en-US" sz="1400" dirty="0"/>
+            </a:p>
+          </p:txBody>
+        </p:sp>
+      </p:grpSp>
+      <p:cxnSp>
+        <p:nvCxnSpPr>
+          <p:cNvPr id="215" name="직선 화살표 연결선 214"/>
+          <p:cNvCxnSpPr>
+            <a:stCxn id="184" idx="3"/>
+            <a:endCxn id="202" idx="1"/>
+          </p:cNvCxnSpPr>
+          <p:nvPr/>
+        </p:nvCxnSpPr>
+        <p:spPr>
+          <a:xfrm>
+            <a:off x="2758443" y="4909062"/>
+            <a:ext cx="549256" cy="5326"/>
+          </a:xfrm>
+          <a:prstGeom prst="straightConnector1">
+            <a:avLst/>
+          </a:prstGeom>
+          <a:ln w="28575">
+            <a:solidFill>
+              <a:srgbClr val="FF0000"/>
+            </a:solidFill>
+            <a:tailEnd type="triangle"/>
+          </a:ln>
+        </p:spPr>
+        <p:style>
+          <a:lnRef idx="1">
+            <a:schemeClr val="accent1"/>
+          </a:lnRef>
+          <a:fillRef idx="0">
+            <a:schemeClr val="accent1"/>
+          </a:fillRef>
+          <a:effectRef idx="0">
+            <a:schemeClr val="accent1"/>
+          </a:effectRef>
+          <a:fontRef idx="minor">
+            <a:schemeClr val="tx1"/>
+          </a:fontRef>
+        </p:style>
+      </p:cxnSp>
+      <p:grpSp>
+        <p:nvGrpSpPr>
+          <p:cNvPr id="216" name="그룹 215"/>
+          <p:cNvGrpSpPr/>
+          <p:nvPr/>
+        </p:nvGrpSpPr>
+        <p:grpSpPr>
+          <a:xfrm>
+            <a:off x="8931013" y="2797675"/>
+            <a:ext cx="2511598" cy="996043"/>
+            <a:chOff x="443873" y="849086"/>
+            <a:chExt cx="2443399" cy="996043"/>
+          </a:xfrm>
+        </p:grpSpPr>
+        <p:sp>
+          <p:nvSpPr>
+            <p:cNvPr id="218" name="직사각형 217"/>
+            <p:cNvSpPr/>
+            <p:nvPr/>
+          </p:nvSpPr>
+          <p:spPr>
+            <a:xfrm>
+              <a:off x="1250927" y="1274644"/>
+              <a:ext cx="822135" cy="570485"/>
+            </a:xfrm>
+            <a:prstGeom prst="rect">
+              <a:avLst/>
+            </a:prstGeom>
+          </p:spPr>
+          <p:style>
+            <a:lnRef idx="2">
+              <a:schemeClr val="accent1">
+                <a:shade val="50000"/>
+              </a:schemeClr>
+            </a:lnRef>
+            <a:fillRef idx="1">
+              <a:schemeClr val="accent1"/>
+            </a:fillRef>
+            <a:effectRef idx="0">
+              <a:schemeClr val="accent1"/>
+            </a:effectRef>
+            <a:fontRef idx="minor">
+              <a:schemeClr val="lt1"/>
+            </a:fontRef>
+          </p:style>
+          <p:txBody>
+            <a:bodyPr rtlCol="0" anchor="ctr"/>
+            <a:lstStyle/>
+            <a:p>
+              <a:pPr algn="ctr"/>
+              <a:r>
+                <a:rPr lang="en-US" altLang="ko-KR" sz="1400" dirty="0" smtClean="0"/>
+                <a:t>(data)</a:t>
+              </a:r>
+              <a:endParaRPr lang="ko-KR" altLang="en-US" sz="1400" dirty="0"/>
+            </a:p>
+          </p:txBody>
+        </p:sp>
+        <p:sp>
+          <p:nvSpPr>
+            <p:cNvPr id="219" name="직사각형 218"/>
+            <p:cNvSpPr/>
+            <p:nvPr/>
+          </p:nvSpPr>
+          <p:spPr>
+            <a:xfrm>
+              <a:off x="2080219" y="1274644"/>
+              <a:ext cx="807053" cy="570485"/>
+            </a:xfrm>
+            <a:prstGeom prst="rect">
+              <a:avLst/>
+            </a:prstGeom>
+            <a:solidFill>
+              <a:srgbClr val="FF0000"/>
+            </a:solidFill>
+          </p:spPr>
+          <p:style>
+            <a:lnRef idx="2">
+              <a:schemeClr val="accent1">
+                <a:shade val="50000"/>
+              </a:schemeClr>
+            </a:lnRef>
+            <a:fillRef idx="1">
+              <a:schemeClr val="accent1"/>
+            </a:fillRef>
+            <a:effectRef idx="0">
+              <a:schemeClr val="accent1"/>
+            </a:effectRef>
+            <a:fontRef idx="minor">
+              <a:schemeClr val="lt1"/>
+            </a:fontRef>
+          </p:style>
+          <p:txBody>
+            <a:bodyPr rtlCol="0" anchor="ctr"/>
+            <a:lstStyle/>
+            <a:p>
+              <a:pPr algn="ctr"/>
+              <a:r>
+                <a:rPr lang="en-US" altLang="ko-KR" sz="1400" dirty="0" smtClean="0"/>
+                <a:t>Right</a:t>
+              </a:r>
+              <a:br>
+                <a:rPr lang="en-US" altLang="ko-KR" sz="1400" dirty="0" smtClean="0"/>
+              </a:br>
+              <a:r>
+                <a:rPr lang="en-US" altLang="ko-KR" sz="1400" dirty="0" err="1"/>
+                <a:t>Sibiling</a:t>
+              </a:r>
+              <a:endParaRPr lang="ko-KR" altLang="en-US" sz="1400" dirty="0"/>
+            </a:p>
+          </p:txBody>
+        </p:sp>
+        <p:sp>
+          <p:nvSpPr>
+            <p:cNvPr id="221" name="직사각형 220"/>
+            <p:cNvSpPr/>
+            <p:nvPr/>
+          </p:nvSpPr>
+          <p:spPr>
+            <a:xfrm>
+              <a:off x="443876" y="849086"/>
+              <a:ext cx="2443396" cy="425558"/>
+            </a:xfrm>
+            <a:prstGeom prst="rect">
+              <a:avLst/>
+            </a:prstGeom>
+          </p:spPr>
+          <p:style>
+            <a:lnRef idx="2">
+              <a:schemeClr val="accent1">
+                <a:shade val="50000"/>
+              </a:schemeClr>
+            </a:lnRef>
+            <a:fillRef idx="1">
+              <a:schemeClr val="accent1"/>
+            </a:fillRef>
+            <a:effectRef idx="0">
+              <a:schemeClr val="accent1"/>
+            </a:effectRef>
+            <a:fontRef idx="minor">
+              <a:schemeClr val="lt1"/>
+            </a:fontRef>
+          </p:style>
+          <p:txBody>
+            <a:bodyPr rtlCol="0" anchor="ctr"/>
+            <a:lstStyle/>
+            <a:p>
+              <a:pPr algn="ctr"/>
+              <a:r>
+                <a:rPr lang="en-US" altLang="ko-KR" dirty="0" smtClean="0"/>
+                <a:t>Node</a:t>
+              </a:r>
+              <a:endParaRPr lang="ko-KR" altLang="en-US" dirty="0"/>
+            </a:p>
+          </p:txBody>
+        </p:sp>
+        <p:sp>
+          <p:nvSpPr>
+            <p:cNvPr id="222" name="직사각형 221"/>
+            <p:cNvSpPr/>
+            <p:nvPr/>
+          </p:nvSpPr>
+          <p:spPr>
+            <a:xfrm>
+              <a:off x="443873" y="1274644"/>
+              <a:ext cx="807053" cy="570485"/>
+            </a:xfrm>
+            <a:prstGeom prst="rect">
+              <a:avLst/>
+            </a:prstGeom>
+            <a:solidFill>
+              <a:schemeClr val="accent6"/>
+            </a:solidFill>
+          </p:spPr>
+          <p:style>
+            <a:lnRef idx="2">
+              <a:schemeClr val="accent1">
+                <a:shade val="50000"/>
+              </a:schemeClr>
+            </a:lnRef>
+            <a:fillRef idx="1">
+              <a:schemeClr val="accent1"/>
+            </a:fillRef>
+            <a:effectRef idx="0">
+              <a:schemeClr val="accent1"/>
+            </a:effectRef>
+            <a:fontRef idx="minor">
+              <a:schemeClr val="lt1"/>
+            </a:fontRef>
+          </p:style>
+          <p:txBody>
+            <a:bodyPr rtlCol="0" anchor="ctr"/>
+            <a:lstStyle/>
+            <a:p>
+              <a:pPr algn="ctr"/>
+              <a:r>
+                <a:rPr lang="en-US" altLang="ko-KR" sz="1400" dirty="0" smtClean="0"/>
+                <a:t>Left</a:t>
+              </a:r>
+              <a:br>
+                <a:rPr lang="en-US" altLang="ko-KR" sz="1400" dirty="0" smtClean="0"/>
+              </a:br>
+              <a:r>
+                <a:rPr lang="en-US" altLang="ko-KR" sz="1400" dirty="0"/>
+                <a:t>Child</a:t>
+              </a:r>
+              <a:endParaRPr lang="ko-KR" altLang="en-US" sz="1400" dirty="0"/>
+            </a:p>
+          </p:txBody>
+        </p:sp>
+      </p:grpSp>
+      <p:cxnSp>
+        <p:nvCxnSpPr>
+          <p:cNvPr id="224" name="직선 화살표 연결선 223"/>
+          <p:cNvCxnSpPr>
+            <a:stCxn id="173" idx="3"/>
+            <a:endCxn id="221" idx="1"/>
+          </p:cNvCxnSpPr>
+          <p:nvPr/>
+        </p:nvCxnSpPr>
+        <p:spPr>
+          <a:xfrm flipV="1">
+            <a:off x="8332788" y="3010454"/>
+            <a:ext cx="598228" cy="6480"/>
+          </a:xfrm>
+          <a:prstGeom prst="straightConnector1">
+            <a:avLst/>
+          </a:prstGeom>
+          <a:ln w="28575">
+            <a:solidFill>
+              <a:srgbClr val="FF0000"/>
+            </a:solidFill>
+            <a:tailEnd type="triangle"/>
+          </a:ln>
+        </p:spPr>
+        <p:style>
+          <a:lnRef idx="1">
+            <a:schemeClr val="accent1"/>
+          </a:lnRef>
+          <a:fillRef idx="0">
+            <a:schemeClr val="accent1"/>
+          </a:fillRef>
+          <a:effectRef idx="0">
+            <a:schemeClr val="accent1"/>
+          </a:effectRef>
+          <a:fontRef idx="minor">
+            <a:schemeClr val="tx1"/>
+          </a:fontRef>
+        </p:style>
+      </p:cxnSp>
+      <p:cxnSp>
+        <p:nvCxnSpPr>
+          <p:cNvPr id="32" name="직선 화살표 연결선 31"/>
+          <p:cNvCxnSpPr/>
+          <p:nvPr/>
+        </p:nvCxnSpPr>
+        <p:spPr>
+          <a:xfrm flipH="1">
+            <a:off x="767443" y="807186"/>
+            <a:ext cx="2731138" cy="2494990"/>
+          </a:xfrm>
+          <a:prstGeom prst="straightConnector1">
+            <a:avLst/>
+          </a:prstGeom>
+          <a:ln w="57150">
+            <a:tailEnd type="triangle"/>
+          </a:ln>
+        </p:spPr>
+        <p:style>
+          <a:lnRef idx="1">
+            <a:schemeClr val="accent1"/>
+          </a:lnRef>
+          <a:fillRef idx="0">
+            <a:schemeClr val="accent1"/>
+          </a:fillRef>
+          <a:effectRef idx="0">
+            <a:schemeClr val="accent1"/>
+          </a:effectRef>
+          <a:fontRef idx="minor">
+            <a:schemeClr val="tx1"/>
+          </a:fontRef>
+        </p:style>
+      </p:cxnSp>
+      <p:sp>
+        <p:nvSpPr>
+          <p:cNvPr id="44" name="TextBox 43"/>
+          <p:cNvSpPr txBox="1"/>
+          <p:nvPr/>
+        </p:nvSpPr>
+        <p:spPr>
+          <a:xfrm>
+            <a:off x="5888768" y="5067574"/>
+            <a:ext cx="694421" cy="369332"/>
+          </a:xfrm>
+          <a:prstGeom prst="rect">
+            <a:avLst/>
+          </a:prstGeom>
+          <a:noFill/>
+        </p:spPr>
+        <p:txBody>
+          <a:bodyPr wrap="none" rtlCol="0">
+            <a:spAutoFit/>
+          </a:bodyPr>
+          <a:lstStyle/>
+          <a:p>
+            <a:r>
+              <a:rPr lang="en-US" altLang="ko-KR" dirty="0"/>
+              <a:t>Leaf </a:t>
+            </a:r>
+            <a:endParaRPr lang="ko-KR" altLang="en-US" dirty="0"/>
+          </a:p>
+        </p:txBody>
+      </p:sp>
+      <p:sp>
+        <p:nvSpPr>
+          <p:cNvPr id="227" name="TextBox 226"/>
+          <p:cNvSpPr txBox="1"/>
+          <p:nvPr/>
+        </p:nvSpPr>
+        <p:spPr>
+          <a:xfrm>
+            <a:off x="11497579" y="3117510"/>
+            <a:ext cx="694421" cy="369332"/>
+          </a:xfrm>
+          <a:prstGeom prst="rect">
+            <a:avLst/>
+          </a:prstGeom>
+          <a:noFill/>
+        </p:spPr>
+        <p:txBody>
+          <a:bodyPr wrap="none" rtlCol="0">
+            <a:spAutoFit/>
+          </a:bodyPr>
+          <a:lstStyle/>
+          <a:p>
+            <a:r>
+              <a:rPr lang="en-US" altLang="ko-KR" dirty="0"/>
+              <a:t>Leaf </a:t>
+            </a:r>
+            <a:endParaRPr lang="ko-KR" altLang="en-US" dirty="0"/>
+          </a:p>
+        </p:txBody>
+      </p:sp>
+      <p:grpSp>
+        <p:nvGrpSpPr>
+          <p:cNvPr id="228" name="그룹 227"/>
+          <p:cNvGrpSpPr/>
+          <p:nvPr/>
+        </p:nvGrpSpPr>
+        <p:grpSpPr>
+          <a:xfrm>
+            <a:off x="4760121" y="3641161"/>
+            <a:ext cx="2511598" cy="996043"/>
+            <a:chOff x="443873" y="849086"/>
+            <a:chExt cx="2443399" cy="996043"/>
+          </a:xfrm>
+        </p:grpSpPr>
+        <p:sp>
+          <p:nvSpPr>
+            <p:cNvPr id="229" name="직사각형 228"/>
+            <p:cNvSpPr/>
+            <p:nvPr/>
+          </p:nvSpPr>
+          <p:spPr>
+            <a:xfrm>
+              <a:off x="1250927" y="1274644"/>
+              <a:ext cx="822135" cy="570485"/>
+            </a:xfrm>
+            <a:prstGeom prst="rect">
+              <a:avLst/>
+            </a:prstGeom>
+          </p:spPr>
+          <p:style>
+            <a:lnRef idx="2">
+              <a:schemeClr val="accent1">
+                <a:shade val="50000"/>
+              </a:schemeClr>
+            </a:lnRef>
+            <a:fillRef idx="1">
+              <a:schemeClr val="accent1"/>
+            </a:fillRef>
+            <a:effectRef idx="0">
+              <a:schemeClr val="accent1"/>
+            </a:effectRef>
+            <a:fontRef idx="minor">
+              <a:schemeClr val="lt1"/>
+            </a:fontRef>
+          </p:style>
+          <p:txBody>
+            <a:bodyPr rtlCol="0" anchor="ctr"/>
+            <a:lstStyle/>
+            <a:p>
+              <a:pPr algn="ctr"/>
+              <a:r>
+                <a:rPr lang="en-US" altLang="ko-KR" sz="1400" dirty="0" smtClean="0"/>
+                <a:t>(data)</a:t>
+              </a:r>
+              <a:endParaRPr lang="ko-KR" altLang="en-US" sz="1400" dirty="0"/>
+            </a:p>
+          </p:txBody>
+        </p:sp>
+        <p:sp>
+          <p:nvSpPr>
+            <p:cNvPr id="230" name="직사각형 229"/>
+            <p:cNvSpPr/>
+            <p:nvPr/>
+          </p:nvSpPr>
+          <p:spPr>
+            <a:xfrm>
+              <a:off x="2080219" y="1274644"/>
+              <a:ext cx="807053" cy="570485"/>
+            </a:xfrm>
+            <a:prstGeom prst="rect">
+              <a:avLst/>
+            </a:prstGeom>
+            <a:solidFill>
+              <a:srgbClr val="FF0000"/>
+            </a:solidFill>
+          </p:spPr>
+          <p:style>
+            <a:lnRef idx="2">
+              <a:schemeClr val="accent1">
+                <a:shade val="50000"/>
+              </a:schemeClr>
+            </a:lnRef>
+            <a:fillRef idx="1">
+              <a:schemeClr val="accent1"/>
+            </a:fillRef>
+            <a:effectRef idx="0">
+              <a:schemeClr val="accent1"/>
+            </a:effectRef>
+            <a:fontRef idx="minor">
+              <a:schemeClr val="lt1"/>
+            </a:fontRef>
+          </p:style>
+          <p:txBody>
+            <a:bodyPr rtlCol="0" anchor="ctr"/>
+            <a:lstStyle/>
+            <a:p>
+              <a:pPr algn="ctr"/>
+              <a:r>
+                <a:rPr lang="en-US" altLang="ko-KR" sz="1400" dirty="0" smtClean="0"/>
+                <a:t>Right</a:t>
+              </a:r>
+              <a:br>
+                <a:rPr lang="en-US" altLang="ko-KR" sz="1400" dirty="0" smtClean="0"/>
+              </a:br>
+              <a:r>
+                <a:rPr lang="en-US" altLang="ko-KR" sz="1400" dirty="0" err="1"/>
+                <a:t>Sibiling</a:t>
+              </a:r>
+              <a:endParaRPr lang="ko-KR" altLang="en-US" sz="1400" dirty="0"/>
+            </a:p>
+          </p:txBody>
+        </p:sp>
+        <p:sp>
+          <p:nvSpPr>
+            <p:cNvPr id="231" name="직사각형 230"/>
+            <p:cNvSpPr/>
+            <p:nvPr/>
+          </p:nvSpPr>
+          <p:spPr>
+            <a:xfrm>
+              <a:off x="443876" y="849086"/>
+              <a:ext cx="2443396" cy="425558"/>
+            </a:xfrm>
+            <a:prstGeom prst="rect">
+              <a:avLst/>
+            </a:prstGeom>
+          </p:spPr>
+          <p:style>
+            <a:lnRef idx="2">
+              <a:schemeClr val="accent1">
+                <a:shade val="50000"/>
+              </a:schemeClr>
+            </a:lnRef>
+            <a:fillRef idx="1">
+              <a:schemeClr val="accent1"/>
+            </a:fillRef>
+            <a:effectRef idx="0">
+              <a:schemeClr val="accent1"/>
+            </a:effectRef>
+            <a:fontRef idx="minor">
+              <a:schemeClr val="lt1"/>
+            </a:fontRef>
+          </p:style>
+          <p:txBody>
+            <a:bodyPr rtlCol="0" anchor="ctr"/>
+            <a:lstStyle/>
+            <a:p>
+              <a:pPr algn="ctr"/>
+              <a:r>
+                <a:rPr lang="en-US" altLang="ko-KR" dirty="0" smtClean="0"/>
+                <a:t>Node</a:t>
+              </a:r>
+              <a:endParaRPr lang="ko-KR" altLang="en-US" dirty="0"/>
+            </a:p>
+          </p:txBody>
+        </p:sp>
+        <p:sp>
+          <p:nvSpPr>
+            <p:cNvPr id="259" name="직사각형 258"/>
+            <p:cNvSpPr/>
+            <p:nvPr/>
+          </p:nvSpPr>
+          <p:spPr>
+            <a:xfrm>
+              <a:off x="443873" y="1274644"/>
+              <a:ext cx="807053" cy="570485"/>
+            </a:xfrm>
+            <a:prstGeom prst="rect">
+              <a:avLst/>
+            </a:prstGeom>
+            <a:solidFill>
+              <a:schemeClr val="accent6"/>
+            </a:solidFill>
+          </p:spPr>
+          <p:style>
+            <a:lnRef idx="2">
+              <a:schemeClr val="accent1">
+                <a:shade val="50000"/>
+              </a:schemeClr>
+            </a:lnRef>
+            <a:fillRef idx="1">
+              <a:schemeClr val="accent1"/>
+            </a:fillRef>
+            <a:effectRef idx="0">
+              <a:schemeClr val="accent1"/>
+            </a:effectRef>
+            <a:fontRef idx="minor">
+              <a:schemeClr val="lt1"/>
+            </a:fontRef>
+          </p:style>
+          <p:txBody>
+            <a:bodyPr rtlCol="0" anchor="ctr"/>
+            <a:lstStyle/>
+            <a:p>
+              <a:pPr algn="ctr"/>
+              <a:r>
+                <a:rPr lang="en-US" altLang="ko-KR" sz="1400" dirty="0" smtClean="0"/>
+                <a:t>Left</a:t>
+              </a:r>
+              <a:br>
+                <a:rPr lang="en-US" altLang="ko-KR" sz="1400" dirty="0" smtClean="0"/>
+              </a:br>
+              <a:r>
+                <a:rPr lang="en-US" altLang="ko-KR" sz="1400" dirty="0"/>
+                <a:t>Child</a:t>
+              </a:r>
+              <a:endParaRPr lang="ko-KR" altLang="en-US" sz="1400" dirty="0"/>
+            </a:p>
+          </p:txBody>
+        </p:sp>
+      </p:grpSp>
+      <p:cxnSp>
+        <p:nvCxnSpPr>
+          <p:cNvPr id="260" name="직선 화살표 연결선 259"/>
+          <p:cNvCxnSpPr>
+            <a:stCxn id="175" idx="2"/>
+            <a:endCxn id="231" idx="0"/>
+          </p:cNvCxnSpPr>
+          <p:nvPr/>
+        </p:nvCxnSpPr>
+        <p:spPr>
+          <a:xfrm flipH="1">
+            <a:off x="6015922" y="3302176"/>
+            <a:ext cx="220058" cy="338985"/>
+          </a:xfrm>
+          <a:prstGeom prst="straightConnector1">
+            <a:avLst/>
+          </a:prstGeom>
+          <a:ln w="28575">
+            <a:solidFill>
+              <a:schemeClr val="accent6"/>
+            </a:solidFill>
+            <a:tailEnd type="triangle"/>
+          </a:ln>
+        </p:spPr>
+        <p:style>
+          <a:lnRef idx="1">
+            <a:schemeClr val="accent1"/>
+          </a:lnRef>
+          <a:fillRef idx="0">
+            <a:schemeClr val="accent1"/>
+          </a:fillRef>
+          <a:effectRef idx="0">
+            <a:schemeClr val="accent1"/>
+          </a:effectRef>
+          <a:fontRef idx="minor">
+            <a:schemeClr val="tx1"/>
+          </a:fontRef>
+        </p:style>
+      </p:cxnSp>
+      <p:sp>
+        <p:nvSpPr>
+          <p:cNvPr id="261" name="TextBox 260"/>
+          <p:cNvSpPr txBox="1"/>
+          <p:nvPr/>
+        </p:nvSpPr>
+        <p:spPr>
+          <a:xfrm>
+            <a:off x="4844913" y="111627"/>
+            <a:ext cx="756104" cy="369332"/>
+          </a:xfrm>
+          <a:prstGeom prst="rect">
+            <a:avLst/>
+          </a:prstGeom>
+          <a:noFill/>
+        </p:spPr>
+        <p:txBody>
+          <a:bodyPr wrap="none" rtlCol="0">
+            <a:spAutoFit/>
+          </a:bodyPr>
+          <a:lstStyle/>
+          <a:p>
+            <a:r>
+              <a:rPr lang="en-US" altLang="ko-KR" dirty="0" smtClean="0"/>
+              <a:t>Root </a:t>
+            </a:r>
+            <a:endParaRPr lang="ko-KR" altLang="en-US" dirty="0"/>
+          </a:p>
+        </p:txBody>
+      </p:sp>
+      <p:cxnSp>
+        <p:nvCxnSpPr>
+          <p:cNvPr id="50" name="직선 화살표 연결선 49"/>
+          <p:cNvCxnSpPr/>
+          <p:nvPr/>
+        </p:nvCxnSpPr>
+        <p:spPr>
+          <a:xfrm flipV="1">
+            <a:off x="5652863" y="1975757"/>
+            <a:ext cx="4952812" cy="16329"/>
+          </a:xfrm>
+          <a:prstGeom prst="straightConnector1">
+            <a:avLst/>
+          </a:prstGeom>
+          <a:ln w="57150">
+            <a:solidFill>
+              <a:srgbClr val="FF0000"/>
+            </a:solidFill>
+            <a:tailEnd type="triangle"/>
+          </a:ln>
+        </p:spPr>
+        <p:style>
+          <a:lnRef idx="1">
+            <a:schemeClr val="accent1"/>
+          </a:lnRef>
+          <a:fillRef idx="0">
+            <a:schemeClr val="accent1"/>
+          </a:fillRef>
+          <a:effectRef idx="0">
+            <a:schemeClr val="accent1"/>
+          </a:effectRef>
+          <a:fontRef idx="minor">
+            <a:schemeClr val="tx1"/>
+          </a:fontRef>
+        </p:style>
+      </p:cxnSp>
+      <p:sp>
+        <p:nvSpPr>
+          <p:cNvPr id="52" name="TextBox 51"/>
+          <p:cNvSpPr txBox="1"/>
+          <p:nvPr/>
+        </p:nvSpPr>
+        <p:spPr>
+          <a:xfrm>
+            <a:off x="6125951" y="1604945"/>
+            <a:ext cx="4515980" cy="369332"/>
+          </a:xfrm>
+          <a:prstGeom prst="rect">
+            <a:avLst/>
+          </a:prstGeom>
+          <a:noFill/>
+        </p:spPr>
+        <p:txBody>
+          <a:bodyPr wrap="none" rtlCol="0">
+            <a:spAutoFit/>
+          </a:bodyPr>
+          <a:lstStyle/>
+          <a:p>
+            <a:r>
+              <a:rPr lang="ko-KR" altLang="en-US" dirty="0" smtClean="0"/>
+              <a:t>호출 시에 재귀를 타며 </a:t>
+            </a:r>
+            <a:r>
+              <a:rPr lang="en-US" altLang="ko-KR" dirty="0" smtClean="0"/>
+              <a:t>Depth</a:t>
+            </a:r>
+            <a:r>
+              <a:rPr lang="ko-KR" altLang="en-US" dirty="0" smtClean="0"/>
+              <a:t>를 높여준다</a:t>
+            </a:r>
+            <a:r>
+              <a:rPr lang="en-US" altLang="ko-KR" dirty="0" smtClean="0"/>
+              <a:t>.</a:t>
+            </a:r>
+            <a:endParaRPr lang="ko-KR" altLang="en-US" dirty="0"/>
+          </a:p>
+        </p:txBody>
+      </p:sp>
+      <p:sp>
+        <p:nvSpPr>
+          <p:cNvPr id="53" name="TextBox 52"/>
+          <p:cNvSpPr txBox="1"/>
+          <p:nvPr/>
+        </p:nvSpPr>
+        <p:spPr>
+          <a:xfrm>
+            <a:off x="7279076" y="3968239"/>
+            <a:ext cx="694421" cy="369332"/>
+          </a:xfrm>
+          <a:prstGeom prst="rect">
+            <a:avLst/>
+          </a:prstGeom>
+          <a:noFill/>
+        </p:spPr>
+        <p:txBody>
+          <a:bodyPr wrap="none" rtlCol="0">
+            <a:spAutoFit/>
+          </a:bodyPr>
+          <a:lstStyle/>
+          <a:p>
+            <a:r>
+              <a:rPr lang="en-US" altLang="ko-KR" dirty="0"/>
+              <a:t>Leaf </a:t>
+            </a:r>
+            <a:endParaRPr lang="ko-KR" altLang="en-US" dirty="0"/>
+          </a:p>
+        </p:txBody>
+      </p:sp>
+      <p:sp>
+        <p:nvSpPr>
+          <p:cNvPr id="54" name="TextBox 53"/>
+          <p:cNvSpPr txBox="1"/>
+          <p:nvPr/>
+        </p:nvSpPr>
+        <p:spPr>
+          <a:xfrm>
+            <a:off x="1879877" y="2141522"/>
+            <a:ext cx="978153" cy="369332"/>
+          </a:xfrm>
+          <a:prstGeom prst="rect">
+            <a:avLst/>
+          </a:prstGeom>
+          <a:noFill/>
+        </p:spPr>
+        <p:txBody>
+          <a:bodyPr wrap="none" rtlCol="0">
+            <a:spAutoFit/>
+          </a:bodyPr>
+          <a:lstStyle/>
+          <a:p>
+            <a:r>
+              <a:rPr lang="en-US" altLang="ko-KR" dirty="0" smtClean="0"/>
+              <a:t>Branch </a:t>
+            </a:r>
+            <a:endParaRPr lang="ko-KR" altLang="en-US" dirty="0"/>
+          </a:p>
+        </p:txBody>
+      </p:sp>
+    </p:spTree>
+    <p:extLst>
+      <p:ext uri="{BB962C8B-B14F-4D97-AF65-F5344CB8AC3E}">
+        <p14:creationId xmlns:p14="http://schemas.microsoft.com/office/powerpoint/2010/main" val="2728155438"/>
       </p:ext>
     </p:extLst>
   </p:cSld>

--- a/자료구조 알고리즘 복습용.pptx
+++ b/자료구조 알고리즘 복습용.pptx
@@ -10,6 +10,7 @@
     <p:sldId id="259" r:id="rId4"/>
     <p:sldId id="260" r:id="rId5"/>
     <p:sldId id="261" r:id="rId6"/>
+    <p:sldId id="262" r:id="rId7"/>
   </p:sldIdLst>
   <p:sldSz cx="12192000" cy="6858000"/>
   <p:notesSz cx="6858000" cy="9144000"/>
@@ -247,7 +248,7 @@
           <a:p>
             <a:fld id="{155859AF-D2E8-431F-B81F-360B43E3F9C2}" type="datetimeFigureOut">
               <a:rPr lang="ko-KR" altLang="en-US" smtClean="0"/>
-              <a:t>2022-11-09</a:t>
+              <a:t>2022-11-13</a:t>
             </a:fld>
             <a:endParaRPr lang="ko-KR" altLang="en-US"/>
           </a:p>
@@ -417,7 +418,7 @@
           <a:p>
             <a:fld id="{155859AF-D2E8-431F-B81F-360B43E3F9C2}" type="datetimeFigureOut">
               <a:rPr lang="ko-KR" altLang="en-US" smtClean="0"/>
-              <a:t>2022-11-09</a:t>
+              <a:t>2022-11-13</a:t>
             </a:fld>
             <a:endParaRPr lang="ko-KR" altLang="en-US"/>
           </a:p>
@@ -597,7 +598,7 @@
           <a:p>
             <a:fld id="{155859AF-D2E8-431F-B81F-360B43E3F9C2}" type="datetimeFigureOut">
               <a:rPr lang="ko-KR" altLang="en-US" smtClean="0"/>
-              <a:t>2022-11-09</a:t>
+              <a:t>2022-11-13</a:t>
             </a:fld>
             <a:endParaRPr lang="ko-KR" altLang="en-US"/>
           </a:p>
@@ -767,7 +768,7 @@
           <a:p>
             <a:fld id="{155859AF-D2E8-431F-B81F-360B43E3F9C2}" type="datetimeFigureOut">
               <a:rPr lang="ko-KR" altLang="en-US" smtClean="0"/>
-              <a:t>2022-11-09</a:t>
+              <a:t>2022-11-13</a:t>
             </a:fld>
             <a:endParaRPr lang="ko-KR" altLang="en-US"/>
           </a:p>
@@ -1013,7 +1014,7 @@
           <a:p>
             <a:fld id="{155859AF-D2E8-431F-B81F-360B43E3F9C2}" type="datetimeFigureOut">
               <a:rPr lang="ko-KR" altLang="en-US" smtClean="0"/>
-              <a:t>2022-11-09</a:t>
+              <a:t>2022-11-13</a:t>
             </a:fld>
             <a:endParaRPr lang="ko-KR" altLang="en-US"/>
           </a:p>
@@ -1245,7 +1246,7 @@
           <a:p>
             <a:fld id="{155859AF-D2E8-431F-B81F-360B43E3F9C2}" type="datetimeFigureOut">
               <a:rPr lang="ko-KR" altLang="en-US" smtClean="0"/>
-              <a:t>2022-11-09</a:t>
+              <a:t>2022-11-13</a:t>
             </a:fld>
             <a:endParaRPr lang="ko-KR" altLang="en-US"/>
           </a:p>
@@ -1612,7 +1613,7 @@
           <a:p>
             <a:fld id="{155859AF-D2E8-431F-B81F-360B43E3F9C2}" type="datetimeFigureOut">
               <a:rPr lang="ko-KR" altLang="en-US" smtClean="0"/>
-              <a:t>2022-11-09</a:t>
+              <a:t>2022-11-13</a:t>
             </a:fld>
             <a:endParaRPr lang="ko-KR" altLang="en-US"/>
           </a:p>
@@ -1730,7 +1731,7 @@
           <a:p>
             <a:fld id="{155859AF-D2E8-431F-B81F-360B43E3F9C2}" type="datetimeFigureOut">
               <a:rPr lang="ko-KR" altLang="en-US" smtClean="0"/>
-              <a:t>2022-11-09</a:t>
+              <a:t>2022-11-13</a:t>
             </a:fld>
             <a:endParaRPr lang="ko-KR" altLang="en-US"/>
           </a:p>
@@ -1825,7 +1826,7 @@
           <a:p>
             <a:fld id="{155859AF-D2E8-431F-B81F-360B43E3F9C2}" type="datetimeFigureOut">
               <a:rPr lang="ko-KR" altLang="en-US" smtClean="0"/>
-              <a:t>2022-11-09</a:t>
+              <a:t>2022-11-13</a:t>
             </a:fld>
             <a:endParaRPr lang="ko-KR" altLang="en-US"/>
           </a:p>
@@ -2102,7 +2103,7 @@
           <a:p>
             <a:fld id="{155859AF-D2E8-431F-B81F-360B43E3F9C2}" type="datetimeFigureOut">
               <a:rPr lang="ko-KR" altLang="en-US" smtClean="0"/>
-              <a:t>2022-11-09</a:t>
+              <a:t>2022-11-13</a:t>
             </a:fld>
             <a:endParaRPr lang="ko-KR" altLang="en-US"/>
           </a:p>
@@ -2355,7 +2356,7 @@
           <a:p>
             <a:fld id="{155859AF-D2E8-431F-B81F-360B43E3F9C2}" type="datetimeFigureOut">
               <a:rPr lang="ko-KR" altLang="en-US" smtClean="0"/>
-              <a:t>2022-11-09</a:t>
+              <a:t>2022-11-13</a:t>
             </a:fld>
             <a:endParaRPr lang="ko-KR" altLang="en-US"/>
           </a:p>
@@ -2568,7 +2569,7 @@
           <a:p>
             <a:fld id="{155859AF-D2E8-431F-B81F-360B43E3F9C2}" type="datetimeFigureOut">
               <a:rPr lang="ko-KR" altLang="en-US" smtClean="0"/>
-              <a:t>2022-11-09</a:t>
+              <a:t>2022-11-13</a:t>
             </a:fld>
             <a:endParaRPr lang="ko-KR" altLang="en-US"/>
           </a:p>
@@ -18956,6 +18957,3422 @@
 </p:sld>
 </file>
 
+<file path=ppt/slides/slide6.xml><?xml version="1.0" encoding="utf-8"?>
+<p:sld xmlns:a="http://schemas.openxmlformats.org/drawingml/2006/main" xmlns:r="http://schemas.openxmlformats.org/officeDocument/2006/relationships" xmlns:p="http://schemas.openxmlformats.org/presentationml/2006/main">
+  <p:cSld>
+    <p:spTree>
+      <p:nvGrpSpPr>
+        <p:cNvPr id="1" name=""/>
+        <p:cNvGrpSpPr/>
+        <p:nvPr/>
+      </p:nvGrpSpPr>
+      <p:grpSpPr>
+        <a:xfrm>
+          <a:off x="0" y="0"/>
+          <a:ext cx="0" cy="0"/>
+          <a:chOff x="0" y="0"/>
+          <a:chExt cx="0" cy="0"/>
+        </a:xfrm>
+      </p:grpSpPr>
+      <p:sp>
+        <p:nvSpPr>
+          <p:cNvPr id="4" name="TextBox 3"/>
+          <p:cNvSpPr txBox="1"/>
+          <p:nvPr/>
+        </p:nvSpPr>
+        <p:spPr>
+          <a:xfrm>
+            <a:off x="246845" y="30355"/>
+            <a:ext cx="1730987" cy="461665"/>
+          </a:xfrm>
+          <a:prstGeom prst="rect">
+            <a:avLst/>
+          </a:prstGeom>
+          <a:noFill/>
+        </p:spPr>
+        <p:txBody>
+          <a:bodyPr wrap="none" rtlCol="0">
+            <a:spAutoFit/>
+          </a:bodyPr>
+          <a:lstStyle/>
+          <a:p>
+            <a:r>
+              <a:rPr lang="en-US" altLang="ko-KR" sz="2400" dirty="0" smtClean="0"/>
+              <a:t>Binary</a:t>
+            </a:r>
+            <a:r>
+              <a:rPr lang="ko-KR" altLang="en-US" sz="2400" dirty="0" smtClean="0"/>
+              <a:t> </a:t>
+            </a:r>
+            <a:r>
+              <a:rPr lang="en-US" altLang="ko-KR" sz="2400" dirty="0" smtClean="0"/>
+              <a:t>Tree</a:t>
+            </a:r>
+            <a:endParaRPr lang="ko-KR" altLang="en-US" sz="2400" dirty="0"/>
+          </a:p>
+        </p:txBody>
+      </p:sp>
+      <p:grpSp>
+        <p:nvGrpSpPr>
+          <p:cNvPr id="3" name="그룹 2"/>
+          <p:cNvGrpSpPr/>
+          <p:nvPr/>
+        </p:nvGrpSpPr>
+        <p:grpSpPr>
+          <a:xfrm>
+            <a:off x="4542347" y="1161492"/>
+            <a:ext cx="2248266" cy="996043"/>
+            <a:chOff x="443873" y="849086"/>
+            <a:chExt cx="2443399" cy="996043"/>
+          </a:xfrm>
+        </p:grpSpPr>
+        <p:sp>
+          <p:nvSpPr>
+            <p:cNvPr id="5" name="직사각형 4"/>
+            <p:cNvSpPr/>
+            <p:nvPr/>
+          </p:nvSpPr>
+          <p:spPr>
+            <a:xfrm>
+              <a:off x="1250927" y="1274644"/>
+              <a:ext cx="822135" cy="570485"/>
+            </a:xfrm>
+            <a:prstGeom prst="rect">
+              <a:avLst/>
+            </a:prstGeom>
+          </p:spPr>
+          <p:style>
+            <a:lnRef idx="2">
+              <a:schemeClr val="accent1">
+                <a:shade val="50000"/>
+              </a:schemeClr>
+            </a:lnRef>
+            <a:fillRef idx="1">
+              <a:schemeClr val="accent1"/>
+            </a:fillRef>
+            <a:effectRef idx="0">
+              <a:schemeClr val="accent1"/>
+            </a:effectRef>
+            <a:fontRef idx="minor">
+              <a:schemeClr val="lt1"/>
+            </a:fontRef>
+          </p:style>
+          <p:txBody>
+            <a:bodyPr rtlCol="0" anchor="ctr"/>
+            <a:lstStyle/>
+            <a:p>
+              <a:pPr algn="ctr"/>
+              <a:r>
+                <a:rPr lang="en-US" altLang="ko-KR" sz="1400" dirty="0" smtClean="0"/>
+                <a:t>(data)</a:t>
+              </a:r>
+              <a:endParaRPr lang="ko-KR" altLang="en-US" sz="1400" dirty="0"/>
+            </a:p>
+          </p:txBody>
+        </p:sp>
+        <p:sp>
+          <p:nvSpPr>
+            <p:cNvPr id="6" name="직사각형 5"/>
+            <p:cNvSpPr/>
+            <p:nvPr/>
+          </p:nvSpPr>
+          <p:spPr>
+            <a:xfrm>
+              <a:off x="2080219" y="1274644"/>
+              <a:ext cx="807053" cy="570485"/>
+            </a:xfrm>
+            <a:prstGeom prst="rect">
+              <a:avLst/>
+            </a:prstGeom>
+            <a:solidFill>
+              <a:srgbClr val="FF0000"/>
+            </a:solidFill>
+          </p:spPr>
+          <p:style>
+            <a:lnRef idx="2">
+              <a:schemeClr val="accent1">
+                <a:shade val="50000"/>
+              </a:schemeClr>
+            </a:lnRef>
+            <a:fillRef idx="1">
+              <a:schemeClr val="accent1"/>
+            </a:fillRef>
+            <a:effectRef idx="0">
+              <a:schemeClr val="accent1"/>
+            </a:effectRef>
+            <a:fontRef idx="minor">
+              <a:schemeClr val="lt1"/>
+            </a:fontRef>
+          </p:style>
+          <p:txBody>
+            <a:bodyPr rtlCol="0" anchor="ctr"/>
+            <a:lstStyle/>
+            <a:p>
+              <a:pPr algn="ctr"/>
+              <a:r>
+                <a:rPr lang="en-US" altLang="ko-KR" sz="1400" dirty="0" smtClean="0"/>
+                <a:t>Right</a:t>
+              </a:r>
+              <a:endParaRPr lang="ko-KR" altLang="en-US" sz="1400" dirty="0"/>
+            </a:p>
+          </p:txBody>
+        </p:sp>
+        <p:sp>
+          <p:nvSpPr>
+            <p:cNvPr id="7" name="직사각형 6"/>
+            <p:cNvSpPr/>
+            <p:nvPr/>
+          </p:nvSpPr>
+          <p:spPr>
+            <a:xfrm>
+              <a:off x="443876" y="849086"/>
+              <a:ext cx="2443396" cy="425558"/>
+            </a:xfrm>
+            <a:prstGeom prst="rect">
+              <a:avLst/>
+            </a:prstGeom>
+          </p:spPr>
+          <p:style>
+            <a:lnRef idx="2">
+              <a:schemeClr val="accent1">
+                <a:shade val="50000"/>
+              </a:schemeClr>
+            </a:lnRef>
+            <a:fillRef idx="1">
+              <a:schemeClr val="accent1"/>
+            </a:fillRef>
+            <a:effectRef idx="0">
+              <a:schemeClr val="accent1"/>
+            </a:effectRef>
+            <a:fontRef idx="minor">
+              <a:schemeClr val="lt1"/>
+            </a:fontRef>
+          </p:style>
+          <p:txBody>
+            <a:bodyPr rtlCol="0" anchor="ctr"/>
+            <a:lstStyle/>
+            <a:p>
+              <a:pPr algn="ctr"/>
+              <a:r>
+                <a:rPr lang="en-US" altLang="ko-KR" dirty="0" smtClean="0"/>
+                <a:t>Node</a:t>
+              </a:r>
+              <a:endParaRPr lang="ko-KR" altLang="en-US" dirty="0"/>
+            </a:p>
+          </p:txBody>
+        </p:sp>
+        <p:sp>
+          <p:nvSpPr>
+            <p:cNvPr id="83" name="직사각형 82"/>
+            <p:cNvSpPr/>
+            <p:nvPr/>
+          </p:nvSpPr>
+          <p:spPr>
+            <a:xfrm>
+              <a:off x="443873" y="1274644"/>
+              <a:ext cx="807053" cy="570485"/>
+            </a:xfrm>
+            <a:prstGeom prst="rect">
+              <a:avLst/>
+            </a:prstGeom>
+            <a:solidFill>
+              <a:schemeClr val="accent6"/>
+            </a:solidFill>
+          </p:spPr>
+          <p:style>
+            <a:lnRef idx="2">
+              <a:schemeClr val="accent1">
+                <a:shade val="50000"/>
+              </a:schemeClr>
+            </a:lnRef>
+            <a:fillRef idx="1">
+              <a:schemeClr val="accent1"/>
+            </a:fillRef>
+            <a:effectRef idx="0">
+              <a:schemeClr val="accent1"/>
+            </a:effectRef>
+            <a:fontRef idx="minor">
+              <a:schemeClr val="lt1"/>
+            </a:fontRef>
+          </p:style>
+          <p:txBody>
+            <a:bodyPr rtlCol="0" anchor="ctr"/>
+            <a:lstStyle/>
+            <a:p>
+              <a:pPr algn="ctr"/>
+              <a:r>
+                <a:rPr lang="en-US" altLang="ko-KR" sz="1400" dirty="0" smtClean="0"/>
+                <a:t>Left</a:t>
+              </a:r>
+              <a:endParaRPr lang="ko-KR" altLang="en-US" sz="1400" dirty="0"/>
+            </a:p>
+          </p:txBody>
+        </p:sp>
+      </p:grpSp>
+      <p:cxnSp>
+        <p:nvCxnSpPr>
+          <p:cNvPr id="163" name="직선 화살표 연결선 162"/>
+          <p:cNvCxnSpPr>
+            <a:stCxn id="6" idx="2"/>
+            <a:endCxn id="94" idx="0"/>
+          </p:cNvCxnSpPr>
+          <p:nvPr/>
+        </p:nvCxnSpPr>
+        <p:spPr>
+          <a:xfrm>
+            <a:off x="6419313" y="2157535"/>
+            <a:ext cx="1375127" cy="532828"/>
+          </a:xfrm>
+          <a:prstGeom prst="straightConnector1">
+            <a:avLst/>
+          </a:prstGeom>
+          <a:ln w="28575">
+            <a:solidFill>
+              <a:srgbClr val="FF0000"/>
+            </a:solidFill>
+            <a:tailEnd type="triangle"/>
+          </a:ln>
+        </p:spPr>
+        <p:style>
+          <a:lnRef idx="1">
+            <a:schemeClr val="accent1"/>
+          </a:lnRef>
+          <a:fillRef idx="0">
+            <a:schemeClr val="accent1"/>
+          </a:fillRef>
+          <a:effectRef idx="0">
+            <a:schemeClr val="accent1"/>
+          </a:effectRef>
+          <a:fontRef idx="minor">
+            <a:schemeClr val="tx1"/>
+          </a:fontRef>
+        </p:style>
+      </p:cxnSp>
+      <p:cxnSp>
+        <p:nvCxnSpPr>
+          <p:cNvPr id="164" name="직선 화살표 연결선 163"/>
+          <p:cNvCxnSpPr>
+            <a:stCxn id="83" idx="2"/>
+            <a:endCxn id="58" idx="0"/>
+          </p:cNvCxnSpPr>
+          <p:nvPr/>
+        </p:nvCxnSpPr>
+        <p:spPr>
+          <a:xfrm flipH="1">
+            <a:off x="3496858" y="2157535"/>
+            <a:ext cx="1416790" cy="532828"/>
+          </a:xfrm>
+          <a:prstGeom prst="straightConnector1">
+            <a:avLst/>
+          </a:prstGeom>
+          <a:ln w="28575">
+            <a:solidFill>
+              <a:schemeClr val="accent6"/>
+            </a:solidFill>
+            <a:tailEnd type="triangle"/>
+          </a:ln>
+        </p:spPr>
+        <p:style>
+          <a:lnRef idx="1">
+            <a:schemeClr val="accent1"/>
+          </a:lnRef>
+          <a:fillRef idx="0">
+            <a:schemeClr val="accent1"/>
+          </a:fillRef>
+          <a:effectRef idx="0">
+            <a:schemeClr val="accent1"/>
+          </a:effectRef>
+          <a:fontRef idx="minor">
+            <a:schemeClr val="tx1"/>
+          </a:fontRef>
+        </p:style>
+      </p:cxnSp>
+      <p:cxnSp>
+        <p:nvCxnSpPr>
+          <p:cNvPr id="224" name="직선 화살표 연결선 223"/>
+          <p:cNvCxnSpPr/>
+          <p:nvPr/>
+        </p:nvCxnSpPr>
+        <p:spPr>
+          <a:xfrm flipV="1">
+            <a:off x="9299175" y="4346158"/>
+            <a:ext cx="535506" cy="9720"/>
+          </a:xfrm>
+          <a:prstGeom prst="straightConnector1">
+            <a:avLst/>
+          </a:prstGeom>
+          <a:ln w="28575">
+            <a:solidFill>
+              <a:srgbClr val="FF0000"/>
+            </a:solidFill>
+            <a:tailEnd type="triangle"/>
+          </a:ln>
+        </p:spPr>
+        <p:style>
+          <a:lnRef idx="1">
+            <a:schemeClr val="accent1"/>
+          </a:lnRef>
+          <a:fillRef idx="0">
+            <a:schemeClr val="accent1"/>
+          </a:fillRef>
+          <a:effectRef idx="0">
+            <a:schemeClr val="accent1"/>
+          </a:effectRef>
+          <a:fontRef idx="minor">
+            <a:schemeClr val="tx1"/>
+          </a:fontRef>
+        </p:style>
+      </p:cxnSp>
+      <p:sp>
+        <p:nvSpPr>
+          <p:cNvPr id="261" name="TextBox 260"/>
+          <p:cNvSpPr txBox="1"/>
+          <p:nvPr/>
+        </p:nvSpPr>
+        <p:spPr>
+          <a:xfrm>
+            <a:off x="5357224" y="710412"/>
+            <a:ext cx="756104" cy="369332"/>
+          </a:xfrm>
+          <a:prstGeom prst="rect">
+            <a:avLst/>
+          </a:prstGeom>
+          <a:noFill/>
+        </p:spPr>
+        <p:txBody>
+          <a:bodyPr wrap="none" rtlCol="0">
+            <a:spAutoFit/>
+          </a:bodyPr>
+          <a:lstStyle/>
+          <a:p>
+            <a:pPr algn="ctr"/>
+            <a:r>
+              <a:rPr lang="en-US" altLang="ko-KR" dirty="0" smtClean="0"/>
+              <a:t>Root </a:t>
+            </a:r>
+            <a:endParaRPr lang="ko-KR" altLang="en-US" dirty="0"/>
+          </a:p>
+        </p:txBody>
+      </p:sp>
+      <p:grpSp>
+        <p:nvGrpSpPr>
+          <p:cNvPr id="55" name="그룹 54"/>
+          <p:cNvGrpSpPr/>
+          <p:nvPr/>
+        </p:nvGrpSpPr>
+        <p:grpSpPr>
+          <a:xfrm>
+            <a:off x="2372723" y="2690363"/>
+            <a:ext cx="2248266" cy="996043"/>
+            <a:chOff x="443873" y="849086"/>
+            <a:chExt cx="2443399" cy="996043"/>
+          </a:xfrm>
+        </p:grpSpPr>
+        <p:sp>
+          <p:nvSpPr>
+            <p:cNvPr id="56" name="직사각형 55"/>
+            <p:cNvSpPr/>
+            <p:nvPr/>
+          </p:nvSpPr>
+          <p:spPr>
+            <a:xfrm>
+              <a:off x="1250927" y="1274644"/>
+              <a:ext cx="822135" cy="570485"/>
+            </a:xfrm>
+            <a:prstGeom prst="rect">
+              <a:avLst/>
+            </a:prstGeom>
+          </p:spPr>
+          <p:style>
+            <a:lnRef idx="2">
+              <a:schemeClr val="accent1">
+                <a:shade val="50000"/>
+              </a:schemeClr>
+            </a:lnRef>
+            <a:fillRef idx="1">
+              <a:schemeClr val="accent1"/>
+            </a:fillRef>
+            <a:effectRef idx="0">
+              <a:schemeClr val="accent1"/>
+            </a:effectRef>
+            <a:fontRef idx="minor">
+              <a:schemeClr val="lt1"/>
+            </a:fontRef>
+          </p:style>
+          <p:txBody>
+            <a:bodyPr rtlCol="0" anchor="ctr"/>
+            <a:lstStyle/>
+            <a:p>
+              <a:pPr algn="ctr"/>
+              <a:r>
+                <a:rPr lang="en-US" altLang="ko-KR" sz="1400" dirty="0" smtClean="0"/>
+                <a:t>(data)</a:t>
+              </a:r>
+              <a:endParaRPr lang="ko-KR" altLang="en-US" sz="1400" dirty="0"/>
+            </a:p>
+          </p:txBody>
+        </p:sp>
+        <p:sp>
+          <p:nvSpPr>
+            <p:cNvPr id="57" name="직사각형 56"/>
+            <p:cNvSpPr/>
+            <p:nvPr/>
+          </p:nvSpPr>
+          <p:spPr>
+            <a:xfrm>
+              <a:off x="2080219" y="1274644"/>
+              <a:ext cx="807053" cy="570485"/>
+            </a:xfrm>
+            <a:prstGeom prst="rect">
+              <a:avLst/>
+            </a:prstGeom>
+            <a:solidFill>
+              <a:srgbClr val="FF0000"/>
+            </a:solidFill>
+          </p:spPr>
+          <p:style>
+            <a:lnRef idx="2">
+              <a:schemeClr val="accent1">
+                <a:shade val="50000"/>
+              </a:schemeClr>
+            </a:lnRef>
+            <a:fillRef idx="1">
+              <a:schemeClr val="accent1"/>
+            </a:fillRef>
+            <a:effectRef idx="0">
+              <a:schemeClr val="accent1"/>
+            </a:effectRef>
+            <a:fontRef idx="minor">
+              <a:schemeClr val="lt1"/>
+            </a:fontRef>
+          </p:style>
+          <p:txBody>
+            <a:bodyPr rtlCol="0" anchor="ctr"/>
+            <a:lstStyle/>
+            <a:p>
+              <a:pPr algn="ctr"/>
+              <a:r>
+                <a:rPr lang="en-US" altLang="ko-KR" sz="1400" dirty="0" smtClean="0"/>
+                <a:t>Right</a:t>
+              </a:r>
+              <a:endParaRPr lang="ko-KR" altLang="en-US" sz="1400" dirty="0"/>
+            </a:p>
+          </p:txBody>
+        </p:sp>
+        <p:sp>
+          <p:nvSpPr>
+            <p:cNvPr id="58" name="직사각형 57"/>
+            <p:cNvSpPr/>
+            <p:nvPr/>
+          </p:nvSpPr>
+          <p:spPr>
+            <a:xfrm>
+              <a:off x="443876" y="849086"/>
+              <a:ext cx="2443396" cy="425558"/>
+            </a:xfrm>
+            <a:prstGeom prst="rect">
+              <a:avLst/>
+            </a:prstGeom>
+          </p:spPr>
+          <p:style>
+            <a:lnRef idx="2">
+              <a:schemeClr val="accent1">
+                <a:shade val="50000"/>
+              </a:schemeClr>
+            </a:lnRef>
+            <a:fillRef idx="1">
+              <a:schemeClr val="accent1"/>
+            </a:fillRef>
+            <a:effectRef idx="0">
+              <a:schemeClr val="accent1"/>
+            </a:effectRef>
+            <a:fontRef idx="minor">
+              <a:schemeClr val="lt1"/>
+            </a:fontRef>
+          </p:style>
+          <p:txBody>
+            <a:bodyPr rtlCol="0" anchor="ctr"/>
+            <a:lstStyle/>
+            <a:p>
+              <a:pPr algn="ctr"/>
+              <a:r>
+                <a:rPr lang="en-US" altLang="ko-KR" dirty="0" smtClean="0"/>
+                <a:t>Node</a:t>
+              </a:r>
+              <a:endParaRPr lang="ko-KR" altLang="en-US" dirty="0"/>
+            </a:p>
+          </p:txBody>
+        </p:sp>
+        <p:sp>
+          <p:nvSpPr>
+            <p:cNvPr id="59" name="직사각형 58"/>
+            <p:cNvSpPr/>
+            <p:nvPr/>
+          </p:nvSpPr>
+          <p:spPr>
+            <a:xfrm>
+              <a:off x="443873" y="1274644"/>
+              <a:ext cx="807053" cy="570485"/>
+            </a:xfrm>
+            <a:prstGeom prst="rect">
+              <a:avLst/>
+            </a:prstGeom>
+            <a:solidFill>
+              <a:schemeClr val="accent6"/>
+            </a:solidFill>
+          </p:spPr>
+          <p:style>
+            <a:lnRef idx="2">
+              <a:schemeClr val="accent1">
+                <a:shade val="50000"/>
+              </a:schemeClr>
+            </a:lnRef>
+            <a:fillRef idx="1">
+              <a:schemeClr val="accent1"/>
+            </a:fillRef>
+            <a:effectRef idx="0">
+              <a:schemeClr val="accent1"/>
+            </a:effectRef>
+            <a:fontRef idx="minor">
+              <a:schemeClr val="lt1"/>
+            </a:fontRef>
+          </p:style>
+          <p:txBody>
+            <a:bodyPr rtlCol="0" anchor="ctr"/>
+            <a:lstStyle/>
+            <a:p>
+              <a:pPr algn="ctr"/>
+              <a:r>
+                <a:rPr lang="en-US" altLang="ko-KR" sz="1400" dirty="0" smtClean="0"/>
+                <a:t>Left</a:t>
+              </a:r>
+              <a:endParaRPr lang="ko-KR" altLang="en-US" sz="1400" dirty="0"/>
+            </a:p>
+          </p:txBody>
+        </p:sp>
+      </p:grpSp>
+      <p:grpSp>
+        <p:nvGrpSpPr>
+          <p:cNvPr id="80" name="그룹 79"/>
+          <p:cNvGrpSpPr/>
+          <p:nvPr/>
+        </p:nvGrpSpPr>
+        <p:grpSpPr>
+          <a:xfrm>
+            <a:off x="480686" y="4219234"/>
+            <a:ext cx="2248266" cy="996043"/>
+            <a:chOff x="443873" y="849086"/>
+            <a:chExt cx="2443399" cy="996043"/>
+          </a:xfrm>
+        </p:grpSpPr>
+        <p:sp>
+          <p:nvSpPr>
+            <p:cNvPr id="81" name="직사각형 80"/>
+            <p:cNvSpPr/>
+            <p:nvPr/>
+          </p:nvSpPr>
+          <p:spPr>
+            <a:xfrm>
+              <a:off x="1250927" y="1274644"/>
+              <a:ext cx="822135" cy="570485"/>
+            </a:xfrm>
+            <a:prstGeom prst="rect">
+              <a:avLst/>
+            </a:prstGeom>
+          </p:spPr>
+          <p:style>
+            <a:lnRef idx="2">
+              <a:schemeClr val="accent1">
+                <a:shade val="50000"/>
+              </a:schemeClr>
+            </a:lnRef>
+            <a:fillRef idx="1">
+              <a:schemeClr val="accent1"/>
+            </a:fillRef>
+            <a:effectRef idx="0">
+              <a:schemeClr val="accent1"/>
+            </a:effectRef>
+            <a:fontRef idx="minor">
+              <a:schemeClr val="lt1"/>
+            </a:fontRef>
+          </p:style>
+          <p:txBody>
+            <a:bodyPr rtlCol="0" anchor="ctr"/>
+            <a:lstStyle/>
+            <a:p>
+              <a:pPr algn="ctr"/>
+              <a:r>
+                <a:rPr lang="en-US" altLang="ko-KR" sz="1400" dirty="0" smtClean="0"/>
+                <a:t>(data)</a:t>
+              </a:r>
+              <a:endParaRPr lang="ko-KR" altLang="en-US" sz="1400" dirty="0"/>
+            </a:p>
+          </p:txBody>
+        </p:sp>
+        <p:sp>
+          <p:nvSpPr>
+            <p:cNvPr id="82" name="직사각형 81"/>
+            <p:cNvSpPr/>
+            <p:nvPr/>
+          </p:nvSpPr>
+          <p:spPr>
+            <a:xfrm>
+              <a:off x="2080219" y="1274644"/>
+              <a:ext cx="807053" cy="570485"/>
+            </a:xfrm>
+            <a:prstGeom prst="rect">
+              <a:avLst/>
+            </a:prstGeom>
+            <a:solidFill>
+              <a:srgbClr val="FF0000"/>
+            </a:solidFill>
+          </p:spPr>
+          <p:style>
+            <a:lnRef idx="2">
+              <a:schemeClr val="accent1">
+                <a:shade val="50000"/>
+              </a:schemeClr>
+            </a:lnRef>
+            <a:fillRef idx="1">
+              <a:schemeClr val="accent1"/>
+            </a:fillRef>
+            <a:effectRef idx="0">
+              <a:schemeClr val="accent1"/>
+            </a:effectRef>
+            <a:fontRef idx="minor">
+              <a:schemeClr val="lt1"/>
+            </a:fontRef>
+          </p:style>
+          <p:txBody>
+            <a:bodyPr rtlCol="0" anchor="ctr"/>
+            <a:lstStyle/>
+            <a:p>
+              <a:pPr algn="ctr"/>
+              <a:r>
+                <a:rPr lang="en-US" altLang="ko-KR" sz="1400" dirty="0" smtClean="0"/>
+                <a:t>Right</a:t>
+              </a:r>
+              <a:endParaRPr lang="ko-KR" altLang="en-US" sz="1400" dirty="0"/>
+            </a:p>
+          </p:txBody>
+        </p:sp>
+        <p:sp>
+          <p:nvSpPr>
+            <p:cNvPr id="84" name="직사각형 83"/>
+            <p:cNvSpPr/>
+            <p:nvPr/>
+          </p:nvSpPr>
+          <p:spPr>
+            <a:xfrm>
+              <a:off x="443876" y="849086"/>
+              <a:ext cx="2443396" cy="425558"/>
+            </a:xfrm>
+            <a:prstGeom prst="rect">
+              <a:avLst/>
+            </a:prstGeom>
+          </p:spPr>
+          <p:style>
+            <a:lnRef idx="2">
+              <a:schemeClr val="accent1">
+                <a:shade val="50000"/>
+              </a:schemeClr>
+            </a:lnRef>
+            <a:fillRef idx="1">
+              <a:schemeClr val="accent1"/>
+            </a:fillRef>
+            <a:effectRef idx="0">
+              <a:schemeClr val="accent1"/>
+            </a:effectRef>
+            <a:fontRef idx="minor">
+              <a:schemeClr val="lt1"/>
+            </a:fontRef>
+          </p:style>
+          <p:txBody>
+            <a:bodyPr rtlCol="0" anchor="ctr"/>
+            <a:lstStyle/>
+            <a:p>
+              <a:pPr algn="ctr"/>
+              <a:r>
+                <a:rPr lang="en-US" altLang="ko-KR" dirty="0" smtClean="0"/>
+                <a:t>Node</a:t>
+              </a:r>
+              <a:endParaRPr lang="ko-KR" altLang="en-US" dirty="0"/>
+            </a:p>
+          </p:txBody>
+        </p:sp>
+        <p:sp>
+          <p:nvSpPr>
+            <p:cNvPr id="85" name="직사각형 84"/>
+            <p:cNvSpPr/>
+            <p:nvPr/>
+          </p:nvSpPr>
+          <p:spPr>
+            <a:xfrm>
+              <a:off x="443873" y="1274644"/>
+              <a:ext cx="807053" cy="570485"/>
+            </a:xfrm>
+            <a:prstGeom prst="rect">
+              <a:avLst/>
+            </a:prstGeom>
+            <a:solidFill>
+              <a:schemeClr val="accent6"/>
+            </a:solidFill>
+          </p:spPr>
+          <p:style>
+            <a:lnRef idx="2">
+              <a:schemeClr val="accent1">
+                <a:shade val="50000"/>
+              </a:schemeClr>
+            </a:lnRef>
+            <a:fillRef idx="1">
+              <a:schemeClr val="accent1"/>
+            </a:fillRef>
+            <a:effectRef idx="0">
+              <a:schemeClr val="accent1"/>
+            </a:effectRef>
+            <a:fontRef idx="minor">
+              <a:schemeClr val="lt1"/>
+            </a:fontRef>
+          </p:style>
+          <p:txBody>
+            <a:bodyPr rtlCol="0" anchor="ctr"/>
+            <a:lstStyle/>
+            <a:p>
+              <a:pPr algn="ctr"/>
+              <a:r>
+                <a:rPr lang="en-US" altLang="ko-KR" sz="1400" dirty="0" smtClean="0"/>
+                <a:t>Left</a:t>
+              </a:r>
+              <a:endParaRPr lang="ko-KR" altLang="en-US" sz="1400" dirty="0"/>
+            </a:p>
+          </p:txBody>
+        </p:sp>
+      </p:grpSp>
+      <p:grpSp>
+        <p:nvGrpSpPr>
+          <p:cNvPr id="86" name="그룹 85"/>
+          <p:cNvGrpSpPr/>
+          <p:nvPr/>
+        </p:nvGrpSpPr>
+        <p:grpSpPr>
+          <a:xfrm>
+            <a:off x="3194844" y="4219234"/>
+            <a:ext cx="2248266" cy="996043"/>
+            <a:chOff x="443873" y="849086"/>
+            <a:chExt cx="2443399" cy="996043"/>
+          </a:xfrm>
+        </p:grpSpPr>
+        <p:sp>
+          <p:nvSpPr>
+            <p:cNvPr id="87" name="직사각형 86"/>
+            <p:cNvSpPr/>
+            <p:nvPr/>
+          </p:nvSpPr>
+          <p:spPr>
+            <a:xfrm>
+              <a:off x="1250927" y="1274644"/>
+              <a:ext cx="822135" cy="570485"/>
+            </a:xfrm>
+            <a:prstGeom prst="rect">
+              <a:avLst/>
+            </a:prstGeom>
+          </p:spPr>
+          <p:style>
+            <a:lnRef idx="2">
+              <a:schemeClr val="accent1">
+                <a:shade val="50000"/>
+              </a:schemeClr>
+            </a:lnRef>
+            <a:fillRef idx="1">
+              <a:schemeClr val="accent1"/>
+            </a:fillRef>
+            <a:effectRef idx="0">
+              <a:schemeClr val="accent1"/>
+            </a:effectRef>
+            <a:fontRef idx="minor">
+              <a:schemeClr val="lt1"/>
+            </a:fontRef>
+          </p:style>
+          <p:txBody>
+            <a:bodyPr rtlCol="0" anchor="ctr"/>
+            <a:lstStyle/>
+            <a:p>
+              <a:pPr algn="ctr"/>
+              <a:r>
+                <a:rPr lang="en-US" altLang="ko-KR" sz="1400" dirty="0" smtClean="0"/>
+                <a:t>(data)</a:t>
+              </a:r>
+              <a:endParaRPr lang="ko-KR" altLang="en-US" sz="1400" dirty="0"/>
+            </a:p>
+          </p:txBody>
+        </p:sp>
+        <p:sp>
+          <p:nvSpPr>
+            <p:cNvPr id="88" name="직사각형 87"/>
+            <p:cNvSpPr/>
+            <p:nvPr/>
+          </p:nvSpPr>
+          <p:spPr>
+            <a:xfrm>
+              <a:off x="2080219" y="1274644"/>
+              <a:ext cx="807053" cy="570485"/>
+            </a:xfrm>
+            <a:prstGeom prst="rect">
+              <a:avLst/>
+            </a:prstGeom>
+            <a:solidFill>
+              <a:srgbClr val="FF0000"/>
+            </a:solidFill>
+          </p:spPr>
+          <p:style>
+            <a:lnRef idx="2">
+              <a:schemeClr val="accent1">
+                <a:shade val="50000"/>
+              </a:schemeClr>
+            </a:lnRef>
+            <a:fillRef idx="1">
+              <a:schemeClr val="accent1"/>
+            </a:fillRef>
+            <a:effectRef idx="0">
+              <a:schemeClr val="accent1"/>
+            </a:effectRef>
+            <a:fontRef idx="minor">
+              <a:schemeClr val="lt1"/>
+            </a:fontRef>
+          </p:style>
+          <p:txBody>
+            <a:bodyPr rtlCol="0" anchor="ctr"/>
+            <a:lstStyle/>
+            <a:p>
+              <a:pPr algn="ctr"/>
+              <a:r>
+                <a:rPr lang="en-US" altLang="ko-KR" sz="1400" dirty="0" smtClean="0"/>
+                <a:t>Right</a:t>
+              </a:r>
+              <a:endParaRPr lang="ko-KR" altLang="en-US" sz="1400" dirty="0"/>
+            </a:p>
+          </p:txBody>
+        </p:sp>
+        <p:sp>
+          <p:nvSpPr>
+            <p:cNvPr id="89" name="직사각형 88"/>
+            <p:cNvSpPr/>
+            <p:nvPr/>
+          </p:nvSpPr>
+          <p:spPr>
+            <a:xfrm>
+              <a:off x="443876" y="849086"/>
+              <a:ext cx="2443396" cy="425558"/>
+            </a:xfrm>
+            <a:prstGeom prst="rect">
+              <a:avLst/>
+            </a:prstGeom>
+          </p:spPr>
+          <p:style>
+            <a:lnRef idx="2">
+              <a:schemeClr val="accent1">
+                <a:shade val="50000"/>
+              </a:schemeClr>
+            </a:lnRef>
+            <a:fillRef idx="1">
+              <a:schemeClr val="accent1"/>
+            </a:fillRef>
+            <a:effectRef idx="0">
+              <a:schemeClr val="accent1"/>
+            </a:effectRef>
+            <a:fontRef idx="minor">
+              <a:schemeClr val="lt1"/>
+            </a:fontRef>
+          </p:style>
+          <p:txBody>
+            <a:bodyPr rtlCol="0" anchor="ctr"/>
+            <a:lstStyle/>
+            <a:p>
+              <a:pPr algn="ctr"/>
+              <a:r>
+                <a:rPr lang="en-US" altLang="ko-KR" dirty="0" smtClean="0"/>
+                <a:t>Node</a:t>
+              </a:r>
+              <a:endParaRPr lang="ko-KR" altLang="en-US" dirty="0"/>
+            </a:p>
+          </p:txBody>
+        </p:sp>
+        <p:sp>
+          <p:nvSpPr>
+            <p:cNvPr id="90" name="직사각형 89"/>
+            <p:cNvSpPr/>
+            <p:nvPr/>
+          </p:nvSpPr>
+          <p:spPr>
+            <a:xfrm>
+              <a:off x="443873" y="1274644"/>
+              <a:ext cx="807053" cy="570485"/>
+            </a:xfrm>
+            <a:prstGeom prst="rect">
+              <a:avLst/>
+            </a:prstGeom>
+            <a:solidFill>
+              <a:schemeClr val="accent6"/>
+            </a:solidFill>
+          </p:spPr>
+          <p:style>
+            <a:lnRef idx="2">
+              <a:schemeClr val="accent1">
+                <a:shade val="50000"/>
+              </a:schemeClr>
+            </a:lnRef>
+            <a:fillRef idx="1">
+              <a:schemeClr val="accent1"/>
+            </a:fillRef>
+            <a:effectRef idx="0">
+              <a:schemeClr val="accent1"/>
+            </a:effectRef>
+            <a:fontRef idx="minor">
+              <a:schemeClr val="lt1"/>
+            </a:fontRef>
+          </p:style>
+          <p:txBody>
+            <a:bodyPr rtlCol="0" anchor="ctr"/>
+            <a:lstStyle/>
+            <a:p>
+              <a:pPr algn="ctr"/>
+              <a:r>
+                <a:rPr lang="en-US" altLang="ko-KR" sz="1400" dirty="0" smtClean="0"/>
+                <a:t>Left</a:t>
+              </a:r>
+              <a:endParaRPr lang="ko-KR" altLang="en-US" sz="1400" dirty="0"/>
+            </a:p>
+          </p:txBody>
+        </p:sp>
+      </p:grpSp>
+      <p:grpSp>
+        <p:nvGrpSpPr>
+          <p:cNvPr id="91" name="그룹 90"/>
+          <p:cNvGrpSpPr/>
+          <p:nvPr/>
+        </p:nvGrpSpPr>
+        <p:grpSpPr>
+          <a:xfrm>
+            <a:off x="6670305" y="2690363"/>
+            <a:ext cx="2248266" cy="996043"/>
+            <a:chOff x="443873" y="849086"/>
+            <a:chExt cx="2443399" cy="996043"/>
+          </a:xfrm>
+        </p:grpSpPr>
+        <p:sp>
+          <p:nvSpPr>
+            <p:cNvPr id="92" name="직사각형 91"/>
+            <p:cNvSpPr/>
+            <p:nvPr/>
+          </p:nvSpPr>
+          <p:spPr>
+            <a:xfrm>
+              <a:off x="1250927" y="1274644"/>
+              <a:ext cx="822135" cy="570485"/>
+            </a:xfrm>
+            <a:prstGeom prst="rect">
+              <a:avLst/>
+            </a:prstGeom>
+          </p:spPr>
+          <p:style>
+            <a:lnRef idx="2">
+              <a:schemeClr val="accent1">
+                <a:shade val="50000"/>
+              </a:schemeClr>
+            </a:lnRef>
+            <a:fillRef idx="1">
+              <a:schemeClr val="accent1"/>
+            </a:fillRef>
+            <a:effectRef idx="0">
+              <a:schemeClr val="accent1"/>
+            </a:effectRef>
+            <a:fontRef idx="minor">
+              <a:schemeClr val="lt1"/>
+            </a:fontRef>
+          </p:style>
+          <p:txBody>
+            <a:bodyPr rtlCol="0" anchor="ctr"/>
+            <a:lstStyle/>
+            <a:p>
+              <a:pPr algn="ctr"/>
+              <a:r>
+                <a:rPr lang="en-US" altLang="ko-KR" sz="1400" dirty="0" smtClean="0"/>
+                <a:t>(data)</a:t>
+              </a:r>
+              <a:endParaRPr lang="ko-KR" altLang="en-US" sz="1400" dirty="0"/>
+            </a:p>
+          </p:txBody>
+        </p:sp>
+        <p:sp>
+          <p:nvSpPr>
+            <p:cNvPr id="93" name="직사각형 92"/>
+            <p:cNvSpPr/>
+            <p:nvPr/>
+          </p:nvSpPr>
+          <p:spPr>
+            <a:xfrm>
+              <a:off x="2080219" y="1274644"/>
+              <a:ext cx="807053" cy="570485"/>
+            </a:xfrm>
+            <a:prstGeom prst="rect">
+              <a:avLst/>
+            </a:prstGeom>
+            <a:solidFill>
+              <a:srgbClr val="FF0000"/>
+            </a:solidFill>
+          </p:spPr>
+          <p:style>
+            <a:lnRef idx="2">
+              <a:schemeClr val="accent1">
+                <a:shade val="50000"/>
+              </a:schemeClr>
+            </a:lnRef>
+            <a:fillRef idx="1">
+              <a:schemeClr val="accent1"/>
+            </a:fillRef>
+            <a:effectRef idx="0">
+              <a:schemeClr val="accent1"/>
+            </a:effectRef>
+            <a:fontRef idx="minor">
+              <a:schemeClr val="lt1"/>
+            </a:fontRef>
+          </p:style>
+          <p:txBody>
+            <a:bodyPr rtlCol="0" anchor="ctr"/>
+            <a:lstStyle/>
+            <a:p>
+              <a:pPr algn="ctr"/>
+              <a:r>
+                <a:rPr lang="en-US" altLang="ko-KR" sz="1400" dirty="0" smtClean="0"/>
+                <a:t>Right</a:t>
+              </a:r>
+              <a:endParaRPr lang="ko-KR" altLang="en-US" sz="1400" dirty="0"/>
+            </a:p>
+          </p:txBody>
+        </p:sp>
+        <p:sp>
+          <p:nvSpPr>
+            <p:cNvPr id="94" name="직사각형 93"/>
+            <p:cNvSpPr/>
+            <p:nvPr/>
+          </p:nvSpPr>
+          <p:spPr>
+            <a:xfrm>
+              <a:off x="443876" y="849086"/>
+              <a:ext cx="2443396" cy="425558"/>
+            </a:xfrm>
+            <a:prstGeom prst="rect">
+              <a:avLst/>
+            </a:prstGeom>
+          </p:spPr>
+          <p:style>
+            <a:lnRef idx="2">
+              <a:schemeClr val="accent1">
+                <a:shade val="50000"/>
+              </a:schemeClr>
+            </a:lnRef>
+            <a:fillRef idx="1">
+              <a:schemeClr val="accent1"/>
+            </a:fillRef>
+            <a:effectRef idx="0">
+              <a:schemeClr val="accent1"/>
+            </a:effectRef>
+            <a:fontRef idx="minor">
+              <a:schemeClr val="lt1"/>
+            </a:fontRef>
+          </p:style>
+          <p:txBody>
+            <a:bodyPr rtlCol="0" anchor="ctr"/>
+            <a:lstStyle/>
+            <a:p>
+              <a:pPr algn="ctr"/>
+              <a:r>
+                <a:rPr lang="en-US" altLang="ko-KR" dirty="0" smtClean="0"/>
+                <a:t>Node</a:t>
+              </a:r>
+              <a:endParaRPr lang="ko-KR" altLang="en-US" dirty="0"/>
+            </a:p>
+          </p:txBody>
+        </p:sp>
+        <p:sp>
+          <p:nvSpPr>
+            <p:cNvPr id="95" name="직사각형 94"/>
+            <p:cNvSpPr/>
+            <p:nvPr/>
+          </p:nvSpPr>
+          <p:spPr>
+            <a:xfrm>
+              <a:off x="443873" y="1274644"/>
+              <a:ext cx="807053" cy="570485"/>
+            </a:xfrm>
+            <a:prstGeom prst="rect">
+              <a:avLst/>
+            </a:prstGeom>
+            <a:solidFill>
+              <a:schemeClr val="accent6"/>
+            </a:solidFill>
+          </p:spPr>
+          <p:style>
+            <a:lnRef idx="2">
+              <a:schemeClr val="accent1">
+                <a:shade val="50000"/>
+              </a:schemeClr>
+            </a:lnRef>
+            <a:fillRef idx="1">
+              <a:schemeClr val="accent1"/>
+            </a:fillRef>
+            <a:effectRef idx="0">
+              <a:schemeClr val="accent1"/>
+            </a:effectRef>
+            <a:fontRef idx="minor">
+              <a:schemeClr val="lt1"/>
+            </a:fontRef>
+          </p:style>
+          <p:txBody>
+            <a:bodyPr rtlCol="0" anchor="ctr"/>
+            <a:lstStyle/>
+            <a:p>
+              <a:pPr algn="ctr"/>
+              <a:r>
+                <a:rPr lang="en-US" altLang="ko-KR" sz="1400" dirty="0" smtClean="0"/>
+                <a:t>Left</a:t>
+              </a:r>
+              <a:endParaRPr lang="ko-KR" altLang="en-US" sz="1400" dirty="0"/>
+            </a:p>
+          </p:txBody>
+        </p:sp>
+      </p:grpSp>
+      <p:grpSp>
+        <p:nvGrpSpPr>
+          <p:cNvPr id="96" name="그룹 95"/>
+          <p:cNvGrpSpPr/>
+          <p:nvPr/>
+        </p:nvGrpSpPr>
+        <p:grpSpPr>
+          <a:xfrm>
+            <a:off x="5823298" y="4219234"/>
+            <a:ext cx="2248266" cy="996043"/>
+            <a:chOff x="443873" y="849086"/>
+            <a:chExt cx="2443399" cy="996043"/>
+          </a:xfrm>
+        </p:grpSpPr>
+        <p:sp>
+          <p:nvSpPr>
+            <p:cNvPr id="97" name="직사각형 96"/>
+            <p:cNvSpPr/>
+            <p:nvPr/>
+          </p:nvSpPr>
+          <p:spPr>
+            <a:xfrm>
+              <a:off x="1250927" y="1274644"/>
+              <a:ext cx="822135" cy="570485"/>
+            </a:xfrm>
+            <a:prstGeom prst="rect">
+              <a:avLst/>
+            </a:prstGeom>
+          </p:spPr>
+          <p:style>
+            <a:lnRef idx="2">
+              <a:schemeClr val="accent1">
+                <a:shade val="50000"/>
+              </a:schemeClr>
+            </a:lnRef>
+            <a:fillRef idx="1">
+              <a:schemeClr val="accent1"/>
+            </a:fillRef>
+            <a:effectRef idx="0">
+              <a:schemeClr val="accent1"/>
+            </a:effectRef>
+            <a:fontRef idx="minor">
+              <a:schemeClr val="lt1"/>
+            </a:fontRef>
+          </p:style>
+          <p:txBody>
+            <a:bodyPr rtlCol="0" anchor="ctr"/>
+            <a:lstStyle/>
+            <a:p>
+              <a:pPr algn="ctr"/>
+              <a:r>
+                <a:rPr lang="en-US" altLang="ko-KR" sz="1400" dirty="0" smtClean="0"/>
+                <a:t>(data)</a:t>
+              </a:r>
+              <a:endParaRPr lang="ko-KR" altLang="en-US" sz="1400" dirty="0"/>
+            </a:p>
+          </p:txBody>
+        </p:sp>
+        <p:sp>
+          <p:nvSpPr>
+            <p:cNvPr id="98" name="직사각형 97"/>
+            <p:cNvSpPr/>
+            <p:nvPr/>
+          </p:nvSpPr>
+          <p:spPr>
+            <a:xfrm>
+              <a:off x="2080219" y="1274644"/>
+              <a:ext cx="807053" cy="570485"/>
+            </a:xfrm>
+            <a:prstGeom prst="rect">
+              <a:avLst/>
+            </a:prstGeom>
+            <a:solidFill>
+              <a:srgbClr val="FF0000"/>
+            </a:solidFill>
+          </p:spPr>
+          <p:style>
+            <a:lnRef idx="2">
+              <a:schemeClr val="accent1">
+                <a:shade val="50000"/>
+              </a:schemeClr>
+            </a:lnRef>
+            <a:fillRef idx="1">
+              <a:schemeClr val="accent1"/>
+            </a:fillRef>
+            <a:effectRef idx="0">
+              <a:schemeClr val="accent1"/>
+            </a:effectRef>
+            <a:fontRef idx="minor">
+              <a:schemeClr val="lt1"/>
+            </a:fontRef>
+          </p:style>
+          <p:txBody>
+            <a:bodyPr rtlCol="0" anchor="ctr"/>
+            <a:lstStyle/>
+            <a:p>
+              <a:pPr algn="ctr"/>
+              <a:r>
+                <a:rPr lang="en-US" altLang="ko-KR" sz="1400" dirty="0" smtClean="0"/>
+                <a:t>Right</a:t>
+              </a:r>
+              <a:endParaRPr lang="ko-KR" altLang="en-US" sz="1400" dirty="0"/>
+            </a:p>
+          </p:txBody>
+        </p:sp>
+        <p:sp>
+          <p:nvSpPr>
+            <p:cNvPr id="99" name="직사각형 98"/>
+            <p:cNvSpPr/>
+            <p:nvPr/>
+          </p:nvSpPr>
+          <p:spPr>
+            <a:xfrm>
+              <a:off x="443876" y="849086"/>
+              <a:ext cx="2443396" cy="425558"/>
+            </a:xfrm>
+            <a:prstGeom prst="rect">
+              <a:avLst/>
+            </a:prstGeom>
+          </p:spPr>
+          <p:style>
+            <a:lnRef idx="2">
+              <a:schemeClr val="accent1">
+                <a:shade val="50000"/>
+              </a:schemeClr>
+            </a:lnRef>
+            <a:fillRef idx="1">
+              <a:schemeClr val="accent1"/>
+            </a:fillRef>
+            <a:effectRef idx="0">
+              <a:schemeClr val="accent1"/>
+            </a:effectRef>
+            <a:fontRef idx="minor">
+              <a:schemeClr val="lt1"/>
+            </a:fontRef>
+          </p:style>
+          <p:txBody>
+            <a:bodyPr rtlCol="0" anchor="ctr"/>
+            <a:lstStyle/>
+            <a:p>
+              <a:pPr algn="ctr"/>
+              <a:r>
+                <a:rPr lang="en-US" altLang="ko-KR" dirty="0" smtClean="0"/>
+                <a:t>Node</a:t>
+              </a:r>
+              <a:endParaRPr lang="ko-KR" altLang="en-US" dirty="0"/>
+            </a:p>
+          </p:txBody>
+        </p:sp>
+        <p:sp>
+          <p:nvSpPr>
+            <p:cNvPr id="100" name="직사각형 99"/>
+            <p:cNvSpPr/>
+            <p:nvPr/>
+          </p:nvSpPr>
+          <p:spPr>
+            <a:xfrm>
+              <a:off x="443873" y="1274644"/>
+              <a:ext cx="807053" cy="570485"/>
+            </a:xfrm>
+            <a:prstGeom prst="rect">
+              <a:avLst/>
+            </a:prstGeom>
+            <a:solidFill>
+              <a:schemeClr val="accent6"/>
+            </a:solidFill>
+          </p:spPr>
+          <p:style>
+            <a:lnRef idx="2">
+              <a:schemeClr val="accent1">
+                <a:shade val="50000"/>
+              </a:schemeClr>
+            </a:lnRef>
+            <a:fillRef idx="1">
+              <a:schemeClr val="accent1"/>
+            </a:fillRef>
+            <a:effectRef idx="0">
+              <a:schemeClr val="accent1"/>
+            </a:effectRef>
+            <a:fontRef idx="minor">
+              <a:schemeClr val="lt1"/>
+            </a:fontRef>
+          </p:style>
+          <p:txBody>
+            <a:bodyPr rtlCol="0" anchor="ctr"/>
+            <a:lstStyle/>
+            <a:p>
+              <a:pPr algn="ctr"/>
+              <a:r>
+                <a:rPr lang="en-US" altLang="ko-KR" sz="1400" dirty="0" smtClean="0"/>
+                <a:t>Left</a:t>
+              </a:r>
+              <a:endParaRPr lang="ko-KR" altLang="en-US" sz="1400" dirty="0"/>
+            </a:p>
+          </p:txBody>
+        </p:sp>
+      </p:grpSp>
+      <p:grpSp>
+        <p:nvGrpSpPr>
+          <p:cNvPr id="101" name="그룹 100"/>
+          <p:cNvGrpSpPr/>
+          <p:nvPr/>
+        </p:nvGrpSpPr>
+        <p:grpSpPr>
+          <a:xfrm>
+            <a:off x="8767113" y="4219234"/>
+            <a:ext cx="2248266" cy="996043"/>
+            <a:chOff x="443873" y="849086"/>
+            <a:chExt cx="2443399" cy="996043"/>
+          </a:xfrm>
+        </p:grpSpPr>
+        <p:sp>
+          <p:nvSpPr>
+            <p:cNvPr id="102" name="직사각형 101"/>
+            <p:cNvSpPr/>
+            <p:nvPr/>
+          </p:nvSpPr>
+          <p:spPr>
+            <a:xfrm>
+              <a:off x="1250927" y="1274644"/>
+              <a:ext cx="822135" cy="570485"/>
+            </a:xfrm>
+            <a:prstGeom prst="rect">
+              <a:avLst/>
+            </a:prstGeom>
+          </p:spPr>
+          <p:style>
+            <a:lnRef idx="2">
+              <a:schemeClr val="accent1">
+                <a:shade val="50000"/>
+              </a:schemeClr>
+            </a:lnRef>
+            <a:fillRef idx="1">
+              <a:schemeClr val="accent1"/>
+            </a:fillRef>
+            <a:effectRef idx="0">
+              <a:schemeClr val="accent1"/>
+            </a:effectRef>
+            <a:fontRef idx="minor">
+              <a:schemeClr val="lt1"/>
+            </a:fontRef>
+          </p:style>
+          <p:txBody>
+            <a:bodyPr rtlCol="0" anchor="ctr"/>
+            <a:lstStyle/>
+            <a:p>
+              <a:pPr algn="ctr"/>
+              <a:r>
+                <a:rPr lang="en-US" altLang="ko-KR" sz="1400" dirty="0" smtClean="0"/>
+                <a:t>(data)</a:t>
+              </a:r>
+              <a:endParaRPr lang="ko-KR" altLang="en-US" sz="1400" dirty="0"/>
+            </a:p>
+          </p:txBody>
+        </p:sp>
+        <p:sp>
+          <p:nvSpPr>
+            <p:cNvPr id="103" name="직사각형 102"/>
+            <p:cNvSpPr/>
+            <p:nvPr/>
+          </p:nvSpPr>
+          <p:spPr>
+            <a:xfrm>
+              <a:off x="2080219" y="1274644"/>
+              <a:ext cx="807053" cy="570485"/>
+            </a:xfrm>
+            <a:prstGeom prst="rect">
+              <a:avLst/>
+            </a:prstGeom>
+            <a:solidFill>
+              <a:srgbClr val="FF0000"/>
+            </a:solidFill>
+          </p:spPr>
+          <p:style>
+            <a:lnRef idx="2">
+              <a:schemeClr val="accent1">
+                <a:shade val="50000"/>
+              </a:schemeClr>
+            </a:lnRef>
+            <a:fillRef idx="1">
+              <a:schemeClr val="accent1"/>
+            </a:fillRef>
+            <a:effectRef idx="0">
+              <a:schemeClr val="accent1"/>
+            </a:effectRef>
+            <a:fontRef idx="minor">
+              <a:schemeClr val="lt1"/>
+            </a:fontRef>
+          </p:style>
+          <p:txBody>
+            <a:bodyPr rtlCol="0" anchor="ctr"/>
+            <a:lstStyle/>
+            <a:p>
+              <a:pPr algn="ctr"/>
+              <a:r>
+                <a:rPr lang="en-US" altLang="ko-KR" sz="1400" dirty="0" smtClean="0"/>
+                <a:t>Right</a:t>
+              </a:r>
+              <a:endParaRPr lang="ko-KR" altLang="en-US" sz="1400" dirty="0"/>
+            </a:p>
+          </p:txBody>
+        </p:sp>
+        <p:sp>
+          <p:nvSpPr>
+            <p:cNvPr id="104" name="직사각형 103"/>
+            <p:cNvSpPr/>
+            <p:nvPr/>
+          </p:nvSpPr>
+          <p:spPr>
+            <a:xfrm>
+              <a:off x="443876" y="849086"/>
+              <a:ext cx="2443396" cy="425558"/>
+            </a:xfrm>
+            <a:prstGeom prst="rect">
+              <a:avLst/>
+            </a:prstGeom>
+          </p:spPr>
+          <p:style>
+            <a:lnRef idx="2">
+              <a:schemeClr val="accent1">
+                <a:shade val="50000"/>
+              </a:schemeClr>
+            </a:lnRef>
+            <a:fillRef idx="1">
+              <a:schemeClr val="accent1"/>
+            </a:fillRef>
+            <a:effectRef idx="0">
+              <a:schemeClr val="accent1"/>
+            </a:effectRef>
+            <a:fontRef idx="minor">
+              <a:schemeClr val="lt1"/>
+            </a:fontRef>
+          </p:style>
+          <p:txBody>
+            <a:bodyPr rtlCol="0" anchor="ctr"/>
+            <a:lstStyle/>
+            <a:p>
+              <a:pPr algn="ctr"/>
+              <a:r>
+                <a:rPr lang="en-US" altLang="ko-KR" dirty="0" smtClean="0"/>
+                <a:t>Node</a:t>
+              </a:r>
+              <a:endParaRPr lang="ko-KR" altLang="en-US" dirty="0"/>
+            </a:p>
+          </p:txBody>
+        </p:sp>
+        <p:sp>
+          <p:nvSpPr>
+            <p:cNvPr id="105" name="직사각형 104"/>
+            <p:cNvSpPr/>
+            <p:nvPr/>
+          </p:nvSpPr>
+          <p:spPr>
+            <a:xfrm>
+              <a:off x="443873" y="1274644"/>
+              <a:ext cx="807053" cy="570485"/>
+            </a:xfrm>
+            <a:prstGeom prst="rect">
+              <a:avLst/>
+            </a:prstGeom>
+            <a:solidFill>
+              <a:schemeClr val="accent6"/>
+            </a:solidFill>
+          </p:spPr>
+          <p:style>
+            <a:lnRef idx="2">
+              <a:schemeClr val="accent1">
+                <a:shade val="50000"/>
+              </a:schemeClr>
+            </a:lnRef>
+            <a:fillRef idx="1">
+              <a:schemeClr val="accent1"/>
+            </a:fillRef>
+            <a:effectRef idx="0">
+              <a:schemeClr val="accent1"/>
+            </a:effectRef>
+            <a:fontRef idx="minor">
+              <a:schemeClr val="lt1"/>
+            </a:fontRef>
+          </p:style>
+          <p:txBody>
+            <a:bodyPr rtlCol="0" anchor="ctr"/>
+            <a:lstStyle/>
+            <a:p>
+              <a:pPr algn="ctr"/>
+              <a:r>
+                <a:rPr lang="en-US" altLang="ko-KR" sz="1400" dirty="0" smtClean="0"/>
+                <a:t>Left</a:t>
+              </a:r>
+              <a:endParaRPr lang="ko-KR" altLang="en-US" sz="1400" dirty="0"/>
+            </a:p>
+          </p:txBody>
+        </p:sp>
+      </p:grpSp>
+      <p:cxnSp>
+        <p:nvCxnSpPr>
+          <p:cNvPr id="106" name="직선 화살표 연결선 105"/>
+          <p:cNvCxnSpPr>
+            <a:stCxn id="59" idx="2"/>
+            <a:endCxn id="84" idx="0"/>
+          </p:cNvCxnSpPr>
+          <p:nvPr/>
+        </p:nvCxnSpPr>
+        <p:spPr>
+          <a:xfrm flipH="1">
+            <a:off x="1604821" y="3686406"/>
+            <a:ext cx="1139203" cy="532828"/>
+          </a:xfrm>
+          <a:prstGeom prst="straightConnector1">
+            <a:avLst/>
+          </a:prstGeom>
+          <a:ln w="28575">
+            <a:solidFill>
+              <a:schemeClr val="accent6"/>
+            </a:solidFill>
+            <a:tailEnd type="triangle"/>
+          </a:ln>
+        </p:spPr>
+        <p:style>
+          <a:lnRef idx="1">
+            <a:schemeClr val="accent1"/>
+          </a:lnRef>
+          <a:fillRef idx="0">
+            <a:schemeClr val="accent1"/>
+          </a:fillRef>
+          <a:effectRef idx="0">
+            <a:schemeClr val="accent1"/>
+          </a:effectRef>
+          <a:fontRef idx="minor">
+            <a:schemeClr val="tx1"/>
+          </a:fontRef>
+        </p:style>
+      </p:cxnSp>
+      <p:cxnSp>
+        <p:nvCxnSpPr>
+          <p:cNvPr id="109" name="직선 화살표 연결선 108"/>
+          <p:cNvCxnSpPr>
+            <a:stCxn id="95" idx="2"/>
+            <a:endCxn id="99" idx="0"/>
+          </p:cNvCxnSpPr>
+          <p:nvPr/>
+        </p:nvCxnSpPr>
+        <p:spPr>
+          <a:xfrm flipH="1">
+            <a:off x="6947433" y="3686406"/>
+            <a:ext cx="94173" cy="532828"/>
+          </a:xfrm>
+          <a:prstGeom prst="straightConnector1">
+            <a:avLst/>
+          </a:prstGeom>
+          <a:ln w="28575">
+            <a:solidFill>
+              <a:schemeClr val="accent6"/>
+            </a:solidFill>
+            <a:tailEnd type="triangle"/>
+          </a:ln>
+        </p:spPr>
+        <p:style>
+          <a:lnRef idx="1">
+            <a:schemeClr val="accent1"/>
+          </a:lnRef>
+          <a:fillRef idx="0">
+            <a:schemeClr val="accent1"/>
+          </a:fillRef>
+          <a:effectRef idx="0">
+            <a:schemeClr val="accent1"/>
+          </a:effectRef>
+          <a:fontRef idx="minor">
+            <a:schemeClr val="tx1"/>
+          </a:fontRef>
+        </p:style>
+      </p:cxnSp>
+      <p:cxnSp>
+        <p:nvCxnSpPr>
+          <p:cNvPr id="112" name="직선 화살표 연결선 111"/>
+          <p:cNvCxnSpPr>
+            <a:stCxn id="57" idx="2"/>
+            <a:endCxn id="89" idx="0"/>
+          </p:cNvCxnSpPr>
+          <p:nvPr/>
+        </p:nvCxnSpPr>
+        <p:spPr>
+          <a:xfrm>
+            <a:off x="4249689" y="3686406"/>
+            <a:ext cx="69290" cy="532828"/>
+          </a:xfrm>
+          <a:prstGeom prst="straightConnector1">
+            <a:avLst/>
+          </a:prstGeom>
+          <a:ln w="28575">
+            <a:solidFill>
+              <a:srgbClr val="FF0000"/>
+            </a:solidFill>
+            <a:tailEnd type="triangle"/>
+          </a:ln>
+        </p:spPr>
+        <p:style>
+          <a:lnRef idx="1">
+            <a:schemeClr val="accent1"/>
+          </a:lnRef>
+          <a:fillRef idx="0">
+            <a:schemeClr val="accent1"/>
+          </a:fillRef>
+          <a:effectRef idx="0">
+            <a:schemeClr val="accent1"/>
+          </a:effectRef>
+          <a:fontRef idx="minor">
+            <a:schemeClr val="tx1"/>
+          </a:fontRef>
+        </p:style>
+      </p:cxnSp>
+      <p:cxnSp>
+        <p:nvCxnSpPr>
+          <p:cNvPr id="115" name="직선 화살표 연결선 114"/>
+          <p:cNvCxnSpPr>
+            <a:stCxn id="93" idx="2"/>
+            <a:endCxn id="104" idx="0"/>
+          </p:cNvCxnSpPr>
+          <p:nvPr/>
+        </p:nvCxnSpPr>
+        <p:spPr>
+          <a:xfrm>
+            <a:off x="8547271" y="3686406"/>
+            <a:ext cx="1343977" cy="532828"/>
+          </a:xfrm>
+          <a:prstGeom prst="straightConnector1">
+            <a:avLst/>
+          </a:prstGeom>
+          <a:ln w="28575">
+            <a:solidFill>
+              <a:srgbClr val="FF0000"/>
+            </a:solidFill>
+            <a:tailEnd type="triangle"/>
+          </a:ln>
+        </p:spPr>
+        <p:style>
+          <a:lnRef idx="1">
+            <a:schemeClr val="accent1"/>
+          </a:lnRef>
+          <a:fillRef idx="0">
+            <a:schemeClr val="accent1"/>
+          </a:fillRef>
+          <a:effectRef idx="0">
+            <a:schemeClr val="accent1"/>
+          </a:effectRef>
+          <a:fontRef idx="minor">
+            <a:schemeClr val="tx1"/>
+          </a:fontRef>
+        </p:style>
+      </p:cxnSp>
+      <p:cxnSp>
+        <p:nvCxnSpPr>
+          <p:cNvPr id="22" name="직선 화살표 연결선 21"/>
+          <p:cNvCxnSpPr/>
+          <p:nvPr/>
+        </p:nvCxnSpPr>
+        <p:spPr>
+          <a:xfrm flipH="1">
+            <a:off x="1041944" y="1587050"/>
+            <a:ext cx="2661558" cy="1972579"/>
+          </a:xfrm>
+          <a:prstGeom prst="straightConnector1">
+            <a:avLst/>
+          </a:prstGeom>
+          <a:ln w="28575">
+            <a:prstDash val="sysDash"/>
+            <a:tailEnd type="triangle"/>
+          </a:ln>
+        </p:spPr>
+        <p:style>
+          <a:lnRef idx="1">
+            <a:schemeClr val="accent1"/>
+          </a:lnRef>
+          <a:fillRef idx="0">
+            <a:schemeClr val="accent1"/>
+          </a:fillRef>
+          <a:effectRef idx="0">
+            <a:schemeClr val="accent1"/>
+          </a:effectRef>
+          <a:fontRef idx="minor">
+            <a:schemeClr val="tx1"/>
+          </a:fontRef>
+        </p:style>
+      </p:cxnSp>
+      <p:cxnSp>
+        <p:nvCxnSpPr>
+          <p:cNvPr id="122" name="직선 화살표 연결선 121"/>
+          <p:cNvCxnSpPr/>
+          <p:nvPr/>
+        </p:nvCxnSpPr>
+        <p:spPr>
+          <a:xfrm>
+            <a:off x="4815826" y="3283934"/>
+            <a:ext cx="183049" cy="729629"/>
+          </a:xfrm>
+          <a:prstGeom prst="straightConnector1">
+            <a:avLst/>
+          </a:prstGeom>
+          <a:ln w="28575">
+            <a:prstDash val="sysDash"/>
+            <a:tailEnd type="triangle"/>
+          </a:ln>
+        </p:spPr>
+        <p:style>
+          <a:lnRef idx="1">
+            <a:schemeClr val="accent1"/>
+          </a:lnRef>
+          <a:fillRef idx="0">
+            <a:schemeClr val="accent1"/>
+          </a:fillRef>
+          <a:effectRef idx="0">
+            <a:schemeClr val="accent1"/>
+          </a:effectRef>
+          <a:fontRef idx="minor">
+            <a:schemeClr val="tx1"/>
+          </a:fontRef>
+        </p:style>
+      </p:cxnSp>
+      <p:cxnSp>
+        <p:nvCxnSpPr>
+          <p:cNvPr id="125" name="직선 화살표 연결선 124"/>
+          <p:cNvCxnSpPr/>
+          <p:nvPr/>
+        </p:nvCxnSpPr>
+        <p:spPr>
+          <a:xfrm flipH="1">
+            <a:off x="6081136" y="2450435"/>
+            <a:ext cx="614223" cy="1475898"/>
+          </a:xfrm>
+          <a:prstGeom prst="straightConnector1">
+            <a:avLst/>
+          </a:prstGeom>
+          <a:ln w="28575">
+            <a:prstDash val="sysDash"/>
+            <a:tailEnd type="triangle"/>
+          </a:ln>
+        </p:spPr>
+        <p:style>
+          <a:lnRef idx="1">
+            <a:schemeClr val="accent1"/>
+          </a:lnRef>
+          <a:fillRef idx="0">
+            <a:schemeClr val="accent1"/>
+          </a:fillRef>
+          <a:effectRef idx="0">
+            <a:schemeClr val="accent1"/>
+          </a:effectRef>
+          <a:fontRef idx="minor">
+            <a:schemeClr val="tx1"/>
+          </a:fontRef>
+        </p:style>
+      </p:cxnSp>
+      <p:sp>
+        <p:nvSpPr>
+          <p:cNvPr id="27" name="타원 26"/>
+          <p:cNvSpPr/>
+          <p:nvPr/>
+        </p:nvSpPr>
+        <p:spPr>
+          <a:xfrm>
+            <a:off x="3681744" y="1341593"/>
+            <a:ext cx="255701" cy="285243"/>
+          </a:xfrm>
+          <a:prstGeom prst="ellipse">
+            <a:avLst/>
+          </a:prstGeom>
+        </p:spPr>
+        <p:style>
+          <a:lnRef idx="2">
+            <a:schemeClr val="accent1">
+              <a:shade val="50000"/>
+            </a:schemeClr>
+          </a:lnRef>
+          <a:fillRef idx="1">
+            <a:schemeClr val="accent1"/>
+          </a:fillRef>
+          <a:effectRef idx="0">
+            <a:schemeClr val="accent1"/>
+          </a:effectRef>
+          <a:fontRef idx="minor">
+            <a:schemeClr val="lt1"/>
+          </a:fontRef>
+        </p:style>
+        <p:txBody>
+          <a:bodyPr rtlCol="0" anchor="ctr"/>
+          <a:lstStyle/>
+          <a:p>
+            <a:pPr algn="ctr"/>
+            <a:r>
+              <a:rPr lang="en-US" altLang="ko-KR" dirty="0" smtClean="0"/>
+              <a:t>1</a:t>
+            </a:r>
+            <a:endParaRPr lang="ko-KR" altLang="en-US" dirty="0"/>
+          </a:p>
+        </p:txBody>
+      </p:sp>
+      <p:sp>
+        <p:nvSpPr>
+          <p:cNvPr id="129" name="타원 128"/>
+          <p:cNvSpPr/>
+          <p:nvPr/>
+        </p:nvSpPr>
+        <p:spPr>
+          <a:xfrm>
+            <a:off x="4651649" y="2998691"/>
+            <a:ext cx="255701" cy="285243"/>
+          </a:xfrm>
+          <a:prstGeom prst="ellipse">
+            <a:avLst/>
+          </a:prstGeom>
+        </p:spPr>
+        <p:style>
+          <a:lnRef idx="2">
+            <a:schemeClr val="accent1">
+              <a:shade val="50000"/>
+            </a:schemeClr>
+          </a:lnRef>
+          <a:fillRef idx="1">
+            <a:schemeClr val="accent1"/>
+          </a:fillRef>
+          <a:effectRef idx="0">
+            <a:schemeClr val="accent1"/>
+          </a:effectRef>
+          <a:fontRef idx="minor">
+            <a:schemeClr val="lt1"/>
+          </a:fontRef>
+        </p:style>
+        <p:txBody>
+          <a:bodyPr rtlCol="0" anchor="ctr"/>
+          <a:lstStyle/>
+          <a:p>
+            <a:pPr algn="ctr"/>
+            <a:r>
+              <a:rPr lang="en-US" altLang="ko-KR" dirty="0" smtClean="0"/>
+              <a:t>4</a:t>
+            </a:r>
+            <a:endParaRPr lang="ko-KR" altLang="en-US" dirty="0"/>
+          </a:p>
+        </p:txBody>
+      </p:sp>
+      <p:sp>
+        <p:nvSpPr>
+          <p:cNvPr id="130" name="타원 129"/>
+          <p:cNvSpPr/>
+          <p:nvPr/>
+        </p:nvSpPr>
+        <p:spPr>
+          <a:xfrm>
+            <a:off x="6565899" y="2285573"/>
+            <a:ext cx="255701" cy="285243"/>
+          </a:xfrm>
+          <a:prstGeom prst="ellipse">
+            <a:avLst/>
+          </a:prstGeom>
+        </p:spPr>
+        <p:style>
+          <a:lnRef idx="2">
+            <a:schemeClr val="accent1">
+              <a:shade val="50000"/>
+            </a:schemeClr>
+          </a:lnRef>
+          <a:fillRef idx="1">
+            <a:schemeClr val="accent1"/>
+          </a:fillRef>
+          <a:effectRef idx="0">
+            <a:schemeClr val="accent1"/>
+          </a:effectRef>
+          <a:fontRef idx="minor">
+            <a:schemeClr val="lt1"/>
+          </a:fontRef>
+        </p:style>
+        <p:txBody>
+          <a:bodyPr rtlCol="0" anchor="ctr"/>
+          <a:lstStyle/>
+          <a:p>
+            <a:pPr algn="ctr"/>
+            <a:r>
+              <a:rPr lang="en-US" altLang="ko-KR" dirty="0"/>
+              <a:t>5</a:t>
+            </a:r>
+            <a:endParaRPr lang="ko-KR" altLang="en-US" dirty="0"/>
+          </a:p>
+        </p:txBody>
+      </p:sp>
+      <p:cxnSp>
+        <p:nvCxnSpPr>
+          <p:cNvPr id="131" name="직선 화살표 연결선 130"/>
+          <p:cNvCxnSpPr/>
+          <p:nvPr/>
+        </p:nvCxnSpPr>
+        <p:spPr>
+          <a:xfrm flipH="1" flipV="1">
+            <a:off x="8344391" y="210163"/>
+            <a:ext cx="1162432" cy="2037"/>
+          </a:xfrm>
+          <a:prstGeom prst="straightConnector1">
+            <a:avLst/>
+          </a:prstGeom>
+          <a:ln w="28575">
+            <a:prstDash val="sysDash"/>
+            <a:tailEnd type="triangle"/>
+          </a:ln>
+        </p:spPr>
+        <p:style>
+          <a:lnRef idx="1">
+            <a:schemeClr val="accent1"/>
+          </a:lnRef>
+          <a:fillRef idx="0">
+            <a:schemeClr val="accent1"/>
+          </a:fillRef>
+          <a:effectRef idx="0">
+            <a:schemeClr val="accent1"/>
+          </a:effectRef>
+          <a:fontRef idx="minor">
+            <a:schemeClr val="tx1"/>
+          </a:fontRef>
+        </p:style>
+      </p:cxnSp>
+      <p:sp>
+        <p:nvSpPr>
+          <p:cNvPr id="30" name="TextBox 29"/>
+          <p:cNvSpPr txBox="1"/>
+          <p:nvPr/>
+        </p:nvSpPr>
+        <p:spPr>
+          <a:xfrm>
+            <a:off x="9632244" y="31121"/>
+            <a:ext cx="1200842" cy="369332"/>
+          </a:xfrm>
+          <a:prstGeom prst="rect">
+            <a:avLst/>
+          </a:prstGeom>
+          <a:noFill/>
+        </p:spPr>
+        <p:txBody>
+          <a:bodyPr wrap="none" rtlCol="0">
+            <a:spAutoFit/>
+          </a:bodyPr>
+          <a:lstStyle/>
+          <a:p>
+            <a:r>
+              <a:rPr lang="en-US" altLang="ko-KR" dirty="0" smtClean="0"/>
+              <a:t>Pre Order</a:t>
+            </a:r>
+            <a:endParaRPr lang="ko-KR" altLang="en-US" dirty="0"/>
+          </a:p>
+        </p:txBody>
+      </p:sp>
+      <p:sp>
+        <p:nvSpPr>
+          <p:cNvPr id="135" name="타원 134"/>
+          <p:cNvSpPr/>
+          <p:nvPr/>
+        </p:nvSpPr>
+        <p:spPr>
+          <a:xfrm>
+            <a:off x="2314273" y="2348659"/>
+            <a:ext cx="255701" cy="285243"/>
+          </a:xfrm>
+          <a:prstGeom prst="ellipse">
+            <a:avLst/>
+          </a:prstGeom>
+        </p:spPr>
+        <p:style>
+          <a:lnRef idx="2">
+            <a:schemeClr val="accent1">
+              <a:shade val="50000"/>
+            </a:schemeClr>
+          </a:lnRef>
+          <a:fillRef idx="1">
+            <a:schemeClr val="accent1"/>
+          </a:fillRef>
+          <a:effectRef idx="0">
+            <a:schemeClr val="accent1"/>
+          </a:effectRef>
+          <a:fontRef idx="minor">
+            <a:schemeClr val="lt1"/>
+          </a:fontRef>
+        </p:style>
+        <p:txBody>
+          <a:bodyPr rtlCol="0" anchor="ctr"/>
+          <a:lstStyle/>
+          <a:p>
+            <a:pPr algn="ctr"/>
+            <a:r>
+              <a:rPr lang="en-US" altLang="ko-KR" dirty="0" smtClean="0"/>
+              <a:t>2</a:t>
+            </a:r>
+            <a:endParaRPr lang="ko-KR" altLang="en-US" dirty="0"/>
+          </a:p>
+        </p:txBody>
+      </p:sp>
+      <p:sp>
+        <p:nvSpPr>
+          <p:cNvPr id="136" name="타원 135"/>
+          <p:cNvSpPr/>
+          <p:nvPr/>
+        </p:nvSpPr>
+        <p:spPr>
+          <a:xfrm>
+            <a:off x="804904" y="3473468"/>
+            <a:ext cx="255701" cy="285243"/>
+          </a:xfrm>
+          <a:prstGeom prst="ellipse">
+            <a:avLst/>
+          </a:prstGeom>
+        </p:spPr>
+        <p:style>
+          <a:lnRef idx="2">
+            <a:schemeClr val="accent1">
+              <a:shade val="50000"/>
+            </a:schemeClr>
+          </a:lnRef>
+          <a:fillRef idx="1">
+            <a:schemeClr val="accent1"/>
+          </a:fillRef>
+          <a:effectRef idx="0">
+            <a:schemeClr val="accent1"/>
+          </a:effectRef>
+          <a:fontRef idx="minor">
+            <a:schemeClr val="lt1"/>
+          </a:fontRef>
+        </p:style>
+        <p:txBody>
+          <a:bodyPr rtlCol="0" anchor="ctr"/>
+          <a:lstStyle/>
+          <a:p>
+            <a:pPr algn="ctr"/>
+            <a:r>
+              <a:rPr lang="en-US" altLang="ko-KR" dirty="0"/>
+              <a:t>3</a:t>
+            </a:r>
+            <a:endParaRPr lang="ko-KR" altLang="en-US" dirty="0"/>
+          </a:p>
+        </p:txBody>
+      </p:sp>
+      <p:sp>
+        <p:nvSpPr>
+          <p:cNvPr id="137" name="타원 136"/>
+          <p:cNvSpPr/>
+          <p:nvPr/>
+        </p:nvSpPr>
+        <p:spPr>
+          <a:xfrm>
+            <a:off x="5894333" y="3887270"/>
+            <a:ext cx="255701" cy="285243"/>
+          </a:xfrm>
+          <a:prstGeom prst="ellipse">
+            <a:avLst/>
+          </a:prstGeom>
+        </p:spPr>
+        <p:style>
+          <a:lnRef idx="2">
+            <a:schemeClr val="accent1">
+              <a:shade val="50000"/>
+            </a:schemeClr>
+          </a:lnRef>
+          <a:fillRef idx="1">
+            <a:schemeClr val="accent1"/>
+          </a:fillRef>
+          <a:effectRef idx="0">
+            <a:schemeClr val="accent1"/>
+          </a:effectRef>
+          <a:fontRef idx="minor">
+            <a:schemeClr val="lt1"/>
+          </a:fontRef>
+        </p:style>
+        <p:txBody>
+          <a:bodyPr rtlCol="0" anchor="ctr"/>
+          <a:lstStyle/>
+          <a:p>
+            <a:pPr algn="ctr"/>
+            <a:r>
+              <a:rPr lang="en-US" altLang="ko-KR" dirty="0" smtClean="0"/>
+              <a:t>6</a:t>
+            </a:r>
+            <a:endParaRPr lang="ko-KR" altLang="en-US" dirty="0"/>
+          </a:p>
+        </p:txBody>
+      </p:sp>
+      <p:cxnSp>
+        <p:nvCxnSpPr>
+          <p:cNvPr id="138" name="직선 화살표 연결선 137"/>
+          <p:cNvCxnSpPr/>
+          <p:nvPr/>
+        </p:nvCxnSpPr>
+        <p:spPr>
+          <a:xfrm>
+            <a:off x="9356418" y="3648748"/>
+            <a:ext cx="554350" cy="317720"/>
+          </a:xfrm>
+          <a:prstGeom prst="straightConnector1">
+            <a:avLst/>
+          </a:prstGeom>
+          <a:ln w="28575">
+            <a:prstDash val="sysDash"/>
+            <a:tailEnd type="triangle"/>
+          </a:ln>
+        </p:spPr>
+        <p:style>
+          <a:lnRef idx="1">
+            <a:schemeClr val="accent1"/>
+          </a:lnRef>
+          <a:fillRef idx="0">
+            <a:schemeClr val="accent1"/>
+          </a:fillRef>
+          <a:effectRef idx="0">
+            <a:schemeClr val="accent1"/>
+          </a:effectRef>
+          <a:fontRef idx="minor">
+            <a:schemeClr val="tx1"/>
+          </a:fontRef>
+        </p:style>
+      </p:cxnSp>
+      <p:sp>
+        <p:nvSpPr>
+          <p:cNvPr id="140" name="타원 139"/>
+          <p:cNvSpPr/>
+          <p:nvPr/>
+        </p:nvSpPr>
+        <p:spPr>
+          <a:xfrm>
+            <a:off x="9138089" y="3449127"/>
+            <a:ext cx="255701" cy="285243"/>
+          </a:xfrm>
+          <a:prstGeom prst="ellipse">
+            <a:avLst/>
+          </a:prstGeom>
+        </p:spPr>
+        <p:style>
+          <a:lnRef idx="2">
+            <a:schemeClr val="accent1">
+              <a:shade val="50000"/>
+            </a:schemeClr>
+          </a:lnRef>
+          <a:fillRef idx="1">
+            <a:schemeClr val="accent1"/>
+          </a:fillRef>
+          <a:effectRef idx="0">
+            <a:schemeClr val="accent1"/>
+          </a:effectRef>
+          <a:fontRef idx="minor">
+            <a:schemeClr val="lt1"/>
+          </a:fontRef>
+        </p:style>
+        <p:txBody>
+          <a:bodyPr rtlCol="0" anchor="ctr"/>
+          <a:lstStyle/>
+          <a:p>
+            <a:pPr algn="ctr"/>
+            <a:r>
+              <a:rPr lang="en-US" altLang="ko-KR" dirty="0"/>
+              <a:t>7</a:t>
+            </a:r>
+            <a:endParaRPr lang="ko-KR" altLang="en-US" dirty="0"/>
+          </a:p>
+        </p:txBody>
+      </p:sp>
+      <p:cxnSp>
+        <p:nvCxnSpPr>
+          <p:cNvPr id="141" name="직선 화살표 연결선 140"/>
+          <p:cNvCxnSpPr/>
+          <p:nvPr/>
+        </p:nvCxnSpPr>
+        <p:spPr>
+          <a:xfrm flipV="1">
+            <a:off x="783490" y="1284853"/>
+            <a:ext cx="2694373" cy="2009906"/>
+          </a:xfrm>
+          <a:prstGeom prst="straightConnector1">
+            <a:avLst/>
+          </a:prstGeom>
+          <a:ln w="28575">
+            <a:solidFill>
+              <a:srgbClr val="FF0000"/>
+            </a:solidFill>
+            <a:prstDash val="sysDash"/>
+            <a:tailEnd type="triangle"/>
+          </a:ln>
+        </p:spPr>
+        <p:style>
+          <a:lnRef idx="1">
+            <a:schemeClr val="accent1"/>
+          </a:lnRef>
+          <a:fillRef idx="0">
+            <a:schemeClr val="accent1"/>
+          </a:fillRef>
+          <a:effectRef idx="0">
+            <a:schemeClr val="accent1"/>
+          </a:effectRef>
+          <a:fontRef idx="minor">
+            <a:schemeClr val="tx1"/>
+          </a:fontRef>
+        </p:style>
+      </p:cxnSp>
+      <p:cxnSp>
+        <p:nvCxnSpPr>
+          <p:cNvPr id="144" name="직선 화살표 연결선 143"/>
+          <p:cNvCxnSpPr/>
+          <p:nvPr/>
+        </p:nvCxnSpPr>
+        <p:spPr>
+          <a:xfrm flipH="1" flipV="1">
+            <a:off x="5042148" y="3221042"/>
+            <a:ext cx="134007" cy="616173"/>
+          </a:xfrm>
+          <a:prstGeom prst="straightConnector1">
+            <a:avLst/>
+          </a:prstGeom>
+          <a:ln w="28575">
+            <a:solidFill>
+              <a:srgbClr val="FF0000"/>
+            </a:solidFill>
+            <a:prstDash val="sysDash"/>
+            <a:tailEnd type="triangle"/>
+          </a:ln>
+        </p:spPr>
+        <p:style>
+          <a:lnRef idx="1">
+            <a:schemeClr val="accent1"/>
+          </a:lnRef>
+          <a:fillRef idx="0">
+            <a:schemeClr val="accent1"/>
+          </a:fillRef>
+          <a:effectRef idx="0">
+            <a:schemeClr val="accent1"/>
+          </a:effectRef>
+          <a:fontRef idx="minor">
+            <a:schemeClr val="tx1"/>
+          </a:fontRef>
+        </p:style>
+      </p:cxnSp>
+      <p:sp>
+        <p:nvSpPr>
+          <p:cNvPr id="148" name="타원 147"/>
+          <p:cNvSpPr/>
+          <p:nvPr/>
+        </p:nvSpPr>
+        <p:spPr>
+          <a:xfrm>
+            <a:off x="585528" y="3188384"/>
+            <a:ext cx="255701" cy="285243"/>
+          </a:xfrm>
+          <a:prstGeom prst="ellipse">
+            <a:avLst/>
+          </a:prstGeom>
+          <a:solidFill>
+            <a:srgbClr val="FF0000"/>
+          </a:solidFill>
+          <a:ln>
+            <a:solidFill>
+              <a:srgbClr val="FF0000"/>
+            </a:solidFill>
+          </a:ln>
+        </p:spPr>
+        <p:style>
+          <a:lnRef idx="2">
+            <a:schemeClr val="accent1">
+              <a:shade val="50000"/>
+            </a:schemeClr>
+          </a:lnRef>
+          <a:fillRef idx="1">
+            <a:schemeClr val="accent1"/>
+          </a:fillRef>
+          <a:effectRef idx="0">
+            <a:schemeClr val="accent1"/>
+          </a:effectRef>
+          <a:fontRef idx="minor">
+            <a:schemeClr val="lt1"/>
+          </a:fontRef>
+        </p:style>
+        <p:txBody>
+          <a:bodyPr rtlCol="0" anchor="ctr"/>
+          <a:lstStyle/>
+          <a:p>
+            <a:pPr algn="ctr"/>
+            <a:r>
+              <a:rPr lang="en-US" altLang="ko-KR" dirty="0" smtClean="0"/>
+              <a:t>1</a:t>
+            </a:r>
+            <a:endParaRPr lang="ko-KR" altLang="en-US" dirty="0"/>
+          </a:p>
+        </p:txBody>
+      </p:sp>
+      <p:sp>
+        <p:nvSpPr>
+          <p:cNvPr id="149" name="타원 148"/>
+          <p:cNvSpPr/>
+          <p:nvPr/>
+        </p:nvSpPr>
+        <p:spPr>
+          <a:xfrm>
+            <a:off x="2046571" y="2087107"/>
+            <a:ext cx="255701" cy="285243"/>
+          </a:xfrm>
+          <a:prstGeom prst="ellipse">
+            <a:avLst/>
+          </a:prstGeom>
+          <a:solidFill>
+            <a:srgbClr val="FF0000"/>
+          </a:solidFill>
+          <a:ln>
+            <a:solidFill>
+              <a:srgbClr val="FF0000"/>
+            </a:solidFill>
+          </a:ln>
+        </p:spPr>
+        <p:style>
+          <a:lnRef idx="2">
+            <a:schemeClr val="accent1">
+              <a:shade val="50000"/>
+            </a:schemeClr>
+          </a:lnRef>
+          <a:fillRef idx="1">
+            <a:schemeClr val="accent1"/>
+          </a:fillRef>
+          <a:effectRef idx="0">
+            <a:schemeClr val="accent1"/>
+          </a:effectRef>
+          <a:fontRef idx="minor">
+            <a:schemeClr val="lt1"/>
+          </a:fontRef>
+        </p:style>
+        <p:txBody>
+          <a:bodyPr rtlCol="0" anchor="ctr"/>
+          <a:lstStyle/>
+          <a:p>
+            <a:pPr algn="ctr"/>
+            <a:r>
+              <a:rPr lang="en-US" altLang="ko-KR" dirty="0"/>
+              <a:t>2</a:t>
+            </a:r>
+            <a:endParaRPr lang="ko-KR" altLang="en-US" dirty="0"/>
+          </a:p>
+        </p:txBody>
+      </p:sp>
+      <p:sp>
+        <p:nvSpPr>
+          <p:cNvPr id="150" name="타원 149"/>
+          <p:cNvSpPr/>
+          <p:nvPr/>
+        </p:nvSpPr>
+        <p:spPr>
+          <a:xfrm>
+            <a:off x="5073354" y="3796796"/>
+            <a:ext cx="255701" cy="285243"/>
+          </a:xfrm>
+          <a:prstGeom prst="ellipse">
+            <a:avLst/>
+          </a:prstGeom>
+          <a:solidFill>
+            <a:srgbClr val="FF0000"/>
+          </a:solidFill>
+          <a:ln>
+            <a:solidFill>
+              <a:srgbClr val="FF0000"/>
+            </a:solidFill>
+          </a:ln>
+        </p:spPr>
+        <p:style>
+          <a:lnRef idx="2">
+            <a:schemeClr val="accent1">
+              <a:shade val="50000"/>
+            </a:schemeClr>
+          </a:lnRef>
+          <a:fillRef idx="1">
+            <a:schemeClr val="accent1"/>
+          </a:fillRef>
+          <a:effectRef idx="0">
+            <a:schemeClr val="accent1"/>
+          </a:effectRef>
+          <a:fontRef idx="minor">
+            <a:schemeClr val="lt1"/>
+          </a:fontRef>
+        </p:style>
+        <p:txBody>
+          <a:bodyPr rtlCol="0" anchor="ctr"/>
+          <a:lstStyle/>
+          <a:p>
+            <a:pPr algn="ctr"/>
+            <a:r>
+              <a:rPr lang="en-US" altLang="ko-KR" dirty="0" smtClean="0"/>
+              <a:t>3</a:t>
+            </a:r>
+            <a:endParaRPr lang="ko-KR" altLang="en-US" dirty="0"/>
+          </a:p>
+        </p:txBody>
+      </p:sp>
+      <p:sp>
+        <p:nvSpPr>
+          <p:cNvPr id="151" name="타원 150"/>
+          <p:cNvSpPr/>
+          <p:nvPr/>
+        </p:nvSpPr>
+        <p:spPr>
+          <a:xfrm>
+            <a:off x="3462832" y="1056351"/>
+            <a:ext cx="255701" cy="285243"/>
+          </a:xfrm>
+          <a:prstGeom prst="ellipse">
+            <a:avLst/>
+          </a:prstGeom>
+          <a:solidFill>
+            <a:srgbClr val="FF0000"/>
+          </a:solidFill>
+          <a:ln>
+            <a:solidFill>
+              <a:srgbClr val="FF0000"/>
+            </a:solidFill>
+          </a:ln>
+        </p:spPr>
+        <p:style>
+          <a:lnRef idx="2">
+            <a:schemeClr val="accent1">
+              <a:shade val="50000"/>
+            </a:schemeClr>
+          </a:lnRef>
+          <a:fillRef idx="1">
+            <a:schemeClr val="accent1"/>
+          </a:fillRef>
+          <a:effectRef idx="0">
+            <a:schemeClr val="accent1"/>
+          </a:effectRef>
+          <a:fontRef idx="minor">
+            <a:schemeClr val="lt1"/>
+          </a:fontRef>
+        </p:style>
+        <p:txBody>
+          <a:bodyPr rtlCol="0" anchor="ctr"/>
+          <a:lstStyle/>
+          <a:p>
+            <a:pPr algn="ctr"/>
+            <a:r>
+              <a:rPr lang="en-US" altLang="ko-KR" dirty="0"/>
+              <a:t>4</a:t>
+            </a:r>
+            <a:endParaRPr lang="ko-KR" altLang="en-US" dirty="0"/>
+          </a:p>
+        </p:txBody>
+      </p:sp>
+      <p:cxnSp>
+        <p:nvCxnSpPr>
+          <p:cNvPr id="152" name="직선 화살표 연결선 151"/>
+          <p:cNvCxnSpPr/>
+          <p:nvPr/>
+        </p:nvCxnSpPr>
+        <p:spPr>
+          <a:xfrm flipV="1">
+            <a:off x="5856528" y="2547258"/>
+            <a:ext cx="544274" cy="1186513"/>
+          </a:xfrm>
+          <a:prstGeom prst="straightConnector1">
+            <a:avLst/>
+          </a:prstGeom>
+          <a:ln w="28575">
+            <a:solidFill>
+              <a:srgbClr val="FF0000"/>
+            </a:solidFill>
+            <a:prstDash val="sysDash"/>
+            <a:tailEnd type="triangle"/>
+          </a:ln>
+        </p:spPr>
+        <p:style>
+          <a:lnRef idx="1">
+            <a:schemeClr val="accent1"/>
+          </a:lnRef>
+          <a:fillRef idx="0">
+            <a:schemeClr val="accent1"/>
+          </a:fillRef>
+          <a:effectRef idx="0">
+            <a:schemeClr val="accent1"/>
+          </a:effectRef>
+          <a:fontRef idx="minor">
+            <a:schemeClr val="tx1"/>
+          </a:fontRef>
+        </p:style>
+      </p:cxnSp>
+      <p:sp>
+        <p:nvSpPr>
+          <p:cNvPr id="156" name="타원 155"/>
+          <p:cNvSpPr/>
+          <p:nvPr/>
+        </p:nvSpPr>
+        <p:spPr>
+          <a:xfrm>
+            <a:off x="5705399" y="3684055"/>
+            <a:ext cx="255701" cy="285243"/>
+          </a:xfrm>
+          <a:prstGeom prst="ellipse">
+            <a:avLst/>
+          </a:prstGeom>
+          <a:solidFill>
+            <a:srgbClr val="FF0000"/>
+          </a:solidFill>
+          <a:ln>
+            <a:solidFill>
+              <a:srgbClr val="FF0000"/>
+            </a:solidFill>
+          </a:ln>
+        </p:spPr>
+        <p:style>
+          <a:lnRef idx="2">
+            <a:schemeClr val="accent1">
+              <a:shade val="50000"/>
+            </a:schemeClr>
+          </a:lnRef>
+          <a:fillRef idx="1">
+            <a:schemeClr val="accent1"/>
+          </a:fillRef>
+          <a:effectRef idx="0">
+            <a:schemeClr val="accent1"/>
+          </a:effectRef>
+          <a:fontRef idx="minor">
+            <a:schemeClr val="lt1"/>
+          </a:fontRef>
+        </p:style>
+        <p:txBody>
+          <a:bodyPr rtlCol="0" anchor="ctr"/>
+          <a:lstStyle/>
+          <a:p>
+            <a:pPr algn="ctr"/>
+            <a:r>
+              <a:rPr lang="en-US" altLang="ko-KR" dirty="0" smtClean="0"/>
+              <a:t>5</a:t>
+            </a:r>
+            <a:endParaRPr lang="ko-KR" altLang="en-US" dirty="0"/>
+          </a:p>
+        </p:txBody>
+      </p:sp>
+      <p:sp>
+        <p:nvSpPr>
+          <p:cNvPr id="157" name="타원 156"/>
+          <p:cNvSpPr/>
+          <p:nvPr/>
+        </p:nvSpPr>
+        <p:spPr>
+          <a:xfrm>
+            <a:off x="6331001" y="2261420"/>
+            <a:ext cx="255701" cy="285243"/>
+          </a:xfrm>
+          <a:prstGeom prst="ellipse">
+            <a:avLst/>
+          </a:prstGeom>
+          <a:solidFill>
+            <a:srgbClr val="FF0000"/>
+          </a:solidFill>
+          <a:ln>
+            <a:solidFill>
+              <a:srgbClr val="FF0000"/>
+            </a:solidFill>
+          </a:ln>
+        </p:spPr>
+        <p:style>
+          <a:lnRef idx="2">
+            <a:schemeClr val="accent1">
+              <a:shade val="50000"/>
+            </a:schemeClr>
+          </a:lnRef>
+          <a:fillRef idx="1">
+            <a:schemeClr val="accent1"/>
+          </a:fillRef>
+          <a:effectRef idx="0">
+            <a:schemeClr val="accent1"/>
+          </a:effectRef>
+          <a:fontRef idx="minor">
+            <a:schemeClr val="lt1"/>
+          </a:fontRef>
+        </p:style>
+        <p:txBody>
+          <a:bodyPr rtlCol="0" anchor="ctr"/>
+          <a:lstStyle/>
+          <a:p>
+            <a:pPr algn="ctr"/>
+            <a:r>
+              <a:rPr lang="en-US" altLang="ko-KR" dirty="0"/>
+              <a:t>6</a:t>
+            </a:r>
+            <a:endParaRPr lang="ko-KR" altLang="en-US" dirty="0"/>
+          </a:p>
+        </p:txBody>
+      </p:sp>
+      <p:sp>
+        <p:nvSpPr>
+          <p:cNvPr id="159" name="타원 158"/>
+          <p:cNvSpPr/>
+          <p:nvPr/>
+        </p:nvSpPr>
+        <p:spPr>
+          <a:xfrm>
+            <a:off x="10269134" y="3823846"/>
+            <a:ext cx="255701" cy="285243"/>
+          </a:xfrm>
+          <a:prstGeom prst="ellipse">
+            <a:avLst/>
+          </a:prstGeom>
+          <a:solidFill>
+            <a:srgbClr val="FF0000"/>
+          </a:solidFill>
+          <a:ln>
+            <a:solidFill>
+              <a:srgbClr val="FF0000"/>
+            </a:solidFill>
+          </a:ln>
+        </p:spPr>
+        <p:style>
+          <a:lnRef idx="2">
+            <a:schemeClr val="accent1">
+              <a:shade val="50000"/>
+            </a:schemeClr>
+          </a:lnRef>
+          <a:fillRef idx="1">
+            <a:schemeClr val="accent1"/>
+          </a:fillRef>
+          <a:effectRef idx="0">
+            <a:schemeClr val="accent1"/>
+          </a:effectRef>
+          <a:fontRef idx="minor">
+            <a:schemeClr val="lt1"/>
+          </a:fontRef>
+        </p:style>
+        <p:txBody>
+          <a:bodyPr rtlCol="0" anchor="ctr"/>
+          <a:lstStyle/>
+          <a:p>
+            <a:pPr algn="ctr"/>
+            <a:r>
+              <a:rPr lang="en-US" altLang="ko-KR" dirty="0" smtClean="0"/>
+              <a:t>7</a:t>
+            </a:r>
+            <a:endParaRPr lang="ko-KR" altLang="en-US" dirty="0"/>
+          </a:p>
+        </p:txBody>
+      </p:sp>
+      <p:cxnSp>
+        <p:nvCxnSpPr>
+          <p:cNvPr id="165" name="직선 화살표 연결선 164"/>
+          <p:cNvCxnSpPr>
+            <a:stCxn id="159" idx="1"/>
+          </p:cNvCxnSpPr>
+          <p:nvPr/>
+        </p:nvCxnSpPr>
+        <p:spPr>
+          <a:xfrm flipH="1" flipV="1">
+            <a:off x="9509389" y="3449127"/>
+            <a:ext cx="797192" cy="416492"/>
+          </a:xfrm>
+          <a:prstGeom prst="straightConnector1">
+            <a:avLst/>
+          </a:prstGeom>
+          <a:ln w="28575">
+            <a:solidFill>
+              <a:srgbClr val="FF0000"/>
+            </a:solidFill>
+            <a:prstDash val="sysDash"/>
+            <a:tailEnd type="triangle"/>
+          </a:ln>
+        </p:spPr>
+        <p:style>
+          <a:lnRef idx="1">
+            <a:schemeClr val="accent1"/>
+          </a:lnRef>
+          <a:fillRef idx="0">
+            <a:schemeClr val="accent1"/>
+          </a:fillRef>
+          <a:effectRef idx="0">
+            <a:schemeClr val="accent1"/>
+          </a:effectRef>
+          <a:fontRef idx="minor">
+            <a:schemeClr val="tx1"/>
+          </a:fontRef>
+        </p:style>
+      </p:cxnSp>
+      <p:cxnSp>
+        <p:nvCxnSpPr>
+          <p:cNvPr id="178" name="직선 화살표 연결선 177"/>
+          <p:cNvCxnSpPr/>
+          <p:nvPr/>
+        </p:nvCxnSpPr>
+        <p:spPr>
+          <a:xfrm flipH="1" flipV="1">
+            <a:off x="8359607" y="499077"/>
+            <a:ext cx="1161998" cy="2372"/>
+          </a:xfrm>
+          <a:prstGeom prst="straightConnector1">
+            <a:avLst/>
+          </a:prstGeom>
+          <a:ln w="28575">
+            <a:solidFill>
+              <a:srgbClr val="FF0000"/>
+            </a:solidFill>
+            <a:prstDash val="sysDash"/>
+            <a:tailEnd type="triangle"/>
+          </a:ln>
+        </p:spPr>
+        <p:style>
+          <a:lnRef idx="1">
+            <a:schemeClr val="accent1"/>
+          </a:lnRef>
+          <a:fillRef idx="0">
+            <a:schemeClr val="accent1"/>
+          </a:fillRef>
+          <a:effectRef idx="0">
+            <a:schemeClr val="accent1"/>
+          </a:effectRef>
+          <a:fontRef idx="minor">
+            <a:schemeClr val="tx1"/>
+          </a:fontRef>
+        </p:style>
+      </p:cxnSp>
+      <p:sp>
+        <p:nvSpPr>
+          <p:cNvPr id="179" name="TextBox 178"/>
+          <p:cNvSpPr txBox="1"/>
+          <p:nvPr/>
+        </p:nvSpPr>
+        <p:spPr>
+          <a:xfrm>
+            <a:off x="9632244" y="315870"/>
+            <a:ext cx="1063048" cy="369332"/>
+          </a:xfrm>
+          <a:prstGeom prst="rect">
+            <a:avLst/>
+          </a:prstGeom>
+          <a:noFill/>
+        </p:spPr>
+        <p:txBody>
+          <a:bodyPr wrap="none" rtlCol="0">
+            <a:spAutoFit/>
+          </a:bodyPr>
+          <a:lstStyle/>
+          <a:p>
+            <a:r>
+              <a:rPr lang="en-US" altLang="ko-KR" dirty="0" smtClean="0"/>
+              <a:t>In Order</a:t>
+            </a:r>
+            <a:endParaRPr lang="ko-KR" altLang="en-US" dirty="0"/>
+          </a:p>
+        </p:txBody>
+      </p:sp>
+      <p:cxnSp>
+        <p:nvCxnSpPr>
+          <p:cNvPr id="180" name="직선 화살표 연결선 179"/>
+          <p:cNvCxnSpPr/>
+          <p:nvPr/>
+        </p:nvCxnSpPr>
+        <p:spPr>
+          <a:xfrm flipV="1">
+            <a:off x="529597" y="997513"/>
+            <a:ext cx="2694373" cy="2009906"/>
+          </a:xfrm>
+          <a:prstGeom prst="straightConnector1">
+            <a:avLst/>
+          </a:prstGeom>
+          <a:ln w="28575">
+            <a:solidFill>
+              <a:schemeClr val="accent6"/>
+            </a:solidFill>
+            <a:prstDash val="sysDash"/>
+            <a:tailEnd type="triangle"/>
+          </a:ln>
+        </p:spPr>
+        <p:style>
+          <a:lnRef idx="1">
+            <a:schemeClr val="accent1"/>
+          </a:lnRef>
+          <a:fillRef idx="0">
+            <a:schemeClr val="accent1"/>
+          </a:fillRef>
+          <a:effectRef idx="0">
+            <a:schemeClr val="accent1"/>
+          </a:effectRef>
+          <a:fontRef idx="minor">
+            <a:schemeClr val="tx1"/>
+          </a:fontRef>
+        </p:style>
+      </p:cxnSp>
+      <p:sp>
+        <p:nvSpPr>
+          <p:cNvPr id="181" name="타원 180"/>
+          <p:cNvSpPr/>
+          <p:nvPr/>
+        </p:nvSpPr>
+        <p:spPr>
+          <a:xfrm>
+            <a:off x="314497" y="2935799"/>
+            <a:ext cx="255701" cy="285243"/>
+          </a:xfrm>
+          <a:prstGeom prst="ellipse">
+            <a:avLst/>
+          </a:prstGeom>
+          <a:solidFill>
+            <a:srgbClr val="00B050"/>
+          </a:solidFill>
+          <a:ln>
+            <a:solidFill>
+              <a:schemeClr val="accent6"/>
+            </a:solidFill>
+          </a:ln>
+        </p:spPr>
+        <p:style>
+          <a:lnRef idx="2">
+            <a:schemeClr val="accent1">
+              <a:shade val="50000"/>
+            </a:schemeClr>
+          </a:lnRef>
+          <a:fillRef idx="1">
+            <a:schemeClr val="accent1"/>
+          </a:fillRef>
+          <a:effectRef idx="0">
+            <a:schemeClr val="accent1"/>
+          </a:effectRef>
+          <a:fontRef idx="minor">
+            <a:schemeClr val="lt1"/>
+          </a:fontRef>
+        </p:style>
+        <p:txBody>
+          <a:bodyPr rtlCol="0" anchor="ctr"/>
+          <a:lstStyle/>
+          <a:p>
+            <a:pPr algn="ctr"/>
+            <a:r>
+              <a:rPr lang="en-US" altLang="ko-KR" dirty="0" smtClean="0"/>
+              <a:t>1</a:t>
+            </a:r>
+            <a:endParaRPr lang="ko-KR" altLang="en-US" dirty="0"/>
+          </a:p>
+        </p:txBody>
+      </p:sp>
+      <p:sp>
+        <p:nvSpPr>
+          <p:cNvPr id="182" name="타원 181"/>
+          <p:cNvSpPr/>
+          <p:nvPr/>
+        </p:nvSpPr>
+        <p:spPr>
+          <a:xfrm>
+            <a:off x="1582405" y="1944485"/>
+            <a:ext cx="255701" cy="285243"/>
+          </a:xfrm>
+          <a:prstGeom prst="ellipse">
+            <a:avLst/>
+          </a:prstGeom>
+          <a:solidFill>
+            <a:srgbClr val="00B050"/>
+          </a:solidFill>
+          <a:ln>
+            <a:solidFill>
+              <a:schemeClr val="accent6"/>
+            </a:solidFill>
+          </a:ln>
+        </p:spPr>
+        <p:style>
+          <a:lnRef idx="2">
+            <a:schemeClr val="accent1">
+              <a:shade val="50000"/>
+            </a:schemeClr>
+          </a:lnRef>
+          <a:fillRef idx="1">
+            <a:schemeClr val="accent1"/>
+          </a:fillRef>
+          <a:effectRef idx="0">
+            <a:schemeClr val="accent1"/>
+          </a:effectRef>
+          <a:fontRef idx="minor">
+            <a:schemeClr val="lt1"/>
+          </a:fontRef>
+        </p:style>
+        <p:txBody>
+          <a:bodyPr rtlCol="0" anchor="ctr"/>
+          <a:lstStyle/>
+          <a:p>
+            <a:pPr algn="ctr"/>
+            <a:r>
+              <a:rPr lang="en-US" altLang="ko-KR" dirty="0" smtClean="0"/>
+              <a:t>3</a:t>
+            </a:r>
+            <a:endParaRPr lang="ko-KR" altLang="en-US" dirty="0"/>
+          </a:p>
+        </p:txBody>
+      </p:sp>
+      <p:cxnSp>
+        <p:nvCxnSpPr>
+          <p:cNvPr id="183" name="직선 화살표 연결선 182"/>
+          <p:cNvCxnSpPr/>
+          <p:nvPr/>
+        </p:nvCxnSpPr>
+        <p:spPr>
+          <a:xfrm flipH="1" flipV="1">
+            <a:off x="5257800" y="3216729"/>
+            <a:ext cx="128840" cy="577291"/>
+          </a:xfrm>
+          <a:prstGeom prst="straightConnector1">
+            <a:avLst/>
+          </a:prstGeom>
+          <a:ln w="28575">
+            <a:solidFill>
+              <a:schemeClr val="accent6"/>
+            </a:solidFill>
+            <a:prstDash val="sysDash"/>
+            <a:tailEnd type="triangle"/>
+          </a:ln>
+        </p:spPr>
+        <p:style>
+          <a:lnRef idx="1">
+            <a:schemeClr val="accent1"/>
+          </a:lnRef>
+          <a:fillRef idx="0">
+            <a:schemeClr val="accent1"/>
+          </a:fillRef>
+          <a:effectRef idx="0">
+            <a:schemeClr val="accent1"/>
+          </a:effectRef>
+          <a:fontRef idx="minor">
+            <a:schemeClr val="tx1"/>
+          </a:fontRef>
+        </p:style>
+      </p:cxnSp>
+      <p:sp>
+        <p:nvSpPr>
+          <p:cNvPr id="189" name="타원 188"/>
+          <p:cNvSpPr/>
+          <p:nvPr/>
+        </p:nvSpPr>
+        <p:spPr>
+          <a:xfrm>
+            <a:off x="5292341" y="3794018"/>
+            <a:ext cx="255701" cy="285243"/>
+          </a:xfrm>
+          <a:prstGeom prst="ellipse">
+            <a:avLst/>
+          </a:prstGeom>
+          <a:solidFill>
+            <a:srgbClr val="00B050"/>
+          </a:solidFill>
+          <a:ln>
+            <a:solidFill>
+              <a:schemeClr val="accent6"/>
+            </a:solidFill>
+          </a:ln>
+        </p:spPr>
+        <p:style>
+          <a:lnRef idx="2">
+            <a:schemeClr val="accent1">
+              <a:shade val="50000"/>
+            </a:schemeClr>
+          </a:lnRef>
+          <a:fillRef idx="1">
+            <a:schemeClr val="accent1"/>
+          </a:fillRef>
+          <a:effectRef idx="0">
+            <a:schemeClr val="accent1"/>
+          </a:effectRef>
+          <a:fontRef idx="minor">
+            <a:schemeClr val="lt1"/>
+          </a:fontRef>
+        </p:style>
+        <p:txBody>
+          <a:bodyPr rtlCol="0" anchor="ctr"/>
+          <a:lstStyle/>
+          <a:p>
+            <a:pPr algn="ctr"/>
+            <a:r>
+              <a:rPr lang="en-US" altLang="ko-KR" dirty="0"/>
+              <a:t>2</a:t>
+            </a:r>
+            <a:endParaRPr lang="ko-KR" altLang="en-US" dirty="0"/>
+          </a:p>
+        </p:txBody>
+      </p:sp>
+      <p:sp>
+        <p:nvSpPr>
+          <p:cNvPr id="190" name="타원 189"/>
+          <p:cNvSpPr/>
+          <p:nvPr/>
+        </p:nvSpPr>
+        <p:spPr>
+          <a:xfrm>
+            <a:off x="5493733" y="3449127"/>
+            <a:ext cx="255701" cy="285243"/>
+          </a:xfrm>
+          <a:prstGeom prst="ellipse">
+            <a:avLst/>
+          </a:prstGeom>
+          <a:solidFill>
+            <a:srgbClr val="00B050"/>
+          </a:solidFill>
+          <a:ln>
+            <a:solidFill>
+              <a:schemeClr val="accent6"/>
+            </a:solidFill>
+          </a:ln>
+        </p:spPr>
+        <p:style>
+          <a:lnRef idx="2">
+            <a:schemeClr val="accent1">
+              <a:shade val="50000"/>
+            </a:schemeClr>
+          </a:lnRef>
+          <a:fillRef idx="1">
+            <a:schemeClr val="accent1"/>
+          </a:fillRef>
+          <a:effectRef idx="0">
+            <a:schemeClr val="accent1"/>
+          </a:effectRef>
+          <a:fontRef idx="minor">
+            <a:schemeClr val="lt1"/>
+          </a:fontRef>
+        </p:style>
+        <p:txBody>
+          <a:bodyPr rtlCol="0" anchor="ctr"/>
+          <a:lstStyle/>
+          <a:p>
+            <a:pPr algn="ctr"/>
+            <a:r>
+              <a:rPr lang="en-US" altLang="ko-KR" dirty="0" smtClean="0"/>
+              <a:t>4</a:t>
+            </a:r>
+            <a:endParaRPr lang="ko-KR" altLang="en-US" dirty="0"/>
+          </a:p>
+        </p:txBody>
+      </p:sp>
+      <p:cxnSp>
+        <p:nvCxnSpPr>
+          <p:cNvPr id="191" name="직선 화살표 연결선 190"/>
+          <p:cNvCxnSpPr/>
+          <p:nvPr/>
+        </p:nvCxnSpPr>
+        <p:spPr>
+          <a:xfrm flipV="1">
+            <a:off x="5703466" y="2562777"/>
+            <a:ext cx="420438" cy="942597"/>
+          </a:xfrm>
+          <a:prstGeom prst="straightConnector1">
+            <a:avLst/>
+          </a:prstGeom>
+          <a:ln w="28575">
+            <a:solidFill>
+              <a:schemeClr val="accent6"/>
+            </a:solidFill>
+            <a:prstDash val="sysDash"/>
+            <a:tailEnd type="triangle"/>
+          </a:ln>
+        </p:spPr>
+        <p:style>
+          <a:lnRef idx="1">
+            <a:schemeClr val="accent1"/>
+          </a:lnRef>
+          <a:fillRef idx="0">
+            <a:schemeClr val="accent1"/>
+          </a:fillRef>
+          <a:effectRef idx="0">
+            <a:schemeClr val="accent1"/>
+          </a:effectRef>
+          <a:fontRef idx="minor">
+            <a:schemeClr val="tx1"/>
+          </a:fontRef>
+        </p:style>
+      </p:cxnSp>
+      <p:sp>
+        <p:nvSpPr>
+          <p:cNvPr id="192" name="타원 191"/>
+          <p:cNvSpPr/>
+          <p:nvPr/>
+        </p:nvSpPr>
+        <p:spPr>
+          <a:xfrm>
+            <a:off x="6053460" y="2294165"/>
+            <a:ext cx="255701" cy="285243"/>
+          </a:xfrm>
+          <a:prstGeom prst="ellipse">
+            <a:avLst/>
+          </a:prstGeom>
+          <a:solidFill>
+            <a:srgbClr val="00B050"/>
+          </a:solidFill>
+          <a:ln>
+            <a:solidFill>
+              <a:schemeClr val="accent6"/>
+            </a:solidFill>
+          </a:ln>
+        </p:spPr>
+        <p:style>
+          <a:lnRef idx="2">
+            <a:schemeClr val="accent1">
+              <a:shade val="50000"/>
+            </a:schemeClr>
+          </a:lnRef>
+          <a:fillRef idx="1">
+            <a:schemeClr val="accent1"/>
+          </a:fillRef>
+          <a:effectRef idx="0">
+            <a:schemeClr val="accent1"/>
+          </a:effectRef>
+          <a:fontRef idx="minor">
+            <a:schemeClr val="lt1"/>
+          </a:fontRef>
+        </p:style>
+        <p:txBody>
+          <a:bodyPr rtlCol="0" anchor="ctr"/>
+          <a:lstStyle/>
+          <a:p>
+            <a:pPr algn="ctr"/>
+            <a:r>
+              <a:rPr lang="en-US" altLang="ko-KR" dirty="0" smtClean="0"/>
+              <a:t>6</a:t>
+            </a:r>
+            <a:endParaRPr lang="ko-KR" altLang="en-US" dirty="0"/>
+          </a:p>
+        </p:txBody>
+      </p:sp>
+      <p:sp>
+        <p:nvSpPr>
+          <p:cNvPr id="193" name="타원 192"/>
+          <p:cNvSpPr/>
+          <p:nvPr/>
+        </p:nvSpPr>
+        <p:spPr>
+          <a:xfrm>
+            <a:off x="10627500" y="3721212"/>
+            <a:ext cx="255701" cy="285243"/>
+          </a:xfrm>
+          <a:prstGeom prst="ellipse">
+            <a:avLst/>
+          </a:prstGeom>
+          <a:solidFill>
+            <a:srgbClr val="00B050"/>
+          </a:solidFill>
+          <a:ln>
+            <a:solidFill>
+              <a:schemeClr val="accent6"/>
+            </a:solidFill>
+          </a:ln>
+        </p:spPr>
+        <p:style>
+          <a:lnRef idx="2">
+            <a:schemeClr val="accent1">
+              <a:shade val="50000"/>
+            </a:schemeClr>
+          </a:lnRef>
+          <a:fillRef idx="1">
+            <a:schemeClr val="accent1"/>
+          </a:fillRef>
+          <a:effectRef idx="0">
+            <a:schemeClr val="accent1"/>
+          </a:effectRef>
+          <a:fontRef idx="minor">
+            <a:schemeClr val="lt1"/>
+          </a:fontRef>
+        </p:style>
+        <p:txBody>
+          <a:bodyPr rtlCol="0" anchor="ctr"/>
+          <a:lstStyle/>
+          <a:p>
+            <a:pPr algn="ctr"/>
+            <a:r>
+              <a:rPr lang="en-US" altLang="ko-KR" dirty="0"/>
+              <a:t>5</a:t>
+            </a:r>
+            <a:endParaRPr lang="ko-KR" altLang="en-US" dirty="0"/>
+          </a:p>
+        </p:txBody>
+      </p:sp>
+      <p:cxnSp>
+        <p:nvCxnSpPr>
+          <p:cNvPr id="194" name="직선 화살표 연결선 193"/>
+          <p:cNvCxnSpPr/>
+          <p:nvPr/>
+        </p:nvCxnSpPr>
+        <p:spPr>
+          <a:xfrm flipH="1" flipV="1">
+            <a:off x="9943421" y="3432466"/>
+            <a:ext cx="684079" cy="357202"/>
+          </a:xfrm>
+          <a:prstGeom prst="straightConnector1">
+            <a:avLst/>
+          </a:prstGeom>
+          <a:ln w="28575">
+            <a:solidFill>
+              <a:schemeClr val="accent6"/>
+            </a:solidFill>
+            <a:prstDash val="sysDash"/>
+            <a:tailEnd type="triangle"/>
+          </a:ln>
+        </p:spPr>
+        <p:style>
+          <a:lnRef idx="1">
+            <a:schemeClr val="accent1"/>
+          </a:lnRef>
+          <a:fillRef idx="0">
+            <a:schemeClr val="accent1"/>
+          </a:fillRef>
+          <a:effectRef idx="0">
+            <a:schemeClr val="accent1"/>
+          </a:effectRef>
+          <a:fontRef idx="minor">
+            <a:schemeClr val="tx1"/>
+          </a:fontRef>
+        </p:style>
+      </p:cxnSp>
+      <p:sp>
+        <p:nvSpPr>
+          <p:cNvPr id="195" name="타원 194"/>
+          <p:cNvSpPr/>
+          <p:nvPr/>
+        </p:nvSpPr>
+        <p:spPr>
+          <a:xfrm>
+            <a:off x="3200872" y="754153"/>
+            <a:ext cx="255701" cy="285243"/>
+          </a:xfrm>
+          <a:prstGeom prst="ellipse">
+            <a:avLst/>
+          </a:prstGeom>
+          <a:solidFill>
+            <a:srgbClr val="00B050"/>
+          </a:solidFill>
+          <a:ln>
+            <a:solidFill>
+              <a:schemeClr val="accent6"/>
+            </a:solidFill>
+          </a:ln>
+        </p:spPr>
+        <p:style>
+          <a:lnRef idx="2">
+            <a:schemeClr val="accent1">
+              <a:shade val="50000"/>
+            </a:schemeClr>
+          </a:lnRef>
+          <a:fillRef idx="1">
+            <a:schemeClr val="accent1"/>
+          </a:fillRef>
+          <a:effectRef idx="0">
+            <a:schemeClr val="accent1"/>
+          </a:effectRef>
+          <a:fontRef idx="minor">
+            <a:schemeClr val="lt1"/>
+          </a:fontRef>
+        </p:style>
+        <p:txBody>
+          <a:bodyPr rtlCol="0" anchor="ctr"/>
+          <a:lstStyle/>
+          <a:p>
+            <a:pPr algn="ctr"/>
+            <a:r>
+              <a:rPr lang="en-US" altLang="ko-KR" dirty="0" smtClean="0"/>
+              <a:t>7</a:t>
+            </a:r>
+            <a:endParaRPr lang="ko-KR" altLang="en-US" dirty="0"/>
+          </a:p>
+        </p:txBody>
+      </p:sp>
+      <p:cxnSp>
+        <p:nvCxnSpPr>
+          <p:cNvPr id="196" name="직선 화살표 연결선 195"/>
+          <p:cNvCxnSpPr/>
+          <p:nvPr/>
+        </p:nvCxnSpPr>
+        <p:spPr>
+          <a:xfrm flipH="1">
+            <a:off x="8375702" y="745841"/>
+            <a:ext cx="1145903" cy="5588"/>
+          </a:xfrm>
+          <a:prstGeom prst="straightConnector1">
+            <a:avLst/>
+          </a:prstGeom>
+          <a:ln w="28575">
+            <a:solidFill>
+              <a:schemeClr val="accent6"/>
+            </a:solidFill>
+            <a:prstDash val="sysDash"/>
+            <a:tailEnd type="triangle"/>
+          </a:ln>
+        </p:spPr>
+        <p:style>
+          <a:lnRef idx="1">
+            <a:schemeClr val="accent1"/>
+          </a:lnRef>
+          <a:fillRef idx="0">
+            <a:schemeClr val="accent1"/>
+          </a:fillRef>
+          <a:effectRef idx="0">
+            <a:schemeClr val="accent1"/>
+          </a:effectRef>
+          <a:fontRef idx="minor">
+            <a:schemeClr val="tx1"/>
+          </a:fontRef>
+        </p:style>
+      </p:cxnSp>
+      <p:sp>
+        <p:nvSpPr>
+          <p:cNvPr id="197" name="TextBox 196"/>
+          <p:cNvSpPr txBox="1"/>
+          <p:nvPr/>
+        </p:nvSpPr>
+        <p:spPr>
+          <a:xfrm>
+            <a:off x="9630642" y="569402"/>
+            <a:ext cx="1307089" cy="369332"/>
+          </a:xfrm>
+          <a:prstGeom prst="rect">
+            <a:avLst/>
+          </a:prstGeom>
+          <a:noFill/>
+        </p:spPr>
+        <p:txBody>
+          <a:bodyPr wrap="none" rtlCol="0">
+            <a:spAutoFit/>
+          </a:bodyPr>
+          <a:lstStyle/>
+          <a:p>
+            <a:r>
+              <a:rPr lang="en-US" altLang="ko-KR" dirty="0" smtClean="0"/>
+              <a:t>Post Order</a:t>
+            </a:r>
+            <a:endParaRPr lang="ko-KR" altLang="en-US" dirty="0"/>
+          </a:p>
+        </p:txBody>
+      </p:sp>
+    </p:spTree>
+    <p:extLst>
+      <p:ext uri="{BB962C8B-B14F-4D97-AF65-F5344CB8AC3E}">
+        <p14:creationId xmlns:p14="http://schemas.microsoft.com/office/powerpoint/2010/main" val="2909304907"/>
+      </p:ext>
+    </p:extLst>
+  </p:cSld>
+  <p:clrMapOvr>
+    <a:masterClrMapping/>
+  </p:clrMapOvr>
+</p:sld>
+</file>
+
 <file path=ppt/theme/theme1.xml><?xml version="1.0" encoding="utf-8"?>
 <a:theme xmlns:a="http://schemas.openxmlformats.org/drawingml/2006/main" name="Office 테마">
   <a:themeElements>
